--- a/Documentation/Prezentacija.pptx
+++ b/Documentation/Prezentacija.pptx
@@ -12,7 +12,8 @@
     <p:sldId id="259" r:id="rId6"/>
     <p:sldId id="269" r:id="rId7"/>
     <p:sldId id="270" r:id="rId8"/>
-    <p:sldId id="267" r:id="rId9"/>
+    <p:sldId id="272" r:id="rId9"/>
+    <p:sldId id="267" r:id="rId10"/>
   </p:sldIdLst>
   <p:sldSz cx="12192000" cy="6858000"/>
   <p:notesSz cx="7099300" cy="10223500"/>
@@ -130,6 +131,4979 @@
 </p:presentation>
 </file>
 
+<file path=ppt/charts/chart1.xml><?xml version="1.0" encoding="utf-8"?>
+<c:chartSpace xmlns:c="http://schemas.openxmlformats.org/drawingml/2006/chart" xmlns:a="http://schemas.openxmlformats.org/drawingml/2006/main" xmlns:r="http://schemas.openxmlformats.org/officeDocument/2006/relationships">
+  <c:date1904 val="0"/>
+  <c:lang val="en-US"/>
+  <c:roundedCorners val="0"/>
+  <mc:AlternateContent xmlns:mc="http://schemas.openxmlformats.org/markup-compatibility/2006">
+    <mc:Choice xmlns:c14="http://schemas.microsoft.com/office/drawing/2007/8/2/chart" Requires="c14">
+      <c14:style val="102"/>
+    </mc:Choice>
+    <mc:Fallback>
+      <c:style val="2"/>
+    </mc:Fallback>
+  </mc:AlternateContent>
+  <c:chart>
+    <c:title>
+      <c:tx>
+        <c:rich>
+          <a:bodyPr rot="0" spcFirstLastPara="1" vertOverflow="ellipsis" vert="horz" wrap="square" anchor="ctr" anchorCtr="1"/>
+          <a:lstStyle/>
+          <a:p>
+            <a:pPr>
+              <a:defRPr sz="1800" b="0" i="0" u="none" strike="noStrike" kern="1200" spc="0" baseline="0">
+                <a:solidFill>
+                  <a:schemeClr val="tx1">
+                    <a:lumMod val="65000"/>
+                    <a:lumOff val="35000"/>
+                  </a:schemeClr>
+                </a:solidFill>
+                <a:latin typeface="+mn-lt"/>
+                <a:ea typeface="+mn-ea"/>
+                <a:cs typeface="+mn-cs"/>
+              </a:defRPr>
+            </a:pPr>
+            <a:r>
+              <a:rPr lang="hr-BA" sz="1800"/>
+              <a:t>Vrijeme izgradnje stabla</a:t>
+            </a:r>
+            <a:r>
+              <a:rPr lang="hr-BA" sz="1800" baseline="0"/>
+              <a:t> valića</a:t>
+            </a:r>
+            <a:endParaRPr lang="hr-BA" sz="1800"/>
+          </a:p>
+        </c:rich>
+      </c:tx>
+      <c:layout/>
+      <c:overlay val="0"/>
+      <c:spPr>
+        <a:noFill/>
+        <a:ln>
+          <a:noFill/>
+        </a:ln>
+        <a:effectLst/>
+      </c:spPr>
+      <c:txPr>
+        <a:bodyPr rot="0" spcFirstLastPara="1" vertOverflow="ellipsis" vert="horz" wrap="square" anchor="ctr" anchorCtr="1"/>
+        <a:lstStyle/>
+        <a:p>
+          <a:pPr>
+            <a:defRPr sz="1800" b="0" i="0" u="none" strike="noStrike" kern="1200" spc="0" baseline="0">
+              <a:solidFill>
+                <a:schemeClr val="tx1">
+                  <a:lumMod val="65000"/>
+                  <a:lumOff val="35000"/>
+                </a:schemeClr>
+              </a:solidFill>
+              <a:latin typeface="+mn-lt"/>
+              <a:ea typeface="+mn-ea"/>
+              <a:cs typeface="+mn-cs"/>
+            </a:defRPr>
+          </a:pPr>
+          <a:endParaRPr lang="sr-Latn-RS"/>
+        </a:p>
+      </c:txPr>
+    </c:title>
+    <c:autoTitleDeleted val="0"/>
+    <c:plotArea>
+      <c:layout/>
+      <c:lineChart>
+        <c:grouping val="stacked"/>
+        <c:varyColors val="0"/>
+        <c:ser>
+          <c:idx val="0"/>
+          <c:order val="0"/>
+          <c:tx>
+            <c:v>4</c:v>
+          </c:tx>
+          <c:spPr>
+            <a:ln w="28575" cap="rnd">
+              <a:solidFill>
+                <a:schemeClr val="accent1"/>
+              </a:solidFill>
+              <a:round/>
+            </a:ln>
+            <a:effectLst/>
+          </c:spPr>
+          <c:marker>
+            <c:symbol val="circle"/>
+            <c:size val="5"/>
+            <c:spPr>
+              <a:solidFill>
+                <a:schemeClr val="accent1"/>
+              </a:solidFill>
+              <a:ln w="9525">
+                <a:solidFill>
+                  <a:schemeClr val="accent1"/>
+                </a:solidFill>
+              </a:ln>
+              <a:effectLst/>
+            </c:spPr>
+          </c:marker>
+          <c:cat>
+            <c:numRef>
+              <c:f>Sheet1!$A$2:$A$8</c:f>
+              <c:numCache>
+                <c:formatCode>0</c:formatCode>
+                <c:ptCount val="7"/>
+                <c:pt idx="0">
+                  <c:v>100</c:v>
+                </c:pt>
+                <c:pt idx="1">
+                  <c:v>1000</c:v>
+                </c:pt>
+                <c:pt idx="2">
+                  <c:v>10000</c:v>
+                </c:pt>
+                <c:pt idx="3">
+                  <c:v>100000</c:v>
+                </c:pt>
+                <c:pt idx="4">
+                  <c:v>1000000</c:v>
+                </c:pt>
+                <c:pt idx="5">
+                  <c:v>10000000</c:v>
+                </c:pt>
+                <c:pt idx="6">
+                  <c:v>100000000</c:v>
+                </c:pt>
+              </c:numCache>
+            </c:numRef>
+          </c:cat>
+          <c:val>
+            <c:numRef>
+              <c:f>Sheet1!$B$2:$B$8</c:f>
+              <c:numCache>
+                <c:formatCode>0</c:formatCode>
+                <c:ptCount val="7"/>
+                <c:pt idx="0">
+                  <c:v>1</c:v>
+                </c:pt>
+                <c:pt idx="1">
+                  <c:v>2</c:v>
+                </c:pt>
+                <c:pt idx="2">
+                  <c:v>14</c:v>
+                </c:pt>
+                <c:pt idx="3">
+                  <c:v>378</c:v>
+                </c:pt>
+                <c:pt idx="4">
+                  <c:v>5516</c:v>
+                </c:pt>
+                <c:pt idx="5">
+                  <c:v>155459</c:v>
+                </c:pt>
+                <c:pt idx="6">
+                  <c:v>5107821</c:v>
+                </c:pt>
+              </c:numCache>
+            </c:numRef>
+          </c:val>
+          <c:smooth val="0"/>
+        </c:ser>
+        <c:ser>
+          <c:idx val="1"/>
+          <c:order val="1"/>
+          <c:tx>
+            <c:v>8</c:v>
+          </c:tx>
+          <c:spPr>
+            <a:ln w="28575" cap="rnd">
+              <a:solidFill>
+                <a:schemeClr val="accent2"/>
+              </a:solidFill>
+              <a:round/>
+            </a:ln>
+            <a:effectLst/>
+          </c:spPr>
+          <c:marker>
+            <c:symbol val="circle"/>
+            <c:size val="5"/>
+            <c:spPr>
+              <a:solidFill>
+                <a:schemeClr val="accent2"/>
+              </a:solidFill>
+              <a:ln w="9525">
+                <a:solidFill>
+                  <a:schemeClr val="accent2"/>
+                </a:solidFill>
+              </a:ln>
+              <a:effectLst/>
+            </c:spPr>
+          </c:marker>
+          <c:cat>
+            <c:numRef>
+              <c:f>Sheet1!$A$2:$A$8</c:f>
+              <c:numCache>
+                <c:formatCode>0</c:formatCode>
+                <c:ptCount val="7"/>
+                <c:pt idx="0">
+                  <c:v>100</c:v>
+                </c:pt>
+                <c:pt idx="1">
+                  <c:v>1000</c:v>
+                </c:pt>
+                <c:pt idx="2">
+                  <c:v>10000</c:v>
+                </c:pt>
+                <c:pt idx="3">
+                  <c:v>100000</c:v>
+                </c:pt>
+                <c:pt idx="4">
+                  <c:v>1000000</c:v>
+                </c:pt>
+                <c:pt idx="5">
+                  <c:v>10000000</c:v>
+                </c:pt>
+                <c:pt idx="6">
+                  <c:v>100000000</c:v>
+                </c:pt>
+              </c:numCache>
+            </c:numRef>
+          </c:cat>
+          <c:val>
+            <c:numRef>
+              <c:f>Sheet1!$C$2:$C$8</c:f>
+              <c:numCache>
+                <c:formatCode>0</c:formatCode>
+                <c:ptCount val="7"/>
+                <c:pt idx="0">
+                  <c:v>1</c:v>
+                </c:pt>
+                <c:pt idx="1">
+                  <c:v>1</c:v>
+                </c:pt>
+                <c:pt idx="2">
+                  <c:v>28</c:v>
+                </c:pt>
+                <c:pt idx="3">
+                  <c:v>757</c:v>
+                </c:pt>
+                <c:pt idx="4">
+                  <c:v>11519</c:v>
+                </c:pt>
+                <c:pt idx="5">
+                  <c:v>315767</c:v>
+                </c:pt>
+                <c:pt idx="6">
+                  <c:v>10759557</c:v>
+                </c:pt>
+              </c:numCache>
+            </c:numRef>
+          </c:val>
+          <c:smooth val="0"/>
+        </c:ser>
+        <c:ser>
+          <c:idx val="2"/>
+          <c:order val="2"/>
+          <c:tx>
+            <c:strRef>
+              <c:f>Sheet1!$D$1</c:f>
+              <c:strCache>
+                <c:ptCount val="1"/>
+                <c:pt idx="0">
+                  <c:v>28</c:v>
+                </c:pt>
+              </c:strCache>
+            </c:strRef>
+          </c:tx>
+          <c:spPr>
+            <a:ln w="28575" cap="rnd">
+              <a:solidFill>
+                <a:schemeClr val="accent3"/>
+              </a:solidFill>
+              <a:round/>
+            </a:ln>
+            <a:effectLst/>
+          </c:spPr>
+          <c:marker>
+            <c:symbol val="circle"/>
+            <c:size val="5"/>
+            <c:spPr>
+              <a:solidFill>
+                <a:schemeClr val="accent3"/>
+              </a:solidFill>
+              <a:ln w="9525">
+                <a:solidFill>
+                  <a:schemeClr val="accent3"/>
+                </a:solidFill>
+              </a:ln>
+              <a:effectLst/>
+            </c:spPr>
+          </c:marker>
+          <c:cat>
+            <c:numRef>
+              <c:f>Sheet1!$A$2:$A$8</c:f>
+              <c:numCache>
+                <c:formatCode>0</c:formatCode>
+                <c:ptCount val="7"/>
+                <c:pt idx="0">
+                  <c:v>100</c:v>
+                </c:pt>
+                <c:pt idx="1">
+                  <c:v>1000</c:v>
+                </c:pt>
+                <c:pt idx="2">
+                  <c:v>10000</c:v>
+                </c:pt>
+                <c:pt idx="3">
+                  <c:v>100000</c:v>
+                </c:pt>
+                <c:pt idx="4">
+                  <c:v>1000000</c:v>
+                </c:pt>
+                <c:pt idx="5">
+                  <c:v>10000000</c:v>
+                </c:pt>
+                <c:pt idx="6">
+                  <c:v>100000000</c:v>
+                </c:pt>
+              </c:numCache>
+            </c:numRef>
+          </c:cat>
+          <c:val>
+            <c:numRef>
+              <c:f>Sheet1!$D$2:$D$8</c:f>
+              <c:numCache>
+                <c:formatCode>0</c:formatCode>
+                <c:ptCount val="7"/>
+                <c:pt idx="0">
+                  <c:v>2</c:v>
+                </c:pt>
+                <c:pt idx="1">
+                  <c:v>2</c:v>
+                </c:pt>
+                <c:pt idx="2">
+                  <c:v>43</c:v>
+                </c:pt>
+                <c:pt idx="3">
+                  <c:v>878</c:v>
+                </c:pt>
+                <c:pt idx="4">
+                  <c:v>13267</c:v>
+                </c:pt>
+                <c:pt idx="5">
+                  <c:v>370959</c:v>
+                </c:pt>
+                <c:pt idx="6">
+                  <c:v>11329138</c:v>
+                </c:pt>
+              </c:numCache>
+            </c:numRef>
+          </c:val>
+          <c:smooth val="0"/>
+        </c:ser>
+        <c:dLbls>
+          <c:showLegendKey val="0"/>
+          <c:showVal val="0"/>
+          <c:showCatName val="0"/>
+          <c:showSerName val="0"/>
+          <c:showPercent val="0"/>
+          <c:showBubbleSize val="0"/>
+        </c:dLbls>
+        <c:marker val="1"/>
+        <c:smooth val="0"/>
+        <c:axId val="830819584"/>
+        <c:axId val="830811424"/>
+      </c:lineChart>
+      <c:catAx>
+        <c:axId val="830819584"/>
+        <c:scaling>
+          <c:orientation val="minMax"/>
+        </c:scaling>
+        <c:delete val="0"/>
+        <c:axPos val="b"/>
+        <c:majorGridlines>
+          <c:spPr>
+            <a:ln w="9525" cap="flat" cmpd="sng" algn="ctr">
+              <a:solidFill>
+                <a:schemeClr val="tx1">
+                  <a:lumMod val="15000"/>
+                  <a:lumOff val="85000"/>
+                </a:schemeClr>
+              </a:solidFill>
+              <a:round/>
+            </a:ln>
+            <a:effectLst/>
+          </c:spPr>
+        </c:majorGridlines>
+        <c:title>
+          <c:tx>
+            <c:rich>
+              <a:bodyPr rot="0" spcFirstLastPara="1" vertOverflow="ellipsis" vert="horz" wrap="square" anchor="ctr" anchorCtr="1"/>
+              <a:lstStyle/>
+              <a:p>
+                <a:pPr>
+                  <a:defRPr sz="1400" b="0" i="0" u="none" strike="noStrike" kern="1200" baseline="0">
+                    <a:solidFill>
+                      <a:schemeClr val="tx1">
+                        <a:lumMod val="65000"/>
+                        <a:lumOff val="35000"/>
+                      </a:schemeClr>
+                    </a:solidFill>
+                    <a:latin typeface="+mn-lt"/>
+                    <a:ea typeface="+mn-ea"/>
+                    <a:cs typeface="+mn-cs"/>
+                  </a:defRPr>
+                </a:pPr>
+                <a:r>
+                  <a:rPr lang="hr-BA" sz="1400"/>
+                  <a:t>Veličina ulazne</a:t>
+                </a:r>
+                <a:r>
+                  <a:rPr lang="hr-BA" sz="1400" baseline="0"/>
+                  <a:t> datoteke [broj znakova]</a:t>
+                </a:r>
+                <a:endParaRPr lang="hr-BA" sz="1400"/>
+              </a:p>
+            </c:rich>
+          </c:tx>
+          <c:layout/>
+          <c:overlay val="0"/>
+          <c:spPr>
+            <a:noFill/>
+            <a:ln>
+              <a:noFill/>
+            </a:ln>
+            <a:effectLst/>
+          </c:spPr>
+          <c:txPr>
+            <a:bodyPr rot="0" spcFirstLastPara="1" vertOverflow="ellipsis" vert="horz" wrap="square" anchor="ctr" anchorCtr="1"/>
+            <a:lstStyle/>
+            <a:p>
+              <a:pPr>
+                <a:defRPr sz="1400" b="0" i="0" u="none" strike="noStrike" kern="1200" baseline="0">
+                  <a:solidFill>
+                    <a:schemeClr val="tx1">
+                      <a:lumMod val="65000"/>
+                      <a:lumOff val="35000"/>
+                    </a:schemeClr>
+                  </a:solidFill>
+                  <a:latin typeface="+mn-lt"/>
+                  <a:ea typeface="+mn-ea"/>
+                  <a:cs typeface="+mn-cs"/>
+                </a:defRPr>
+              </a:pPr>
+              <a:endParaRPr lang="sr-Latn-RS"/>
+            </a:p>
+          </c:txPr>
+        </c:title>
+        <c:numFmt formatCode="0" sourceLinked="1"/>
+        <c:majorTickMark val="none"/>
+        <c:minorTickMark val="none"/>
+        <c:tickLblPos val="nextTo"/>
+        <c:spPr>
+          <a:noFill/>
+          <a:ln w="9525" cap="flat" cmpd="sng" algn="ctr">
+            <a:solidFill>
+              <a:schemeClr val="tx1">
+                <a:lumMod val="15000"/>
+                <a:lumOff val="85000"/>
+              </a:schemeClr>
+            </a:solidFill>
+            <a:round/>
+          </a:ln>
+          <a:effectLst/>
+        </c:spPr>
+        <c:txPr>
+          <a:bodyPr rot="-60000000" spcFirstLastPara="1" vertOverflow="ellipsis" vert="horz" wrap="square" anchor="ctr" anchorCtr="1"/>
+          <a:lstStyle/>
+          <a:p>
+            <a:pPr>
+              <a:defRPr sz="1400" b="0" i="0" u="none" strike="noStrike" kern="1200" baseline="0">
+                <a:solidFill>
+                  <a:schemeClr val="tx1">
+                    <a:lumMod val="65000"/>
+                    <a:lumOff val="35000"/>
+                  </a:schemeClr>
+                </a:solidFill>
+                <a:latin typeface="+mn-lt"/>
+                <a:ea typeface="+mn-ea"/>
+                <a:cs typeface="+mn-cs"/>
+              </a:defRPr>
+            </a:pPr>
+            <a:endParaRPr lang="sr-Latn-RS"/>
+          </a:p>
+        </c:txPr>
+        <c:crossAx val="830811424"/>
+        <c:crosses val="autoZero"/>
+        <c:auto val="1"/>
+        <c:lblAlgn val="ctr"/>
+        <c:lblOffset val="100"/>
+        <c:noMultiLvlLbl val="0"/>
+      </c:catAx>
+      <c:valAx>
+        <c:axId val="830811424"/>
+        <c:scaling>
+          <c:logBase val="10"/>
+          <c:orientation val="minMax"/>
+        </c:scaling>
+        <c:delete val="0"/>
+        <c:axPos val="l"/>
+        <c:majorGridlines>
+          <c:spPr>
+            <a:ln w="9525" cap="flat" cmpd="sng" algn="ctr">
+              <a:solidFill>
+                <a:schemeClr val="tx1">
+                  <a:lumMod val="15000"/>
+                  <a:lumOff val="85000"/>
+                </a:schemeClr>
+              </a:solidFill>
+              <a:round/>
+            </a:ln>
+            <a:effectLst/>
+          </c:spPr>
+        </c:majorGridlines>
+        <c:title>
+          <c:tx>
+            <c:rich>
+              <a:bodyPr rot="-5400000" spcFirstLastPara="1" vertOverflow="ellipsis" vert="horz" wrap="square" anchor="ctr" anchorCtr="1"/>
+              <a:lstStyle/>
+              <a:p>
+                <a:pPr>
+                  <a:defRPr sz="1400" b="0" i="0" u="none" strike="noStrike" kern="1200" baseline="0">
+                    <a:solidFill>
+                      <a:schemeClr val="tx1">
+                        <a:lumMod val="65000"/>
+                        <a:lumOff val="35000"/>
+                      </a:schemeClr>
+                    </a:solidFill>
+                    <a:latin typeface="+mn-lt"/>
+                    <a:ea typeface="+mn-ea"/>
+                    <a:cs typeface="+mn-cs"/>
+                  </a:defRPr>
+                </a:pPr>
+                <a:r>
+                  <a:rPr lang="hr-BA" sz="1400"/>
+                  <a:t>Vrijeme [ms]</a:t>
+                </a:r>
+              </a:p>
+            </c:rich>
+          </c:tx>
+          <c:layout/>
+          <c:overlay val="0"/>
+          <c:spPr>
+            <a:noFill/>
+            <a:ln>
+              <a:noFill/>
+            </a:ln>
+            <a:effectLst/>
+          </c:spPr>
+          <c:txPr>
+            <a:bodyPr rot="-5400000" spcFirstLastPara="1" vertOverflow="ellipsis" vert="horz" wrap="square" anchor="ctr" anchorCtr="1"/>
+            <a:lstStyle/>
+            <a:p>
+              <a:pPr>
+                <a:defRPr sz="1400" b="0" i="0" u="none" strike="noStrike" kern="1200" baseline="0">
+                  <a:solidFill>
+                    <a:schemeClr val="tx1">
+                      <a:lumMod val="65000"/>
+                      <a:lumOff val="35000"/>
+                    </a:schemeClr>
+                  </a:solidFill>
+                  <a:latin typeface="+mn-lt"/>
+                  <a:ea typeface="+mn-ea"/>
+                  <a:cs typeface="+mn-cs"/>
+                </a:defRPr>
+              </a:pPr>
+              <a:endParaRPr lang="sr-Latn-RS"/>
+            </a:p>
+          </c:txPr>
+        </c:title>
+        <c:numFmt formatCode="0" sourceLinked="1"/>
+        <c:majorTickMark val="none"/>
+        <c:minorTickMark val="none"/>
+        <c:tickLblPos val="nextTo"/>
+        <c:spPr>
+          <a:noFill/>
+          <a:ln>
+            <a:noFill/>
+          </a:ln>
+          <a:effectLst/>
+        </c:spPr>
+        <c:txPr>
+          <a:bodyPr rot="-60000000" spcFirstLastPara="1" vertOverflow="ellipsis" vert="horz" wrap="square" anchor="ctr" anchorCtr="1"/>
+          <a:lstStyle/>
+          <a:p>
+            <a:pPr>
+              <a:defRPr sz="1400" b="0" i="0" u="none" strike="noStrike" kern="1200" baseline="0">
+                <a:solidFill>
+                  <a:schemeClr val="tx1">
+                    <a:lumMod val="65000"/>
+                    <a:lumOff val="35000"/>
+                  </a:schemeClr>
+                </a:solidFill>
+                <a:latin typeface="+mn-lt"/>
+                <a:ea typeface="+mn-ea"/>
+                <a:cs typeface="+mn-cs"/>
+              </a:defRPr>
+            </a:pPr>
+            <a:endParaRPr lang="sr-Latn-RS"/>
+          </a:p>
+        </c:txPr>
+        <c:crossAx val="830819584"/>
+        <c:crosses val="autoZero"/>
+        <c:crossBetween val="between"/>
+      </c:valAx>
+      <c:spPr>
+        <a:noFill/>
+        <a:ln>
+          <a:noFill/>
+        </a:ln>
+        <a:effectLst/>
+      </c:spPr>
+    </c:plotArea>
+    <c:legend>
+      <c:legendPos val="b"/>
+      <c:layout/>
+      <c:overlay val="0"/>
+      <c:spPr>
+        <a:noFill/>
+        <a:ln>
+          <a:noFill/>
+        </a:ln>
+        <a:effectLst/>
+      </c:spPr>
+      <c:txPr>
+        <a:bodyPr rot="0" spcFirstLastPara="1" vertOverflow="ellipsis" vert="horz" wrap="square" anchor="ctr" anchorCtr="1"/>
+        <a:lstStyle/>
+        <a:p>
+          <a:pPr>
+            <a:defRPr sz="1400" b="0" i="0" u="none" strike="noStrike" kern="1200" baseline="0">
+              <a:solidFill>
+                <a:schemeClr val="tx1">
+                  <a:lumMod val="65000"/>
+                  <a:lumOff val="35000"/>
+                </a:schemeClr>
+              </a:solidFill>
+              <a:latin typeface="+mn-lt"/>
+              <a:ea typeface="+mn-ea"/>
+              <a:cs typeface="+mn-cs"/>
+            </a:defRPr>
+          </a:pPr>
+          <a:endParaRPr lang="sr-Latn-RS"/>
+        </a:p>
+      </c:txPr>
+    </c:legend>
+    <c:plotVisOnly val="1"/>
+    <c:dispBlanksAs val="zero"/>
+    <c:showDLblsOverMax val="0"/>
+  </c:chart>
+  <c:spPr>
+    <a:solidFill>
+      <a:schemeClr val="bg1"/>
+    </a:solidFill>
+    <a:ln>
+      <a:noFill/>
+    </a:ln>
+    <a:effectLst/>
+  </c:spPr>
+  <c:txPr>
+    <a:bodyPr/>
+    <a:lstStyle/>
+    <a:p>
+      <a:pPr>
+        <a:defRPr/>
+      </a:pPr>
+      <a:endParaRPr lang="sr-Latn-RS"/>
+    </a:p>
+  </c:txPr>
+  <c:externalData r:id="rId3">
+    <c:autoUpdate val="0"/>
+  </c:externalData>
+  <c:userShapes r:id="rId4"/>
+</c:chartSpace>
+</file>
+
+<file path=ppt/charts/chart2.xml><?xml version="1.0" encoding="utf-8"?>
+<c:chartSpace xmlns:c="http://schemas.openxmlformats.org/drawingml/2006/chart" xmlns:a="http://schemas.openxmlformats.org/drawingml/2006/main" xmlns:r="http://schemas.openxmlformats.org/officeDocument/2006/relationships">
+  <c:date1904 val="0"/>
+  <c:lang val="en-US"/>
+  <c:roundedCorners val="0"/>
+  <mc:AlternateContent xmlns:mc="http://schemas.openxmlformats.org/markup-compatibility/2006">
+    <mc:Choice xmlns:c14="http://schemas.microsoft.com/office/drawing/2007/8/2/chart" Requires="c14">
+      <c14:style val="102"/>
+    </mc:Choice>
+    <mc:Fallback>
+      <c:style val="2"/>
+    </mc:Fallback>
+  </mc:AlternateContent>
+  <c:chart>
+    <c:title>
+      <c:tx>
+        <c:rich>
+          <a:bodyPr rot="0" spcFirstLastPara="1" vertOverflow="ellipsis" vert="horz" wrap="square" anchor="ctr" anchorCtr="1"/>
+          <a:lstStyle/>
+          <a:p>
+            <a:pPr>
+              <a:defRPr sz="1800" b="0" i="0" u="none" strike="noStrike" kern="1200" spc="0" baseline="0">
+                <a:solidFill>
+                  <a:schemeClr val="tx1">
+                    <a:lumMod val="65000"/>
+                    <a:lumOff val="35000"/>
+                  </a:schemeClr>
+                </a:solidFill>
+                <a:latin typeface="+mn-lt"/>
+                <a:ea typeface="+mn-ea"/>
+                <a:cs typeface="+mn-cs"/>
+              </a:defRPr>
+            </a:pPr>
+            <a:r>
+              <a:rPr lang="hr-BA" sz="1800"/>
+              <a:t>Vrijeme izvršavanja upita - rank</a:t>
+            </a:r>
+          </a:p>
+        </c:rich>
+      </c:tx>
+      <c:layout/>
+      <c:overlay val="0"/>
+      <c:spPr>
+        <a:noFill/>
+        <a:ln>
+          <a:noFill/>
+        </a:ln>
+        <a:effectLst/>
+      </c:spPr>
+      <c:txPr>
+        <a:bodyPr rot="0" spcFirstLastPara="1" vertOverflow="ellipsis" vert="horz" wrap="square" anchor="ctr" anchorCtr="1"/>
+        <a:lstStyle/>
+        <a:p>
+          <a:pPr>
+            <a:defRPr sz="1800" b="0" i="0" u="none" strike="noStrike" kern="1200" spc="0" baseline="0">
+              <a:solidFill>
+                <a:schemeClr val="tx1">
+                  <a:lumMod val="65000"/>
+                  <a:lumOff val="35000"/>
+                </a:schemeClr>
+              </a:solidFill>
+              <a:latin typeface="+mn-lt"/>
+              <a:ea typeface="+mn-ea"/>
+              <a:cs typeface="+mn-cs"/>
+            </a:defRPr>
+          </a:pPr>
+          <a:endParaRPr lang="sr-Latn-RS"/>
+        </a:p>
+      </c:txPr>
+    </c:title>
+    <c:autoTitleDeleted val="0"/>
+    <c:plotArea>
+      <c:layout/>
+      <c:lineChart>
+        <c:grouping val="standard"/>
+        <c:varyColors val="0"/>
+        <c:ser>
+          <c:idx val="0"/>
+          <c:order val="0"/>
+          <c:tx>
+            <c:strRef>
+              <c:f>Sheet1!$B$32</c:f>
+              <c:strCache>
+                <c:ptCount val="1"/>
+                <c:pt idx="0">
+                  <c:v>4</c:v>
+                </c:pt>
+              </c:strCache>
+            </c:strRef>
+          </c:tx>
+          <c:spPr>
+            <a:ln w="28575" cap="rnd">
+              <a:solidFill>
+                <a:schemeClr val="accent1"/>
+              </a:solidFill>
+              <a:round/>
+            </a:ln>
+            <a:effectLst/>
+          </c:spPr>
+          <c:marker>
+            <c:symbol val="circle"/>
+            <c:size val="5"/>
+            <c:spPr>
+              <a:solidFill>
+                <a:schemeClr val="accent1"/>
+              </a:solidFill>
+              <a:ln w="9525">
+                <a:solidFill>
+                  <a:schemeClr val="accent1"/>
+                </a:solidFill>
+              </a:ln>
+              <a:effectLst/>
+            </c:spPr>
+          </c:marker>
+          <c:cat>
+            <c:numRef>
+              <c:f>Sheet1!$A$33:$A$39</c:f>
+              <c:numCache>
+                <c:formatCode>0</c:formatCode>
+                <c:ptCount val="7"/>
+                <c:pt idx="0">
+                  <c:v>100</c:v>
+                </c:pt>
+                <c:pt idx="1">
+                  <c:v>1000</c:v>
+                </c:pt>
+                <c:pt idx="2">
+                  <c:v>10000</c:v>
+                </c:pt>
+                <c:pt idx="3">
+                  <c:v>100000</c:v>
+                </c:pt>
+                <c:pt idx="4">
+                  <c:v>1000000</c:v>
+                </c:pt>
+                <c:pt idx="5">
+                  <c:v>10000000</c:v>
+                </c:pt>
+                <c:pt idx="6">
+                  <c:v>100000000</c:v>
+                </c:pt>
+              </c:numCache>
+            </c:numRef>
+          </c:cat>
+          <c:val>
+            <c:numRef>
+              <c:f>Sheet1!$B$33:$B$39</c:f>
+              <c:numCache>
+                <c:formatCode>0</c:formatCode>
+                <c:ptCount val="7"/>
+                <c:pt idx="0">
+                  <c:v>1</c:v>
+                </c:pt>
+                <c:pt idx="1">
+                  <c:v>2</c:v>
+                </c:pt>
+                <c:pt idx="2">
+                  <c:v>1</c:v>
+                </c:pt>
+                <c:pt idx="3">
+                  <c:v>1</c:v>
+                </c:pt>
+                <c:pt idx="4">
+                  <c:v>1</c:v>
+                </c:pt>
+                <c:pt idx="5">
+                  <c:v>1</c:v>
+                </c:pt>
+                <c:pt idx="6">
+                  <c:v>1</c:v>
+                </c:pt>
+              </c:numCache>
+            </c:numRef>
+          </c:val>
+          <c:smooth val="0"/>
+        </c:ser>
+        <c:ser>
+          <c:idx val="1"/>
+          <c:order val="1"/>
+          <c:tx>
+            <c:strRef>
+              <c:f>Sheet1!$C$32</c:f>
+              <c:strCache>
+                <c:ptCount val="1"/>
+                <c:pt idx="0">
+                  <c:v>16</c:v>
+                </c:pt>
+              </c:strCache>
+            </c:strRef>
+          </c:tx>
+          <c:spPr>
+            <a:ln w="28575" cap="rnd">
+              <a:solidFill>
+                <a:schemeClr val="accent2"/>
+              </a:solidFill>
+              <a:round/>
+            </a:ln>
+            <a:effectLst/>
+          </c:spPr>
+          <c:marker>
+            <c:symbol val="circle"/>
+            <c:size val="5"/>
+            <c:spPr>
+              <a:solidFill>
+                <a:schemeClr val="accent2"/>
+              </a:solidFill>
+              <a:ln w="9525">
+                <a:solidFill>
+                  <a:schemeClr val="accent2"/>
+                </a:solidFill>
+              </a:ln>
+              <a:effectLst/>
+            </c:spPr>
+          </c:marker>
+          <c:cat>
+            <c:numRef>
+              <c:f>Sheet1!$A$33:$A$39</c:f>
+              <c:numCache>
+                <c:formatCode>0</c:formatCode>
+                <c:ptCount val="7"/>
+                <c:pt idx="0">
+                  <c:v>100</c:v>
+                </c:pt>
+                <c:pt idx="1">
+                  <c:v>1000</c:v>
+                </c:pt>
+                <c:pt idx="2">
+                  <c:v>10000</c:v>
+                </c:pt>
+                <c:pt idx="3">
+                  <c:v>100000</c:v>
+                </c:pt>
+                <c:pt idx="4">
+                  <c:v>1000000</c:v>
+                </c:pt>
+                <c:pt idx="5">
+                  <c:v>10000000</c:v>
+                </c:pt>
+                <c:pt idx="6">
+                  <c:v>100000000</c:v>
+                </c:pt>
+              </c:numCache>
+            </c:numRef>
+          </c:cat>
+          <c:val>
+            <c:numRef>
+              <c:f>Sheet1!$C$33:$C$39</c:f>
+              <c:numCache>
+                <c:formatCode>0</c:formatCode>
+                <c:ptCount val="7"/>
+                <c:pt idx="0">
+                  <c:v>1</c:v>
+                </c:pt>
+                <c:pt idx="1">
+                  <c:v>1</c:v>
+                </c:pt>
+                <c:pt idx="2">
+                  <c:v>2</c:v>
+                </c:pt>
+                <c:pt idx="3">
+                  <c:v>1</c:v>
+                </c:pt>
+                <c:pt idx="4">
+                  <c:v>1</c:v>
+                </c:pt>
+                <c:pt idx="5">
+                  <c:v>3</c:v>
+                </c:pt>
+                <c:pt idx="6">
+                  <c:v>3</c:v>
+                </c:pt>
+              </c:numCache>
+            </c:numRef>
+          </c:val>
+          <c:smooth val="0"/>
+        </c:ser>
+        <c:ser>
+          <c:idx val="2"/>
+          <c:order val="2"/>
+          <c:tx>
+            <c:strRef>
+              <c:f>Sheet1!$D$32</c:f>
+              <c:strCache>
+                <c:ptCount val="1"/>
+                <c:pt idx="0">
+                  <c:v>28</c:v>
+                </c:pt>
+              </c:strCache>
+            </c:strRef>
+          </c:tx>
+          <c:spPr>
+            <a:ln w="28575" cap="rnd">
+              <a:solidFill>
+                <a:schemeClr val="accent3"/>
+              </a:solidFill>
+              <a:round/>
+            </a:ln>
+            <a:effectLst/>
+          </c:spPr>
+          <c:marker>
+            <c:symbol val="circle"/>
+            <c:size val="5"/>
+            <c:spPr>
+              <a:solidFill>
+                <a:schemeClr val="accent3"/>
+              </a:solidFill>
+              <a:ln w="9525">
+                <a:solidFill>
+                  <a:schemeClr val="accent3"/>
+                </a:solidFill>
+              </a:ln>
+              <a:effectLst/>
+            </c:spPr>
+          </c:marker>
+          <c:cat>
+            <c:numRef>
+              <c:f>Sheet1!$A$33:$A$39</c:f>
+              <c:numCache>
+                <c:formatCode>0</c:formatCode>
+                <c:ptCount val="7"/>
+                <c:pt idx="0">
+                  <c:v>100</c:v>
+                </c:pt>
+                <c:pt idx="1">
+                  <c:v>1000</c:v>
+                </c:pt>
+                <c:pt idx="2">
+                  <c:v>10000</c:v>
+                </c:pt>
+                <c:pt idx="3">
+                  <c:v>100000</c:v>
+                </c:pt>
+                <c:pt idx="4">
+                  <c:v>1000000</c:v>
+                </c:pt>
+                <c:pt idx="5">
+                  <c:v>10000000</c:v>
+                </c:pt>
+                <c:pt idx="6">
+                  <c:v>100000000</c:v>
+                </c:pt>
+              </c:numCache>
+            </c:numRef>
+          </c:cat>
+          <c:val>
+            <c:numRef>
+              <c:f>Sheet1!$D$33:$D$39</c:f>
+              <c:numCache>
+                <c:formatCode>0</c:formatCode>
+                <c:ptCount val="7"/>
+                <c:pt idx="0">
+                  <c:v>1</c:v>
+                </c:pt>
+                <c:pt idx="1">
+                  <c:v>1</c:v>
+                </c:pt>
+                <c:pt idx="2">
+                  <c:v>1</c:v>
+                </c:pt>
+                <c:pt idx="3">
+                  <c:v>1</c:v>
+                </c:pt>
+                <c:pt idx="4">
+                  <c:v>2</c:v>
+                </c:pt>
+                <c:pt idx="5">
+                  <c:v>3</c:v>
+                </c:pt>
+                <c:pt idx="6">
+                  <c:v>4</c:v>
+                </c:pt>
+              </c:numCache>
+            </c:numRef>
+          </c:val>
+          <c:smooth val="0"/>
+        </c:ser>
+        <c:dLbls>
+          <c:showLegendKey val="0"/>
+          <c:showVal val="0"/>
+          <c:showCatName val="0"/>
+          <c:showSerName val="0"/>
+          <c:showPercent val="0"/>
+          <c:showBubbleSize val="0"/>
+        </c:dLbls>
+        <c:marker val="1"/>
+        <c:smooth val="0"/>
+        <c:axId val="1267819312"/>
+        <c:axId val="1267828016"/>
+      </c:lineChart>
+      <c:catAx>
+        <c:axId val="1267819312"/>
+        <c:scaling>
+          <c:orientation val="minMax"/>
+        </c:scaling>
+        <c:delete val="0"/>
+        <c:axPos val="b"/>
+        <c:title>
+          <c:tx>
+            <c:rich>
+              <a:bodyPr rot="0" spcFirstLastPara="1" vertOverflow="ellipsis" vert="horz" wrap="square" anchor="ctr" anchorCtr="1"/>
+              <a:lstStyle/>
+              <a:p>
+                <a:pPr>
+                  <a:defRPr sz="1400" b="0" i="0" u="none" strike="noStrike" kern="1200" baseline="0">
+                    <a:solidFill>
+                      <a:schemeClr val="tx1">
+                        <a:lumMod val="65000"/>
+                        <a:lumOff val="35000"/>
+                      </a:schemeClr>
+                    </a:solidFill>
+                    <a:latin typeface="+mn-lt"/>
+                    <a:ea typeface="+mn-ea"/>
+                    <a:cs typeface="+mn-cs"/>
+                  </a:defRPr>
+                </a:pPr>
+                <a:r>
+                  <a:rPr lang="hr-BA"/>
+                  <a:t>Veličina ulazne datoteke [broj znakova]</a:t>
+                </a:r>
+              </a:p>
+            </c:rich>
+          </c:tx>
+          <c:layout/>
+          <c:overlay val="0"/>
+          <c:spPr>
+            <a:noFill/>
+            <a:ln>
+              <a:noFill/>
+            </a:ln>
+            <a:effectLst/>
+          </c:spPr>
+          <c:txPr>
+            <a:bodyPr rot="0" spcFirstLastPara="1" vertOverflow="ellipsis" vert="horz" wrap="square" anchor="ctr" anchorCtr="1"/>
+            <a:lstStyle/>
+            <a:p>
+              <a:pPr>
+                <a:defRPr sz="1400" b="0" i="0" u="none" strike="noStrike" kern="1200" baseline="0">
+                  <a:solidFill>
+                    <a:schemeClr val="tx1">
+                      <a:lumMod val="65000"/>
+                      <a:lumOff val="35000"/>
+                    </a:schemeClr>
+                  </a:solidFill>
+                  <a:latin typeface="+mn-lt"/>
+                  <a:ea typeface="+mn-ea"/>
+                  <a:cs typeface="+mn-cs"/>
+                </a:defRPr>
+              </a:pPr>
+              <a:endParaRPr lang="sr-Latn-RS"/>
+            </a:p>
+          </c:txPr>
+        </c:title>
+        <c:numFmt formatCode="0" sourceLinked="1"/>
+        <c:majorTickMark val="none"/>
+        <c:minorTickMark val="none"/>
+        <c:tickLblPos val="nextTo"/>
+        <c:spPr>
+          <a:noFill/>
+          <a:ln w="9525" cap="flat" cmpd="sng" algn="ctr">
+            <a:solidFill>
+              <a:schemeClr val="tx1">
+                <a:lumMod val="15000"/>
+                <a:lumOff val="85000"/>
+              </a:schemeClr>
+            </a:solidFill>
+            <a:round/>
+          </a:ln>
+          <a:effectLst/>
+        </c:spPr>
+        <c:txPr>
+          <a:bodyPr rot="-60000000" spcFirstLastPara="1" vertOverflow="ellipsis" vert="horz" wrap="square" anchor="ctr" anchorCtr="1"/>
+          <a:lstStyle/>
+          <a:p>
+            <a:pPr>
+              <a:defRPr sz="1400" b="0" i="0" u="none" strike="noStrike" kern="1200" baseline="0">
+                <a:solidFill>
+                  <a:schemeClr val="tx1">
+                    <a:lumMod val="65000"/>
+                    <a:lumOff val="35000"/>
+                  </a:schemeClr>
+                </a:solidFill>
+                <a:latin typeface="+mn-lt"/>
+                <a:ea typeface="+mn-ea"/>
+                <a:cs typeface="+mn-cs"/>
+              </a:defRPr>
+            </a:pPr>
+            <a:endParaRPr lang="sr-Latn-RS"/>
+          </a:p>
+        </c:txPr>
+        <c:crossAx val="1267828016"/>
+        <c:crosses val="autoZero"/>
+        <c:auto val="1"/>
+        <c:lblAlgn val="ctr"/>
+        <c:lblOffset val="100"/>
+        <c:noMultiLvlLbl val="0"/>
+      </c:catAx>
+      <c:valAx>
+        <c:axId val="1267828016"/>
+        <c:scaling>
+          <c:orientation val="minMax"/>
+        </c:scaling>
+        <c:delete val="0"/>
+        <c:axPos val="l"/>
+        <c:majorGridlines>
+          <c:spPr>
+            <a:ln w="9525" cap="flat" cmpd="sng" algn="ctr">
+              <a:solidFill>
+                <a:schemeClr val="tx1">
+                  <a:lumMod val="15000"/>
+                  <a:lumOff val="85000"/>
+                </a:schemeClr>
+              </a:solidFill>
+              <a:round/>
+            </a:ln>
+            <a:effectLst/>
+          </c:spPr>
+        </c:majorGridlines>
+        <c:title>
+          <c:tx>
+            <c:rich>
+              <a:bodyPr rot="-5400000" spcFirstLastPara="1" vertOverflow="ellipsis" vert="horz" wrap="square" anchor="ctr" anchorCtr="1"/>
+              <a:lstStyle/>
+              <a:p>
+                <a:pPr>
+                  <a:defRPr sz="1400" b="0" i="0" u="none" strike="noStrike" kern="1200" baseline="0">
+                    <a:solidFill>
+                      <a:schemeClr val="tx1">
+                        <a:lumMod val="65000"/>
+                        <a:lumOff val="35000"/>
+                      </a:schemeClr>
+                    </a:solidFill>
+                    <a:latin typeface="+mn-lt"/>
+                    <a:ea typeface="+mn-ea"/>
+                    <a:cs typeface="+mn-cs"/>
+                  </a:defRPr>
+                </a:pPr>
+                <a:r>
+                  <a:rPr lang="hr-BA"/>
+                  <a:t>Vrijeme [</a:t>
+                </a:r>
+                <a:r>
+                  <a:rPr lang="el-GR"/>
+                  <a:t>μ</a:t>
+                </a:r>
+                <a:r>
+                  <a:rPr lang="hr-BA"/>
+                  <a:t>s]</a:t>
+                </a:r>
+              </a:p>
+            </c:rich>
+          </c:tx>
+          <c:layout/>
+          <c:overlay val="0"/>
+          <c:spPr>
+            <a:noFill/>
+            <a:ln>
+              <a:noFill/>
+            </a:ln>
+            <a:effectLst/>
+          </c:spPr>
+          <c:txPr>
+            <a:bodyPr rot="-5400000" spcFirstLastPara="1" vertOverflow="ellipsis" vert="horz" wrap="square" anchor="ctr" anchorCtr="1"/>
+            <a:lstStyle/>
+            <a:p>
+              <a:pPr>
+                <a:defRPr sz="1400" b="0" i="0" u="none" strike="noStrike" kern="1200" baseline="0">
+                  <a:solidFill>
+                    <a:schemeClr val="tx1">
+                      <a:lumMod val="65000"/>
+                      <a:lumOff val="35000"/>
+                    </a:schemeClr>
+                  </a:solidFill>
+                  <a:latin typeface="+mn-lt"/>
+                  <a:ea typeface="+mn-ea"/>
+                  <a:cs typeface="+mn-cs"/>
+                </a:defRPr>
+              </a:pPr>
+              <a:endParaRPr lang="sr-Latn-RS"/>
+            </a:p>
+          </c:txPr>
+        </c:title>
+        <c:numFmt formatCode="0" sourceLinked="1"/>
+        <c:majorTickMark val="none"/>
+        <c:minorTickMark val="none"/>
+        <c:tickLblPos val="nextTo"/>
+        <c:spPr>
+          <a:noFill/>
+          <a:ln>
+            <a:noFill/>
+          </a:ln>
+          <a:effectLst/>
+        </c:spPr>
+        <c:txPr>
+          <a:bodyPr rot="-60000000" spcFirstLastPara="1" vertOverflow="ellipsis" vert="horz" wrap="square" anchor="ctr" anchorCtr="1"/>
+          <a:lstStyle/>
+          <a:p>
+            <a:pPr>
+              <a:defRPr sz="1400" b="0" i="0" u="none" strike="noStrike" kern="1200" baseline="0">
+                <a:solidFill>
+                  <a:schemeClr val="tx1">
+                    <a:lumMod val="65000"/>
+                    <a:lumOff val="35000"/>
+                  </a:schemeClr>
+                </a:solidFill>
+                <a:latin typeface="+mn-lt"/>
+                <a:ea typeface="+mn-ea"/>
+                <a:cs typeface="+mn-cs"/>
+              </a:defRPr>
+            </a:pPr>
+            <a:endParaRPr lang="sr-Latn-RS"/>
+          </a:p>
+        </c:txPr>
+        <c:crossAx val="1267819312"/>
+        <c:crosses val="autoZero"/>
+        <c:crossBetween val="between"/>
+        <c:majorUnit val="1"/>
+      </c:valAx>
+      <c:spPr>
+        <a:noFill/>
+        <a:ln>
+          <a:noFill/>
+        </a:ln>
+        <a:effectLst/>
+      </c:spPr>
+    </c:plotArea>
+    <c:legend>
+      <c:legendPos val="b"/>
+      <c:layout/>
+      <c:overlay val="0"/>
+      <c:spPr>
+        <a:noFill/>
+        <a:ln>
+          <a:noFill/>
+        </a:ln>
+        <a:effectLst/>
+      </c:spPr>
+      <c:txPr>
+        <a:bodyPr rot="0" spcFirstLastPara="1" vertOverflow="ellipsis" vert="horz" wrap="square" anchor="ctr" anchorCtr="1"/>
+        <a:lstStyle/>
+        <a:p>
+          <a:pPr>
+            <a:defRPr sz="1400" b="0" i="0" u="none" strike="noStrike" kern="1200" baseline="0">
+              <a:solidFill>
+                <a:schemeClr val="tx1">
+                  <a:lumMod val="65000"/>
+                  <a:lumOff val="35000"/>
+                </a:schemeClr>
+              </a:solidFill>
+              <a:latin typeface="+mn-lt"/>
+              <a:ea typeface="+mn-ea"/>
+              <a:cs typeface="+mn-cs"/>
+            </a:defRPr>
+          </a:pPr>
+          <a:endParaRPr lang="sr-Latn-RS"/>
+        </a:p>
+      </c:txPr>
+    </c:legend>
+    <c:plotVisOnly val="1"/>
+    <c:dispBlanksAs val="gap"/>
+    <c:showDLblsOverMax val="0"/>
+  </c:chart>
+  <c:spPr>
+    <a:solidFill>
+      <a:schemeClr val="bg1"/>
+    </a:solidFill>
+    <a:ln>
+      <a:noFill/>
+    </a:ln>
+    <a:effectLst/>
+  </c:spPr>
+  <c:txPr>
+    <a:bodyPr/>
+    <a:lstStyle/>
+    <a:p>
+      <a:pPr>
+        <a:defRPr sz="1400"/>
+      </a:pPr>
+      <a:endParaRPr lang="sr-Latn-RS"/>
+    </a:p>
+  </c:txPr>
+  <c:externalData r:id="rId3">
+    <c:autoUpdate val="0"/>
+  </c:externalData>
+</c:chartSpace>
+</file>
+
+<file path=ppt/charts/chart3.xml><?xml version="1.0" encoding="utf-8"?>
+<c:chartSpace xmlns:c="http://schemas.openxmlformats.org/drawingml/2006/chart" xmlns:a="http://schemas.openxmlformats.org/drawingml/2006/main" xmlns:r="http://schemas.openxmlformats.org/officeDocument/2006/relationships">
+  <c:date1904 val="0"/>
+  <c:lang val="en-US"/>
+  <c:roundedCorners val="0"/>
+  <mc:AlternateContent xmlns:mc="http://schemas.openxmlformats.org/markup-compatibility/2006">
+    <mc:Choice xmlns:c14="http://schemas.microsoft.com/office/drawing/2007/8/2/chart" Requires="c14">
+      <c14:style val="102"/>
+    </mc:Choice>
+    <mc:Fallback>
+      <c:style val="2"/>
+    </mc:Fallback>
+  </mc:AlternateContent>
+  <c:chart>
+    <c:title>
+      <c:tx>
+        <c:rich>
+          <a:bodyPr rot="0" spcFirstLastPara="1" vertOverflow="ellipsis" vert="horz" wrap="square" anchor="ctr" anchorCtr="1"/>
+          <a:lstStyle/>
+          <a:p>
+            <a:pPr>
+              <a:defRPr sz="1800" b="0" i="0" u="none" strike="noStrike" kern="1200" spc="0" baseline="0">
+                <a:solidFill>
+                  <a:schemeClr val="tx1">
+                    <a:lumMod val="65000"/>
+                    <a:lumOff val="35000"/>
+                  </a:schemeClr>
+                </a:solidFill>
+                <a:latin typeface="+mn-lt"/>
+                <a:ea typeface="+mn-ea"/>
+                <a:cs typeface="+mn-cs"/>
+              </a:defRPr>
+            </a:pPr>
+            <a:r>
+              <a:rPr lang="hr-BA" sz="1800"/>
+              <a:t>Vrijeme izvršavanja upita - select</a:t>
+            </a:r>
+          </a:p>
+        </c:rich>
+      </c:tx>
+      <c:layout/>
+      <c:overlay val="0"/>
+      <c:spPr>
+        <a:noFill/>
+        <a:ln>
+          <a:noFill/>
+        </a:ln>
+        <a:effectLst/>
+      </c:spPr>
+      <c:txPr>
+        <a:bodyPr rot="0" spcFirstLastPara="1" vertOverflow="ellipsis" vert="horz" wrap="square" anchor="ctr" anchorCtr="1"/>
+        <a:lstStyle/>
+        <a:p>
+          <a:pPr>
+            <a:defRPr sz="1800" b="0" i="0" u="none" strike="noStrike" kern="1200" spc="0" baseline="0">
+              <a:solidFill>
+                <a:schemeClr val="tx1">
+                  <a:lumMod val="65000"/>
+                  <a:lumOff val="35000"/>
+                </a:schemeClr>
+              </a:solidFill>
+              <a:latin typeface="+mn-lt"/>
+              <a:ea typeface="+mn-ea"/>
+              <a:cs typeface="+mn-cs"/>
+            </a:defRPr>
+          </a:pPr>
+          <a:endParaRPr lang="sr-Latn-RS"/>
+        </a:p>
+      </c:txPr>
+    </c:title>
+    <c:autoTitleDeleted val="0"/>
+    <c:plotArea>
+      <c:layout/>
+      <c:lineChart>
+        <c:grouping val="standard"/>
+        <c:varyColors val="0"/>
+        <c:ser>
+          <c:idx val="0"/>
+          <c:order val="0"/>
+          <c:tx>
+            <c:strRef>
+              <c:f>Sheet1!$E$32</c:f>
+              <c:strCache>
+                <c:ptCount val="1"/>
+                <c:pt idx="0">
+                  <c:v>4</c:v>
+                </c:pt>
+              </c:strCache>
+            </c:strRef>
+          </c:tx>
+          <c:spPr>
+            <a:ln w="28575" cap="rnd">
+              <a:solidFill>
+                <a:schemeClr val="accent1"/>
+              </a:solidFill>
+              <a:round/>
+            </a:ln>
+            <a:effectLst/>
+          </c:spPr>
+          <c:marker>
+            <c:symbol val="circle"/>
+            <c:size val="5"/>
+            <c:spPr>
+              <a:solidFill>
+                <a:schemeClr val="accent1"/>
+              </a:solidFill>
+              <a:ln w="9525">
+                <a:solidFill>
+                  <a:schemeClr val="accent1"/>
+                </a:solidFill>
+              </a:ln>
+              <a:effectLst/>
+            </c:spPr>
+          </c:marker>
+          <c:cat>
+            <c:numRef>
+              <c:f>Sheet1!$A$33:$A$39</c:f>
+              <c:numCache>
+                <c:formatCode>0</c:formatCode>
+                <c:ptCount val="7"/>
+                <c:pt idx="0">
+                  <c:v>100</c:v>
+                </c:pt>
+                <c:pt idx="1">
+                  <c:v>1000</c:v>
+                </c:pt>
+                <c:pt idx="2">
+                  <c:v>10000</c:v>
+                </c:pt>
+                <c:pt idx="3">
+                  <c:v>100000</c:v>
+                </c:pt>
+                <c:pt idx="4">
+                  <c:v>1000000</c:v>
+                </c:pt>
+                <c:pt idx="5">
+                  <c:v>10000000</c:v>
+                </c:pt>
+                <c:pt idx="6">
+                  <c:v>100000000</c:v>
+                </c:pt>
+              </c:numCache>
+            </c:numRef>
+          </c:cat>
+          <c:val>
+            <c:numRef>
+              <c:f>Sheet1!$E$33:$E$39</c:f>
+              <c:numCache>
+                <c:formatCode>0</c:formatCode>
+                <c:ptCount val="7"/>
+                <c:pt idx="0">
+                  <c:v>1</c:v>
+                </c:pt>
+                <c:pt idx="1">
+                  <c:v>6</c:v>
+                </c:pt>
+                <c:pt idx="2">
+                  <c:v>2</c:v>
+                </c:pt>
+                <c:pt idx="3">
+                  <c:v>2</c:v>
+                </c:pt>
+                <c:pt idx="4">
+                  <c:v>2</c:v>
+                </c:pt>
+                <c:pt idx="5">
+                  <c:v>3</c:v>
+                </c:pt>
+                <c:pt idx="6">
+                  <c:v>5</c:v>
+                </c:pt>
+              </c:numCache>
+            </c:numRef>
+          </c:val>
+          <c:smooth val="0"/>
+        </c:ser>
+        <c:ser>
+          <c:idx val="1"/>
+          <c:order val="1"/>
+          <c:tx>
+            <c:strRef>
+              <c:f>Sheet1!$F$32</c:f>
+              <c:strCache>
+                <c:ptCount val="1"/>
+                <c:pt idx="0">
+                  <c:v>16</c:v>
+                </c:pt>
+              </c:strCache>
+            </c:strRef>
+          </c:tx>
+          <c:spPr>
+            <a:ln w="28575" cap="rnd">
+              <a:solidFill>
+                <a:schemeClr val="accent2"/>
+              </a:solidFill>
+              <a:round/>
+            </a:ln>
+            <a:effectLst/>
+          </c:spPr>
+          <c:marker>
+            <c:symbol val="circle"/>
+            <c:size val="5"/>
+            <c:spPr>
+              <a:solidFill>
+                <a:schemeClr val="accent2"/>
+              </a:solidFill>
+              <a:ln w="9525">
+                <a:solidFill>
+                  <a:schemeClr val="accent2"/>
+                </a:solidFill>
+              </a:ln>
+              <a:effectLst/>
+            </c:spPr>
+          </c:marker>
+          <c:cat>
+            <c:numRef>
+              <c:f>Sheet1!$A$33:$A$39</c:f>
+              <c:numCache>
+                <c:formatCode>0</c:formatCode>
+                <c:ptCount val="7"/>
+                <c:pt idx="0">
+                  <c:v>100</c:v>
+                </c:pt>
+                <c:pt idx="1">
+                  <c:v>1000</c:v>
+                </c:pt>
+                <c:pt idx="2">
+                  <c:v>10000</c:v>
+                </c:pt>
+                <c:pt idx="3">
+                  <c:v>100000</c:v>
+                </c:pt>
+                <c:pt idx="4">
+                  <c:v>1000000</c:v>
+                </c:pt>
+                <c:pt idx="5">
+                  <c:v>10000000</c:v>
+                </c:pt>
+                <c:pt idx="6">
+                  <c:v>100000000</c:v>
+                </c:pt>
+              </c:numCache>
+            </c:numRef>
+          </c:cat>
+          <c:val>
+            <c:numRef>
+              <c:f>Sheet1!$F$33:$F$39</c:f>
+              <c:numCache>
+                <c:formatCode>0</c:formatCode>
+                <c:ptCount val="7"/>
+                <c:pt idx="0">
+                  <c:v>3</c:v>
+                </c:pt>
+                <c:pt idx="1">
+                  <c:v>3</c:v>
+                </c:pt>
+                <c:pt idx="2">
+                  <c:v>7</c:v>
+                </c:pt>
+                <c:pt idx="3">
+                  <c:v>4</c:v>
+                </c:pt>
+                <c:pt idx="4">
+                  <c:v>5</c:v>
+                </c:pt>
+                <c:pt idx="5">
+                  <c:v>7</c:v>
+                </c:pt>
+                <c:pt idx="6">
+                  <c:v>9</c:v>
+                </c:pt>
+              </c:numCache>
+            </c:numRef>
+          </c:val>
+          <c:smooth val="0"/>
+        </c:ser>
+        <c:ser>
+          <c:idx val="2"/>
+          <c:order val="2"/>
+          <c:tx>
+            <c:strRef>
+              <c:f>Sheet1!$G$32</c:f>
+              <c:strCache>
+                <c:ptCount val="1"/>
+                <c:pt idx="0">
+                  <c:v>28</c:v>
+                </c:pt>
+              </c:strCache>
+            </c:strRef>
+          </c:tx>
+          <c:spPr>
+            <a:ln w="28575" cap="rnd">
+              <a:solidFill>
+                <a:schemeClr val="accent3"/>
+              </a:solidFill>
+              <a:round/>
+            </a:ln>
+            <a:effectLst/>
+          </c:spPr>
+          <c:marker>
+            <c:symbol val="circle"/>
+            <c:size val="5"/>
+            <c:spPr>
+              <a:solidFill>
+                <a:schemeClr val="accent3"/>
+              </a:solidFill>
+              <a:ln w="9525">
+                <a:solidFill>
+                  <a:schemeClr val="accent3"/>
+                </a:solidFill>
+              </a:ln>
+              <a:effectLst/>
+            </c:spPr>
+          </c:marker>
+          <c:cat>
+            <c:numRef>
+              <c:f>Sheet1!$A$33:$A$39</c:f>
+              <c:numCache>
+                <c:formatCode>0</c:formatCode>
+                <c:ptCount val="7"/>
+                <c:pt idx="0">
+                  <c:v>100</c:v>
+                </c:pt>
+                <c:pt idx="1">
+                  <c:v>1000</c:v>
+                </c:pt>
+                <c:pt idx="2">
+                  <c:v>10000</c:v>
+                </c:pt>
+                <c:pt idx="3">
+                  <c:v>100000</c:v>
+                </c:pt>
+                <c:pt idx="4">
+                  <c:v>1000000</c:v>
+                </c:pt>
+                <c:pt idx="5">
+                  <c:v>10000000</c:v>
+                </c:pt>
+                <c:pt idx="6">
+                  <c:v>100000000</c:v>
+                </c:pt>
+              </c:numCache>
+            </c:numRef>
+          </c:cat>
+          <c:val>
+            <c:numRef>
+              <c:f>Sheet1!$G$33:$G$39</c:f>
+              <c:numCache>
+                <c:formatCode>0</c:formatCode>
+                <c:ptCount val="7"/>
+                <c:pt idx="0">
+                  <c:v>5</c:v>
+                </c:pt>
+                <c:pt idx="1">
+                  <c:v>3</c:v>
+                </c:pt>
+                <c:pt idx="2">
+                  <c:v>4</c:v>
+                </c:pt>
+                <c:pt idx="3">
+                  <c:v>5</c:v>
+                </c:pt>
+                <c:pt idx="4">
+                  <c:v>7</c:v>
+                </c:pt>
+                <c:pt idx="5">
+                  <c:v>8</c:v>
+                </c:pt>
+                <c:pt idx="6">
+                  <c:v>11</c:v>
+                </c:pt>
+              </c:numCache>
+            </c:numRef>
+          </c:val>
+          <c:smooth val="0"/>
+        </c:ser>
+        <c:dLbls>
+          <c:showLegendKey val="0"/>
+          <c:showVal val="0"/>
+          <c:showCatName val="0"/>
+          <c:showSerName val="0"/>
+          <c:showPercent val="0"/>
+          <c:showBubbleSize val="0"/>
+        </c:dLbls>
+        <c:marker val="1"/>
+        <c:smooth val="0"/>
+        <c:axId val="1267832368"/>
+        <c:axId val="1267817136"/>
+      </c:lineChart>
+      <c:catAx>
+        <c:axId val="1267832368"/>
+        <c:scaling>
+          <c:orientation val="minMax"/>
+        </c:scaling>
+        <c:delete val="0"/>
+        <c:axPos val="b"/>
+        <c:title>
+          <c:tx>
+            <c:rich>
+              <a:bodyPr rot="0" spcFirstLastPara="1" vertOverflow="ellipsis" vert="horz" wrap="square" anchor="ctr" anchorCtr="1"/>
+              <a:lstStyle/>
+              <a:p>
+                <a:pPr>
+                  <a:defRPr sz="1400" b="0" i="0" u="none" strike="noStrike" kern="1200" baseline="0">
+                    <a:solidFill>
+                      <a:schemeClr val="tx1">
+                        <a:lumMod val="65000"/>
+                        <a:lumOff val="35000"/>
+                      </a:schemeClr>
+                    </a:solidFill>
+                    <a:latin typeface="+mn-lt"/>
+                    <a:ea typeface="+mn-ea"/>
+                    <a:cs typeface="+mn-cs"/>
+                  </a:defRPr>
+                </a:pPr>
+                <a:r>
+                  <a:rPr lang="hr-BA"/>
+                  <a:t>Veličina ulazne datoteke [broj znakova]</a:t>
+                </a:r>
+              </a:p>
+            </c:rich>
+          </c:tx>
+          <c:layout/>
+          <c:overlay val="0"/>
+          <c:spPr>
+            <a:noFill/>
+            <a:ln>
+              <a:noFill/>
+            </a:ln>
+            <a:effectLst/>
+          </c:spPr>
+          <c:txPr>
+            <a:bodyPr rot="0" spcFirstLastPara="1" vertOverflow="ellipsis" vert="horz" wrap="square" anchor="ctr" anchorCtr="1"/>
+            <a:lstStyle/>
+            <a:p>
+              <a:pPr>
+                <a:defRPr sz="1400" b="0" i="0" u="none" strike="noStrike" kern="1200" baseline="0">
+                  <a:solidFill>
+                    <a:schemeClr val="tx1">
+                      <a:lumMod val="65000"/>
+                      <a:lumOff val="35000"/>
+                    </a:schemeClr>
+                  </a:solidFill>
+                  <a:latin typeface="+mn-lt"/>
+                  <a:ea typeface="+mn-ea"/>
+                  <a:cs typeface="+mn-cs"/>
+                </a:defRPr>
+              </a:pPr>
+              <a:endParaRPr lang="sr-Latn-RS"/>
+            </a:p>
+          </c:txPr>
+        </c:title>
+        <c:numFmt formatCode="0" sourceLinked="1"/>
+        <c:majorTickMark val="none"/>
+        <c:minorTickMark val="none"/>
+        <c:tickLblPos val="nextTo"/>
+        <c:spPr>
+          <a:noFill/>
+          <a:ln w="9525" cap="flat" cmpd="sng" algn="ctr">
+            <a:solidFill>
+              <a:schemeClr val="tx1">
+                <a:lumMod val="15000"/>
+                <a:lumOff val="85000"/>
+              </a:schemeClr>
+            </a:solidFill>
+            <a:round/>
+          </a:ln>
+          <a:effectLst/>
+        </c:spPr>
+        <c:txPr>
+          <a:bodyPr rot="-60000000" spcFirstLastPara="1" vertOverflow="ellipsis" vert="horz" wrap="square" anchor="ctr" anchorCtr="1"/>
+          <a:lstStyle/>
+          <a:p>
+            <a:pPr>
+              <a:defRPr sz="1400" b="0" i="0" u="none" strike="noStrike" kern="1200" baseline="0">
+                <a:solidFill>
+                  <a:schemeClr val="tx1">
+                    <a:lumMod val="65000"/>
+                    <a:lumOff val="35000"/>
+                  </a:schemeClr>
+                </a:solidFill>
+                <a:latin typeface="+mn-lt"/>
+                <a:ea typeface="+mn-ea"/>
+                <a:cs typeface="+mn-cs"/>
+              </a:defRPr>
+            </a:pPr>
+            <a:endParaRPr lang="sr-Latn-RS"/>
+          </a:p>
+        </c:txPr>
+        <c:crossAx val="1267817136"/>
+        <c:crosses val="autoZero"/>
+        <c:auto val="1"/>
+        <c:lblAlgn val="ctr"/>
+        <c:lblOffset val="100"/>
+        <c:noMultiLvlLbl val="0"/>
+      </c:catAx>
+      <c:valAx>
+        <c:axId val="1267817136"/>
+        <c:scaling>
+          <c:orientation val="minMax"/>
+        </c:scaling>
+        <c:delete val="0"/>
+        <c:axPos val="l"/>
+        <c:majorGridlines>
+          <c:spPr>
+            <a:ln w="9525" cap="flat" cmpd="sng" algn="ctr">
+              <a:solidFill>
+                <a:schemeClr val="tx1">
+                  <a:lumMod val="15000"/>
+                  <a:lumOff val="85000"/>
+                </a:schemeClr>
+              </a:solidFill>
+              <a:round/>
+            </a:ln>
+            <a:effectLst/>
+          </c:spPr>
+        </c:majorGridlines>
+        <c:title>
+          <c:tx>
+            <c:rich>
+              <a:bodyPr rot="-5400000" spcFirstLastPara="1" vertOverflow="ellipsis" vert="horz" wrap="square" anchor="ctr" anchorCtr="1"/>
+              <a:lstStyle/>
+              <a:p>
+                <a:pPr>
+                  <a:defRPr sz="1400" b="0" i="0" u="none" strike="noStrike" kern="1200" baseline="0">
+                    <a:solidFill>
+                      <a:schemeClr val="tx1">
+                        <a:lumMod val="65000"/>
+                        <a:lumOff val="35000"/>
+                      </a:schemeClr>
+                    </a:solidFill>
+                    <a:latin typeface="+mn-lt"/>
+                    <a:ea typeface="+mn-ea"/>
+                    <a:cs typeface="+mn-cs"/>
+                  </a:defRPr>
+                </a:pPr>
+                <a:r>
+                  <a:rPr lang="hr-BA"/>
+                  <a:t>Vrijeme [</a:t>
+                </a:r>
+                <a:r>
+                  <a:rPr lang="el-GR"/>
+                  <a:t>μ</a:t>
+                </a:r>
+                <a:r>
+                  <a:rPr lang="hr-BA"/>
+                  <a:t>s]</a:t>
+                </a:r>
+              </a:p>
+            </c:rich>
+          </c:tx>
+          <c:layout/>
+          <c:overlay val="0"/>
+          <c:spPr>
+            <a:noFill/>
+            <a:ln>
+              <a:noFill/>
+            </a:ln>
+            <a:effectLst/>
+          </c:spPr>
+          <c:txPr>
+            <a:bodyPr rot="-5400000" spcFirstLastPara="1" vertOverflow="ellipsis" vert="horz" wrap="square" anchor="ctr" anchorCtr="1"/>
+            <a:lstStyle/>
+            <a:p>
+              <a:pPr>
+                <a:defRPr sz="1400" b="0" i="0" u="none" strike="noStrike" kern="1200" baseline="0">
+                  <a:solidFill>
+                    <a:schemeClr val="tx1">
+                      <a:lumMod val="65000"/>
+                      <a:lumOff val="35000"/>
+                    </a:schemeClr>
+                  </a:solidFill>
+                  <a:latin typeface="+mn-lt"/>
+                  <a:ea typeface="+mn-ea"/>
+                  <a:cs typeface="+mn-cs"/>
+                </a:defRPr>
+              </a:pPr>
+              <a:endParaRPr lang="sr-Latn-RS"/>
+            </a:p>
+          </c:txPr>
+        </c:title>
+        <c:numFmt formatCode="0" sourceLinked="1"/>
+        <c:majorTickMark val="none"/>
+        <c:minorTickMark val="none"/>
+        <c:tickLblPos val="nextTo"/>
+        <c:spPr>
+          <a:noFill/>
+          <a:ln>
+            <a:noFill/>
+          </a:ln>
+          <a:effectLst/>
+        </c:spPr>
+        <c:txPr>
+          <a:bodyPr rot="-60000000" spcFirstLastPara="1" vertOverflow="ellipsis" vert="horz" wrap="square" anchor="ctr" anchorCtr="1"/>
+          <a:lstStyle/>
+          <a:p>
+            <a:pPr>
+              <a:defRPr sz="1400" b="0" i="0" u="none" strike="noStrike" kern="1200" baseline="0">
+                <a:solidFill>
+                  <a:schemeClr val="tx1">
+                    <a:lumMod val="65000"/>
+                    <a:lumOff val="35000"/>
+                  </a:schemeClr>
+                </a:solidFill>
+                <a:latin typeface="+mn-lt"/>
+                <a:ea typeface="+mn-ea"/>
+                <a:cs typeface="+mn-cs"/>
+              </a:defRPr>
+            </a:pPr>
+            <a:endParaRPr lang="sr-Latn-RS"/>
+          </a:p>
+        </c:txPr>
+        <c:crossAx val="1267832368"/>
+        <c:crosses val="autoZero"/>
+        <c:crossBetween val="between"/>
+      </c:valAx>
+      <c:spPr>
+        <a:noFill/>
+        <a:ln>
+          <a:noFill/>
+        </a:ln>
+        <a:effectLst/>
+      </c:spPr>
+    </c:plotArea>
+    <c:legend>
+      <c:legendPos val="b"/>
+      <c:layout/>
+      <c:overlay val="0"/>
+      <c:spPr>
+        <a:noFill/>
+        <a:ln>
+          <a:noFill/>
+        </a:ln>
+        <a:effectLst/>
+      </c:spPr>
+      <c:txPr>
+        <a:bodyPr rot="0" spcFirstLastPara="1" vertOverflow="ellipsis" vert="horz" wrap="square" anchor="ctr" anchorCtr="1"/>
+        <a:lstStyle/>
+        <a:p>
+          <a:pPr>
+            <a:defRPr sz="1400" b="0" i="0" u="none" strike="noStrike" kern="1200" baseline="0">
+              <a:solidFill>
+                <a:schemeClr val="tx1">
+                  <a:lumMod val="65000"/>
+                  <a:lumOff val="35000"/>
+                </a:schemeClr>
+              </a:solidFill>
+              <a:latin typeface="+mn-lt"/>
+              <a:ea typeface="+mn-ea"/>
+              <a:cs typeface="+mn-cs"/>
+            </a:defRPr>
+          </a:pPr>
+          <a:endParaRPr lang="sr-Latn-RS"/>
+        </a:p>
+      </c:txPr>
+    </c:legend>
+    <c:plotVisOnly val="1"/>
+    <c:dispBlanksAs val="gap"/>
+    <c:showDLblsOverMax val="0"/>
+  </c:chart>
+  <c:spPr>
+    <a:solidFill>
+      <a:schemeClr val="bg1"/>
+    </a:solidFill>
+    <a:ln>
+      <a:noFill/>
+    </a:ln>
+    <a:effectLst/>
+  </c:spPr>
+  <c:txPr>
+    <a:bodyPr/>
+    <a:lstStyle/>
+    <a:p>
+      <a:pPr>
+        <a:defRPr sz="1400"/>
+      </a:pPr>
+      <a:endParaRPr lang="sr-Latn-RS"/>
+    </a:p>
+  </c:txPr>
+  <c:externalData r:id="rId3">
+    <c:autoUpdate val="0"/>
+  </c:externalData>
+</c:chartSpace>
+</file>
+
+<file path=ppt/charts/chart4.xml><?xml version="1.0" encoding="utf-8"?>
+<c:chartSpace xmlns:c="http://schemas.openxmlformats.org/drawingml/2006/chart" xmlns:a="http://schemas.openxmlformats.org/drawingml/2006/main" xmlns:r="http://schemas.openxmlformats.org/officeDocument/2006/relationships">
+  <c:date1904 val="0"/>
+  <c:lang val="en-US"/>
+  <c:roundedCorners val="0"/>
+  <mc:AlternateContent xmlns:mc="http://schemas.openxmlformats.org/markup-compatibility/2006">
+    <mc:Choice xmlns:c14="http://schemas.microsoft.com/office/drawing/2007/8/2/chart" Requires="c14">
+      <c14:style val="102"/>
+    </mc:Choice>
+    <mc:Fallback>
+      <c:style val="2"/>
+    </mc:Fallback>
+  </mc:AlternateContent>
+  <c:chart>
+    <c:title>
+      <c:tx>
+        <c:rich>
+          <a:bodyPr rot="0" spcFirstLastPara="1" vertOverflow="ellipsis" vert="horz" wrap="square" anchor="ctr" anchorCtr="1"/>
+          <a:lstStyle/>
+          <a:p>
+            <a:pPr>
+              <a:defRPr sz="1800" b="0" i="0" u="none" strike="noStrike" kern="1200" spc="0" baseline="0">
+                <a:solidFill>
+                  <a:schemeClr val="tx1">
+                    <a:lumMod val="65000"/>
+                    <a:lumOff val="35000"/>
+                  </a:schemeClr>
+                </a:solidFill>
+                <a:latin typeface="+mn-lt"/>
+                <a:ea typeface="+mn-ea"/>
+                <a:cs typeface="+mn-cs"/>
+              </a:defRPr>
+            </a:pPr>
+            <a:r>
+              <a:rPr lang="hr-BA" sz="1800"/>
+              <a:t>Memorijsko zauzeće - cijeli proces</a:t>
+            </a:r>
+          </a:p>
+        </c:rich>
+      </c:tx>
+      <c:layout/>
+      <c:overlay val="0"/>
+      <c:spPr>
+        <a:noFill/>
+        <a:ln>
+          <a:noFill/>
+        </a:ln>
+        <a:effectLst/>
+      </c:spPr>
+      <c:txPr>
+        <a:bodyPr rot="0" spcFirstLastPara="1" vertOverflow="ellipsis" vert="horz" wrap="square" anchor="ctr" anchorCtr="1"/>
+        <a:lstStyle/>
+        <a:p>
+          <a:pPr>
+            <a:defRPr sz="1800" b="0" i="0" u="none" strike="noStrike" kern="1200" spc="0" baseline="0">
+              <a:solidFill>
+                <a:schemeClr val="tx1">
+                  <a:lumMod val="65000"/>
+                  <a:lumOff val="35000"/>
+                </a:schemeClr>
+              </a:solidFill>
+              <a:latin typeface="+mn-lt"/>
+              <a:ea typeface="+mn-ea"/>
+              <a:cs typeface="+mn-cs"/>
+            </a:defRPr>
+          </a:pPr>
+          <a:endParaRPr lang="sr-Latn-RS"/>
+        </a:p>
+      </c:txPr>
+    </c:title>
+    <c:autoTitleDeleted val="0"/>
+    <c:plotArea>
+      <c:layout>
+        <c:manualLayout>
+          <c:layoutTarget val="inner"/>
+          <c:xMode val="edge"/>
+          <c:yMode val="edge"/>
+          <c:x val="0.13310454108248443"/>
+          <c:y val="8.6462781504391351E-2"/>
+          <c:w val="0.85954555608670336"/>
+          <c:h val="0.66936354191237202"/>
+        </c:manualLayout>
+      </c:layout>
+      <c:lineChart>
+        <c:grouping val="standard"/>
+        <c:varyColors val="0"/>
+        <c:ser>
+          <c:idx val="0"/>
+          <c:order val="0"/>
+          <c:tx>
+            <c:strRef>
+              <c:f>Sheet1!$B$60</c:f>
+              <c:strCache>
+                <c:ptCount val="1"/>
+                <c:pt idx="0">
+                  <c:v>4</c:v>
+                </c:pt>
+              </c:strCache>
+            </c:strRef>
+          </c:tx>
+          <c:spPr>
+            <a:ln w="28575" cap="rnd">
+              <a:solidFill>
+                <a:schemeClr val="accent1"/>
+              </a:solidFill>
+              <a:round/>
+            </a:ln>
+            <a:effectLst/>
+          </c:spPr>
+          <c:marker>
+            <c:symbol val="circle"/>
+            <c:size val="5"/>
+            <c:spPr>
+              <a:solidFill>
+                <a:schemeClr val="accent1"/>
+              </a:solidFill>
+              <a:ln w="9525">
+                <a:solidFill>
+                  <a:schemeClr val="accent1"/>
+                </a:solidFill>
+              </a:ln>
+              <a:effectLst/>
+            </c:spPr>
+          </c:marker>
+          <c:cat>
+            <c:numRef>
+              <c:f>Sheet1!$A$61:$A$67</c:f>
+              <c:numCache>
+                <c:formatCode>0</c:formatCode>
+                <c:ptCount val="7"/>
+                <c:pt idx="0">
+                  <c:v>100</c:v>
+                </c:pt>
+                <c:pt idx="1">
+                  <c:v>1000</c:v>
+                </c:pt>
+                <c:pt idx="2">
+                  <c:v>10000</c:v>
+                </c:pt>
+                <c:pt idx="3">
+                  <c:v>100000</c:v>
+                </c:pt>
+                <c:pt idx="4">
+                  <c:v>1000000</c:v>
+                </c:pt>
+                <c:pt idx="5">
+                  <c:v>10000000</c:v>
+                </c:pt>
+                <c:pt idx="6">
+                  <c:v>100000000</c:v>
+                </c:pt>
+              </c:numCache>
+            </c:numRef>
+          </c:cat>
+          <c:val>
+            <c:numRef>
+              <c:f>Sheet1!$B$61:$B$67</c:f>
+              <c:numCache>
+                <c:formatCode>0.00</c:formatCode>
+                <c:ptCount val="7"/>
+                <c:pt idx="0">
+                  <c:v>1.41</c:v>
+                </c:pt>
+                <c:pt idx="1">
+                  <c:v>1.42</c:v>
+                </c:pt>
+                <c:pt idx="2">
+                  <c:v>1.49</c:v>
+                </c:pt>
+                <c:pt idx="3">
+                  <c:v>2</c:v>
+                </c:pt>
+                <c:pt idx="4">
+                  <c:v>6.8</c:v>
+                </c:pt>
+                <c:pt idx="5">
+                  <c:v>59.73</c:v>
+                </c:pt>
+                <c:pt idx="6">
+                  <c:v>145.29</c:v>
+                </c:pt>
+              </c:numCache>
+            </c:numRef>
+          </c:val>
+          <c:smooth val="0"/>
+        </c:ser>
+        <c:ser>
+          <c:idx val="1"/>
+          <c:order val="1"/>
+          <c:tx>
+            <c:strRef>
+              <c:f>Sheet1!$C$60</c:f>
+              <c:strCache>
+                <c:ptCount val="1"/>
+                <c:pt idx="0">
+                  <c:v>16</c:v>
+                </c:pt>
+              </c:strCache>
+            </c:strRef>
+          </c:tx>
+          <c:spPr>
+            <a:ln w="28575" cap="rnd">
+              <a:solidFill>
+                <a:schemeClr val="accent2"/>
+              </a:solidFill>
+              <a:round/>
+            </a:ln>
+            <a:effectLst/>
+          </c:spPr>
+          <c:marker>
+            <c:symbol val="circle"/>
+            <c:size val="5"/>
+            <c:spPr>
+              <a:solidFill>
+                <a:schemeClr val="accent2"/>
+              </a:solidFill>
+              <a:ln w="9525">
+                <a:solidFill>
+                  <a:schemeClr val="accent2"/>
+                </a:solidFill>
+              </a:ln>
+              <a:effectLst/>
+            </c:spPr>
+          </c:marker>
+          <c:cat>
+            <c:numRef>
+              <c:f>Sheet1!$A$61:$A$67</c:f>
+              <c:numCache>
+                <c:formatCode>0</c:formatCode>
+                <c:ptCount val="7"/>
+                <c:pt idx="0">
+                  <c:v>100</c:v>
+                </c:pt>
+                <c:pt idx="1">
+                  <c:v>1000</c:v>
+                </c:pt>
+                <c:pt idx="2">
+                  <c:v>10000</c:v>
+                </c:pt>
+                <c:pt idx="3">
+                  <c:v>100000</c:v>
+                </c:pt>
+                <c:pt idx="4">
+                  <c:v>1000000</c:v>
+                </c:pt>
+                <c:pt idx="5">
+                  <c:v>10000000</c:v>
+                </c:pt>
+                <c:pt idx="6">
+                  <c:v>100000000</c:v>
+                </c:pt>
+              </c:numCache>
+            </c:numRef>
+          </c:cat>
+          <c:val>
+            <c:numRef>
+              <c:f>Sheet1!$C$61:$C$67</c:f>
+              <c:numCache>
+                <c:formatCode>0.00</c:formatCode>
+                <c:ptCount val="7"/>
+                <c:pt idx="0">
+                  <c:v>1.41</c:v>
+                </c:pt>
+                <c:pt idx="1">
+                  <c:v>1.42</c:v>
+                </c:pt>
+                <c:pt idx="2">
+                  <c:v>1.51</c:v>
+                </c:pt>
+                <c:pt idx="3">
+                  <c:v>2.16</c:v>
+                </c:pt>
+                <c:pt idx="4">
+                  <c:v>8.42</c:v>
+                </c:pt>
+                <c:pt idx="5">
+                  <c:v>71.86</c:v>
+                </c:pt>
+                <c:pt idx="6">
+                  <c:v>263.92</c:v>
+                </c:pt>
+              </c:numCache>
+            </c:numRef>
+          </c:val>
+          <c:smooth val="0"/>
+        </c:ser>
+        <c:ser>
+          <c:idx val="2"/>
+          <c:order val="2"/>
+          <c:tx>
+            <c:strRef>
+              <c:f>Sheet1!$D$60</c:f>
+              <c:strCache>
+                <c:ptCount val="1"/>
+                <c:pt idx="0">
+                  <c:v>28</c:v>
+                </c:pt>
+              </c:strCache>
+            </c:strRef>
+          </c:tx>
+          <c:spPr>
+            <a:ln w="28575" cap="rnd">
+              <a:solidFill>
+                <a:schemeClr val="accent3"/>
+              </a:solidFill>
+              <a:round/>
+            </a:ln>
+            <a:effectLst/>
+          </c:spPr>
+          <c:marker>
+            <c:symbol val="circle"/>
+            <c:size val="5"/>
+            <c:spPr>
+              <a:solidFill>
+                <a:schemeClr val="accent3"/>
+              </a:solidFill>
+              <a:ln w="9525">
+                <a:solidFill>
+                  <a:schemeClr val="accent3"/>
+                </a:solidFill>
+              </a:ln>
+              <a:effectLst/>
+            </c:spPr>
+          </c:marker>
+          <c:cat>
+            <c:numRef>
+              <c:f>Sheet1!$A$61:$A$67</c:f>
+              <c:numCache>
+                <c:formatCode>0</c:formatCode>
+                <c:ptCount val="7"/>
+                <c:pt idx="0">
+                  <c:v>100</c:v>
+                </c:pt>
+                <c:pt idx="1">
+                  <c:v>1000</c:v>
+                </c:pt>
+                <c:pt idx="2">
+                  <c:v>10000</c:v>
+                </c:pt>
+                <c:pt idx="3">
+                  <c:v>100000</c:v>
+                </c:pt>
+                <c:pt idx="4">
+                  <c:v>1000000</c:v>
+                </c:pt>
+                <c:pt idx="5">
+                  <c:v>10000000</c:v>
+                </c:pt>
+                <c:pt idx="6">
+                  <c:v>100000000</c:v>
+                </c:pt>
+              </c:numCache>
+            </c:numRef>
+          </c:cat>
+          <c:val>
+            <c:numRef>
+              <c:f>Sheet1!$D$61:$D$67</c:f>
+              <c:numCache>
+                <c:formatCode>0.00</c:formatCode>
+                <c:ptCount val="7"/>
+                <c:pt idx="0">
+                  <c:v>1.41</c:v>
+                </c:pt>
+                <c:pt idx="1">
+                  <c:v>1.43</c:v>
+                </c:pt>
+                <c:pt idx="2">
+                  <c:v>1.51</c:v>
+                </c:pt>
+                <c:pt idx="3">
+                  <c:v>2.19</c:v>
+                </c:pt>
+                <c:pt idx="4">
+                  <c:v>8.68</c:v>
+                </c:pt>
+                <c:pt idx="5">
+                  <c:v>75.680000000000007</c:v>
+                </c:pt>
+                <c:pt idx="6">
+                  <c:v>289.97000000000003</c:v>
+                </c:pt>
+              </c:numCache>
+            </c:numRef>
+          </c:val>
+          <c:smooth val="0"/>
+        </c:ser>
+        <c:dLbls>
+          <c:showLegendKey val="0"/>
+          <c:showVal val="0"/>
+          <c:showCatName val="0"/>
+          <c:showSerName val="0"/>
+          <c:showPercent val="0"/>
+          <c:showBubbleSize val="0"/>
+        </c:dLbls>
+        <c:marker val="1"/>
+        <c:smooth val="0"/>
+        <c:axId val="1220113120"/>
+        <c:axId val="1220101696"/>
+      </c:lineChart>
+      <c:catAx>
+        <c:axId val="1220113120"/>
+        <c:scaling>
+          <c:orientation val="minMax"/>
+        </c:scaling>
+        <c:delete val="0"/>
+        <c:axPos val="b"/>
+        <c:title>
+          <c:tx>
+            <c:rich>
+              <a:bodyPr rot="0" spcFirstLastPara="1" vertOverflow="ellipsis" vert="horz" wrap="square" anchor="ctr" anchorCtr="1"/>
+              <a:lstStyle/>
+              <a:p>
+                <a:pPr>
+                  <a:defRPr sz="1400" b="0" i="0" u="none" strike="noStrike" kern="1200" baseline="0">
+                    <a:solidFill>
+                      <a:schemeClr val="tx1">
+                        <a:lumMod val="65000"/>
+                        <a:lumOff val="35000"/>
+                      </a:schemeClr>
+                    </a:solidFill>
+                    <a:latin typeface="+mn-lt"/>
+                    <a:ea typeface="+mn-ea"/>
+                    <a:cs typeface="+mn-cs"/>
+                  </a:defRPr>
+                </a:pPr>
+                <a:r>
+                  <a:rPr lang="hr-BA"/>
+                  <a:t>Veličina ulazne datoteke [broj znakova]</a:t>
+                </a:r>
+              </a:p>
+            </c:rich>
+          </c:tx>
+          <c:layout/>
+          <c:overlay val="0"/>
+          <c:spPr>
+            <a:noFill/>
+            <a:ln>
+              <a:noFill/>
+            </a:ln>
+            <a:effectLst/>
+          </c:spPr>
+          <c:txPr>
+            <a:bodyPr rot="0" spcFirstLastPara="1" vertOverflow="ellipsis" vert="horz" wrap="square" anchor="ctr" anchorCtr="1"/>
+            <a:lstStyle/>
+            <a:p>
+              <a:pPr>
+                <a:defRPr sz="1400" b="0" i="0" u="none" strike="noStrike" kern="1200" baseline="0">
+                  <a:solidFill>
+                    <a:schemeClr val="tx1">
+                      <a:lumMod val="65000"/>
+                      <a:lumOff val="35000"/>
+                    </a:schemeClr>
+                  </a:solidFill>
+                  <a:latin typeface="+mn-lt"/>
+                  <a:ea typeface="+mn-ea"/>
+                  <a:cs typeface="+mn-cs"/>
+                </a:defRPr>
+              </a:pPr>
+              <a:endParaRPr lang="sr-Latn-RS"/>
+            </a:p>
+          </c:txPr>
+        </c:title>
+        <c:numFmt formatCode="0" sourceLinked="1"/>
+        <c:majorTickMark val="none"/>
+        <c:minorTickMark val="none"/>
+        <c:tickLblPos val="nextTo"/>
+        <c:spPr>
+          <a:noFill/>
+          <a:ln w="9525" cap="flat" cmpd="sng" algn="ctr">
+            <a:solidFill>
+              <a:schemeClr val="tx1">
+                <a:lumMod val="15000"/>
+                <a:lumOff val="85000"/>
+              </a:schemeClr>
+            </a:solidFill>
+            <a:round/>
+          </a:ln>
+          <a:effectLst/>
+        </c:spPr>
+        <c:txPr>
+          <a:bodyPr rot="-60000000" spcFirstLastPara="1" vertOverflow="ellipsis" vert="horz" wrap="square" anchor="ctr" anchorCtr="1"/>
+          <a:lstStyle/>
+          <a:p>
+            <a:pPr>
+              <a:defRPr sz="1400" b="0" i="0" u="none" strike="noStrike" kern="1200" baseline="0">
+                <a:solidFill>
+                  <a:schemeClr val="tx1">
+                    <a:lumMod val="65000"/>
+                    <a:lumOff val="35000"/>
+                  </a:schemeClr>
+                </a:solidFill>
+                <a:latin typeface="+mn-lt"/>
+                <a:ea typeface="+mn-ea"/>
+                <a:cs typeface="+mn-cs"/>
+              </a:defRPr>
+            </a:pPr>
+            <a:endParaRPr lang="sr-Latn-RS"/>
+          </a:p>
+        </c:txPr>
+        <c:crossAx val="1220101696"/>
+        <c:crosses val="autoZero"/>
+        <c:auto val="1"/>
+        <c:lblAlgn val="ctr"/>
+        <c:lblOffset val="100"/>
+        <c:noMultiLvlLbl val="0"/>
+      </c:catAx>
+      <c:valAx>
+        <c:axId val="1220101696"/>
+        <c:scaling>
+          <c:orientation val="minMax"/>
+        </c:scaling>
+        <c:delete val="0"/>
+        <c:axPos val="l"/>
+        <c:majorGridlines>
+          <c:spPr>
+            <a:ln w="9525" cap="flat" cmpd="sng" algn="ctr">
+              <a:solidFill>
+                <a:schemeClr val="tx1">
+                  <a:lumMod val="15000"/>
+                  <a:lumOff val="85000"/>
+                </a:schemeClr>
+              </a:solidFill>
+              <a:round/>
+            </a:ln>
+            <a:effectLst/>
+          </c:spPr>
+        </c:majorGridlines>
+        <c:title>
+          <c:tx>
+            <c:rich>
+              <a:bodyPr rot="-5400000" spcFirstLastPara="1" vertOverflow="ellipsis" vert="horz" wrap="square" anchor="ctr" anchorCtr="1"/>
+              <a:lstStyle/>
+              <a:p>
+                <a:pPr>
+                  <a:defRPr sz="1400" b="0" i="0" u="none" strike="noStrike" kern="1200" baseline="0">
+                    <a:solidFill>
+                      <a:schemeClr val="tx1">
+                        <a:lumMod val="65000"/>
+                        <a:lumOff val="35000"/>
+                      </a:schemeClr>
+                    </a:solidFill>
+                    <a:latin typeface="+mn-lt"/>
+                    <a:ea typeface="+mn-ea"/>
+                    <a:cs typeface="+mn-cs"/>
+                  </a:defRPr>
+                </a:pPr>
+                <a:r>
+                  <a:rPr lang="hr-BA"/>
+                  <a:t>Memorija [MB]</a:t>
+                </a:r>
+              </a:p>
+            </c:rich>
+          </c:tx>
+          <c:layout/>
+          <c:overlay val="0"/>
+          <c:spPr>
+            <a:noFill/>
+            <a:ln>
+              <a:noFill/>
+            </a:ln>
+            <a:effectLst/>
+          </c:spPr>
+          <c:txPr>
+            <a:bodyPr rot="-5400000" spcFirstLastPara="1" vertOverflow="ellipsis" vert="horz" wrap="square" anchor="ctr" anchorCtr="1"/>
+            <a:lstStyle/>
+            <a:p>
+              <a:pPr>
+                <a:defRPr sz="1400" b="0" i="0" u="none" strike="noStrike" kern="1200" baseline="0">
+                  <a:solidFill>
+                    <a:schemeClr val="tx1">
+                      <a:lumMod val="65000"/>
+                      <a:lumOff val="35000"/>
+                    </a:schemeClr>
+                  </a:solidFill>
+                  <a:latin typeface="+mn-lt"/>
+                  <a:ea typeface="+mn-ea"/>
+                  <a:cs typeface="+mn-cs"/>
+                </a:defRPr>
+              </a:pPr>
+              <a:endParaRPr lang="sr-Latn-RS"/>
+            </a:p>
+          </c:txPr>
+        </c:title>
+        <c:numFmt formatCode="0.00" sourceLinked="1"/>
+        <c:majorTickMark val="none"/>
+        <c:minorTickMark val="none"/>
+        <c:tickLblPos val="nextTo"/>
+        <c:spPr>
+          <a:noFill/>
+          <a:ln>
+            <a:noFill/>
+          </a:ln>
+          <a:effectLst/>
+        </c:spPr>
+        <c:txPr>
+          <a:bodyPr rot="-60000000" spcFirstLastPara="1" vertOverflow="ellipsis" vert="horz" wrap="square" anchor="ctr" anchorCtr="1"/>
+          <a:lstStyle/>
+          <a:p>
+            <a:pPr>
+              <a:defRPr sz="1400" b="0" i="0" u="none" strike="noStrike" kern="1200" baseline="0">
+                <a:solidFill>
+                  <a:schemeClr val="tx1">
+                    <a:lumMod val="65000"/>
+                    <a:lumOff val="35000"/>
+                  </a:schemeClr>
+                </a:solidFill>
+                <a:latin typeface="+mn-lt"/>
+                <a:ea typeface="+mn-ea"/>
+                <a:cs typeface="+mn-cs"/>
+              </a:defRPr>
+            </a:pPr>
+            <a:endParaRPr lang="sr-Latn-RS"/>
+          </a:p>
+        </c:txPr>
+        <c:crossAx val="1220113120"/>
+        <c:crosses val="autoZero"/>
+        <c:crossBetween val="between"/>
+      </c:valAx>
+      <c:spPr>
+        <a:noFill/>
+        <a:ln>
+          <a:noFill/>
+        </a:ln>
+        <a:effectLst/>
+      </c:spPr>
+    </c:plotArea>
+    <c:legend>
+      <c:legendPos val="b"/>
+      <c:layout/>
+      <c:overlay val="0"/>
+      <c:spPr>
+        <a:noFill/>
+        <a:ln>
+          <a:noFill/>
+        </a:ln>
+        <a:effectLst/>
+      </c:spPr>
+      <c:txPr>
+        <a:bodyPr rot="0" spcFirstLastPara="1" vertOverflow="ellipsis" vert="horz" wrap="square" anchor="ctr" anchorCtr="1"/>
+        <a:lstStyle/>
+        <a:p>
+          <a:pPr>
+            <a:defRPr sz="1400" b="0" i="0" u="none" strike="noStrike" kern="1200" baseline="0">
+              <a:solidFill>
+                <a:schemeClr val="tx1">
+                  <a:lumMod val="65000"/>
+                  <a:lumOff val="35000"/>
+                </a:schemeClr>
+              </a:solidFill>
+              <a:latin typeface="+mn-lt"/>
+              <a:ea typeface="+mn-ea"/>
+              <a:cs typeface="+mn-cs"/>
+            </a:defRPr>
+          </a:pPr>
+          <a:endParaRPr lang="sr-Latn-RS"/>
+        </a:p>
+      </c:txPr>
+    </c:legend>
+    <c:plotVisOnly val="1"/>
+    <c:dispBlanksAs val="gap"/>
+    <c:showDLblsOverMax val="0"/>
+  </c:chart>
+  <c:spPr>
+    <a:solidFill>
+      <a:schemeClr val="bg1"/>
+    </a:solidFill>
+    <a:ln>
+      <a:noFill/>
+    </a:ln>
+    <a:effectLst/>
+  </c:spPr>
+  <c:txPr>
+    <a:bodyPr/>
+    <a:lstStyle/>
+    <a:p>
+      <a:pPr>
+        <a:defRPr sz="1400"/>
+      </a:pPr>
+      <a:endParaRPr lang="sr-Latn-RS"/>
+    </a:p>
+  </c:txPr>
+  <c:externalData r:id="rId3">
+    <c:autoUpdate val="0"/>
+  </c:externalData>
+</c:chartSpace>
+</file>
+
+<file path=ppt/charts/colors1.xml><?xml version="1.0" encoding="utf-8"?>
+<cs:colorStyle xmlns:cs="http://schemas.microsoft.com/office/drawing/2012/chartStyle" xmlns:a="http://schemas.openxmlformats.org/drawingml/2006/main" meth="cycle" id="10">
+  <a:schemeClr val="accent1"/>
+  <a:schemeClr val="accent2"/>
+  <a:schemeClr val="accent3"/>
+  <a:schemeClr val="accent4"/>
+  <a:schemeClr val="accent5"/>
+  <a:schemeClr val="accent6"/>
+  <cs:variation/>
+  <cs:variation>
+    <a:lumMod val="60000"/>
+  </cs:variation>
+  <cs:variation>
+    <a:lumMod val="80000"/>
+    <a:lumOff val="20000"/>
+  </cs:variation>
+  <cs:variation>
+    <a:lumMod val="80000"/>
+  </cs:variation>
+  <cs:variation>
+    <a:lumMod val="60000"/>
+    <a:lumOff val="40000"/>
+  </cs:variation>
+  <cs:variation>
+    <a:lumMod val="50000"/>
+  </cs:variation>
+  <cs:variation>
+    <a:lumMod val="70000"/>
+    <a:lumOff val="30000"/>
+  </cs:variation>
+  <cs:variation>
+    <a:lumMod val="70000"/>
+  </cs:variation>
+  <cs:variation>
+    <a:lumMod val="50000"/>
+    <a:lumOff val="50000"/>
+  </cs:variation>
+</cs:colorStyle>
+</file>
+
+<file path=ppt/charts/colors2.xml><?xml version="1.0" encoding="utf-8"?>
+<cs:colorStyle xmlns:cs="http://schemas.microsoft.com/office/drawing/2012/chartStyle" xmlns:a="http://schemas.openxmlformats.org/drawingml/2006/main" meth="cycle" id="10">
+  <a:schemeClr val="accent1"/>
+  <a:schemeClr val="accent2"/>
+  <a:schemeClr val="accent3"/>
+  <a:schemeClr val="accent4"/>
+  <a:schemeClr val="accent5"/>
+  <a:schemeClr val="accent6"/>
+  <cs:variation/>
+  <cs:variation>
+    <a:lumMod val="60000"/>
+  </cs:variation>
+  <cs:variation>
+    <a:lumMod val="80000"/>
+    <a:lumOff val="20000"/>
+  </cs:variation>
+  <cs:variation>
+    <a:lumMod val="80000"/>
+  </cs:variation>
+  <cs:variation>
+    <a:lumMod val="60000"/>
+    <a:lumOff val="40000"/>
+  </cs:variation>
+  <cs:variation>
+    <a:lumMod val="50000"/>
+  </cs:variation>
+  <cs:variation>
+    <a:lumMod val="70000"/>
+    <a:lumOff val="30000"/>
+  </cs:variation>
+  <cs:variation>
+    <a:lumMod val="70000"/>
+  </cs:variation>
+  <cs:variation>
+    <a:lumMod val="50000"/>
+    <a:lumOff val="50000"/>
+  </cs:variation>
+</cs:colorStyle>
+</file>
+
+<file path=ppt/charts/colors3.xml><?xml version="1.0" encoding="utf-8"?>
+<cs:colorStyle xmlns:cs="http://schemas.microsoft.com/office/drawing/2012/chartStyle" xmlns:a="http://schemas.openxmlformats.org/drawingml/2006/main" meth="cycle" id="10">
+  <a:schemeClr val="accent1"/>
+  <a:schemeClr val="accent2"/>
+  <a:schemeClr val="accent3"/>
+  <a:schemeClr val="accent4"/>
+  <a:schemeClr val="accent5"/>
+  <a:schemeClr val="accent6"/>
+  <cs:variation/>
+  <cs:variation>
+    <a:lumMod val="60000"/>
+  </cs:variation>
+  <cs:variation>
+    <a:lumMod val="80000"/>
+    <a:lumOff val="20000"/>
+  </cs:variation>
+  <cs:variation>
+    <a:lumMod val="80000"/>
+  </cs:variation>
+  <cs:variation>
+    <a:lumMod val="60000"/>
+    <a:lumOff val="40000"/>
+  </cs:variation>
+  <cs:variation>
+    <a:lumMod val="50000"/>
+  </cs:variation>
+  <cs:variation>
+    <a:lumMod val="70000"/>
+    <a:lumOff val="30000"/>
+  </cs:variation>
+  <cs:variation>
+    <a:lumMod val="70000"/>
+  </cs:variation>
+  <cs:variation>
+    <a:lumMod val="50000"/>
+    <a:lumOff val="50000"/>
+  </cs:variation>
+</cs:colorStyle>
+</file>
+
+<file path=ppt/charts/colors4.xml><?xml version="1.0" encoding="utf-8"?>
+<cs:colorStyle xmlns:cs="http://schemas.microsoft.com/office/drawing/2012/chartStyle" xmlns:a="http://schemas.openxmlformats.org/drawingml/2006/main" meth="cycle" id="10">
+  <a:schemeClr val="accent1"/>
+  <a:schemeClr val="accent2"/>
+  <a:schemeClr val="accent3"/>
+  <a:schemeClr val="accent4"/>
+  <a:schemeClr val="accent5"/>
+  <a:schemeClr val="accent6"/>
+  <cs:variation/>
+  <cs:variation>
+    <a:lumMod val="60000"/>
+  </cs:variation>
+  <cs:variation>
+    <a:lumMod val="80000"/>
+    <a:lumOff val="20000"/>
+  </cs:variation>
+  <cs:variation>
+    <a:lumMod val="80000"/>
+  </cs:variation>
+  <cs:variation>
+    <a:lumMod val="60000"/>
+    <a:lumOff val="40000"/>
+  </cs:variation>
+  <cs:variation>
+    <a:lumMod val="50000"/>
+  </cs:variation>
+  <cs:variation>
+    <a:lumMod val="70000"/>
+    <a:lumOff val="30000"/>
+  </cs:variation>
+  <cs:variation>
+    <a:lumMod val="70000"/>
+  </cs:variation>
+  <cs:variation>
+    <a:lumMod val="50000"/>
+    <a:lumOff val="50000"/>
+  </cs:variation>
+</cs:colorStyle>
+</file>
+
+<file path=ppt/charts/style1.xml><?xml version="1.0" encoding="utf-8"?>
+<cs:chartStyle xmlns:cs="http://schemas.microsoft.com/office/drawing/2012/chartStyle" xmlns:a="http://schemas.openxmlformats.org/drawingml/2006/main" id="332">
+  <cs:axisTitle>
+    <cs:lnRef idx="0"/>
+    <cs:fillRef idx="0"/>
+    <cs:effectRef idx="0"/>
+    <cs:fontRef idx="minor">
+      <a:schemeClr val="tx1">
+        <a:lumMod val="65000"/>
+        <a:lumOff val="35000"/>
+      </a:schemeClr>
+    </cs:fontRef>
+    <cs:defRPr sz="1000" kern="1200"/>
+  </cs:axisTitle>
+  <cs:categoryAxis>
+    <cs:lnRef idx="0"/>
+    <cs:fillRef idx="0"/>
+    <cs:effectRef idx="0"/>
+    <cs:fontRef idx="minor">
+      <a:schemeClr val="tx1">
+        <a:lumMod val="65000"/>
+        <a:lumOff val="35000"/>
+      </a:schemeClr>
+    </cs:fontRef>
+    <cs:spPr>
+      <a:ln w="9525" cap="flat" cmpd="sng" algn="ctr">
+        <a:solidFill>
+          <a:schemeClr val="tx1">
+            <a:lumMod val="15000"/>
+            <a:lumOff val="85000"/>
+          </a:schemeClr>
+        </a:solidFill>
+        <a:round/>
+      </a:ln>
+    </cs:spPr>
+    <cs:defRPr sz="900" kern="1200"/>
+  </cs:categoryAxis>
+  <cs:chartArea mods="allowNoFillOverride allowNoLineOverride">
+    <cs:lnRef idx="0"/>
+    <cs:fillRef idx="0"/>
+    <cs:effectRef idx="0"/>
+    <cs:fontRef idx="minor">
+      <a:schemeClr val="tx1"/>
+    </cs:fontRef>
+    <cs:spPr>
+      <a:solidFill>
+        <a:schemeClr val="bg1"/>
+      </a:solidFill>
+      <a:ln w="9525" cap="flat" cmpd="sng" algn="ctr">
+        <a:solidFill>
+          <a:schemeClr val="tx1">
+            <a:lumMod val="15000"/>
+            <a:lumOff val="85000"/>
+          </a:schemeClr>
+        </a:solidFill>
+        <a:round/>
+      </a:ln>
+    </cs:spPr>
+    <cs:defRPr sz="1000" kern="1200"/>
+  </cs:chartArea>
+  <cs:dataLabel>
+    <cs:lnRef idx="0"/>
+    <cs:fillRef idx="0"/>
+    <cs:effectRef idx="0"/>
+    <cs:fontRef idx="minor">
+      <a:schemeClr val="tx1">
+        <a:lumMod val="75000"/>
+        <a:lumOff val="25000"/>
+      </a:schemeClr>
+    </cs:fontRef>
+    <cs:defRPr sz="900" kern="1200"/>
+  </cs:dataLabel>
+  <cs:dataLabelCallout>
+    <cs:lnRef idx="0"/>
+    <cs:fillRef idx="0"/>
+    <cs:effectRef idx="0"/>
+    <cs:fontRef idx="minor">
+      <a:schemeClr val="dk1">
+        <a:lumMod val="65000"/>
+        <a:lumOff val="35000"/>
+      </a:schemeClr>
+    </cs:fontRef>
+    <cs:spPr>
+      <a:solidFill>
+        <a:schemeClr val="lt1"/>
+      </a:solidFill>
+      <a:ln>
+        <a:solidFill>
+          <a:schemeClr val="dk1">
+            <a:lumMod val="25000"/>
+            <a:lumOff val="75000"/>
+          </a:schemeClr>
+        </a:solidFill>
+      </a:ln>
+    </cs:spPr>
+    <cs:defRPr sz="900" kern="1200"/>
+    <cs:bodyPr rot="0" spcFirstLastPara="1" vertOverflow="clip" horzOverflow="clip" vert="horz" wrap="square" lIns="36576" tIns="18288" rIns="36576" bIns="18288" anchor="ctr" anchorCtr="1">
+      <a:spAutoFit/>
+    </cs:bodyPr>
+  </cs:dataLabelCallout>
+  <cs:dataPoint>
+    <cs:lnRef idx="0"/>
+    <cs:fillRef idx="1">
+      <cs:styleClr val="auto"/>
+    </cs:fillRef>
+    <cs:effectRef idx="0"/>
+    <cs:fontRef idx="minor">
+      <a:schemeClr val="tx1"/>
+    </cs:fontRef>
+  </cs:dataPoint>
+  <cs:dataPoint3D>
+    <cs:lnRef idx="0"/>
+    <cs:fillRef idx="1">
+      <cs:styleClr val="auto"/>
+    </cs:fillRef>
+    <cs:effectRef idx="0"/>
+    <cs:fontRef idx="minor">
+      <a:schemeClr val="tx1"/>
+    </cs:fontRef>
+  </cs:dataPoint3D>
+  <cs:dataPointLine>
+    <cs:lnRef idx="0">
+      <cs:styleClr val="auto"/>
+    </cs:lnRef>
+    <cs:fillRef idx="1"/>
+    <cs:effectRef idx="0"/>
+    <cs:fontRef idx="minor">
+      <a:schemeClr val="tx1"/>
+    </cs:fontRef>
+    <cs:spPr>
+      <a:ln w="28575" cap="rnd">
+        <a:solidFill>
+          <a:schemeClr val="phClr"/>
+        </a:solidFill>
+        <a:round/>
+      </a:ln>
+    </cs:spPr>
+  </cs:dataPointLine>
+  <cs:dataPointMarker>
+    <cs:lnRef idx="0">
+      <cs:styleClr val="auto"/>
+    </cs:lnRef>
+    <cs:fillRef idx="1">
+      <cs:styleClr val="auto"/>
+    </cs:fillRef>
+    <cs:effectRef idx="0"/>
+    <cs:fontRef idx="minor">
+      <a:schemeClr val="tx1"/>
+    </cs:fontRef>
+    <cs:spPr>
+      <a:ln w="9525">
+        <a:solidFill>
+          <a:schemeClr val="phClr"/>
+        </a:solidFill>
+      </a:ln>
+    </cs:spPr>
+  </cs:dataPointMarker>
+  <cs:dataPointMarkerLayout symbol="circle" size="5"/>
+  <cs:dataPointWireframe>
+    <cs:lnRef idx="0">
+      <cs:styleClr val="auto"/>
+    </cs:lnRef>
+    <cs:fillRef idx="1"/>
+    <cs:effectRef idx="0"/>
+    <cs:fontRef idx="minor">
+      <a:schemeClr val="tx1"/>
+    </cs:fontRef>
+    <cs:spPr>
+      <a:ln w="9525" cap="rnd">
+        <a:solidFill>
+          <a:schemeClr val="phClr"/>
+        </a:solidFill>
+        <a:round/>
+      </a:ln>
+    </cs:spPr>
+  </cs:dataPointWireframe>
+  <cs:dataTable>
+    <cs:lnRef idx="0"/>
+    <cs:fillRef idx="0"/>
+    <cs:effectRef idx="0"/>
+    <cs:fontRef idx="minor">
+      <a:schemeClr val="tx1">
+        <a:lumMod val="65000"/>
+        <a:lumOff val="35000"/>
+      </a:schemeClr>
+    </cs:fontRef>
+    <cs:spPr>
+      <a:noFill/>
+      <a:ln w="9525" cap="flat" cmpd="sng" algn="ctr">
+        <a:solidFill>
+          <a:schemeClr val="tx1">
+            <a:lumMod val="15000"/>
+            <a:lumOff val="85000"/>
+          </a:schemeClr>
+        </a:solidFill>
+        <a:round/>
+      </a:ln>
+    </cs:spPr>
+    <cs:defRPr sz="900" kern="1200"/>
+  </cs:dataTable>
+  <cs:downBar>
+    <cs:lnRef idx="0"/>
+    <cs:fillRef idx="0"/>
+    <cs:effectRef idx="0"/>
+    <cs:fontRef idx="minor">
+      <a:schemeClr val="dk1"/>
+    </cs:fontRef>
+    <cs:spPr>
+      <a:solidFill>
+        <a:schemeClr val="dk1">
+          <a:lumMod val="65000"/>
+          <a:lumOff val="35000"/>
+        </a:schemeClr>
+      </a:solidFill>
+      <a:ln w="9525">
+        <a:solidFill>
+          <a:schemeClr val="tx1">
+            <a:lumMod val="65000"/>
+            <a:lumOff val="35000"/>
+          </a:schemeClr>
+        </a:solidFill>
+      </a:ln>
+    </cs:spPr>
+  </cs:downBar>
+  <cs:dropLine>
+    <cs:lnRef idx="0"/>
+    <cs:fillRef idx="0"/>
+    <cs:effectRef idx="0"/>
+    <cs:fontRef idx="minor">
+      <a:schemeClr val="tx1"/>
+    </cs:fontRef>
+    <cs:spPr>
+      <a:ln w="9525" cap="flat" cmpd="sng" algn="ctr">
+        <a:solidFill>
+          <a:schemeClr val="tx1">
+            <a:lumMod val="35000"/>
+            <a:lumOff val="65000"/>
+          </a:schemeClr>
+        </a:solidFill>
+        <a:round/>
+      </a:ln>
+    </cs:spPr>
+  </cs:dropLine>
+  <cs:errorBar>
+    <cs:lnRef idx="0"/>
+    <cs:fillRef idx="0"/>
+    <cs:effectRef idx="0"/>
+    <cs:fontRef idx="minor">
+      <a:schemeClr val="tx1"/>
+    </cs:fontRef>
+    <cs:spPr>
+      <a:ln w="9525" cap="flat" cmpd="sng" algn="ctr">
+        <a:solidFill>
+          <a:schemeClr val="tx1">
+            <a:lumMod val="65000"/>
+            <a:lumOff val="35000"/>
+          </a:schemeClr>
+        </a:solidFill>
+        <a:round/>
+      </a:ln>
+    </cs:spPr>
+  </cs:errorBar>
+  <cs:floor>
+    <cs:lnRef idx="0"/>
+    <cs:fillRef idx="0"/>
+    <cs:effectRef idx="0"/>
+    <cs:fontRef idx="minor">
+      <a:schemeClr val="tx1"/>
+    </cs:fontRef>
+    <cs:spPr>
+      <a:noFill/>
+      <a:ln>
+        <a:noFill/>
+      </a:ln>
+    </cs:spPr>
+  </cs:floor>
+  <cs:gridlineMajor>
+    <cs:lnRef idx="0"/>
+    <cs:fillRef idx="0"/>
+    <cs:effectRef idx="0"/>
+    <cs:fontRef idx="minor">
+      <a:schemeClr val="tx1"/>
+    </cs:fontRef>
+    <cs:spPr>
+      <a:ln w="9525" cap="flat" cmpd="sng" algn="ctr">
+        <a:solidFill>
+          <a:schemeClr val="tx1">
+            <a:lumMod val="15000"/>
+            <a:lumOff val="85000"/>
+          </a:schemeClr>
+        </a:solidFill>
+        <a:round/>
+      </a:ln>
+    </cs:spPr>
+  </cs:gridlineMajor>
+  <cs:gridlineMinor>
+    <cs:lnRef idx="0"/>
+    <cs:fillRef idx="0"/>
+    <cs:effectRef idx="0"/>
+    <cs:fontRef idx="minor">
+      <a:schemeClr val="tx1"/>
+    </cs:fontRef>
+    <cs:spPr>
+      <a:ln w="9525" cap="flat" cmpd="sng" algn="ctr">
+        <a:solidFill>
+          <a:schemeClr val="tx1">
+            <a:lumMod val="5000"/>
+            <a:lumOff val="95000"/>
+          </a:schemeClr>
+        </a:solidFill>
+        <a:round/>
+      </a:ln>
+    </cs:spPr>
+  </cs:gridlineMinor>
+  <cs:hiLoLine>
+    <cs:lnRef idx="0"/>
+    <cs:fillRef idx="0"/>
+    <cs:effectRef idx="0"/>
+    <cs:fontRef idx="minor">
+      <a:schemeClr val="tx1"/>
+    </cs:fontRef>
+    <cs:spPr>
+      <a:ln w="9525" cap="flat" cmpd="sng" algn="ctr">
+        <a:solidFill>
+          <a:schemeClr val="tx1">
+            <a:lumMod val="75000"/>
+            <a:lumOff val="25000"/>
+          </a:schemeClr>
+        </a:solidFill>
+        <a:round/>
+      </a:ln>
+    </cs:spPr>
+  </cs:hiLoLine>
+  <cs:leaderLine>
+    <cs:lnRef idx="0"/>
+    <cs:fillRef idx="0"/>
+    <cs:effectRef idx="0"/>
+    <cs:fontRef idx="minor">
+      <a:schemeClr val="tx1"/>
+    </cs:fontRef>
+    <cs:spPr>
+      <a:ln w="9525" cap="flat" cmpd="sng" algn="ctr">
+        <a:solidFill>
+          <a:schemeClr val="tx1">
+            <a:lumMod val="35000"/>
+            <a:lumOff val="65000"/>
+          </a:schemeClr>
+        </a:solidFill>
+        <a:round/>
+      </a:ln>
+    </cs:spPr>
+  </cs:leaderLine>
+  <cs:legend>
+    <cs:lnRef idx="0"/>
+    <cs:fillRef idx="0"/>
+    <cs:effectRef idx="0"/>
+    <cs:fontRef idx="minor">
+      <a:schemeClr val="tx1">
+        <a:lumMod val="65000"/>
+        <a:lumOff val="35000"/>
+      </a:schemeClr>
+    </cs:fontRef>
+    <cs:defRPr sz="900" kern="1200"/>
+  </cs:legend>
+  <cs:plotArea mods="allowNoFillOverride allowNoLineOverride">
+    <cs:lnRef idx="0"/>
+    <cs:fillRef idx="0"/>
+    <cs:effectRef idx="0"/>
+    <cs:fontRef idx="minor">
+      <a:schemeClr val="tx1"/>
+    </cs:fontRef>
+  </cs:plotArea>
+  <cs:plotArea3D mods="allowNoFillOverride allowNoLineOverride">
+    <cs:lnRef idx="0"/>
+    <cs:fillRef idx="0"/>
+    <cs:effectRef idx="0"/>
+    <cs:fontRef idx="minor">
+      <a:schemeClr val="tx1"/>
+    </cs:fontRef>
+  </cs:plotArea3D>
+  <cs:seriesAxis>
+    <cs:lnRef idx="0"/>
+    <cs:fillRef idx="0"/>
+    <cs:effectRef idx="0"/>
+    <cs:fontRef idx="minor">
+      <a:schemeClr val="tx1">
+        <a:lumMod val="65000"/>
+        <a:lumOff val="35000"/>
+      </a:schemeClr>
+    </cs:fontRef>
+    <cs:defRPr sz="900" kern="1200"/>
+  </cs:seriesAxis>
+  <cs:seriesLine>
+    <cs:lnRef idx="0"/>
+    <cs:fillRef idx="0"/>
+    <cs:effectRef idx="0"/>
+    <cs:fontRef idx="minor">
+      <a:schemeClr val="tx1"/>
+    </cs:fontRef>
+    <cs:spPr>
+      <a:ln w="9525" cap="flat" cmpd="sng" algn="ctr">
+        <a:solidFill>
+          <a:schemeClr val="tx1">
+            <a:lumMod val="35000"/>
+            <a:lumOff val="65000"/>
+          </a:schemeClr>
+        </a:solidFill>
+        <a:round/>
+      </a:ln>
+    </cs:spPr>
+  </cs:seriesLine>
+  <cs:title>
+    <cs:lnRef idx="0"/>
+    <cs:fillRef idx="0"/>
+    <cs:effectRef idx="0"/>
+    <cs:fontRef idx="minor">
+      <a:schemeClr val="tx1">
+        <a:lumMod val="65000"/>
+        <a:lumOff val="35000"/>
+      </a:schemeClr>
+    </cs:fontRef>
+    <cs:defRPr sz="1400" b="0" kern="1200" spc="0" baseline="0"/>
+  </cs:title>
+  <cs:trendline>
+    <cs:lnRef idx="0">
+      <cs:styleClr val="auto"/>
+    </cs:lnRef>
+    <cs:fillRef idx="0"/>
+    <cs:effectRef idx="0"/>
+    <cs:fontRef idx="minor">
+      <a:schemeClr val="tx1"/>
+    </cs:fontRef>
+    <cs:spPr>
+      <a:ln w="19050" cap="rnd">
+        <a:solidFill>
+          <a:schemeClr val="phClr"/>
+        </a:solidFill>
+        <a:prstDash val="sysDot"/>
+      </a:ln>
+    </cs:spPr>
+  </cs:trendline>
+  <cs:trendlineLabel>
+    <cs:lnRef idx="0"/>
+    <cs:fillRef idx="0"/>
+    <cs:effectRef idx="0"/>
+    <cs:fontRef idx="minor">
+      <a:schemeClr val="tx1">
+        <a:lumMod val="65000"/>
+        <a:lumOff val="35000"/>
+      </a:schemeClr>
+    </cs:fontRef>
+    <cs:defRPr sz="900" kern="1200"/>
+  </cs:trendlineLabel>
+  <cs:upBar>
+    <cs:lnRef idx="0"/>
+    <cs:fillRef idx="0"/>
+    <cs:effectRef idx="0"/>
+    <cs:fontRef idx="minor">
+      <a:schemeClr val="dk1"/>
+    </cs:fontRef>
+    <cs:spPr>
+      <a:solidFill>
+        <a:schemeClr val="lt1"/>
+      </a:solidFill>
+      <a:ln w="9525">
+        <a:solidFill>
+          <a:schemeClr val="tx1">
+            <a:lumMod val="15000"/>
+            <a:lumOff val="85000"/>
+          </a:schemeClr>
+        </a:solidFill>
+      </a:ln>
+    </cs:spPr>
+  </cs:upBar>
+  <cs:valueAxis>
+    <cs:lnRef idx="0"/>
+    <cs:fillRef idx="0"/>
+    <cs:effectRef idx="0"/>
+    <cs:fontRef idx="minor">
+      <a:schemeClr val="tx1">
+        <a:lumMod val="65000"/>
+        <a:lumOff val="35000"/>
+      </a:schemeClr>
+    </cs:fontRef>
+    <cs:defRPr sz="900" kern="1200"/>
+  </cs:valueAxis>
+  <cs:wall>
+    <cs:lnRef idx="0"/>
+    <cs:fillRef idx="0"/>
+    <cs:effectRef idx="0"/>
+    <cs:fontRef idx="minor">
+      <a:schemeClr val="tx1"/>
+    </cs:fontRef>
+    <cs:spPr>
+      <a:noFill/>
+      <a:ln>
+        <a:noFill/>
+      </a:ln>
+    </cs:spPr>
+  </cs:wall>
+</cs:chartStyle>
+</file>
+
+<file path=ppt/charts/style2.xml><?xml version="1.0" encoding="utf-8"?>
+<cs:chartStyle xmlns:cs="http://schemas.microsoft.com/office/drawing/2012/chartStyle" xmlns:a="http://schemas.openxmlformats.org/drawingml/2006/main" id="332">
+  <cs:axisTitle>
+    <cs:lnRef idx="0"/>
+    <cs:fillRef idx="0"/>
+    <cs:effectRef idx="0"/>
+    <cs:fontRef idx="minor">
+      <a:schemeClr val="tx1">
+        <a:lumMod val="65000"/>
+        <a:lumOff val="35000"/>
+      </a:schemeClr>
+    </cs:fontRef>
+    <cs:defRPr sz="1000" kern="1200"/>
+  </cs:axisTitle>
+  <cs:categoryAxis>
+    <cs:lnRef idx="0"/>
+    <cs:fillRef idx="0"/>
+    <cs:effectRef idx="0"/>
+    <cs:fontRef idx="minor">
+      <a:schemeClr val="tx1">
+        <a:lumMod val="65000"/>
+        <a:lumOff val="35000"/>
+      </a:schemeClr>
+    </cs:fontRef>
+    <cs:spPr>
+      <a:ln w="9525" cap="flat" cmpd="sng" algn="ctr">
+        <a:solidFill>
+          <a:schemeClr val="tx1">
+            <a:lumMod val="15000"/>
+            <a:lumOff val="85000"/>
+          </a:schemeClr>
+        </a:solidFill>
+        <a:round/>
+      </a:ln>
+    </cs:spPr>
+    <cs:defRPr sz="900" kern="1200"/>
+  </cs:categoryAxis>
+  <cs:chartArea mods="allowNoFillOverride allowNoLineOverride">
+    <cs:lnRef idx="0"/>
+    <cs:fillRef idx="0"/>
+    <cs:effectRef idx="0"/>
+    <cs:fontRef idx="minor">
+      <a:schemeClr val="tx1"/>
+    </cs:fontRef>
+    <cs:spPr>
+      <a:solidFill>
+        <a:schemeClr val="bg1"/>
+      </a:solidFill>
+      <a:ln w="9525" cap="flat" cmpd="sng" algn="ctr">
+        <a:solidFill>
+          <a:schemeClr val="tx1">
+            <a:lumMod val="15000"/>
+            <a:lumOff val="85000"/>
+          </a:schemeClr>
+        </a:solidFill>
+        <a:round/>
+      </a:ln>
+    </cs:spPr>
+    <cs:defRPr sz="1000" kern="1200"/>
+  </cs:chartArea>
+  <cs:dataLabel>
+    <cs:lnRef idx="0"/>
+    <cs:fillRef idx="0"/>
+    <cs:effectRef idx="0"/>
+    <cs:fontRef idx="minor">
+      <a:schemeClr val="tx1">
+        <a:lumMod val="75000"/>
+        <a:lumOff val="25000"/>
+      </a:schemeClr>
+    </cs:fontRef>
+    <cs:defRPr sz="900" kern="1200"/>
+  </cs:dataLabel>
+  <cs:dataLabelCallout>
+    <cs:lnRef idx="0"/>
+    <cs:fillRef idx="0"/>
+    <cs:effectRef idx="0"/>
+    <cs:fontRef idx="minor">
+      <a:schemeClr val="dk1">
+        <a:lumMod val="65000"/>
+        <a:lumOff val="35000"/>
+      </a:schemeClr>
+    </cs:fontRef>
+    <cs:spPr>
+      <a:solidFill>
+        <a:schemeClr val="lt1"/>
+      </a:solidFill>
+      <a:ln>
+        <a:solidFill>
+          <a:schemeClr val="dk1">
+            <a:lumMod val="25000"/>
+            <a:lumOff val="75000"/>
+          </a:schemeClr>
+        </a:solidFill>
+      </a:ln>
+    </cs:spPr>
+    <cs:defRPr sz="900" kern="1200"/>
+    <cs:bodyPr rot="0" spcFirstLastPara="1" vertOverflow="clip" horzOverflow="clip" vert="horz" wrap="square" lIns="36576" tIns="18288" rIns="36576" bIns="18288" anchor="ctr" anchorCtr="1">
+      <a:spAutoFit/>
+    </cs:bodyPr>
+  </cs:dataLabelCallout>
+  <cs:dataPoint>
+    <cs:lnRef idx="0"/>
+    <cs:fillRef idx="1">
+      <cs:styleClr val="auto"/>
+    </cs:fillRef>
+    <cs:effectRef idx="0"/>
+    <cs:fontRef idx="minor">
+      <a:schemeClr val="tx1"/>
+    </cs:fontRef>
+  </cs:dataPoint>
+  <cs:dataPoint3D>
+    <cs:lnRef idx="0"/>
+    <cs:fillRef idx="1">
+      <cs:styleClr val="auto"/>
+    </cs:fillRef>
+    <cs:effectRef idx="0"/>
+    <cs:fontRef idx="minor">
+      <a:schemeClr val="tx1"/>
+    </cs:fontRef>
+  </cs:dataPoint3D>
+  <cs:dataPointLine>
+    <cs:lnRef idx="0">
+      <cs:styleClr val="auto"/>
+    </cs:lnRef>
+    <cs:fillRef idx="1"/>
+    <cs:effectRef idx="0"/>
+    <cs:fontRef idx="minor">
+      <a:schemeClr val="tx1"/>
+    </cs:fontRef>
+    <cs:spPr>
+      <a:ln w="28575" cap="rnd">
+        <a:solidFill>
+          <a:schemeClr val="phClr"/>
+        </a:solidFill>
+        <a:round/>
+      </a:ln>
+    </cs:spPr>
+  </cs:dataPointLine>
+  <cs:dataPointMarker>
+    <cs:lnRef idx="0">
+      <cs:styleClr val="auto"/>
+    </cs:lnRef>
+    <cs:fillRef idx="1">
+      <cs:styleClr val="auto"/>
+    </cs:fillRef>
+    <cs:effectRef idx="0"/>
+    <cs:fontRef idx="minor">
+      <a:schemeClr val="tx1"/>
+    </cs:fontRef>
+    <cs:spPr>
+      <a:ln w="9525">
+        <a:solidFill>
+          <a:schemeClr val="phClr"/>
+        </a:solidFill>
+      </a:ln>
+    </cs:spPr>
+  </cs:dataPointMarker>
+  <cs:dataPointMarkerLayout symbol="circle" size="5"/>
+  <cs:dataPointWireframe>
+    <cs:lnRef idx="0">
+      <cs:styleClr val="auto"/>
+    </cs:lnRef>
+    <cs:fillRef idx="1"/>
+    <cs:effectRef idx="0"/>
+    <cs:fontRef idx="minor">
+      <a:schemeClr val="tx1"/>
+    </cs:fontRef>
+    <cs:spPr>
+      <a:ln w="9525" cap="rnd">
+        <a:solidFill>
+          <a:schemeClr val="phClr"/>
+        </a:solidFill>
+        <a:round/>
+      </a:ln>
+    </cs:spPr>
+  </cs:dataPointWireframe>
+  <cs:dataTable>
+    <cs:lnRef idx="0"/>
+    <cs:fillRef idx="0"/>
+    <cs:effectRef idx="0"/>
+    <cs:fontRef idx="minor">
+      <a:schemeClr val="tx1">
+        <a:lumMod val="65000"/>
+        <a:lumOff val="35000"/>
+      </a:schemeClr>
+    </cs:fontRef>
+    <cs:spPr>
+      <a:noFill/>
+      <a:ln w="9525" cap="flat" cmpd="sng" algn="ctr">
+        <a:solidFill>
+          <a:schemeClr val="tx1">
+            <a:lumMod val="15000"/>
+            <a:lumOff val="85000"/>
+          </a:schemeClr>
+        </a:solidFill>
+        <a:round/>
+      </a:ln>
+    </cs:spPr>
+    <cs:defRPr sz="900" kern="1200"/>
+  </cs:dataTable>
+  <cs:downBar>
+    <cs:lnRef idx="0"/>
+    <cs:fillRef idx="0"/>
+    <cs:effectRef idx="0"/>
+    <cs:fontRef idx="minor">
+      <a:schemeClr val="dk1"/>
+    </cs:fontRef>
+    <cs:spPr>
+      <a:solidFill>
+        <a:schemeClr val="dk1">
+          <a:lumMod val="65000"/>
+          <a:lumOff val="35000"/>
+        </a:schemeClr>
+      </a:solidFill>
+      <a:ln w="9525">
+        <a:solidFill>
+          <a:schemeClr val="tx1">
+            <a:lumMod val="65000"/>
+            <a:lumOff val="35000"/>
+          </a:schemeClr>
+        </a:solidFill>
+      </a:ln>
+    </cs:spPr>
+  </cs:downBar>
+  <cs:dropLine>
+    <cs:lnRef idx="0"/>
+    <cs:fillRef idx="0"/>
+    <cs:effectRef idx="0"/>
+    <cs:fontRef idx="minor">
+      <a:schemeClr val="tx1"/>
+    </cs:fontRef>
+    <cs:spPr>
+      <a:ln w="9525" cap="flat" cmpd="sng" algn="ctr">
+        <a:solidFill>
+          <a:schemeClr val="tx1">
+            <a:lumMod val="35000"/>
+            <a:lumOff val="65000"/>
+          </a:schemeClr>
+        </a:solidFill>
+        <a:round/>
+      </a:ln>
+    </cs:spPr>
+  </cs:dropLine>
+  <cs:errorBar>
+    <cs:lnRef idx="0"/>
+    <cs:fillRef idx="0"/>
+    <cs:effectRef idx="0"/>
+    <cs:fontRef idx="minor">
+      <a:schemeClr val="tx1"/>
+    </cs:fontRef>
+    <cs:spPr>
+      <a:ln w="9525" cap="flat" cmpd="sng" algn="ctr">
+        <a:solidFill>
+          <a:schemeClr val="tx1">
+            <a:lumMod val="65000"/>
+            <a:lumOff val="35000"/>
+          </a:schemeClr>
+        </a:solidFill>
+        <a:round/>
+      </a:ln>
+    </cs:spPr>
+  </cs:errorBar>
+  <cs:floor>
+    <cs:lnRef idx="0"/>
+    <cs:fillRef idx="0"/>
+    <cs:effectRef idx="0"/>
+    <cs:fontRef idx="minor">
+      <a:schemeClr val="tx1"/>
+    </cs:fontRef>
+    <cs:spPr>
+      <a:noFill/>
+      <a:ln>
+        <a:noFill/>
+      </a:ln>
+    </cs:spPr>
+  </cs:floor>
+  <cs:gridlineMajor>
+    <cs:lnRef idx="0"/>
+    <cs:fillRef idx="0"/>
+    <cs:effectRef idx="0"/>
+    <cs:fontRef idx="minor">
+      <a:schemeClr val="tx1"/>
+    </cs:fontRef>
+    <cs:spPr>
+      <a:ln w="9525" cap="flat" cmpd="sng" algn="ctr">
+        <a:solidFill>
+          <a:schemeClr val="tx1">
+            <a:lumMod val="15000"/>
+            <a:lumOff val="85000"/>
+          </a:schemeClr>
+        </a:solidFill>
+        <a:round/>
+      </a:ln>
+    </cs:spPr>
+  </cs:gridlineMajor>
+  <cs:gridlineMinor>
+    <cs:lnRef idx="0"/>
+    <cs:fillRef idx="0"/>
+    <cs:effectRef idx="0"/>
+    <cs:fontRef idx="minor">
+      <a:schemeClr val="tx1"/>
+    </cs:fontRef>
+    <cs:spPr>
+      <a:ln w="9525" cap="flat" cmpd="sng" algn="ctr">
+        <a:solidFill>
+          <a:schemeClr val="tx1">
+            <a:lumMod val="5000"/>
+            <a:lumOff val="95000"/>
+          </a:schemeClr>
+        </a:solidFill>
+        <a:round/>
+      </a:ln>
+    </cs:spPr>
+  </cs:gridlineMinor>
+  <cs:hiLoLine>
+    <cs:lnRef idx="0"/>
+    <cs:fillRef idx="0"/>
+    <cs:effectRef idx="0"/>
+    <cs:fontRef idx="minor">
+      <a:schemeClr val="tx1"/>
+    </cs:fontRef>
+    <cs:spPr>
+      <a:ln w="9525" cap="flat" cmpd="sng" algn="ctr">
+        <a:solidFill>
+          <a:schemeClr val="tx1">
+            <a:lumMod val="75000"/>
+            <a:lumOff val="25000"/>
+          </a:schemeClr>
+        </a:solidFill>
+        <a:round/>
+      </a:ln>
+    </cs:spPr>
+  </cs:hiLoLine>
+  <cs:leaderLine>
+    <cs:lnRef idx="0"/>
+    <cs:fillRef idx="0"/>
+    <cs:effectRef idx="0"/>
+    <cs:fontRef idx="minor">
+      <a:schemeClr val="tx1"/>
+    </cs:fontRef>
+    <cs:spPr>
+      <a:ln w="9525" cap="flat" cmpd="sng" algn="ctr">
+        <a:solidFill>
+          <a:schemeClr val="tx1">
+            <a:lumMod val="35000"/>
+            <a:lumOff val="65000"/>
+          </a:schemeClr>
+        </a:solidFill>
+        <a:round/>
+      </a:ln>
+    </cs:spPr>
+  </cs:leaderLine>
+  <cs:legend>
+    <cs:lnRef idx="0"/>
+    <cs:fillRef idx="0"/>
+    <cs:effectRef idx="0"/>
+    <cs:fontRef idx="minor">
+      <a:schemeClr val="tx1">
+        <a:lumMod val="65000"/>
+        <a:lumOff val="35000"/>
+      </a:schemeClr>
+    </cs:fontRef>
+    <cs:defRPr sz="900" kern="1200"/>
+  </cs:legend>
+  <cs:plotArea mods="allowNoFillOverride allowNoLineOverride">
+    <cs:lnRef idx="0"/>
+    <cs:fillRef idx="0"/>
+    <cs:effectRef idx="0"/>
+    <cs:fontRef idx="minor">
+      <a:schemeClr val="tx1"/>
+    </cs:fontRef>
+  </cs:plotArea>
+  <cs:plotArea3D mods="allowNoFillOverride allowNoLineOverride">
+    <cs:lnRef idx="0"/>
+    <cs:fillRef idx="0"/>
+    <cs:effectRef idx="0"/>
+    <cs:fontRef idx="minor">
+      <a:schemeClr val="tx1"/>
+    </cs:fontRef>
+  </cs:plotArea3D>
+  <cs:seriesAxis>
+    <cs:lnRef idx="0"/>
+    <cs:fillRef idx="0"/>
+    <cs:effectRef idx="0"/>
+    <cs:fontRef idx="minor">
+      <a:schemeClr val="tx1">
+        <a:lumMod val="65000"/>
+        <a:lumOff val="35000"/>
+      </a:schemeClr>
+    </cs:fontRef>
+    <cs:defRPr sz="900" kern="1200"/>
+  </cs:seriesAxis>
+  <cs:seriesLine>
+    <cs:lnRef idx="0"/>
+    <cs:fillRef idx="0"/>
+    <cs:effectRef idx="0"/>
+    <cs:fontRef idx="minor">
+      <a:schemeClr val="tx1"/>
+    </cs:fontRef>
+    <cs:spPr>
+      <a:ln w="9525" cap="flat" cmpd="sng" algn="ctr">
+        <a:solidFill>
+          <a:schemeClr val="tx1">
+            <a:lumMod val="35000"/>
+            <a:lumOff val="65000"/>
+          </a:schemeClr>
+        </a:solidFill>
+        <a:round/>
+      </a:ln>
+    </cs:spPr>
+  </cs:seriesLine>
+  <cs:title>
+    <cs:lnRef idx="0"/>
+    <cs:fillRef idx="0"/>
+    <cs:effectRef idx="0"/>
+    <cs:fontRef idx="minor">
+      <a:schemeClr val="tx1">
+        <a:lumMod val="65000"/>
+        <a:lumOff val="35000"/>
+      </a:schemeClr>
+    </cs:fontRef>
+    <cs:defRPr sz="1400" b="0" kern="1200" spc="0" baseline="0"/>
+  </cs:title>
+  <cs:trendline>
+    <cs:lnRef idx="0">
+      <cs:styleClr val="auto"/>
+    </cs:lnRef>
+    <cs:fillRef idx="0"/>
+    <cs:effectRef idx="0"/>
+    <cs:fontRef idx="minor">
+      <a:schemeClr val="tx1"/>
+    </cs:fontRef>
+    <cs:spPr>
+      <a:ln w="19050" cap="rnd">
+        <a:solidFill>
+          <a:schemeClr val="phClr"/>
+        </a:solidFill>
+        <a:prstDash val="sysDot"/>
+      </a:ln>
+    </cs:spPr>
+  </cs:trendline>
+  <cs:trendlineLabel>
+    <cs:lnRef idx="0"/>
+    <cs:fillRef idx="0"/>
+    <cs:effectRef idx="0"/>
+    <cs:fontRef idx="minor">
+      <a:schemeClr val="tx1">
+        <a:lumMod val="65000"/>
+        <a:lumOff val="35000"/>
+      </a:schemeClr>
+    </cs:fontRef>
+    <cs:defRPr sz="900" kern="1200"/>
+  </cs:trendlineLabel>
+  <cs:upBar>
+    <cs:lnRef idx="0"/>
+    <cs:fillRef idx="0"/>
+    <cs:effectRef idx="0"/>
+    <cs:fontRef idx="minor">
+      <a:schemeClr val="dk1"/>
+    </cs:fontRef>
+    <cs:spPr>
+      <a:solidFill>
+        <a:schemeClr val="lt1"/>
+      </a:solidFill>
+      <a:ln w="9525">
+        <a:solidFill>
+          <a:schemeClr val="tx1">
+            <a:lumMod val="15000"/>
+            <a:lumOff val="85000"/>
+          </a:schemeClr>
+        </a:solidFill>
+      </a:ln>
+    </cs:spPr>
+  </cs:upBar>
+  <cs:valueAxis>
+    <cs:lnRef idx="0"/>
+    <cs:fillRef idx="0"/>
+    <cs:effectRef idx="0"/>
+    <cs:fontRef idx="minor">
+      <a:schemeClr val="tx1">
+        <a:lumMod val="65000"/>
+        <a:lumOff val="35000"/>
+      </a:schemeClr>
+    </cs:fontRef>
+    <cs:defRPr sz="900" kern="1200"/>
+  </cs:valueAxis>
+  <cs:wall>
+    <cs:lnRef idx="0"/>
+    <cs:fillRef idx="0"/>
+    <cs:effectRef idx="0"/>
+    <cs:fontRef idx="minor">
+      <a:schemeClr val="tx1"/>
+    </cs:fontRef>
+    <cs:spPr>
+      <a:noFill/>
+      <a:ln>
+        <a:noFill/>
+      </a:ln>
+    </cs:spPr>
+  </cs:wall>
+</cs:chartStyle>
+</file>
+
+<file path=ppt/charts/style3.xml><?xml version="1.0" encoding="utf-8"?>
+<cs:chartStyle xmlns:cs="http://schemas.microsoft.com/office/drawing/2012/chartStyle" xmlns:a="http://schemas.openxmlformats.org/drawingml/2006/main" id="332">
+  <cs:axisTitle>
+    <cs:lnRef idx="0"/>
+    <cs:fillRef idx="0"/>
+    <cs:effectRef idx="0"/>
+    <cs:fontRef idx="minor">
+      <a:schemeClr val="tx1">
+        <a:lumMod val="65000"/>
+        <a:lumOff val="35000"/>
+      </a:schemeClr>
+    </cs:fontRef>
+    <cs:defRPr sz="1000" kern="1200"/>
+  </cs:axisTitle>
+  <cs:categoryAxis>
+    <cs:lnRef idx="0"/>
+    <cs:fillRef idx="0"/>
+    <cs:effectRef idx="0"/>
+    <cs:fontRef idx="minor">
+      <a:schemeClr val="tx1">
+        <a:lumMod val="65000"/>
+        <a:lumOff val="35000"/>
+      </a:schemeClr>
+    </cs:fontRef>
+    <cs:spPr>
+      <a:ln w="9525" cap="flat" cmpd="sng" algn="ctr">
+        <a:solidFill>
+          <a:schemeClr val="tx1">
+            <a:lumMod val="15000"/>
+            <a:lumOff val="85000"/>
+          </a:schemeClr>
+        </a:solidFill>
+        <a:round/>
+      </a:ln>
+    </cs:spPr>
+    <cs:defRPr sz="900" kern="1200"/>
+  </cs:categoryAxis>
+  <cs:chartArea mods="allowNoFillOverride allowNoLineOverride">
+    <cs:lnRef idx="0"/>
+    <cs:fillRef idx="0"/>
+    <cs:effectRef idx="0"/>
+    <cs:fontRef idx="minor">
+      <a:schemeClr val="tx1"/>
+    </cs:fontRef>
+    <cs:spPr>
+      <a:solidFill>
+        <a:schemeClr val="bg1"/>
+      </a:solidFill>
+      <a:ln w="9525" cap="flat" cmpd="sng" algn="ctr">
+        <a:solidFill>
+          <a:schemeClr val="tx1">
+            <a:lumMod val="15000"/>
+            <a:lumOff val="85000"/>
+          </a:schemeClr>
+        </a:solidFill>
+        <a:round/>
+      </a:ln>
+    </cs:spPr>
+    <cs:defRPr sz="1000" kern="1200"/>
+  </cs:chartArea>
+  <cs:dataLabel>
+    <cs:lnRef idx="0"/>
+    <cs:fillRef idx="0"/>
+    <cs:effectRef idx="0"/>
+    <cs:fontRef idx="minor">
+      <a:schemeClr val="tx1">
+        <a:lumMod val="75000"/>
+        <a:lumOff val="25000"/>
+      </a:schemeClr>
+    </cs:fontRef>
+    <cs:defRPr sz="900" kern="1200"/>
+  </cs:dataLabel>
+  <cs:dataLabelCallout>
+    <cs:lnRef idx="0"/>
+    <cs:fillRef idx="0"/>
+    <cs:effectRef idx="0"/>
+    <cs:fontRef idx="minor">
+      <a:schemeClr val="dk1">
+        <a:lumMod val="65000"/>
+        <a:lumOff val="35000"/>
+      </a:schemeClr>
+    </cs:fontRef>
+    <cs:spPr>
+      <a:solidFill>
+        <a:schemeClr val="lt1"/>
+      </a:solidFill>
+      <a:ln>
+        <a:solidFill>
+          <a:schemeClr val="dk1">
+            <a:lumMod val="25000"/>
+            <a:lumOff val="75000"/>
+          </a:schemeClr>
+        </a:solidFill>
+      </a:ln>
+    </cs:spPr>
+    <cs:defRPr sz="900" kern="1200"/>
+    <cs:bodyPr rot="0" spcFirstLastPara="1" vertOverflow="clip" horzOverflow="clip" vert="horz" wrap="square" lIns="36576" tIns="18288" rIns="36576" bIns="18288" anchor="ctr" anchorCtr="1">
+      <a:spAutoFit/>
+    </cs:bodyPr>
+  </cs:dataLabelCallout>
+  <cs:dataPoint>
+    <cs:lnRef idx="0"/>
+    <cs:fillRef idx="1">
+      <cs:styleClr val="auto"/>
+    </cs:fillRef>
+    <cs:effectRef idx="0"/>
+    <cs:fontRef idx="minor">
+      <a:schemeClr val="tx1"/>
+    </cs:fontRef>
+  </cs:dataPoint>
+  <cs:dataPoint3D>
+    <cs:lnRef idx="0"/>
+    <cs:fillRef idx="1">
+      <cs:styleClr val="auto"/>
+    </cs:fillRef>
+    <cs:effectRef idx="0"/>
+    <cs:fontRef idx="minor">
+      <a:schemeClr val="tx1"/>
+    </cs:fontRef>
+  </cs:dataPoint3D>
+  <cs:dataPointLine>
+    <cs:lnRef idx="0">
+      <cs:styleClr val="auto"/>
+    </cs:lnRef>
+    <cs:fillRef idx="1"/>
+    <cs:effectRef idx="0"/>
+    <cs:fontRef idx="minor">
+      <a:schemeClr val="tx1"/>
+    </cs:fontRef>
+    <cs:spPr>
+      <a:ln w="28575" cap="rnd">
+        <a:solidFill>
+          <a:schemeClr val="phClr"/>
+        </a:solidFill>
+        <a:round/>
+      </a:ln>
+    </cs:spPr>
+  </cs:dataPointLine>
+  <cs:dataPointMarker>
+    <cs:lnRef idx="0">
+      <cs:styleClr val="auto"/>
+    </cs:lnRef>
+    <cs:fillRef idx="1">
+      <cs:styleClr val="auto"/>
+    </cs:fillRef>
+    <cs:effectRef idx="0"/>
+    <cs:fontRef idx="minor">
+      <a:schemeClr val="tx1"/>
+    </cs:fontRef>
+    <cs:spPr>
+      <a:ln w="9525">
+        <a:solidFill>
+          <a:schemeClr val="phClr"/>
+        </a:solidFill>
+      </a:ln>
+    </cs:spPr>
+  </cs:dataPointMarker>
+  <cs:dataPointMarkerLayout symbol="circle" size="5"/>
+  <cs:dataPointWireframe>
+    <cs:lnRef idx="0">
+      <cs:styleClr val="auto"/>
+    </cs:lnRef>
+    <cs:fillRef idx="1"/>
+    <cs:effectRef idx="0"/>
+    <cs:fontRef idx="minor">
+      <a:schemeClr val="tx1"/>
+    </cs:fontRef>
+    <cs:spPr>
+      <a:ln w="9525" cap="rnd">
+        <a:solidFill>
+          <a:schemeClr val="phClr"/>
+        </a:solidFill>
+        <a:round/>
+      </a:ln>
+    </cs:spPr>
+  </cs:dataPointWireframe>
+  <cs:dataTable>
+    <cs:lnRef idx="0"/>
+    <cs:fillRef idx="0"/>
+    <cs:effectRef idx="0"/>
+    <cs:fontRef idx="minor">
+      <a:schemeClr val="tx1">
+        <a:lumMod val="65000"/>
+        <a:lumOff val="35000"/>
+      </a:schemeClr>
+    </cs:fontRef>
+    <cs:spPr>
+      <a:noFill/>
+      <a:ln w="9525" cap="flat" cmpd="sng" algn="ctr">
+        <a:solidFill>
+          <a:schemeClr val="tx1">
+            <a:lumMod val="15000"/>
+            <a:lumOff val="85000"/>
+          </a:schemeClr>
+        </a:solidFill>
+        <a:round/>
+      </a:ln>
+    </cs:spPr>
+    <cs:defRPr sz="900" kern="1200"/>
+  </cs:dataTable>
+  <cs:downBar>
+    <cs:lnRef idx="0"/>
+    <cs:fillRef idx="0"/>
+    <cs:effectRef idx="0"/>
+    <cs:fontRef idx="minor">
+      <a:schemeClr val="dk1"/>
+    </cs:fontRef>
+    <cs:spPr>
+      <a:solidFill>
+        <a:schemeClr val="dk1">
+          <a:lumMod val="65000"/>
+          <a:lumOff val="35000"/>
+        </a:schemeClr>
+      </a:solidFill>
+      <a:ln w="9525">
+        <a:solidFill>
+          <a:schemeClr val="tx1">
+            <a:lumMod val="65000"/>
+            <a:lumOff val="35000"/>
+          </a:schemeClr>
+        </a:solidFill>
+      </a:ln>
+    </cs:spPr>
+  </cs:downBar>
+  <cs:dropLine>
+    <cs:lnRef idx="0"/>
+    <cs:fillRef idx="0"/>
+    <cs:effectRef idx="0"/>
+    <cs:fontRef idx="minor">
+      <a:schemeClr val="tx1"/>
+    </cs:fontRef>
+    <cs:spPr>
+      <a:ln w="9525" cap="flat" cmpd="sng" algn="ctr">
+        <a:solidFill>
+          <a:schemeClr val="tx1">
+            <a:lumMod val="35000"/>
+            <a:lumOff val="65000"/>
+          </a:schemeClr>
+        </a:solidFill>
+        <a:round/>
+      </a:ln>
+    </cs:spPr>
+  </cs:dropLine>
+  <cs:errorBar>
+    <cs:lnRef idx="0"/>
+    <cs:fillRef idx="0"/>
+    <cs:effectRef idx="0"/>
+    <cs:fontRef idx="minor">
+      <a:schemeClr val="tx1"/>
+    </cs:fontRef>
+    <cs:spPr>
+      <a:ln w="9525" cap="flat" cmpd="sng" algn="ctr">
+        <a:solidFill>
+          <a:schemeClr val="tx1">
+            <a:lumMod val="65000"/>
+            <a:lumOff val="35000"/>
+          </a:schemeClr>
+        </a:solidFill>
+        <a:round/>
+      </a:ln>
+    </cs:spPr>
+  </cs:errorBar>
+  <cs:floor>
+    <cs:lnRef idx="0"/>
+    <cs:fillRef idx="0"/>
+    <cs:effectRef idx="0"/>
+    <cs:fontRef idx="minor">
+      <a:schemeClr val="tx1"/>
+    </cs:fontRef>
+    <cs:spPr>
+      <a:noFill/>
+      <a:ln>
+        <a:noFill/>
+      </a:ln>
+    </cs:spPr>
+  </cs:floor>
+  <cs:gridlineMajor>
+    <cs:lnRef idx="0"/>
+    <cs:fillRef idx="0"/>
+    <cs:effectRef idx="0"/>
+    <cs:fontRef idx="minor">
+      <a:schemeClr val="tx1"/>
+    </cs:fontRef>
+    <cs:spPr>
+      <a:ln w="9525" cap="flat" cmpd="sng" algn="ctr">
+        <a:solidFill>
+          <a:schemeClr val="tx1">
+            <a:lumMod val="15000"/>
+            <a:lumOff val="85000"/>
+          </a:schemeClr>
+        </a:solidFill>
+        <a:round/>
+      </a:ln>
+    </cs:spPr>
+  </cs:gridlineMajor>
+  <cs:gridlineMinor>
+    <cs:lnRef idx="0"/>
+    <cs:fillRef idx="0"/>
+    <cs:effectRef idx="0"/>
+    <cs:fontRef idx="minor">
+      <a:schemeClr val="tx1"/>
+    </cs:fontRef>
+    <cs:spPr>
+      <a:ln w="9525" cap="flat" cmpd="sng" algn="ctr">
+        <a:solidFill>
+          <a:schemeClr val="tx1">
+            <a:lumMod val="5000"/>
+            <a:lumOff val="95000"/>
+          </a:schemeClr>
+        </a:solidFill>
+        <a:round/>
+      </a:ln>
+    </cs:spPr>
+  </cs:gridlineMinor>
+  <cs:hiLoLine>
+    <cs:lnRef idx="0"/>
+    <cs:fillRef idx="0"/>
+    <cs:effectRef idx="0"/>
+    <cs:fontRef idx="minor">
+      <a:schemeClr val="tx1"/>
+    </cs:fontRef>
+    <cs:spPr>
+      <a:ln w="9525" cap="flat" cmpd="sng" algn="ctr">
+        <a:solidFill>
+          <a:schemeClr val="tx1">
+            <a:lumMod val="75000"/>
+            <a:lumOff val="25000"/>
+          </a:schemeClr>
+        </a:solidFill>
+        <a:round/>
+      </a:ln>
+    </cs:spPr>
+  </cs:hiLoLine>
+  <cs:leaderLine>
+    <cs:lnRef idx="0"/>
+    <cs:fillRef idx="0"/>
+    <cs:effectRef idx="0"/>
+    <cs:fontRef idx="minor">
+      <a:schemeClr val="tx1"/>
+    </cs:fontRef>
+    <cs:spPr>
+      <a:ln w="9525" cap="flat" cmpd="sng" algn="ctr">
+        <a:solidFill>
+          <a:schemeClr val="tx1">
+            <a:lumMod val="35000"/>
+            <a:lumOff val="65000"/>
+          </a:schemeClr>
+        </a:solidFill>
+        <a:round/>
+      </a:ln>
+    </cs:spPr>
+  </cs:leaderLine>
+  <cs:legend>
+    <cs:lnRef idx="0"/>
+    <cs:fillRef idx="0"/>
+    <cs:effectRef idx="0"/>
+    <cs:fontRef idx="minor">
+      <a:schemeClr val="tx1">
+        <a:lumMod val="65000"/>
+        <a:lumOff val="35000"/>
+      </a:schemeClr>
+    </cs:fontRef>
+    <cs:defRPr sz="900" kern="1200"/>
+  </cs:legend>
+  <cs:plotArea mods="allowNoFillOverride allowNoLineOverride">
+    <cs:lnRef idx="0"/>
+    <cs:fillRef idx="0"/>
+    <cs:effectRef idx="0"/>
+    <cs:fontRef idx="minor">
+      <a:schemeClr val="tx1"/>
+    </cs:fontRef>
+  </cs:plotArea>
+  <cs:plotArea3D mods="allowNoFillOverride allowNoLineOverride">
+    <cs:lnRef idx="0"/>
+    <cs:fillRef idx="0"/>
+    <cs:effectRef idx="0"/>
+    <cs:fontRef idx="minor">
+      <a:schemeClr val="tx1"/>
+    </cs:fontRef>
+  </cs:plotArea3D>
+  <cs:seriesAxis>
+    <cs:lnRef idx="0"/>
+    <cs:fillRef idx="0"/>
+    <cs:effectRef idx="0"/>
+    <cs:fontRef idx="minor">
+      <a:schemeClr val="tx1">
+        <a:lumMod val="65000"/>
+        <a:lumOff val="35000"/>
+      </a:schemeClr>
+    </cs:fontRef>
+    <cs:defRPr sz="900" kern="1200"/>
+  </cs:seriesAxis>
+  <cs:seriesLine>
+    <cs:lnRef idx="0"/>
+    <cs:fillRef idx="0"/>
+    <cs:effectRef idx="0"/>
+    <cs:fontRef idx="minor">
+      <a:schemeClr val="tx1"/>
+    </cs:fontRef>
+    <cs:spPr>
+      <a:ln w="9525" cap="flat" cmpd="sng" algn="ctr">
+        <a:solidFill>
+          <a:schemeClr val="tx1">
+            <a:lumMod val="35000"/>
+            <a:lumOff val="65000"/>
+          </a:schemeClr>
+        </a:solidFill>
+        <a:round/>
+      </a:ln>
+    </cs:spPr>
+  </cs:seriesLine>
+  <cs:title>
+    <cs:lnRef idx="0"/>
+    <cs:fillRef idx="0"/>
+    <cs:effectRef idx="0"/>
+    <cs:fontRef idx="minor">
+      <a:schemeClr val="tx1">
+        <a:lumMod val="65000"/>
+        <a:lumOff val="35000"/>
+      </a:schemeClr>
+    </cs:fontRef>
+    <cs:defRPr sz="1400" b="0" kern="1200" spc="0" baseline="0"/>
+  </cs:title>
+  <cs:trendline>
+    <cs:lnRef idx="0">
+      <cs:styleClr val="auto"/>
+    </cs:lnRef>
+    <cs:fillRef idx="0"/>
+    <cs:effectRef idx="0"/>
+    <cs:fontRef idx="minor">
+      <a:schemeClr val="tx1"/>
+    </cs:fontRef>
+    <cs:spPr>
+      <a:ln w="19050" cap="rnd">
+        <a:solidFill>
+          <a:schemeClr val="phClr"/>
+        </a:solidFill>
+        <a:prstDash val="sysDot"/>
+      </a:ln>
+    </cs:spPr>
+  </cs:trendline>
+  <cs:trendlineLabel>
+    <cs:lnRef idx="0"/>
+    <cs:fillRef idx="0"/>
+    <cs:effectRef idx="0"/>
+    <cs:fontRef idx="minor">
+      <a:schemeClr val="tx1">
+        <a:lumMod val="65000"/>
+        <a:lumOff val="35000"/>
+      </a:schemeClr>
+    </cs:fontRef>
+    <cs:defRPr sz="900" kern="1200"/>
+  </cs:trendlineLabel>
+  <cs:upBar>
+    <cs:lnRef idx="0"/>
+    <cs:fillRef idx="0"/>
+    <cs:effectRef idx="0"/>
+    <cs:fontRef idx="minor">
+      <a:schemeClr val="dk1"/>
+    </cs:fontRef>
+    <cs:spPr>
+      <a:solidFill>
+        <a:schemeClr val="lt1"/>
+      </a:solidFill>
+      <a:ln w="9525">
+        <a:solidFill>
+          <a:schemeClr val="tx1">
+            <a:lumMod val="15000"/>
+            <a:lumOff val="85000"/>
+          </a:schemeClr>
+        </a:solidFill>
+      </a:ln>
+    </cs:spPr>
+  </cs:upBar>
+  <cs:valueAxis>
+    <cs:lnRef idx="0"/>
+    <cs:fillRef idx="0"/>
+    <cs:effectRef idx="0"/>
+    <cs:fontRef idx="minor">
+      <a:schemeClr val="tx1">
+        <a:lumMod val="65000"/>
+        <a:lumOff val="35000"/>
+      </a:schemeClr>
+    </cs:fontRef>
+    <cs:defRPr sz="900" kern="1200"/>
+  </cs:valueAxis>
+  <cs:wall>
+    <cs:lnRef idx="0"/>
+    <cs:fillRef idx="0"/>
+    <cs:effectRef idx="0"/>
+    <cs:fontRef idx="minor">
+      <a:schemeClr val="tx1"/>
+    </cs:fontRef>
+    <cs:spPr>
+      <a:noFill/>
+      <a:ln>
+        <a:noFill/>
+      </a:ln>
+    </cs:spPr>
+  </cs:wall>
+</cs:chartStyle>
+</file>
+
+<file path=ppt/charts/style4.xml><?xml version="1.0" encoding="utf-8"?>
+<cs:chartStyle xmlns:cs="http://schemas.microsoft.com/office/drawing/2012/chartStyle" xmlns:a="http://schemas.openxmlformats.org/drawingml/2006/main" id="332">
+  <cs:axisTitle>
+    <cs:lnRef idx="0"/>
+    <cs:fillRef idx="0"/>
+    <cs:effectRef idx="0"/>
+    <cs:fontRef idx="minor">
+      <a:schemeClr val="tx1">
+        <a:lumMod val="65000"/>
+        <a:lumOff val="35000"/>
+      </a:schemeClr>
+    </cs:fontRef>
+    <cs:defRPr sz="1000" kern="1200"/>
+  </cs:axisTitle>
+  <cs:categoryAxis>
+    <cs:lnRef idx="0"/>
+    <cs:fillRef idx="0"/>
+    <cs:effectRef idx="0"/>
+    <cs:fontRef idx="minor">
+      <a:schemeClr val="tx1">
+        <a:lumMod val="65000"/>
+        <a:lumOff val="35000"/>
+      </a:schemeClr>
+    </cs:fontRef>
+    <cs:spPr>
+      <a:ln w="9525" cap="flat" cmpd="sng" algn="ctr">
+        <a:solidFill>
+          <a:schemeClr val="tx1">
+            <a:lumMod val="15000"/>
+            <a:lumOff val="85000"/>
+          </a:schemeClr>
+        </a:solidFill>
+        <a:round/>
+      </a:ln>
+    </cs:spPr>
+    <cs:defRPr sz="900" kern="1200"/>
+  </cs:categoryAxis>
+  <cs:chartArea mods="allowNoFillOverride allowNoLineOverride">
+    <cs:lnRef idx="0"/>
+    <cs:fillRef idx="0"/>
+    <cs:effectRef idx="0"/>
+    <cs:fontRef idx="minor">
+      <a:schemeClr val="tx1"/>
+    </cs:fontRef>
+    <cs:spPr>
+      <a:solidFill>
+        <a:schemeClr val="bg1"/>
+      </a:solidFill>
+      <a:ln w="9525" cap="flat" cmpd="sng" algn="ctr">
+        <a:solidFill>
+          <a:schemeClr val="tx1">
+            <a:lumMod val="15000"/>
+            <a:lumOff val="85000"/>
+          </a:schemeClr>
+        </a:solidFill>
+        <a:round/>
+      </a:ln>
+    </cs:spPr>
+    <cs:defRPr sz="1000" kern="1200"/>
+  </cs:chartArea>
+  <cs:dataLabel>
+    <cs:lnRef idx="0"/>
+    <cs:fillRef idx="0"/>
+    <cs:effectRef idx="0"/>
+    <cs:fontRef idx="minor">
+      <a:schemeClr val="tx1">
+        <a:lumMod val="75000"/>
+        <a:lumOff val="25000"/>
+      </a:schemeClr>
+    </cs:fontRef>
+    <cs:defRPr sz="900" kern="1200"/>
+  </cs:dataLabel>
+  <cs:dataLabelCallout>
+    <cs:lnRef idx="0"/>
+    <cs:fillRef idx="0"/>
+    <cs:effectRef idx="0"/>
+    <cs:fontRef idx="minor">
+      <a:schemeClr val="dk1">
+        <a:lumMod val="65000"/>
+        <a:lumOff val="35000"/>
+      </a:schemeClr>
+    </cs:fontRef>
+    <cs:spPr>
+      <a:solidFill>
+        <a:schemeClr val="lt1"/>
+      </a:solidFill>
+      <a:ln>
+        <a:solidFill>
+          <a:schemeClr val="dk1">
+            <a:lumMod val="25000"/>
+            <a:lumOff val="75000"/>
+          </a:schemeClr>
+        </a:solidFill>
+      </a:ln>
+    </cs:spPr>
+    <cs:defRPr sz="900" kern="1200"/>
+    <cs:bodyPr rot="0" spcFirstLastPara="1" vertOverflow="clip" horzOverflow="clip" vert="horz" wrap="square" lIns="36576" tIns="18288" rIns="36576" bIns="18288" anchor="ctr" anchorCtr="1">
+      <a:spAutoFit/>
+    </cs:bodyPr>
+  </cs:dataLabelCallout>
+  <cs:dataPoint>
+    <cs:lnRef idx="0"/>
+    <cs:fillRef idx="1">
+      <cs:styleClr val="auto"/>
+    </cs:fillRef>
+    <cs:effectRef idx="0"/>
+    <cs:fontRef idx="minor">
+      <a:schemeClr val="tx1"/>
+    </cs:fontRef>
+  </cs:dataPoint>
+  <cs:dataPoint3D>
+    <cs:lnRef idx="0"/>
+    <cs:fillRef idx="1">
+      <cs:styleClr val="auto"/>
+    </cs:fillRef>
+    <cs:effectRef idx="0"/>
+    <cs:fontRef idx="minor">
+      <a:schemeClr val="tx1"/>
+    </cs:fontRef>
+  </cs:dataPoint3D>
+  <cs:dataPointLine>
+    <cs:lnRef idx="0">
+      <cs:styleClr val="auto"/>
+    </cs:lnRef>
+    <cs:fillRef idx="1"/>
+    <cs:effectRef idx="0"/>
+    <cs:fontRef idx="minor">
+      <a:schemeClr val="tx1"/>
+    </cs:fontRef>
+    <cs:spPr>
+      <a:ln w="28575" cap="rnd">
+        <a:solidFill>
+          <a:schemeClr val="phClr"/>
+        </a:solidFill>
+        <a:round/>
+      </a:ln>
+    </cs:spPr>
+  </cs:dataPointLine>
+  <cs:dataPointMarker>
+    <cs:lnRef idx="0">
+      <cs:styleClr val="auto"/>
+    </cs:lnRef>
+    <cs:fillRef idx="1">
+      <cs:styleClr val="auto"/>
+    </cs:fillRef>
+    <cs:effectRef idx="0"/>
+    <cs:fontRef idx="minor">
+      <a:schemeClr val="tx1"/>
+    </cs:fontRef>
+    <cs:spPr>
+      <a:ln w="9525">
+        <a:solidFill>
+          <a:schemeClr val="phClr"/>
+        </a:solidFill>
+      </a:ln>
+    </cs:spPr>
+  </cs:dataPointMarker>
+  <cs:dataPointMarkerLayout symbol="circle" size="5"/>
+  <cs:dataPointWireframe>
+    <cs:lnRef idx="0">
+      <cs:styleClr val="auto"/>
+    </cs:lnRef>
+    <cs:fillRef idx="1"/>
+    <cs:effectRef idx="0"/>
+    <cs:fontRef idx="minor">
+      <a:schemeClr val="tx1"/>
+    </cs:fontRef>
+    <cs:spPr>
+      <a:ln w="9525" cap="rnd">
+        <a:solidFill>
+          <a:schemeClr val="phClr"/>
+        </a:solidFill>
+        <a:round/>
+      </a:ln>
+    </cs:spPr>
+  </cs:dataPointWireframe>
+  <cs:dataTable>
+    <cs:lnRef idx="0"/>
+    <cs:fillRef idx="0"/>
+    <cs:effectRef idx="0"/>
+    <cs:fontRef idx="minor">
+      <a:schemeClr val="tx1">
+        <a:lumMod val="65000"/>
+        <a:lumOff val="35000"/>
+      </a:schemeClr>
+    </cs:fontRef>
+    <cs:spPr>
+      <a:noFill/>
+      <a:ln w="9525" cap="flat" cmpd="sng" algn="ctr">
+        <a:solidFill>
+          <a:schemeClr val="tx1">
+            <a:lumMod val="15000"/>
+            <a:lumOff val="85000"/>
+          </a:schemeClr>
+        </a:solidFill>
+        <a:round/>
+      </a:ln>
+    </cs:spPr>
+    <cs:defRPr sz="900" kern="1200"/>
+  </cs:dataTable>
+  <cs:downBar>
+    <cs:lnRef idx="0"/>
+    <cs:fillRef idx="0"/>
+    <cs:effectRef idx="0"/>
+    <cs:fontRef idx="minor">
+      <a:schemeClr val="dk1"/>
+    </cs:fontRef>
+    <cs:spPr>
+      <a:solidFill>
+        <a:schemeClr val="dk1">
+          <a:lumMod val="65000"/>
+          <a:lumOff val="35000"/>
+        </a:schemeClr>
+      </a:solidFill>
+      <a:ln w="9525">
+        <a:solidFill>
+          <a:schemeClr val="tx1">
+            <a:lumMod val="65000"/>
+            <a:lumOff val="35000"/>
+          </a:schemeClr>
+        </a:solidFill>
+      </a:ln>
+    </cs:spPr>
+  </cs:downBar>
+  <cs:dropLine>
+    <cs:lnRef idx="0"/>
+    <cs:fillRef idx="0"/>
+    <cs:effectRef idx="0"/>
+    <cs:fontRef idx="minor">
+      <a:schemeClr val="tx1"/>
+    </cs:fontRef>
+    <cs:spPr>
+      <a:ln w="9525" cap="flat" cmpd="sng" algn="ctr">
+        <a:solidFill>
+          <a:schemeClr val="tx1">
+            <a:lumMod val="35000"/>
+            <a:lumOff val="65000"/>
+          </a:schemeClr>
+        </a:solidFill>
+        <a:round/>
+      </a:ln>
+    </cs:spPr>
+  </cs:dropLine>
+  <cs:errorBar>
+    <cs:lnRef idx="0"/>
+    <cs:fillRef idx="0"/>
+    <cs:effectRef idx="0"/>
+    <cs:fontRef idx="minor">
+      <a:schemeClr val="tx1"/>
+    </cs:fontRef>
+    <cs:spPr>
+      <a:ln w="9525" cap="flat" cmpd="sng" algn="ctr">
+        <a:solidFill>
+          <a:schemeClr val="tx1">
+            <a:lumMod val="65000"/>
+            <a:lumOff val="35000"/>
+          </a:schemeClr>
+        </a:solidFill>
+        <a:round/>
+      </a:ln>
+    </cs:spPr>
+  </cs:errorBar>
+  <cs:floor>
+    <cs:lnRef idx="0"/>
+    <cs:fillRef idx="0"/>
+    <cs:effectRef idx="0"/>
+    <cs:fontRef idx="minor">
+      <a:schemeClr val="tx1"/>
+    </cs:fontRef>
+    <cs:spPr>
+      <a:noFill/>
+      <a:ln>
+        <a:noFill/>
+      </a:ln>
+    </cs:spPr>
+  </cs:floor>
+  <cs:gridlineMajor>
+    <cs:lnRef idx="0"/>
+    <cs:fillRef idx="0"/>
+    <cs:effectRef idx="0"/>
+    <cs:fontRef idx="minor">
+      <a:schemeClr val="tx1"/>
+    </cs:fontRef>
+    <cs:spPr>
+      <a:ln w="9525" cap="flat" cmpd="sng" algn="ctr">
+        <a:solidFill>
+          <a:schemeClr val="tx1">
+            <a:lumMod val="15000"/>
+            <a:lumOff val="85000"/>
+          </a:schemeClr>
+        </a:solidFill>
+        <a:round/>
+      </a:ln>
+    </cs:spPr>
+  </cs:gridlineMajor>
+  <cs:gridlineMinor>
+    <cs:lnRef idx="0"/>
+    <cs:fillRef idx="0"/>
+    <cs:effectRef idx="0"/>
+    <cs:fontRef idx="minor">
+      <a:schemeClr val="tx1"/>
+    </cs:fontRef>
+    <cs:spPr>
+      <a:ln w="9525" cap="flat" cmpd="sng" algn="ctr">
+        <a:solidFill>
+          <a:schemeClr val="tx1">
+            <a:lumMod val="5000"/>
+            <a:lumOff val="95000"/>
+          </a:schemeClr>
+        </a:solidFill>
+        <a:round/>
+      </a:ln>
+    </cs:spPr>
+  </cs:gridlineMinor>
+  <cs:hiLoLine>
+    <cs:lnRef idx="0"/>
+    <cs:fillRef idx="0"/>
+    <cs:effectRef idx="0"/>
+    <cs:fontRef idx="minor">
+      <a:schemeClr val="tx1"/>
+    </cs:fontRef>
+    <cs:spPr>
+      <a:ln w="9525" cap="flat" cmpd="sng" algn="ctr">
+        <a:solidFill>
+          <a:schemeClr val="tx1">
+            <a:lumMod val="75000"/>
+            <a:lumOff val="25000"/>
+          </a:schemeClr>
+        </a:solidFill>
+        <a:round/>
+      </a:ln>
+    </cs:spPr>
+  </cs:hiLoLine>
+  <cs:leaderLine>
+    <cs:lnRef idx="0"/>
+    <cs:fillRef idx="0"/>
+    <cs:effectRef idx="0"/>
+    <cs:fontRef idx="minor">
+      <a:schemeClr val="tx1"/>
+    </cs:fontRef>
+    <cs:spPr>
+      <a:ln w="9525" cap="flat" cmpd="sng" algn="ctr">
+        <a:solidFill>
+          <a:schemeClr val="tx1">
+            <a:lumMod val="35000"/>
+            <a:lumOff val="65000"/>
+          </a:schemeClr>
+        </a:solidFill>
+        <a:round/>
+      </a:ln>
+    </cs:spPr>
+  </cs:leaderLine>
+  <cs:legend>
+    <cs:lnRef idx="0"/>
+    <cs:fillRef idx="0"/>
+    <cs:effectRef idx="0"/>
+    <cs:fontRef idx="minor">
+      <a:schemeClr val="tx1">
+        <a:lumMod val="65000"/>
+        <a:lumOff val="35000"/>
+      </a:schemeClr>
+    </cs:fontRef>
+    <cs:defRPr sz="900" kern="1200"/>
+  </cs:legend>
+  <cs:plotArea mods="allowNoFillOverride allowNoLineOverride">
+    <cs:lnRef idx="0"/>
+    <cs:fillRef idx="0"/>
+    <cs:effectRef idx="0"/>
+    <cs:fontRef idx="minor">
+      <a:schemeClr val="tx1"/>
+    </cs:fontRef>
+  </cs:plotArea>
+  <cs:plotArea3D mods="allowNoFillOverride allowNoLineOverride">
+    <cs:lnRef idx="0"/>
+    <cs:fillRef idx="0"/>
+    <cs:effectRef idx="0"/>
+    <cs:fontRef idx="minor">
+      <a:schemeClr val="tx1"/>
+    </cs:fontRef>
+  </cs:plotArea3D>
+  <cs:seriesAxis>
+    <cs:lnRef idx="0"/>
+    <cs:fillRef idx="0"/>
+    <cs:effectRef idx="0"/>
+    <cs:fontRef idx="minor">
+      <a:schemeClr val="tx1">
+        <a:lumMod val="65000"/>
+        <a:lumOff val="35000"/>
+      </a:schemeClr>
+    </cs:fontRef>
+    <cs:defRPr sz="900" kern="1200"/>
+  </cs:seriesAxis>
+  <cs:seriesLine>
+    <cs:lnRef idx="0"/>
+    <cs:fillRef idx="0"/>
+    <cs:effectRef idx="0"/>
+    <cs:fontRef idx="minor">
+      <a:schemeClr val="tx1"/>
+    </cs:fontRef>
+    <cs:spPr>
+      <a:ln w="9525" cap="flat" cmpd="sng" algn="ctr">
+        <a:solidFill>
+          <a:schemeClr val="tx1">
+            <a:lumMod val="35000"/>
+            <a:lumOff val="65000"/>
+          </a:schemeClr>
+        </a:solidFill>
+        <a:round/>
+      </a:ln>
+    </cs:spPr>
+  </cs:seriesLine>
+  <cs:title>
+    <cs:lnRef idx="0"/>
+    <cs:fillRef idx="0"/>
+    <cs:effectRef idx="0"/>
+    <cs:fontRef idx="minor">
+      <a:schemeClr val="tx1">
+        <a:lumMod val="65000"/>
+        <a:lumOff val="35000"/>
+      </a:schemeClr>
+    </cs:fontRef>
+    <cs:defRPr sz="1400" b="0" kern="1200" spc="0" baseline="0"/>
+  </cs:title>
+  <cs:trendline>
+    <cs:lnRef idx="0">
+      <cs:styleClr val="auto"/>
+    </cs:lnRef>
+    <cs:fillRef idx="0"/>
+    <cs:effectRef idx="0"/>
+    <cs:fontRef idx="minor">
+      <a:schemeClr val="tx1"/>
+    </cs:fontRef>
+    <cs:spPr>
+      <a:ln w="19050" cap="rnd">
+        <a:solidFill>
+          <a:schemeClr val="phClr"/>
+        </a:solidFill>
+        <a:prstDash val="sysDot"/>
+      </a:ln>
+    </cs:spPr>
+  </cs:trendline>
+  <cs:trendlineLabel>
+    <cs:lnRef idx="0"/>
+    <cs:fillRef idx="0"/>
+    <cs:effectRef idx="0"/>
+    <cs:fontRef idx="minor">
+      <a:schemeClr val="tx1">
+        <a:lumMod val="65000"/>
+        <a:lumOff val="35000"/>
+      </a:schemeClr>
+    </cs:fontRef>
+    <cs:defRPr sz="900" kern="1200"/>
+  </cs:trendlineLabel>
+  <cs:upBar>
+    <cs:lnRef idx="0"/>
+    <cs:fillRef idx="0"/>
+    <cs:effectRef idx="0"/>
+    <cs:fontRef idx="minor">
+      <a:schemeClr val="dk1"/>
+    </cs:fontRef>
+    <cs:spPr>
+      <a:solidFill>
+        <a:schemeClr val="lt1"/>
+      </a:solidFill>
+      <a:ln w="9525">
+        <a:solidFill>
+          <a:schemeClr val="tx1">
+            <a:lumMod val="15000"/>
+            <a:lumOff val="85000"/>
+          </a:schemeClr>
+        </a:solidFill>
+      </a:ln>
+    </cs:spPr>
+  </cs:upBar>
+  <cs:valueAxis>
+    <cs:lnRef idx="0"/>
+    <cs:fillRef idx="0"/>
+    <cs:effectRef idx="0"/>
+    <cs:fontRef idx="minor">
+      <a:schemeClr val="tx1">
+        <a:lumMod val="65000"/>
+        <a:lumOff val="35000"/>
+      </a:schemeClr>
+    </cs:fontRef>
+    <cs:defRPr sz="900" kern="1200"/>
+  </cs:valueAxis>
+  <cs:wall>
+    <cs:lnRef idx="0"/>
+    <cs:fillRef idx="0"/>
+    <cs:effectRef idx="0"/>
+    <cs:fontRef idx="minor">
+      <a:schemeClr val="tx1"/>
+    </cs:fontRef>
+    <cs:spPr>
+      <a:noFill/>
+      <a:ln>
+        <a:noFill/>
+      </a:ln>
+    </cs:spPr>
+  </cs:wall>
+</cs:chartStyle>
+</file>
+
+<file path=ppt/drawings/drawing1.xml><?xml version="1.0" encoding="utf-8"?>
+<c:userShapes xmlns:c="http://schemas.openxmlformats.org/drawingml/2006/chart">
+  <cdr:relSizeAnchor xmlns:cdr="http://schemas.openxmlformats.org/drawingml/2006/chartDrawing">
+    <cdr:from>
+      <cdr:x>0.04604</cdr:x>
+      <cdr:y>0.01792</cdr:y>
+    </cdr:from>
+    <cdr:to>
+      <cdr:x>0.17039</cdr:x>
+      <cdr:y>0.09423</cdr:y>
+    </cdr:to>
+    <cdr:sp macro="" textlink="">
+      <cdr:nvSpPr>
+        <cdr:cNvPr id="2" name="TextBox 1"/>
+        <cdr:cNvSpPr txBox="1"/>
+      </cdr:nvSpPr>
+      <cdr:spPr>
+        <a:xfrm xmlns:a="http://schemas.openxmlformats.org/drawingml/2006/main">
+          <a:off x="397777" y="89521"/>
+          <a:ext cx="1074277" cy="381105"/>
+        </a:xfrm>
+        <a:prstGeom xmlns:a="http://schemas.openxmlformats.org/drawingml/2006/main" prst="rect">
+          <a:avLst/>
+        </a:prstGeom>
+      </cdr:spPr>
+      <cdr:txBody>
+        <a:bodyPr xmlns:a="http://schemas.openxmlformats.org/drawingml/2006/main" vertOverflow="clip" wrap="none" rtlCol="0"/>
+        <a:lstStyle xmlns:a="http://schemas.openxmlformats.org/drawingml/2006/main"/>
+        <a:p xmlns:a="http://schemas.openxmlformats.org/drawingml/2006/main">
+          <a:r>
+            <a:rPr lang="hr-BA" sz="1400" dirty="0" smtClean="0"/>
+            <a:t>(</a:t>
+          </a:r>
+          <a:r>
+            <a:rPr lang="hr-BA" sz="1400" kern="1200" dirty="0">
+              <a:solidFill>
+                <a:schemeClr val="tx1">
+                  <a:lumMod val="65000"/>
+                  <a:lumOff val="35000"/>
+                </a:schemeClr>
+              </a:solidFill>
+            </a:rPr>
+            <a:t>log skala</a:t>
+          </a:r>
+          <a:r>
+            <a:rPr lang="hr-BA" sz="1400" dirty="0" smtClean="0"/>
+            <a:t>)</a:t>
+          </a:r>
+          <a:endParaRPr lang="hr-BA" sz="1400" dirty="0"/>
+        </a:p>
+      </cdr:txBody>
+    </cdr:sp>
+  </cdr:relSizeAnchor>
+</c:userShapes>
+</file>
+
 <file path=ppt/slideLayouts/slideLayout1.xml><?xml version="1.0" encoding="utf-8"?>
 <p:sldLayout xmlns:a="http://schemas.openxmlformats.org/drawingml/2006/main" xmlns:r="http://schemas.openxmlformats.org/officeDocument/2006/relationships" xmlns:p="http://schemas.openxmlformats.org/presentationml/2006/main" type="title" preserve="1">
   <p:cSld name="Title Slide">
@@ -261,7 +5235,7 @@
           <a:p>
             <a:fld id="{2639C8DE-3622-414B-BC07-305EE99D1313}" type="datetimeFigureOut">
               <a:rPr lang="hr-HR" smtClean="0"/>
-              <a:t>13.1.2016.</a:t>
+              <a:t>14.1.2016.</a:t>
             </a:fld>
             <a:endParaRPr lang="hr-HR" dirty="0"/>
           </a:p>
@@ -431,7 +5405,7 @@
           <a:p>
             <a:fld id="{2639C8DE-3622-414B-BC07-305EE99D1313}" type="datetimeFigureOut">
               <a:rPr lang="hr-HR" smtClean="0"/>
-              <a:t>13.1.2016.</a:t>
+              <a:t>14.1.2016.</a:t>
             </a:fld>
             <a:endParaRPr lang="hr-HR" dirty="0"/>
           </a:p>
@@ -611,7 +5585,7 @@
           <a:p>
             <a:fld id="{2639C8DE-3622-414B-BC07-305EE99D1313}" type="datetimeFigureOut">
               <a:rPr lang="hr-HR" smtClean="0"/>
-              <a:t>13.1.2016.</a:t>
+              <a:t>14.1.2016.</a:t>
             </a:fld>
             <a:endParaRPr lang="hr-HR" dirty="0"/>
           </a:p>
@@ -781,7 +5755,7 @@
           <a:p>
             <a:fld id="{2639C8DE-3622-414B-BC07-305EE99D1313}" type="datetimeFigureOut">
               <a:rPr lang="hr-HR" smtClean="0"/>
-              <a:t>13.1.2016.</a:t>
+              <a:t>14.1.2016.</a:t>
             </a:fld>
             <a:endParaRPr lang="hr-HR" dirty="0"/>
           </a:p>
@@ -1027,7 +6001,7 @@
           <a:p>
             <a:fld id="{2639C8DE-3622-414B-BC07-305EE99D1313}" type="datetimeFigureOut">
               <a:rPr lang="hr-HR" smtClean="0"/>
-              <a:t>13.1.2016.</a:t>
+              <a:t>14.1.2016.</a:t>
             </a:fld>
             <a:endParaRPr lang="hr-HR" dirty="0"/>
           </a:p>
@@ -1259,7 +6233,7 @@
           <a:p>
             <a:fld id="{2639C8DE-3622-414B-BC07-305EE99D1313}" type="datetimeFigureOut">
               <a:rPr lang="hr-HR" smtClean="0"/>
-              <a:t>13.1.2016.</a:t>
+              <a:t>14.1.2016.</a:t>
             </a:fld>
             <a:endParaRPr lang="hr-HR" dirty="0"/>
           </a:p>
@@ -1626,7 +6600,7 @@
           <a:p>
             <a:fld id="{2639C8DE-3622-414B-BC07-305EE99D1313}" type="datetimeFigureOut">
               <a:rPr lang="hr-HR" smtClean="0"/>
-              <a:t>13.1.2016.</a:t>
+              <a:t>14.1.2016.</a:t>
             </a:fld>
             <a:endParaRPr lang="hr-HR" dirty="0"/>
           </a:p>
@@ -1744,7 +6718,7 @@
           <a:p>
             <a:fld id="{2639C8DE-3622-414B-BC07-305EE99D1313}" type="datetimeFigureOut">
               <a:rPr lang="hr-HR" smtClean="0"/>
-              <a:t>13.1.2016.</a:t>
+              <a:t>14.1.2016.</a:t>
             </a:fld>
             <a:endParaRPr lang="hr-HR" dirty="0"/>
           </a:p>
@@ -1839,7 +6813,7 @@
           <a:p>
             <a:fld id="{2639C8DE-3622-414B-BC07-305EE99D1313}" type="datetimeFigureOut">
               <a:rPr lang="hr-HR" smtClean="0"/>
-              <a:t>13.1.2016.</a:t>
+              <a:t>14.1.2016.</a:t>
             </a:fld>
             <a:endParaRPr lang="hr-HR" dirty="0"/>
           </a:p>
@@ -2116,7 +7090,7 @@
           <a:p>
             <a:fld id="{2639C8DE-3622-414B-BC07-305EE99D1313}" type="datetimeFigureOut">
               <a:rPr lang="hr-HR" smtClean="0"/>
-              <a:t>13.1.2016.</a:t>
+              <a:t>14.1.2016.</a:t>
             </a:fld>
             <a:endParaRPr lang="hr-HR" dirty="0"/>
           </a:p>
@@ -2369,7 +7343,7 @@
           <a:p>
             <a:fld id="{2639C8DE-3622-414B-BC07-305EE99D1313}" type="datetimeFigureOut">
               <a:rPr lang="hr-HR" smtClean="0"/>
-              <a:t>13.1.2016.</a:t>
+              <a:t>14.1.2016.</a:t>
             </a:fld>
             <a:endParaRPr lang="hr-HR" dirty="0"/>
           </a:p>
@@ -2608,7 +7582,7 @@
           <a:p>
             <a:fld id="{2639C8DE-3622-414B-BC07-305EE99D1313}" type="datetimeFigureOut">
               <a:rPr lang="hr-HR" smtClean="0"/>
-              <a:t>13.1.2016.</a:t>
+              <a:t>14.1.2016.</a:t>
             </a:fld>
             <a:endParaRPr lang="hr-HR" dirty="0"/>
           </a:p>
@@ -3088,15 +8062,6 @@
               </a:rPr>
               <a:t>kao RRR strukture</a:t>
             </a:r>
-            <a:endParaRPr lang="hr-HR" sz="4400" b="1" dirty="0">
-              <a:solidFill>
-                <a:schemeClr val="bg2">
-                  <a:lumMod val="25000"/>
-                </a:schemeClr>
-              </a:solidFill>
-              <a:latin typeface="Lucida Bright" panose="02040602050505020304" pitchFamily="18" charset="0"/>
-              <a:cs typeface="Times New Roman" panose="02020603050405020304" pitchFamily="18" charset="0"/>
-            </a:endParaRPr>
           </a:p>
         </p:txBody>
       </p:sp>
@@ -3392,11 +8357,11 @@
   <p:clrMapOvr>
     <a:masterClrMapping/>
   </p:clrMapOvr>
-  <mc:AlternateContent xmlns:mc="http://schemas.openxmlformats.org/markup-compatibility/2006">
-    <mc:Choice xmlns:p14="http://schemas.microsoft.com/office/powerpoint/2010/main" Requires="p14">
+  <mc:AlternateContent xmlns:mc="http://schemas.openxmlformats.org/markup-compatibility/2006" xmlns:p14="http://schemas.microsoft.com/office/powerpoint/2010/main">
+    <mc:Choice Requires="p14">
       <p:transition p14:dur="0"/>
     </mc:Choice>
-    <mc:Fallback>
+    <mc:Fallback xmlns="">
       <p:transition/>
     </mc:Fallback>
   </mc:AlternateContent>
@@ -3552,15 +8517,6 @@
               </a:rPr>
               <a:t>Stablo valića</a:t>
             </a:r>
-            <a:endParaRPr lang="hr-HR" sz="6000" b="1" dirty="0" smtClean="0">
-              <a:solidFill>
-                <a:schemeClr val="bg2">
-                  <a:lumMod val="50000"/>
-                </a:schemeClr>
-              </a:solidFill>
-              <a:latin typeface="Lucida Bright" panose="02040602050505020304" pitchFamily="18" charset="0"/>
-              <a:cs typeface="Times New Roman" panose="02020603050405020304" pitchFamily="18" charset="0"/>
-            </a:endParaRPr>
           </a:p>
         </p:txBody>
       </p:sp>
@@ -3616,15 +8572,6 @@
               </a:rPr>
               <a:t>RRR</a:t>
             </a:r>
-            <a:endParaRPr lang="hr-HR" sz="6000" b="1" dirty="0" smtClean="0">
-              <a:solidFill>
-                <a:schemeClr val="bg2">
-                  <a:lumMod val="50000"/>
-                </a:schemeClr>
-              </a:solidFill>
-              <a:latin typeface="Lucida Bright" panose="02040602050505020304" pitchFamily="18" charset="0"/>
-              <a:cs typeface="Times New Roman" panose="02020603050405020304" pitchFamily="18" charset="0"/>
-            </a:endParaRPr>
           </a:p>
         </p:txBody>
       </p:sp>
@@ -3638,11 +8585,11 @@
   <p:clrMapOvr>
     <a:masterClrMapping/>
   </p:clrMapOvr>
-  <mc:AlternateContent xmlns:mc="http://schemas.openxmlformats.org/markup-compatibility/2006">
-    <mc:Choice xmlns:p14="http://schemas.microsoft.com/office/powerpoint/2010/main" Requires="p14">
+  <mc:AlternateContent xmlns:mc="http://schemas.openxmlformats.org/markup-compatibility/2006" xmlns:p14="http://schemas.microsoft.com/office/powerpoint/2010/main">
+    <mc:Choice Requires="p14">
       <p:transition p14:dur="0"/>
     </mc:Choice>
-    <mc:Fallback>
+    <mc:Fallback xmlns="">
       <p:transition/>
     </mc:Fallback>
   </mc:AlternateContent>
@@ -6622,11 +11569,11 @@
   <p:clrMapOvr>
     <a:masterClrMapping/>
   </p:clrMapOvr>
-  <mc:AlternateContent xmlns:mc="http://schemas.openxmlformats.org/markup-compatibility/2006">
-    <mc:Choice xmlns:p14="http://schemas.microsoft.com/office/powerpoint/2010/main" Requires="p14">
+  <mc:AlternateContent xmlns:mc="http://schemas.openxmlformats.org/markup-compatibility/2006" xmlns:p14="http://schemas.microsoft.com/office/powerpoint/2010/main">
+    <mc:Choice Requires="p14">
       <p:transition p14:dur="0"/>
     </mc:Choice>
-    <mc:Fallback>
+    <mc:Fallback xmlns="">
       <p:transition/>
     </mc:Fallback>
   </mc:AlternateContent>
@@ -9687,8 +14634,8 @@
           </a:p>
         </p:txBody>
       </p:sp>
-      <mc:AlternateContent xmlns:mc="http://schemas.openxmlformats.org/markup-compatibility/2006">
-        <mc:Choice xmlns:a14="http://schemas.microsoft.com/office/drawing/2010/main" Requires="a14">
+      <mc:AlternateContent xmlns:mc="http://schemas.openxmlformats.org/markup-compatibility/2006" xmlns:a14="http://schemas.microsoft.com/office/drawing/2010/main">
+        <mc:Choice Requires="a14">
           <p:sp>
             <p:nvSpPr>
               <p:cNvPr id="53" name="Title 1"/>
@@ -9852,7 +14799,7 @@
             </p:txBody>
           </p:sp>
         </mc:Choice>
-        <mc:Fallback>
+        <mc:Fallback xmlns="">
           <p:sp>
             <p:nvSpPr>
               <p:cNvPr id="53" name="Title 1"/>
@@ -9891,8 +14838,8 @@
           </p:sp>
         </mc:Fallback>
       </mc:AlternateContent>
-      <mc:AlternateContent xmlns:mc="http://schemas.openxmlformats.org/markup-compatibility/2006">
-        <mc:Choice xmlns:a14="http://schemas.microsoft.com/office/drawing/2010/main" Requires="a14">
+      <mc:AlternateContent xmlns:mc="http://schemas.openxmlformats.org/markup-compatibility/2006" xmlns:a14="http://schemas.microsoft.com/office/drawing/2010/main">
+        <mc:Choice Requires="a14">
           <p:sp>
             <p:nvSpPr>
               <p:cNvPr id="54" name="Rectangle 53"/>
@@ -10185,7 +15132,7 @@
             </p:txBody>
           </p:sp>
         </mc:Choice>
-        <mc:Fallback>
+        <mc:Fallback xmlns="">
           <p:sp>
             <p:nvSpPr>
               <p:cNvPr id="54" name="Rectangle 53"/>
@@ -10237,11 +15184,11 @@
   <p:clrMapOvr>
     <a:masterClrMapping/>
   </p:clrMapOvr>
-  <mc:AlternateContent xmlns:mc="http://schemas.openxmlformats.org/markup-compatibility/2006">
-    <mc:Choice xmlns:p14="http://schemas.microsoft.com/office/powerpoint/2010/main" Requires="p14">
+  <mc:AlternateContent xmlns:mc="http://schemas.openxmlformats.org/markup-compatibility/2006" xmlns:p14="http://schemas.microsoft.com/office/powerpoint/2010/main">
+    <mc:Choice Requires="p14">
       <p:transition p14:dur="0"/>
     </mc:Choice>
-    <mc:Fallback>
+    <mc:Fallback xmlns="">
       <p:transition/>
     </mc:Fallback>
   </mc:AlternateContent>
@@ -12208,11 +17155,11 @@
   <p:clrMapOvr>
     <a:masterClrMapping/>
   </p:clrMapOvr>
-  <mc:AlternateContent xmlns:mc="http://schemas.openxmlformats.org/markup-compatibility/2006">
-    <mc:Choice xmlns:p14="http://schemas.microsoft.com/office/powerpoint/2010/main" Requires="p14">
+  <mc:AlternateContent xmlns:mc="http://schemas.openxmlformats.org/markup-compatibility/2006" xmlns:p14="http://schemas.microsoft.com/office/powerpoint/2010/main">
+    <mc:Choice Requires="p14">
       <p:transition p14:dur="0"/>
     </mc:Choice>
-    <mc:Fallback>
+    <mc:Fallback xmlns="">
       <p:transition/>
     </mc:Fallback>
   </mc:AlternateContent>
@@ -14468,15 +19415,6 @@
               </a:rPr>
               <a:t>pomak</a:t>
             </a:r>
-            <a:endParaRPr lang="hr-HR" sz="4400" b="1" dirty="0" smtClean="0">
-              <a:solidFill>
-                <a:schemeClr val="bg2">
-                  <a:lumMod val="50000"/>
-                </a:schemeClr>
-              </a:solidFill>
-              <a:latin typeface="Lucida Bright" panose="02040602050505020304" pitchFamily="18" charset="0"/>
-              <a:cs typeface="Times New Roman" panose="02020603050405020304" pitchFamily="18" charset="0"/>
-            </a:endParaRPr>
           </a:p>
         </p:txBody>
       </p:sp>
@@ -14532,15 +19470,6 @@
               </a:rPr>
               <a:t>razred</a:t>
             </a:r>
-            <a:endParaRPr lang="hr-HR" sz="4400" b="1" dirty="0" smtClean="0">
-              <a:solidFill>
-                <a:schemeClr val="bg2">
-                  <a:lumMod val="50000"/>
-                </a:schemeClr>
-              </a:solidFill>
-              <a:latin typeface="Lucida Bright" panose="02040602050505020304" pitchFamily="18" charset="0"/>
-              <a:cs typeface="Times New Roman" panose="02020603050405020304" pitchFamily="18" charset="0"/>
-            </a:endParaRPr>
           </a:p>
         </p:txBody>
       </p:sp>
@@ -14554,11 +19483,11 @@
   <p:clrMapOvr>
     <a:masterClrMapping/>
   </p:clrMapOvr>
-  <mc:AlternateContent xmlns:mc="http://schemas.openxmlformats.org/markup-compatibility/2006">
-    <mc:Choice xmlns:p14="http://schemas.microsoft.com/office/powerpoint/2010/main" Requires="p14">
+  <mc:AlternateContent xmlns:mc="http://schemas.openxmlformats.org/markup-compatibility/2006" xmlns:p14="http://schemas.microsoft.com/office/powerpoint/2010/main">
+    <mc:Choice Requires="p14">
       <p:transition p14:dur="0"/>
     </mc:Choice>
-    <mc:Fallback>
+    <mc:Fallback xmlns="">
       <p:transition/>
     </mc:Fallback>
   </mc:AlternateContent>
@@ -17582,8 +22511,8 @@
           </a:fontRef>
         </p:style>
       </p:cxnSp>
-      <mc:AlternateContent xmlns:mc="http://schemas.openxmlformats.org/markup-compatibility/2006">
-        <mc:Choice xmlns:a14="http://schemas.microsoft.com/office/drawing/2010/main" Requires="a14">
+      <mc:AlternateContent xmlns:mc="http://schemas.openxmlformats.org/markup-compatibility/2006" xmlns:a14="http://schemas.microsoft.com/office/drawing/2010/main">
+        <mc:Choice Requires="a14">
           <p:sp>
             <p:nvSpPr>
               <p:cNvPr id="73" name="Title 1"/>
@@ -17747,7 +22676,7 @@
             </p:txBody>
           </p:sp>
         </mc:Choice>
-        <mc:Fallback>
+        <mc:Fallback xmlns="">
           <p:sp>
             <p:nvSpPr>
               <p:cNvPr id="73" name="Title 1"/>
@@ -17837,11 +22766,11 @@
   <p:clrMapOvr>
     <a:masterClrMapping/>
   </p:clrMapOvr>
-  <mc:AlternateContent xmlns:mc="http://schemas.openxmlformats.org/markup-compatibility/2006">
-    <mc:Choice xmlns:p14="http://schemas.microsoft.com/office/powerpoint/2010/main" Requires="p14">
+  <mc:AlternateContent xmlns:mc="http://schemas.openxmlformats.org/markup-compatibility/2006" xmlns:p14="http://schemas.microsoft.com/office/powerpoint/2010/main">
+    <mc:Choice Requires="p14">
       <p:transition p14:dur="0"/>
     </mc:Choice>
-    <mc:Fallback>
+    <mc:Fallback xmlns="">
       <p:transition/>
     </mc:Fallback>
   </mc:AlternateContent>
@@ -19164,6 +24093,358 @@
 <file path=ppt/slides/slide8.xml><?xml version="1.0" encoding="utf-8"?>
 <p:sld xmlns:a="http://schemas.openxmlformats.org/drawingml/2006/main" xmlns:r="http://schemas.openxmlformats.org/officeDocument/2006/relationships" xmlns:p="http://schemas.openxmlformats.org/presentationml/2006/main">
   <p:cSld>
+    <p:spTree>
+      <p:nvGrpSpPr>
+        <p:cNvPr id="1" name=""/>
+        <p:cNvGrpSpPr/>
+        <p:nvPr/>
+      </p:nvGrpSpPr>
+      <p:grpSpPr>
+        <a:xfrm>
+          <a:off x="0" y="0"/>
+          <a:ext cx="0" cy="0"/>
+          <a:chOff x="0" y="0"/>
+          <a:chExt cx="0" cy="0"/>
+        </a:xfrm>
+      </p:grpSpPr>
+      <p:graphicFrame>
+        <p:nvGraphicFramePr>
+          <p:cNvPr id="22" name="Chart 21"/>
+          <p:cNvGraphicFramePr>
+            <a:graphicFrameLocks/>
+          </p:cNvGraphicFramePr>
+          <p:nvPr>
+            <p:extLst>
+              <p:ext uri="{D42A27DB-BD31-4B8C-83A1-F6EECF244321}">
+                <p14:modId xmlns:p14="http://schemas.microsoft.com/office/powerpoint/2010/main" val="3993890721"/>
+              </p:ext>
+            </p:extLst>
+          </p:nvPr>
+        </p:nvGraphicFramePr>
+        <p:xfrm>
+          <a:off x="1956421" y="1351930"/>
+          <a:ext cx="8639570" cy="4994478"/>
+        </p:xfrm>
+        <a:graphic>
+          <a:graphicData uri="http://schemas.openxmlformats.org/drawingml/2006/chart">
+            <c:chart xmlns:c="http://schemas.openxmlformats.org/drawingml/2006/chart" xmlns:r="http://schemas.openxmlformats.org/officeDocument/2006/relationships" r:id="rId2"/>
+          </a:graphicData>
+        </a:graphic>
+      </p:graphicFrame>
+      <p:sp>
+        <p:nvSpPr>
+          <p:cNvPr id="2" name="Title 1"/>
+          <p:cNvSpPr>
+            <a:spLocks noGrp="1"/>
+          </p:cNvSpPr>
+          <p:nvPr>
+            <p:ph type="title"/>
+          </p:nvPr>
+        </p:nvSpPr>
+        <p:spPr>
+          <a:xfrm>
+            <a:off x="437745" y="26367"/>
+            <a:ext cx="2892052" cy="1325563"/>
+          </a:xfrm>
+        </p:spPr>
+        <p:txBody>
+          <a:bodyPr/>
+          <a:lstStyle/>
+          <a:p>
+            <a:r>
+              <a:rPr lang="hr-BA" b="1" dirty="0" smtClean="0">
+                <a:solidFill>
+                  <a:schemeClr val="bg2">
+                    <a:lumMod val="25000"/>
+                  </a:schemeClr>
+                </a:solidFill>
+                <a:latin typeface="Lucida Bright" panose="02040602050505020304" pitchFamily="18" charset="0"/>
+              </a:rPr>
+              <a:t>Rezultati</a:t>
+            </a:r>
+            <a:endParaRPr lang="hr-HR" b="1" dirty="0">
+              <a:solidFill>
+                <a:schemeClr val="bg2">
+                  <a:lumMod val="25000"/>
+                </a:schemeClr>
+              </a:solidFill>
+              <a:latin typeface="Lucida Bright" panose="02040602050505020304" pitchFamily="18" charset="0"/>
+            </a:endParaRPr>
+          </a:p>
+        </p:txBody>
+      </p:sp>
+      <p:graphicFrame>
+        <p:nvGraphicFramePr>
+          <p:cNvPr id="24" name="Chart 23"/>
+          <p:cNvGraphicFramePr>
+            <a:graphicFrameLocks/>
+          </p:cNvGraphicFramePr>
+          <p:nvPr>
+            <p:extLst>
+              <p:ext uri="{D42A27DB-BD31-4B8C-83A1-F6EECF244321}">
+                <p14:modId xmlns:p14="http://schemas.microsoft.com/office/powerpoint/2010/main" val="396235171"/>
+              </p:ext>
+            </p:extLst>
+          </p:nvPr>
+        </p:nvGraphicFramePr>
+        <p:xfrm>
+          <a:off x="1956421" y="1351930"/>
+          <a:ext cx="8639570" cy="4994478"/>
+        </p:xfrm>
+        <a:graphic>
+          <a:graphicData uri="http://schemas.openxmlformats.org/drawingml/2006/chart">
+            <c:chart xmlns:c="http://schemas.openxmlformats.org/drawingml/2006/chart" xmlns:r="http://schemas.openxmlformats.org/officeDocument/2006/relationships" r:id="rId3"/>
+          </a:graphicData>
+        </a:graphic>
+      </p:graphicFrame>
+      <p:graphicFrame>
+        <p:nvGraphicFramePr>
+          <p:cNvPr id="25" name="Chart 24"/>
+          <p:cNvGraphicFramePr>
+            <a:graphicFrameLocks/>
+          </p:cNvGraphicFramePr>
+          <p:nvPr>
+            <p:extLst>
+              <p:ext uri="{D42A27DB-BD31-4B8C-83A1-F6EECF244321}">
+                <p14:modId xmlns:p14="http://schemas.microsoft.com/office/powerpoint/2010/main" val="2549280078"/>
+              </p:ext>
+            </p:extLst>
+          </p:nvPr>
+        </p:nvGraphicFramePr>
+        <p:xfrm>
+          <a:off x="1956421" y="1351930"/>
+          <a:ext cx="8639570" cy="5070436"/>
+        </p:xfrm>
+        <a:graphic>
+          <a:graphicData uri="http://schemas.openxmlformats.org/drawingml/2006/chart">
+            <c:chart xmlns:c="http://schemas.openxmlformats.org/drawingml/2006/chart" xmlns:r="http://schemas.openxmlformats.org/officeDocument/2006/relationships" r:id="rId4"/>
+          </a:graphicData>
+        </a:graphic>
+      </p:graphicFrame>
+      <p:graphicFrame>
+        <p:nvGraphicFramePr>
+          <p:cNvPr id="29" name="Chart 28"/>
+          <p:cNvGraphicFramePr>
+            <a:graphicFrameLocks/>
+          </p:cNvGraphicFramePr>
+          <p:nvPr>
+            <p:extLst>
+              <p:ext uri="{D42A27DB-BD31-4B8C-83A1-F6EECF244321}">
+                <p14:modId xmlns:p14="http://schemas.microsoft.com/office/powerpoint/2010/main" val="2208872551"/>
+              </p:ext>
+            </p:extLst>
+          </p:nvPr>
+        </p:nvGraphicFramePr>
+        <p:xfrm>
+          <a:off x="1956421" y="1351930"/>
+          <a:ext cx="8639570" cy="5070436"/>
+        </p:xfrm>
+        <a:graphic>
+          <a:graphicData uri="http://schemas.openxmlformats.org/drawingml/2006/chart">
+            <c:chart xmlns:c="http://schemas.openxmlformats.org/drawingml/2006/chart" xmlns:r="http://schemas.openxmlformats.org/officeDocument/2006/relationships" r:id="rId5"/>
+          </a:graphicData>
+        </a:graphic>
+      </p:graphicFrame>
+    </p:spTree>
+    <p:extLst>
+      <p:ext uri="{BB962C8B-B14F-4D97-AF65-F5344CB8AC3E}">
+        <p14:creationId xmlns:p14="http://schemas.microsoft.com/office/powerpoint/2010/main" val="278102711"/>
+      </p:ext>
+    </p:extLst>
+  </p:cSld>
+  <p:clrMapOvr>
+    <a:masterClrMapping/>
+  </p:clrMapOvr>
+  <mc:AlternateContent xmlns:mc="http://schemas.openxmlformats.org/markup-compatibility/2006">
+    <mc:Choice xmlns:p14="http://schemas.microsoft.com/office/powerpoint/2010/main" Requires="p14">
+      <p:transition p14:dur="10"/>
+    </mc:Choice>
+    <mc:Fallback>
+      <p:transition/>
+    </mc:Fallback>
+  </mc:AlternateContent>
+  <p:timing>
+    <p:tnLst>
+      <p:par>
+        <p:cTn id="1" dur="indefinite" restart="never" nodeType="tmRoot">
+          <p:childTnLst>
+            <p:seq concurrent="1" nextAc="seek">
+              <p:cTn id="2" dur="indefinite" nodeType="mainSeq">
+                <p:childTnLst>
+                  <p:par>
+                    <p:cTn id="3" fill="hold">
+                      <p:stCondLst>
+                        <p:cond delay="indefinite"/>
+                      </p:stCondLst>
+                      <p:childTnLst>
+                        <p:par>
+                          <p:cTn id="4" fill="hold">
+                            <p:stCondLst>
+                              <p:cond delay="0"/>
+                            </p:stCondLst>
+                            <p:childTnLst>
+                              <p:par>
+                                <p:cTn id="5" presetID="1" presetClass="entr" presetSubtype="0" fill="hold" grpId="0" nodeType="clickEffect">
+                                  <p:stCondLst>
+                                    <p:cond delay="0"/>
+                                  </p:stCondLst>
+                                  <p:childTnLst>
+                                    <p:set>
+                                      <p:cBhvr>
+                                        <p:cTn id="6" dur="1" fill="hold">
+                                          <p:stCondLst>
+                                            <p:cond delay="0"/>
+                                          </p:stCondLst>
+                                        </p:cTn>
+                                        <p:tgtEl>
+                                          <p:spTgt spid="24"/>
+                                        </p:tgtEl>
+                                        <p:attrNameLst>
+                                          <p:attrName>style.visibility</p:attrName>
+                                        </p:attrNameLst>
+                                      </p:cBhvr>
+                                      <p:to>
+                                        <p:strVal val="visible"/>
+                                      </p:to>
+                                    </p:set>
+                                  </p:childTnLst>
+                                </p:cTn>
+                              </p:par>
+                            </p:childTnLst>
+                          </p:cTn>
+                        </p:par>
+                      </p:childTnLst>
+                    </p:cTn>
+                  </p:par>
+                  <p:par>
+                    <p:cTn id="7" fill="hold">
+                      <p:stCondLst>
+                        <p:cond delay="indefinite"/>
+                      </p:stCondLst>
+                      <p:childTnLst>
+                        <p:par>
+                          <p:cTn id="8" fill="hold">
+                            <p:stCondLst>
+                              <p:cond delay="0"/>
+                            </p:stCondLst>
+                            <p:childTnLst>
+                              <p:par>
+                                <p:cTn id="9" presetID="1" presetClass="entr" presetSubtype="0" fill="hold" grpId="0" nodeType="clickEffect">
+                                  <p:stCondLst>
+                                    <p:cond delay="0"/>
+                                  </p:stCondLst>
+                                  <p:childTnLst>
+                                    <p:set>
+                                      <p:cBhvr>
+                                        <p:cTn id="10" dur="1" fill="hold">
+                                          <p:stCondLst>
+                                            <p:cond delay="0"/>
+                                          </p:stCondLst>
+                                        </p:cTn>
+                                        <p:tgtEl>
+                                          <p:spTgt spid="25"/>
+                                        </p:tgtEl>
+                                        <p:attrNameLst>
+                                          <p:attrName>style.visibility</p:attrName>
+                                        </p:attrNameLst>
+                                      </p:cBhvr>
+                                      <p:to>
+                                        <p:strVal val="visible"/>
+                                      </p:to>
+                                    </p:set>
+                                  </p:childTnLst>
+                                </p:cTn>
+                              </p:par>
+                            </p:childTnLst>
+                          </p:cTn>
+                        </p:par>
+                      </p:childTnLst>
+                    </p:cTn>
+                  </p:par>
+                  <p:par>
+                    <p:cTn id="11" fill="hold">
+                      <p:stCondLst>
+                        <p:cond delay="indefinite"/>
+                      </p:stCondLst>
+                      <p:childTnLst>
+                        <p:par>
+                          <p:cTn id="12" fill="hold">
+                            <p:stCondLst>
+                              <p:cond delay="0"/>
+                            </p:stCondLst>
+                            <p:childTnLst>
+                              <p:par>
+                                <p:cTn id="13" presetID="1" presetClass="entr" presetSubtype="0" fill="hold" grpId="0" nodeType="clickEffect">
+                                  <p:stCondLst>
+                                    <p:cond delay="0"/>
+                                  </p:stCondLst>
+                                  <p:childTnLst>
+                                    <p:set>
+                                      <p:cBhvr>
+                                        <p:cTn id="14" dur="1" fill="hold">
+                                          <p:stCondLst>
+                                            <p:cond delay="0"/>
+                                          </p:stCondLst>
+                                        </p:cTn>
+                                        <p:tgtEl>
+                                          <p:spTgt spid="29"/>
+                                        </p:tgtEl>
+                                        <p:attrNameLst>
+                                          <p:attrName>style.visibility</p:attrName>
+                                        </p:attrNameLst>
+                                      </p:cBhvr>
+                                      <p:to>
+                                        <p:strVal val="visible"/>
+                                      </p:to>
+                                    </p:set>
+                                  </p:childTnLst>
+                                </p:cTn>
+                              </p:par>
+                            </p:childTnLst>
+                          </p:cTn>
+                        </p:par>
+                      </p:childTnLst>
+                    </p:cTn>
+                  </p:par>
+                </p:childTnLst>
+              </p:cTn>
+              <p:prevCondLst>
+                <p:cond evt="onPrev" delay="0">
+                  <p:tgtEl>
+                    <p:sldTgt/>
+                  </p:tgtEl>
+                </p:cond>
+              </p:prevCondLst>
+              <p:nextCondLst>
+                <p:cond evt="onNext" delay="0">
+                  <p:tgtEl>
+                    <p:sldTgt/>
+                  </p:tgtEl>
+                </p:cond>
+              </p:nextCondLst>
+            </p:seq>
+          </p:childTnLst>
+        </p:cTn>
+      </p:par>
+    </p:tnLst>
+    <p:bldLst>
+      <p:bldGraphic spid="24" grpId="0">
+        <p:bldAsOne/>
+      </p:bldGraphic>
+      <p:bldGraphic spid="25" grpId="0">
+        <p:bldAsOne/>
+      </p:bldGraphic>
+      <p:bldGraphic spid="29" grpId="0">
+        <p:bldAsOne/>
+      </p:bldGraphic>
+    </p:bldLst>
+  </p:timing>
+</p:sld>
+</file>
+
+<file path=ppt/slides/slide9.xml><?xml version="1.0" encoding="utf-8"?>
+<p:sld xmlns:a="http://schemas.openxmlformats.org/drawingml/2006/main" xmlns:r="http://schemas.openxmlformats.org/officeDocument/2006/relationships" xmlns:p="http://schemas.openxmlformats.org/presentationml/2006/main">
+  <p:cSld>
     <p:bg>
       <p:bgPr>
         <a:gradFill flip="none" rotWithShape="1">
@@ -19460,15 +24741,6 @@
               </a:rPr>
               <a:t>kao RRR strukture</a:t>
             </a:r>
-            <a:endParaRPr lang="hr-HR" sz="4400" b="1" dirty="0">
-              <a:solidFill>
-                <a:schemeClr val="bg2">
-                  <a:lumMod val="25000"/>
-                </a:schemeClr>
-              </a:solidFill>
-              <a:latin typeface="Lucida Bright" panose="02040602050505020304" pitchFamily="18" charset="0"/>
-              <a:cs typeface="Times New Roman" panose="02020603050405020304" pitchFamily="18" charset="0"/>
-            </a:endParaRPr>
           </a:p>
         </p:txBody>
       </p:sp>
@@ -19547,11 +24819,11 @@
   <p:clrMapOvr>
     <a:masterClrMapping/>
   </p:clrMapOvr>
-  <mc:AlternateContent xmlns:mc="http://schemas.openxmlformats.org/markup-compatibility/2006">
-    <mc:Choice xmlns:p14="http://schemas.microsoft.com/office/powerpoint/2010/main" Requires="p14">
+  <mc:AlternateContent xmlns:mc="http://schemas.openxmlformats.org/markup-compatibility/2006" xmlns:p14="http://schemas.microsoft.com/office/powerpoint/2010/main">
+    <mc:Choice Requires="p14">
       <p:transition p14:dur="0"/>
     </mc:Choice>
-    <mc:Fallback>
+    <mc:Fallback xmlns="">
       <p:transition/>
     </mc:Fallback>
   </mc:AlternateContent>

--- a/Documentation/Prezentacija.pptx
+++ b/Documentation/Prezentacija.pptx
@@ -13,7 +13,12 @@
     <p:sldId id="269" r:id="rId7"/>
     <p:sldId id="270" r:id="rId8"/>
     <p:sldId id="272" r:id="rId9"/>
-    <p:sldId id="267" r:id="rId10"/>
+    <p:sldId id="277" r:id="rId10"/>
+    <p:sldId id="274" r:id="rId11"/>
+    <p:sldId id="275" r:id="rId12"/>
+    <p:sldId id="276" r:id="rId13"/>
+    <p:sldId id="273" r:id="rId14"/>
+    <p:sldId id="267" r:id="rId15"/>
   </p:sldIdLst>
   <p:sldSz cx="12192000" cy="6858000"/>
   <p:notesSz cx="7099300" cy="10223500"/>
@@ -132,7 +137,7 @@
 </file>
 
 <file path=ppt/charts/chart1.xml><?xml version="1.0" encoding="utf-8"?>
-<c:chartSpace xmlns:c="http://schemas.openxmlformats.org/drawingml/2006/chart" xmlns:a="http://schemas.openxmlformats.org/drawingml/2006/main" xmlns:r="http://schemas.openxmlformats.org/officeDocument/2006/relationships">
+<c:chartSpace xmlns:c="http://schemas.openxmlformats.org/drawingml/2006/chart" xmlns:a="http://schemas.openxmlformats.org/drawingml/2006/main" xmlns:r="http://schemas.openxmlformats.org/officeDocument/2006/relationships" xmlns:c16r2="http://schemas.microsoft.com/office/drawing/2015/06/chart">
   <c:date1904 val="0"/>
   <c:lang val="en-US"/>
   <c:roundedCorners val="0"/>
@@ -152,7 +157,7 @@
           <a:lstStyle/>
           <a:p>
             <a:pPr>
-              <a:defRPr sz="1800" b="0" i="0" u="none" strike="noStrike" kern="1200" spc="0" baseline="0">
+              <a:defRPr sz="3360" b="0" i="0" u="none" strike="noStrike" kern="1200" spc="0" baseline="0">
                 <a:solidFill>
                   <a:schemeClr val="tx1">
                     <a:lumMod val="65000"/>
@@ -165,14 +170,9 @@
               </a:defRPr>
             </a:pPr>
             <a:r>
-              <a:rPr lang="hr-BA" sz="1800"/>
-              <a:t>Vrijeme izgradnje stabla</a:t>
+              <a:rPr lang="hr-BA"/>
+              <a:t>Vrijeme izgradnje stabla valića</a:t>
             </a:r>
-            <a:r>
-              <a:rPr lang="hr-BA" sz="1800" baseline="0"/>
-              <a:t> valića</a:t>
-            </a:r>
-            <a:endParaRPr lang="hr-BA" sz="1800"/>
           </a:p>
         </c:rich>
       </c:tx>
@@ -190,7 +190,7 @@
         <a:lstStyle/>
         <a:p>
           <a:pPr>
-            <a:defRPr sz="1800" b="0" i="0" u="none" strike="noStrike" kern="1200" spc="0" baseline="0">
+            <a:defRPr sz="3360" b="0" i="0" u="none" strike="noStrike" kern="1200" spc="0" baseline="0">
               <a:solidFill>
                 <a:schemeClr val="tx1">
                   <a:lumMod val="65000"/>
@@ -208,7 +208,17 @@
     </c:title>
     <c:autoTitleDeleted val="0"/>
     <c:plotArea>
-      <c:layout/>
+      <c:layout>
+        <c:manualLayout>
+          <c:layoutTarget val="inner"/>
+          <c:xMode val="edge"/>
+          <c:yMode val="edge"/>
+          <c:x val="0.25246522309711283"/>
+          <c:y val="0.13555860075322013"/>
+          <c:w val="0.73607644356955382"/>
+          <c:h val="0.43624001019649422"/>
+        </c:manualLayout>
+      </c:layout>
       <c:lineChart>
         <c:grouping val="stacked"/>
         <c:varyColors val="0"/>
@@ -303,6 +313,11 @@
             </c:numRef>
           </c:val>
           <c:smooth val="0"/>
+          <c:extLst>
+            <c:ext xmlns:c16="http://schemas.microsoft.com/office/drawing/2014/chart" uri="{C3380CC4-5D6E-409C-BE32-E72D297353CC}">
+              <c16:uniqueId val="{00000000-C8BE-4575-A03E-36B0662F755A}"/>
+            </c:ext>
+          </c:extLst>
         </c:ser>
         <c:ser>
           <c:idx val="1"/>
@@ -395,6 +410,11 @@
             </c:numRef>
           </c:val>
           <c:smooth val="0"/>
+          <c:extLst>
+            <c:ext xmlns:c16="http://schemas.microsoft.com/office/drawing/2014/chart" uri="{C3380CC4-5D6E-409C-BE32-E72D297353CC}">
+              <c16:uniqueId val="{00000001-C8BE-4575-A03E-36B0662F755A}"/>
+            </c:ext>
+          </c:extLst>
         </c:ser>
         <c:ser>
           <c:idx val="2"/>
@@ -495,6 +515,11 @@
             </c:numRef>
           </c:val>
           <c:smooth val="0"/>
+          <c:extLst>
+            <c:ext xmlns:c16="http://schemas.microsoft.com/office/drawing/2014/chart" uri="{C3380CC4-5D6E-409C-BE32-E72D297353CC}">
+              <c16:uniqueId val="{00000002-C8BE-4575-A03E-36B0662F755A}"/>
+            </c:ext>
+          </c:extLst>
         </c:ser>
         <c:dLbls>
           <c:showLegendKey val="0"/>
@@ -537,7 +562,7 @@
               <a:lstStyle/>
               <a:p>
                 <a:pPr>
-                  <a:defRPr sz="1400" b="0" i="0" u="none" strike="noStrike" kern="1200" baseline="0">
+                  <a:defRPr sz="2800" b="0" i="0" u="none" strike="noStrike" kern="1200" baseline="0">
                     <a:solidFill>
                       <a:schemeClr val="tx1">
                         <a:lumMod val="65000"/>
@@ -550,14 +575,9 @@
                   </a:defRPr>
                 </a:pPr>
                 <a:r>
-                  <a:rPr lang="hr-BA" sz="1400"/>
-                  <a:t>Veličina ulazne</a:t>
+                  <a:rPr lang="hr-BA"/>
+                  <a:t>Veličina ulazne datoteke [broj znakova]</a:t>
                 </a:r>
-                <a:r>
-                  <a:rPr lang="hr-BA" sz="1400" baseline="0"/>
-                  <a:t> datoteke [broj znakova]</a:t>
-                </a:r>
-                <a:endParaRPr lang="hr-BA" sz="1400"/>
               </a:p>
             </c:rich>
           </c:tx>
@@ -575,7 +595,7 @@
             <a:lstStyle/>
             <a:p>
               <a:pPr>
-                <a:defRPr sz="1400" b="0" i="0" u="none" strike="noStrike" kern="1200" baseline="0">
+                <a:defRPr sz="2800" b="0" i="0" u="none" strike="noStrike" kern="1200" baseline="0">
                   <a:solidFill>
                     <a:schemeClr val="tx1">
                       <a:lumMod val="65000"/>
@@ -613,7 +633,7 @@
           <a:lstStyle/>
           <a:p>
             <a:pPr>
-              <a:defRPr sz="1400" b="0" i="0" u="none" strike="noStrike" kern="1200" baseline="0">
+              <a:defRPr sz="2800" b="0" i="0" u="none" strike="noStrike" kern="1200" baseline="0">
                 <a:solidFill>
                   <a:schemeClr val="tx1">
                     <a:lumMod val="65000"/>
@@ -664,7 +684,7 @@
               <a:lstStyle/>
               <a:p>
                 <a:pPr>
-                  <a:defRPr sz="1400" b="0" i="0" u="none" strike="noStrike" kern="1200" baseline="0">
+                  <a:defRPr sz="2800" b="0" i="0" u="none" strike="noStrike" kern="1200" baseline="0">
                     <a:solidFill>
                       <a:schemeClr val="tx1">
                         <a:lumMod val="65000"/>
@@ -677,13 +697,20 @@
                   </a:defRPr>
                 </a:pPr>
                 <a:r>
-                  <a:rPr lang="hr-BA" sz="1400"/>
+                  <a:rPr lang="hr-BA"/>
                   <a:t>Vrijeme [ms]</a:t>
                 </a:r>
               </a:p>
             </c:rich>
           </c:tx>
-          <c:layout/>
+          <c:layout>
+            <c:manualLayout>
+              <c:xMode val="edge"/>
+              <c:yMode val="edge"/>
+              <c:x val="2.1874999999999999E-2"/>
+              <c:y val="0.21725993495738063"/>
+            </c:manualLayout>
+          </c:layout>
           <c:overlay val="0"/>
           <c:spPr>
             <a:noFill/>
@@ -697,7 +724,7 @@
             <a:lstStyle/>
             <a:p>
               <a:pPr>
-                <a:defRPr sz="1400" b="0" i="0" u="none" strike="noStrike" kern="1200" baseline="0">
+                <a:defRPr sz="2800" b="0" i="0" u="none" strike="noStrike" kern="1200" baseline="0">
                   <a:solidFill>
                     <a:schemeClr val="tx1">
                       <a:lumMod val="65000"/>
@@ -729,7 +756,7 @@
           <a:lstStyle/>
           <a:p>
             <a:pPr>
-              <a:defRPr sz="1400" b="0" i="0" u="none" strike="noStrike" kern="1200" baseline="0">
+              <a:defRPr sz="2800" b="0" i="0" u="none" strike="noStrike" kern="1200" baseline="0">
                 <a:solidFill>
                   <a:schemeClr val="tx1">
                     <a:lumMod val="65000"/>
@@ -772,7 +799,7 @@
         <a:lstStyle/>
         <a:p>
           <a:pPr>
-            <a:defRPr sz="1400" b="0" i="0" u="none" strike="noStrike" kern="1200" baseline="0">
+            <a:defRPr sz="2800" b="0" i="0" u="none" strike="noStrike" kern="1200" baseline="0">
               <a:solidFill>
                 <a:schemeClr val="tx1">
                   <a:lumMod val="65000"/>
@@ -806,7 +833,7 @@
     <a:lstStyle/>
     <a:p>
       <a:pPr>
-        <a:defRPr/>
+        <a:defRPr sz="2800"/>
       </a:pPr>
       <a:endParaRPr lang="sr-Latn-RS"/>
     </a:p>
@@ -819,7 +846,7 @@
 </file>
 
 <file path=ppt/charts/chart2.xml><?xml version="1.0" encoding="utf-8"?>
-<c:chartSpace xmlns:c="http://schemas.openxmlformats.org/drawingml/2006/chart" xmlns:a="http://schemas.openxmlformats.org/drawingml/2006/main" xmlns:r="http://schemas.openxmlformats.org/officeDocument/2006/relationships">
+<c:chartSpace xmlns:c="http://schemas.openxmlformats.org/drawingml/2006/chart" xmlns:a="http://schemas.openxmlformats.org/drawingml/2006/main" xmlns:r="http://schemas.openxmlformats.org/officeDocument/2006/relationships" xmlns:c16r2="http://schemas.microsoft.com/office/drawing/2015/06/chart">
   <c:date1904 val="0"/>
   <c:lang val="en-US"/>
   <c:roundedCorners val="0"/>
@@ -839,7 +866,7 @@
           <a:lstStyle/>
           <a:p>
             <a:pPr>
-              <a:defRPr sz="1800" b="0" i="0" u="none" strike="noStrike" kern="1200" spc="0" baseline="0">
+              <a:defRPr sz="2880" b="0" i="0" u="none" strike="noStrike" kern="1200" spc="0" baseline="0">
                 <a:solidFill>
                   <a:schemeClr val="tx1">
                     <a:lumMod val="65000"/>
@@ -852,7 +879,732 @@
               </a:defRPr>
             </a:pPr>
             <a:r>
-              <a:rPr lang="hr-BA" sz="1800"/>
+              <a:rPr lang="hr-BA"/>
+              <a:t>Memorijsko zauzeće - cijeli proces</a:t>
+            </a:r>
+          </a:p>
+        </c:rich>
+      </c:tx>
+      <c:layout/>
+      <c:overlay val="0"/>
+      <c:spPr>
+        <a:noFill/>
+        <a:ln>
+          <a:noFill/>
+        </a:ln>
+        <a:effectLst/>
+      </c:spPr>
+      <c:txPr>
+        <a:bodyPr rot="0" spcFirstLastPara="1" vertOverflow="ellipsis" vert="horz" wrap="square" anchor="ctr" anchorCtr="1"/>
+        <a:lstStyle/>
+        <a:p>
+          <a:pPr>
+            <a:defRPr sz="2880" b="0" i="0" u="none" strike="noStrike" kern="1200" spc="0" baseline="0">
+              <a:solidFill>
+                <a:schemeClr val="tx1">
+                  <a:lumMod val="65000"/>
+                  <a:lumOff val="35000"/>
+                </a:schemeClr>
+              </a:solidFill>
+              <a:latin typeface="+mn-lt"/>
+              <a:ea typeface="+mn-ea"/>
+              <a:cs typeface="+mn-cs"/>
+            </a:defRPr>
+          </a:pPr>
+          <a:endParaRPr lang="sr-Latn-RS"/>
+        </a:p>
+      </c:txPr>
+    </c:title>
+    <c:autoTitleDeleted val="0"/>
+    <c:plotArea>
+      <c:layout>
+        <c:manualLayout>
+          <c:layoutTarget val="inner"/>
+          <c:xMode val="edge"/>
+          <c:yMode val="edge"/>
+          <c:x val="0.19664624343832021"/>
+          <c:y val="8.6462781504391351E-2"/>
+          <c:w val="0.79600385498687665"/>
+          <c:h val="0.66936354191237202"/>
+        </c:manualLayout>
+      </c:layout>
+      <c:lineChart>
+        <c:grouping val="standard"/>
+        <c:varyColors val="0"/>
+        <c:ser>
+          <c:idx val="0"/>
+          <c:order val="0"/>
+          <c:tx>
+            <c:strRef>
+              <c:f>Sheet1!$B$60</c:f>
+              <c:strCache>
+                <c:ptCount val="1"/>
+                <c:pt idx="0">
+                  <c:v>4</c:v>
+                </c:pt>
+              </c:strCache>
+            </c:strRef>
+          </c:tx>
+          <c:spPr>
+            <a:ln w="28575" cap="rnd">
+              <a:solidFill>
+                <a:schemeClr val="accent1"/>
+              </a:solidFill>
+              <a:round/>
+            </a:ln>
+            <a:effectLst/>
+          </c:spPr>
+          <c:marker>
+            <c:symbol val="circle"/>
+            <c:size val="5"/>
+            <c:spPr>
+              <a:solidFill>
+                <a:schemeClr val="accent1"/>
+              </a:solidFill>
+              <a:ln w="9525">
+                <a:solidFill>
+                  <a:schemeClr val="accent1"/>
+                </a:solidFill>
+              </a:ln>
+              <a:effectLst/>
+            </c:spPr>
+          </c:marker>
+          <c:cat>
+            <c:numRef>
+              <c:f>Sheet1!$A$61:$A$67</c:f>
+              <c:numCache>
+                <c:formatCode>0</c:formatCode>
+                <c:ptCount val="7"/>
+                <c:pt idx="0">
+                  <c:v>100</c:v>
+                </c:pt>
+                <c:pt idx="1">
+                  <c:v>1000</c:v>
+                </c:pt>
+                <c:pt idx="2">
+                  <c:v>10000</c:v>
+                </c:pt>
+                <c:pt idx="3">
+                  <c:v>100000</c:v>
+                </c:pt>
+                <c:pt idx="4">
+                  <c:v>1000000</c:v>
+                </c:pt>
+                <c:pt idx="5">
+                  <c:v>10000000</c:v>
+                </c:pt>
+                <c:pt idx="6">
+                  <c:v>100000000</c:v>
+                </c:pt>
+              </c:numCache>
+            </c:numRef>
+          </c:cat>
+          <c:val>
+            <c:numRef>
+              <c:f>Sheet1!$B$61:$B$67</c:f>
+              <c:numCache>
+                <c:formatCode>0.00</c:formatCode>
+                <c:ptCount val="7"/>
+                <c:pt idx="0">
+                  <c:v>1.41</c:v>
+                </c:pt>
+                <c:pt idx="1">
+                  <c:v>1.42</c:v>
+                </c:pt>
+                <c:pt idx="2">
+                  <c:v>1.49</c:v>
+                </c:pt>
+                <c:pt idx="3">
+                  <c:v>2</c:v>
+                </c:pt>
+                <c:pt idx="4">
+                  <c:v>6.8</c:v>
+                </c:pt>
+                <c:pt idx="5">
+                  <c:v>59.73</c:v>
+                </c:pt>
+                <c:pt idx="6">
+                  <c:v>145.29</c:v>
+                </c:pt>
+              </c:numCache>
+            </c:numRef>
+          </c:val>
+          <c:smooth val="0"/>
+          <c:extLst>
+            <c:ext xmlns:c16="http://schemas.microsoft.com/office/drawing/2014/chart" uri="{C3380CC4-5D6E-409C-BE32-E72D297353CC}">
+              <c16:uniqueId val="{00000000-5986-4326-A86F-BB2C024FC744}"/>
+            </c:ext>
+          </c:extLst>
+        </c:ser>
+        <c:ser>
+          <c:idx val="1"/>
+          <c:order val="1"/>
+          <c:tx>
+            <c:strRef>
+              <c:f>Sheet1!$C$60</c:f>
+              <c:strCache>
+                <c:ptCount val="1"/>
+                <c:pt idx="0">
+                  <c:v>16</c:v>
+                </c:pt>
+              </c:strCache>
+            </c:strRef>
+          </c:tx>
+          <c:spPr>
+            <a:ln w="28575" cap="rnd">
+              <a:solidFill>
+                <a:schemeClr val="accent2"/>
+              </a:solidFill>
+              <a:round/>
+            </a:ln>
+            <a:effectLst/>
+          </c:spPr>
+          <c:marker>
+            <c:symbol val="circle"/>
+            <c:size val="5"/>
+            <c:spPr>
+              <a:solidFill>
+                <a:schemeClr val="accent2"/>
+              </a:solidFill>
+              <a:ln w="9525">
+                <a:solidFill>
+                  <a:schemeClr val="accent2"/>
+                </a:solidFill>
+              </a:ln>
+              <a:effectLst/>
+            </c:spPr>
+          </c:marker>
+          <c:cat>
+            <c:numRef>
+              <c:f>Sheet1!$A$61:$A$67</c:f>
+              <c:numCache>
+                <c:formatCode>0</c:formatCode>
+                <c:ptCount val="7"/>
+                <c:pt idx="0">
+                  <c:v>100</c:v>
+                </c:pt>
+                <c:pt idx="1">
+                  <c:v>1000</c:v>
+                </c:pt>
+                <c:pt idx="2">
+                  <c:v>10000</c:v>
+                </c:pt>
+                <c:pt idx="3">
+                  <c:v>100000</c:v>
+                </c:pt>
+                <c:pt idx="4">
+                  <c:v>1000000</c:v>
+                </c:pt>
+                <c:pt idx="5">
+                  <c:v>10000000</c:v>
+                </c:pt>
+                <c:pt idx="6">
+                  <c:v>100000000</c:v>
+                </c:pt>
+              </c:numCache>
+            </c:numRef>
+          </c:cat>
+          <c:val>
+            <c:numRef>
+              <c:f>Sheet1!$C$61:$C$67</c:f>
+              <c:numCache>
+                <c:formatCode>0.00</c:formatCode>
+                <c:ptCount val="7"/>
+                <c:pt idx="0">
+                  <c:v>1.41</c:v>
+                </c:pt>
+                <c:pt idx="1">
+                  <c:v>1.42</c:v>
+                </c:pt>
+                <c:pt idx="2">
+                  <c:v>1.51</c:v>
+                </c:pt>
+                <c:pt idx="3">
+                  <c:v>2.16</c:v>
+                </c:pt>
+                <c:pt idx="4">
+                  <c:v>8.42</c:v>
+                </c:pt>
+                <c:pt idx="5">
+                  <c:v>71.86</c:v>
+                </c:pt>
+                <c:pt idx="6">
+                  <c:v>263.92</c:v>
+                </c:pt>
+              </c:numCache>
+            </c:numRef>
+          </c:val>
+          <c:smooth val="0"/>
+          <c:extLst>
+            <c:ext xmlns:c16="http://schemas.microsoft.com/office/drawing/2014/chart" uri="{C3380CC4-5D6E-409C-BE32-E72D297353CC}">
+              <c16:uniqueId val="{00000001-5986-4326-A86F-BB2C024FC744}"/>
+            </c:ext>
+          </c:extLst>
+        </c:ser>
+        <c:ser>
+          <c:idx val="2"/>
+          <c:order val="2"/>
+          <c:tx>
+            <c:strRef>
+              <c:f>Sheet1!$D$60</c:f>
+              <c:strCache>
+                <c:ptCount val="1"/>
+                <c:pt idx="0">
+                  <c:v>28</c:v>
+                </c:pt>
+              </c:strCache>
+            </c:strRef>
+          </c:tx>
+          <c:spPr>
+            <a:ln w="28575" cap="rnd">
+              <a:solidFill>
+                <a:schemeClr val="accent3"/>
+              </a:solidFill>
+              <a:round/>
+            </a:ln>
+            <a:effectLst/>
+          </c:spPr>
+          <c:marker>
+            <c:symbol val="circle"/>
+            <c:size val="5"/>
+            <c:spPr>
+              <a:solidFill>
+                <a:schemeClr val="accent3"/>
+              </a:solidFill>
+              <a:ln w="9525">
+                <a:solidFill>
+                  <a:schemeClr val="accent3"/>
+                </a:solidFill>
+              </a:ln>
+              <a:effectLst/>
+            </c:spPr>
+          </c:marker>
+          <c:cat>
+            <c:numRef>
+              <c:f>Sheet1!$A$61:$A$67</c:f>
+              <c:numCache>
+                <c:formatCode>0</c:formatCode>
+                <c:ptCount val="7"/>
+                <c:pt idx="0">
+                  <c:v>100</c:v>
+                </c:pt>
+                <c:pt idx="1">
+                  <c:v>1000</c:v>
+                </c:pt>
+                <c:pt idx="2">
+                  <c:v>10000</c:v>
+                </c:pt>
+                <c:pt idx="3">
+                  <c:v>100000</c:v>
+                </c:pt>
+                <c:pt idx="4">
+                  <c:v>1000000</c:v>
+                </c:pt>
+                <c:pt idx="5">
+                  <c:v>10000000</c:v>
+                </c:pt>
+                <c:pt idx="6">
+                  <c:v>100000000</c:v>
+                </c:pt>
+              </c:numCache>
+            </c:numRef>
+          </c:cat>
+          <c:val>
+            <c:numRef>
+              <c:f>Sheet1!$D$61:$D$67</c:f>
+              <c:numCache>
+                <c:formatCode>0.00</c:formatCode>
+                <c:ptCount val="7"/>
+                <c:pt idx="0">
+                  <c:v>1.41</c:v>
+                </c:pt>
+                <c:pt idx="1">
+                  <c:v>1.43</c:v>
+                </c:pt>
+                <c:pt idx="2">
+                  <c:v>1.51</c:v>
+                </c:pt>
+                <c:pt idx="3">
+                  <c:v>2.19</c:v>
+                </c:pt>
+                <c:pt idx="4">
+                  <c:v>8.68</c:v>
+                </c:pt>
+                <c:pt idx="5">
+                  <c:v>75.680000000000007</c:v>
+                </c:pt>
+                <c:pt idx="6">
+                  <c:v>289.97000000000003</c:v>
+                </c:pt>
+              </c:numCache>
+            </c:numRef>
+          </c:val>
+          <c:smooth val="0"/>
+          <c:extLst>
+            <c:ext xmlns:c16="http://schemas.microsoft.com/office/drawing/2014/chart" uri="{C3380CC4-5D6E-409C-BE32-E72D297353CC}">
+              <c16:uniqueId val="{00000002-5986-4326-A86F-BB2C024FC744}"/>
+            </c:ext>
+          </c:extLst>
+        </c:ser>
+        <c:dLbls>
+          <c:showLegendKey val="0"/>
+          <c:showVal val="0"/>
+          <c:showCatName val="0"/>
+          <c:showSerName val="0"/>
+          <c:showPercent val="0"/>
+          <c:showBubbleSize val="0"/>
+        </c:dLbls>
+        <c:marker val="1"/>
+        <c:smooth val="0"/>
+        <c:axId val="1220113120"/>
+        <c:axId val="1220101696"/>
+      </c:lineChart>
+      <c:catAx>
+        <c:axId val="1220113120"/>
+        <c:scaling>
+          <c:orientation val="minMax"/>
+        </c:scaling>
+        <c:delete val="0"/>
+        <c:axPos val="b"/>
+        <c:title>
+          <c:tx>
+            <c:rich>
+              <a:bodyPr rot="0" spcFirstLastPara="1" vertOverflow="ellipsis" vert="horz" wrap="square" anchor="ctr" anchorCtr="1"/>
+              <a:lstStyle/>
+              <a:p>
+                <a:pPr>
+                  <a:defRPr sz="2400" b="0" i="0" u="none" strike="noStrike" kern="1200" baseline="0">
+                    <a:solidFill>
+                      <a:schemeClr val="tx1">
+                        <a:lumMod val="65000"/>
+                        <a:lumOff val="35000"/>
+                      </a:schemeClr>
+                    </a:solidFill>
+                    <a:latin typeface="+mn-lt"/>
+                    <a:ea typeface="+mn-ea"/>
+                    <a:cs typeface="+mn-cs"/>
+                  </a:defRPr>
+                </a:pPr>
+                <a:r>
+                  <a:rPr lang="hr-BA" dirty="0"/>
+                  <a:t>Veličina ulazne datoteke [broj znakova]</a:t>
+                </a:r>
+              </a:p>
+            </c:rich>
+          </c:tx>
+          <c:layout>
+            <c:manualLayout>
+              <c:xMode val="edge"/>
+              <c:yMode val="edge"/>
+              <c:x val="0.18498671259842522"/>
+              <c:y val="0.92167585301837252"/>
+            </c:manualLayout>
+          </c:layout>
+          <c:overlay val="0"/>
+          <c:spPr>
+            <a:noFill/>
+            <a:ln>
+              <a:noFill/>
+            </a:ln>
+            <a:effectLst/>
+          </c:spPr>
+          <c:txPr>
+            <a:bodyPr rot="0" spcFirstLastPara="1" vertOverflow="ellipsis" vert="horz" wrap="square" anchor="ctr" anchorCtr="1"/>
+            <a:lstStyle/>
+            <a:p>
+              <a:pPr>
+                <a:defRPr sz="2400" b="0" i="0" u="none" strike="noStrike" kern="1200" baseline="0">
+                  <a:solidFill>
+                    <a:schemeClr val="tx1">
+                      <a:lumMod val="65000"/>
+                      <a:lumOff val="35000"/>
+                    </a:schemeClr>
+                  </a:solidFill>
+                  <a:latin typeface="+mn-lt"/>
+                  <a:ea typeface="+mn-ea"/>
+                  <a:cs typeface="+mn-cs"/>
+                </a:defRPr>
+              </a:pPr>
+              <a:endParaRPr lang="sr-Latn-RS"/>
+            </a:p>
+          </c:txPr>
+        </c:title>
+        <c:numFmt formatCode="0" sourceLinked="1"/>
+        <c:majorTickMark val="none"/>
+        <c:minorTickMark val="none"/>
+        <c:tickLblPos val="nextTo"/>
+        <c:spPr>
+          <a:noFill/>
+          <a:ln w="9525" cap="flat" cmpd="sng" algn="ctr">
+            <a:solidFill>
+              <a:schemeClr val="tx1">
+                <a:lumMod val="15000"/>
+                <a:lumOff val="85000"/>
+              </a:schemeClr>
+            </a:solidFill>
+            <a:round/>
+          </a:ln>
+          <a:effectLst/>
+        </c:spPr>
+        <c:txPr>
+          <a:bodyPr rot="-60000000" spcFirstLastPara="1" vertOverflow="ellipsis" vert="horz" wrap="square" anchor="ctr" anchorCtr="1"/>
+          <a:lstStyle/>
+          <a:p>
+            <a:pPr>
+              <a:defRPr sz="2400" b="0" i="0" u="none" strike="noStrike" kern="1200" baseline="0">
+                <a:solidFill>
+                  <a:schemeClr val="tx1">
+                    <a:lumMod val="65000"/>
+                    <a:lumOff val="35000"/>
+                  </a:schemeClr>
+                </a:solidFill>
+                <a:latin typeface="+mn-lt"/>
+                <a:ea typeface="+mn-ea"/>
+                <a:cs typeface="+mn-cs"/>
+              </a:defRPr>
+            </a:pPr>
+            <a:endParaRPr lang="sr-Latn-RS"/>
+          </a:p>
+        </c:txPr>
+        <c:crossAx val="1220101696"/>
+        <c:crosses val="autoZero"/>
+        <c:auto val="1"/>
+        <c:lblAlgn val="ctr"/>
+        <c:lblOffset val="100"/>
+        <c:noMultiLvlLbl val="0"/>
+      </c:catAx>
+      <c:valAx>
+        <c:axId val="1220101696"/>
+        <c:scaling>
+          <c:orientation val="minMax"/>
+        </c:scaling>
+        <c:delete val="0"/>
+        <c:axPos val="l"/>
+        <c:majorGridlines>
+          <c:spPr>
+            <a:ln w="9525" cap="flat" cmpd="sng" algn="ctr">
+              <a:solidFill>
+                <a:schemeClr val="tx1">
+                  <a:lumMod val="15000"/>
+                  <a:lumOff val="85000"/>
+                </a:schemeClr>
+              </a:solidFill>
+              <a:round/>
+            </a:ln>
+            <a:effectLst/>
+          </c:spPr>
+        </c:majorGridlines>
+        <c:title>
+          <c:tx>
+            <c:rich>
+              <a:bodyPr rot="-5400000" spcFirstLastPara="1" vertOverflow="ellipsis" vert="horz" wrap="square" anchor="ctr" anchorCtr="1"/>
+              <a:lstStyle/>
+              <a:p>
+                <a:pPr>
+                  <a:defRPr sz="2400" b="0" i="0" u="none" strike="noStrike" kern="1200" baseline="0">
+                    <a:solidFill>
+                      <a:schemeClr val="tx1">
+                        <a:lumMod val="65000"/>
+                        <a:lumOff val="35000"/>
+                      </a:schemeClr>
+                    </a:solidFill>
+                    <a:latin typeface="+mn-lt"/>
+                    <a:ea typeface="+mn-ea"/>
+                    <a:cs typeface="+mn-cs"/>
+                  </a:defRPr>
+                </a:pPr>
+                <a:r>
+                  <a:rPr lang="hr-BA"/>
+                  <a:t>Memorija [MB]</a:t>
+                </a:r>
+              </a:p>
+            </c:rich>
+          </c:tx>
+          <c:layout>
+            <c:manualLayout>
+              <c:xMode val="edge"/>
+              <c:yMode val="edge"/>
+              <c:x val="2.2071604330708667E-2"/>
+              <c:y val="0.2563622047244094"/>
+            </c:manualLayout>
+          </c:layout>
+          <c:overlay val="0"/>
+          <c:spPr>
+            <a:noFill/>
+            <a:ln>
+              <a:noFill/>
+            </a:ln>
+            <a:effectLst/>
+          </c:spPr>
+          <c:txPr>
+            <a:bodyPr rot="-5400000" spcFirstLastPara="1" vertOverflow="ellipsis" vert="horz" wrap="square" anchor="ctr" anchorCtr="1"/>
+            <a:lstStyle/>
+            <a:p>
+              <a:pPr>
+                <a:defRPr sz="2400" b="0" i="0" u="none" strike="noStrike" kern="1200" baseline="0">
+                  <a:solidFill>
+                    <a:schemeClr val="tx1">
+                      <a:lumMod val="65000"/>
+                      <a:lumOff val="35000"/>
+                    </a:schemeClr>
+                  </a:solidFill>
+                  <a:latin typeface="+mn-lt"/>
+                  <a:ea typeface="+mn-ea"/>
+                  <a:cs typeface="+mn-cs"/>
+                </a:defRPr>
+              </a:pPr>
+              <a:endParaRPr lang="sr-Latn-RS"/>
+            </a:p>
+          </c:txPr>
+        </c:title>
+        <c:numFmt formatCode="0.00" sourceLinked="1"/>
+        <c:majorTickMark val="none"/>
+        <c:minorTickMark val="none"/>
+        <c:tickLblPos val="nextTo"/>
+        <c:spPr>
+          <a:noFill/>
+          <a:ln>
+            <a:noFill/>
+          </a:ln>
+          <a:effectLst/>
+        </c:spPr>
+        <c:txPr>
+          <a:bodyPr rot="-60000000" spcFirstLastPara="1" vertOverflow="ellipsis" vert="horz" wrap="square" anchor="ctr" anchorCtr="1"/>
+          <a:lstStyle/>
+          <a:p>
+            <a:pPr>
+              <a:defRPr sz="2400" b="0" i="0" u="none" strike="noStrike" kern="1200" baseline="0">
+                <a:solidFill>
+                  <a:schemeClr val="tx1">
+                    <a:lumMod val="65000"/>
+                    <a:lumOff val="35000"/>
+                  </a:schemeClr>
+                </a:solidFill>
+                <a:latin typeface="+mn-lt"/>
+                <a:ea typeface="+mn-ea"/>
+                <a:cs typeface="+mn-cs"/>
+              </a:defRPr>
+            </a:pPr>
+            <a:endParaRPr lang="sr-Latn-RS"/>
+          </a:p>
+        </c:txPr>
+        <c:crossAx val="1220113120"/>
+        <c:crosses val="autoZero"/>
+        <c:crossBetween val="between"/>
+      </c:valAx>
+      <c:spPr>
+        <a:noFill/>
+        <a:ln>
+          <a:noFill/>
+        </a:ln>
+        <a:effectLst/>
+      </c:spPr>
+    </c:plotArea>
+    <c:legend>
+      <c:legendPos val="b"/>
+      <c:layout>
+        <c:manualLayout>
+          <c:xMode val="edge"/>
+          <c:yMode val="edge"/>
+          <c:x val="0.81490091863517056"/>
+          <c:y val="8.5181393992417601E-2"/>
+          <c:w val="0.16603149606299211"/>
+          <c:h val="6.481860600758238E-2"/>
+        </c:manualLayout>
+      </c:layout>
+      <c:overlay val="0"/>
+      <c:spPr>
+        <a:noFill/>
+        <a:ln>
+          <a:noFill/>
+        </a:ln>
+        <a:effectLst/>
+      </c:spPr>
+      <c:txPr>
+        <a:bodyPr rot="0" spcFirstLastPara="1" vertOverflow="ellipsis" vert="horz" wrap="square" anchor="ctr" anchorCtr="1"/>
+        <a:lstStyle/>
+        <a:p>
+          <a:pPr>
+            <a:defRPr sz="2400" b="0" i="0" u="none" strike="noStrike" kern="1200" baseline="0">
+              <a:solidFill>
+                <a:schemeClr val="tx1">
+                  <a:lumMod val="65000"/>
+                  <a:lumOff val="35000"/>
+                </a:schemeClr>
+              </a:solidFill>
+              <a:latin typeface="+mn-lt"/>
+              <a:ea typeface="+mn-ea"/>
+              <a:cs typeface="+mn-cs"/>
+            </a:defRPr>
+          </a:pPr>
+          <a:endParaRPr lang="sr-Latn-RS"/>
+        </a:p>
+      </c:txPr>
+    </c:legend>
+    <c:plotVisOnly val="1"/>
+    <c:dispBlanksAs val="gap"/>
+    <c:showDLblsOverMax val="0"/>
+  </c:chart>
+  <c:spPr>
+    <a:solidFill>
+      <a:schemeClr val="bg1"/>
+    </a:solidFill>
+    <a:ln>
+      <a:noFill/>
+    </a:ln>
+    <a:effectLst/>
+  </c:spPr>
+  <c:txPr>
+    <a:bodyPr/>
+    <a:lstStyle/>
+    <a:p>
+      <a:pPr>
+        <a:defRPr sz="2400"/>
+      </a:pPr>
+      <a:endParaRPr lang="sr-Latn-RS"/>
+    </a:p>
+  </c:txPr>
+  <c:externalData r:id="rId3">
+    <c:autoUpdate val="0"/>
+  </c:externalData>
+</c:chartSpace>
+</file>
+
+<file path=ppt/charts/chart3.xml><?xml version="1.0" encoding="utf-8"?>
+<c:chartSpace xmlns:c="http://schemas.openxmlformats.org/drawingml/2006/chart" xmlns:a="http://schemas.openxmlformats.org/drawingml/2006/main" xmlns:r="http://schemas.openxmlformats.org/officeDocument/2006/relationships" xmlns:c16r2="http://schemas.microsoft.com/office/drawing/2015/06/chart">
+  <c:date1904 val="0"/>
+  <c:lang val="en-US"/>
+  <c:roundedCorners val="0"/>
+  <mc:AlternateContent xmlns:mc="http://schemas.openxmlformats.org/markup-compatibility/2006">
+    <mc:Choice xmlns:c14="http://schemas.microsoft.com/office/drawing/2007/8/2/chart" Requires="c14">
+      <c14:style val="102"/>
+    </mc:Choice>
+    <mc:Fallback>
+      <c:style val="2"/>
+    </mc:Fallback>
+  </mc:AlternateContent>
+  <c:chart>
+    <c:title>
+      <c:tx>
+        <c:rich>
+          <a:bodyPr rot="0" spcFirstLastPara="1" vertOverflow="ellipsis" vert="horz" wrap="square" anchor="ctr" anchorCtr="1"/>
+          <a:lstStyle/>
+          <a:p>
+            <a:pPr>
+              <a:defRPr sz="3360" b="0" i="0" u="none" strike="noStrike" kern="1200" spc="0" baseline="0">
+                <a:solidFill>
+                  <a:schemeClr val="tx1">
+                    <a:lumMod val="65000"/>
+                    <a:lumOff val="35000"/>
+                  </a:schemeClr>
+                </a:solidFill>
+                <a:latin typeface="+mn-lt"/>
+                <a:ea typeface="+mn-ea"/>
+                <a:cs typeface="+mn-cs"/>
+              </a:defRPr>
+            </a:pPr>
+            <a:r>
+              <a:rPr lang="hr-BA"/>
               <a:t>Vrijeme izvršavanja upita - rank</a:t>
             </a:r>
           </a:p>
@@ -872,7 +1624,7 @@
         <a:lstStyle/>
         <a:p>
           <a:pPr>
-            <a:defRPr sz="1800" b="0" i="0" u="none" strike="noStrike" kern="1200" spc="0" baseline="0">
+            <a:defRPr sz="3360" b="0" i="0" u="none" strike="noStrike" kern="1200" spc="0" baseline="0">
               <a:solidFill>
                 <a:schemeClr val="tx1">
                   <a:lumMod val="65000"/>
@@ -993,6 +1745,11 @@
             </c:numRef>
           </c:val>
           <c:smooth val="0"/>
+          <c:extLst>
+            <c:ext xmlns:c16="http://schemas.microsoft.com/office/drawing/2014/chart" uri="{C3380CC4-5D6E-409C-BE32-E72D297353CC}">
+              <c16:uniqueId val="{00000000-A277-4581-AE40-26FBA6CAB4B9}"/>
+            </c:ext>
+          </c:extLst>
         </c:ser>
         <c:ser>
           <c:idx val="1"/>
@@ -1093,6 +1850,11 @@
             </c:numRef>
           </c:val>
           <c:smooth val="0"/>
+          <c:extLst>
+            <c:ext xmlns:c16="http://schemas.microsoft.com/office/drawing/2014/chart" uri="{C3380CC4-5D6E-409C-BE32-E72D297353CC}">
+              <c16:uniqueId val="{00000001-A277-4581-AE40-26FBA6CAB4B9}"/>
+            </c:ext>
+          </c:extLst>
         </c:ser>
         <c:ser>
           <c:idx val="2"/>
@@ -1193,6 +1955,11 @@
             </c:numRef>
           </c:val>
           <c:smooth val="0"/>
+          <c:extLst>
+            <c:ext xmlns:c16="http://schemas.microsoft.com/office/drawing/2014/chart" uri="{C3380CC4-5D6E-409C-BE32-E72D297353CC}">
+              <c16:uniqueId val="{00000002-A277-4581-AE40-26FBA6CAB4B9}"/>
+            </c:ext>
+          </c:extLst>
         </c:ser>
         <c:dLbls>
           <c:showLegendKey val="0"/>
@@ -1221,7 +1988,7 @@
               <a:lstStyle/>
               <a:p>
                 <a:pPr>
-                  <a:defRPr sz="1400" b="0" i="0" u="none" strike="noStrike" kern="1200" baseline="0">
+                  <a:defRPr sz="2800" b="0" i="0" u="none" strike="noStrike" kern="1200" baseline="0">
                     <a:solidFill>
                       <a:schemeClr val="tx1">
                         <a:lumMod val="65000"/>
@@ -1254,7 +2021,7 @@
             <a:lstStyle/>
             <a:p>
               <a:pPr>
-                <a:defRPr sz="1400" b="0" i="0" u="none" strike="noStrike" kern="1200" baseline="0">
+                <a:defRPr sz="2800" b="0" i="0" u="none" strike="noStrike" kern="1200" baseline="0">
                   <a:solidFill>
                     <a:schemeClr val="tx1">
                       <a:lumMod val="65000"/>
@@ -1292,7 +2059,7 @@
           <a:lstStyle/>
           <a:p>
             <a:pPr>
-              <a:defRPr sz="1400" b="0" i="0" u="none" strike="noStrike" kern="1200" baseline="0">
+              <a:defRPr sz="2800" b="0" i="0" u="none" strike="noStrike" kern="1200" baseline="0">
                 <a:solidFill>
                   <a:schemeClr val="tx1">
                     <a:lumMod val="65000"/>
@@ -1342,7 +2109,7 @@
               <a:lstStyle/>
               <a:p>
                 <a:pPr>
-                  <a:defRPr sz="1400" b="0" i="0" u="none" strike="noStrike" kern="1200" baseline="0">
+                  <a:defRPr sz="2800" b="0" i="0" u="none" strike="noStrike" kern="1200" baseline="0">
                     <a:solidFill>
                       <a:schemeClr val="tx1">
                         <a:lumMod val="65000"/>
@@ -1383,7 +2150,7 @@
             <a:lstStyle/>
             <a:p>
               <a:pPr>
-                <a:defRPr sz="1400" b="0" i="0" u="none" strike="noStrike" kern="1200" baseline="0">
+                <a:defRPr sz="2800" b="0" i="0" u="none" strike="noStrike" kern="1200" baseline="0">
                   <a:solidFill>
                     <a:schemeClr val="tx1">
                       <a:lumMod val="65000"/>
@@ -1415,7 +2182,7 @@
           <a:lstStyle/>
           <a:p>
             <a:pPr>
-              <a:defRPr sz="1400" b="0" i="0" u="none" strike="noStrike" kern="1200" baseline="0">
+              <a:defRPr sz="2800" b="0" i="0" u="none" strike="noStrike" kern="1200" baseline="0">
                 <a:solidFill>
                   <a:schemeClr val="tx1">
                     <a:lumMod val="65000"/>
@@ -1459,7 +2226,7 @@
         <a:lstStyle/>
         <a:p>
           <a:pPr>
-            <a:defRPr sz="1400" b="0" i="0" u="none" strike="noStrike" kern="1200" baseline="0">
+            <a:defRPr sz="2800" b="0" i="0" u="none" strike="noStrike" kern="1200" baseline="0">
               <a:solidFill>
                 <a:schemeClr val="tx1">
                   <a:lumMod val="65000"/>
@@ -1493,7 +2260,7 @@
     <a:lstStyle/>
     <a:p>
       <a:pPr>
-        <a:defRPr sz="1400"/>
+        <a:defRPr sz="2800"/>
       </a:pPr>
       <a:endParaRPr lang="sr-Latn-RS"/>
     </a:p>
@@ -1504,8 +2271,8 @@
 </c:chartSpace>
 </file>
 
-<file path=ppt/charts/chart3.xml><?xml version="1.0" encoding="utf-8"?>
-<c:chartSpace xmlns:c="http://schemas.openxmlformats.org/drawingml/2006/chart" xmlns:a="http://schemas.openxmlformats.org/drawingml/2006/main" xmlns:r="http://schemas.openxmlformats.org/officeDocument/2006/relationships">
+<file path=ppt/charts/chart4.xml><?xml version="1.0" encoding="utf-8"?>
+<c:chartSpace xmlns:c="http://schemas.openxmlformats.org/drawingml/2006/chart" xmlns:a="http://schemas.openxmlformats.org/drawingml/2006/main" xmlns:r="http://schemas.openxmlformats.org/officeDocument/2006/relationships" xmlns:c16r2="http://schemas.microsoft.com/office/drawing/2015/06/chart">
   <c:date1904 val="0"/>
   <c:lang val="en-US"/>
   <c:roundedCorners val="0"/>
@@ -1525,7 +2292,7 @@
           <a:lstStyle/>
           <a:p>
             <a:pPr>
-              <a:defRPr sz="1800" b="0" i="0" u="none" strike="noStrike" kern="1200" spc="0" baseline="0">
+              <a:defRPr sz="3360" b="0" i="0" u="none" strike="noStrike" kern="1200" spc="0" baseline="0">
                 <a:solidFill>
                   <a:schemeClr val="tx1">
                     <a:lumMod val="65000"/>
@@ -1538,7 +2305,709 @@
               </a:defRPr>
             </a:pPr>
             <a:r>
-              <a:rPr lang="hr-BA" sz="1800"/>
+              <a:rPr lang="hr-BA"/>
+              <a:t>Vrijeme izvršavanja upita - rank</a:t>
+            </a:r>
+          </a:p>
+        </c:rich>
+      </c:tx>
+      <c:layout/>
+      <c:overlay val="0"/>
+      <c:spPr>
+        <a:noFill/>
+        <a:ln>
+          <a:noFill/>
+        </a:ln>
+        <a:effectLst/>
+      </c:spPr>
+      <c:txPr>
+        <a:bodyPr rot="0" spcFirstLastPara="1" vertOverflow="ellipsis" vert="horz" wrap="square" anchor="ctr" anchorCtr="1"/>
+        <a:lstStyle/>
+        <a:p>
+          <a:pPr>
+            <a:defRPr sz="3360" b="0" i="0" u="none" strike="noStrike" kern="1200" spc="0" baseline="0">
+              <a:solidFill>
+                <a:schemeClr val="tx1">
+                  <a:lumMod val="65000"/>
+                  <a:lumOff val="35000"/>
+                </a:schemeClr>
+              </a:solidFill>
+              <a:latin typeface="+mn-lt"/>
+              <a:ea typeface="+mn-ea"/>
+              <a:cs typeface="+mn-cs"/>
+            </a:defRPr>
+          </a:pPr>
+          <a:endParaRPr lang="sr-Latn-RS"/>
+        </a:p>
+      </c:txPr>
+    </c:title>
+    <c:autoTitleDeleted val="0"/>
+    <c:plotArea>
+      <c:layout/>
+      <c:lineChart>
+        <c:grouping val="standard"/>
+        <c:varyColors val="0"/>
+        <c:ser>
+          <c:idx val="0"/>
+          <c:order val="0"/>
+          <c:tx>
+            <c:strRef>
+              <c:f>Sheet1!$B$32</c:f>
+              <c:strCache>
+                <c:ptCount val="1"/>
+                <c:pt idx="0">
+                  <c:v>4</c:v>
+                </c:pt>
+              </c:strCache>
+            </c:strRef>
+          </c:tx>
+          <c:spPr>
+            <a:ln w="28575" cap="rnd">
+              <a:solidFill>
+                <a:schemeClr val="accent1"/>
+              </a:solidFill>
+              <a:round/>
+            </a:ln>
+            <a:effectLst/>
+          </c:spPr>
+          <c:marker>
+            <c:symbol val="circle"/>
+            <c:size val="5"/>
+            <c:spPr>
+              <a:solidFill>
+                <a:schemeClr val="accent1"/>
+              </a:solidFill>
+              <a:ln w="9525">
+                <a:solidFill>
+                  <a:schemeClr val="accent1"/>
+                </a:solidFill>
+              </a:ln>
+              <a:effectLst/>
+            </c:spPr>
+          </c:marker>
+          <c:cat>
+            <c:numRef>
+              <c:f>Sheet1!$A$33:$A$39</c:f>
+              <c:numCache>
+                <c:formatCode>0</c:formatCode>
+                <c:ptCount val="7"/>
+                <c:pt idx="0">
+                  <c:v>100</c:v>
+                </c:pt>
+                <c:pt idx="1">
+                  <c:v>1000</c:v>
+                </c:pt>
+                <c:pt idx="2">
+                  <c:v>10000</c:v>
+                </c:pt>
+                <c:pt idx="3">
+                  <c:v>100000</c:v>
+                </c:pt>
+                <c:pt idx="4">
+                  <c:v>1000000</c:v>
+                </c:pt>
+                <c:pt idx="5">
+                  <c:v>10000000</c:v>
+                </c:pt>
+                <c:pt idx="6">
+                  <c:v>100000000</c:v>
+                </c:pt>
+              </c:numCache>
+            </c:numRef>
+          </c:cat>
+          <c:val>
+            <c:numRef>
+              <c:f>Sheet1!$B$33:$B$39</c:f>
+              <c:numCache>
+                <c:formatCode>0</c:formatCode>
+                <c:ptCount val="7"/>
+                <c:pt idx="0">
+                  <c:v>1</c:v>
+                </c:pt>
+                <c:pt idx="1">
+                  <c:v>2</c:v>
+                </c:pt>
+                <c:pt idx="2">
+                  <c:v>1</c:v>
+                </c:pt>
+                <c:pt idx="3">
+                  <c:v>1</c:v>
+                </c:pt>
+                <c:pt idx="4">
+                  <c:v>1</c:v>
+                </c:pt>
+                <c:pt idx="5">
+                  <c:v>1</c:v>
+                </c:pt>
+                <c:pt idx="6">
+                  <c:v>1</c:v>
+                </c:pt>
+              </c:numCache>
+            </c:numRef>
+          </c:val>
+          <c:smooth val="0"/>
+          <c:extLst>
+            <c:ext xmlns:c16="http://schemas.microsoft.com/office/drawing/2014/chart" uri="{C3380CC4-5D6E-409C-BE32-E72D297353CC}">
+              <c16:uniqueId val="{00000000-E237-4200-B0F0-14A3E8047AF5}"/>
+            </c:ext>
+          </c:extLst>
+        </c:ser>
+        <c:ser>
+          <c:idx val="1"/>
+          <c:order val="1"/>
+          <c:tx>
+            <c:strRef>
+              <c:f>Sheet1!$C$32</c:f>
+              <c:strCache>
+                <c:ptCount val="1"/>
+                <c:pt idx="0">
+                  <c:v>16</c:v>
+                </c:pt>
+              </c:strCache>
+            </c:strRef>
+          </c:tx>
+          <c:spPr>
+            <a:ln w="28575" cap="rnd">
+              <a:solidFill>
+                <a:schemeClr val="accent2"/>
+              </a:solidFill>
+              <a:round/>
+            </a:ln>
+            <a:effectLst/>
+          </c:spPr>
+          <c:marker>
+            <c:symbol val="circle"/>
+            <c:size val="5"/>
+            <c:spPr>
+              <a:solidFill>
+                <a:schemeClr val="accent2"/>
+              </a:solidFill>
+              <a:ln w="9525">
+                <a:solidFill>
+                  <a:schemeClr val="accent2"/>
+                </a:solidFill>
+              </a:ln>
+              <a:effectLst/>
+            </c:spPr>
+          </c:marker>
+          <c:cat>
+            <c:numRef>
+              <c:f>Sheet1!$A$33:$A$39</c:f>
+              <c:numCache>
+                <c:formatCode>0</c:formatCode>
+                <c:ptCount val="7"/>
+                <c:pt idx="0">
+                  <c:v>100</c:v>
+                </c:pt>
+                <c:pt idx="1">
+                  <c:v>1000</c:v>
+                </c:pt>
+                <c:pt idx="2">
+                  <c:v>10000</c:v>
+                </c:pt>
+                <c:pt idx="3">
+                  <c:v>100000</c:v>
+                </c:pt>
+                <c:pt idx="4">
+                  <c:v>1000000</c:v>
+                </c:pt>
+                <c:pt idx="5">
+                  <c:v>10000000</c:v>
+                </c:pt>
+                <c:pt idx="6">
+                  <c:v>100000000</c:v>
+                </c:pt>
+              </c:numCache>
+            </c:numRef>
+          </c:cat>
+          <c:val>
+            <c:numRef>
+              <c:f>Sheet1!$C$33:$C$39</c:f>
+              <c:numCache>
+                <c:formatCode>0</c:formatCode>
+                <c:ptCount val="7"/>
+                <c:pt idx="0">
+                  <c:v>1</c:v>
+                </c:pt>
+                <c:pt idx="1">
+                  <c:v>1</c:v>
+                </c:pt>
+                <c:pt idx="2">
+                  <c:v>2</c:v>
+                </c:pt>
+                <c:pt idx="3">
+                  <c:v>1</c:v>
+                </c:pt>
+                <c:pt idx="4">
+                  <c:v>1</c:v>
+                </c:pt>
+                <c:pt idx="5">
+                  <c:v>3</c:v>
+                </c:pt>
+                <c:pt idx="6">
+                  <c:v>3</c:v>
+                </c:pt>
+              </c:numCache>
+            </c:numRef>
+          </c:val>
+          <c:smooth val="0"/>
+          <c:extLst>
+            <c:ext xmlns:c16="http://schemas.microsoft.com/office/drawing/2014/chart" uri="{C3380CC4-5D6E-409C-BE32-E72D297353CC}">
+              <c16:uniqueId val="{00000001-E237-4200-B0F0-14A3E8047AF5}"/>
+            </c:ext>
+          </c:extLst>
+        </c:ser>
+        <c:ser>
+          <c:idx val="2"/>
+          <c:order val="2"/>
+          <c:tx>
+            <c:strRef>
+              <c:f>Sheet1!$D$32</c:f>
+              <c:strCache>
+                <c:ptCount val="1"/>
+                <c:pt idx="0">
+                  <c:v>28</c:v>
+                </c:pt>
+              </c:strCache>
+            </c:strRef>
+          </c:tx>
+          <c:spPr>
+            <a:ln w="28575" cap="rnd">
+              <a:solidFill>
+                <a:schemeClr val="accent3"/>
+              </a:solidFill>
+              <a:round/>
+            </a:ln>
+            <a:effectLst/>
+          </c:spPr>
+          <c:marker>
+            <c:symbol val="circle"/>
+            <c:size val="5"/>
+            <c:spPr>
+              <a:solidFill>
+                <a:schemeClr val="accent3"/>
+              </a:solidFill>
+              <a:ln w="9525">
+                <a:solidFill>
+                  <a:schemeClr val="accent3"/>
+                </a:solidFill>
+              </a:ln>
+              <a:effectLst/>
+            </c:spPr>
+          </c:marker>
+          <c:cat>
+            <c:numRef>
+              <c:f>Sheet1!$A$33:$A$39</c:f>
+              <c:numCache>
+                <c:formatCode>0</c:formatCode>
+                <c:ptCount val="7"/>
+                <c:pt idx="0">
+                  <c:v>100</c:v>
+                </c:pt>
+                <c:pt idx="1">
+                  <c:v>1000</c:v>
+                </c:pt>
+                <c:pt idx="2">
+                  <c:v>10000</c:v>
+                </c:pt>
+                <c:pt idx="3">
+                  <c:v>100000</c:v>
+                </c:pt>
+                <c:pt idx="4">
+                  <c:v>1000000</c:v>
+                </c:pt>
+                <c:pt idx="5">
+                  <c:v>10000000</c:v>
+                </c:pt>
+                <c:pt idx="6">
+                  <c:v>100000000</c:v>
+                </c:pt>
+              </c:numCache>
+            </c:numRef>
+          </c:cat>
+          <c:val>
+            <c:numRef>
+              <c:f>Sheet1!$D$33:$D$39</c:f>
+              <c:numCache>
+                <c:formatCode>0</c:formatCode>
+                <c:ptCount val="7"/>
+                <c:pt idx="0">
+                  <c:v>1</c:v>
+                </c:pt>
+                <c:pt idx="1">
+                  <c:v>1</c:v>
+                </c:pt>
+                <c:pt idx="2">
+                  <c:v>1</c:v>
+                </c:pt>
+                <c:pt idx="3">
+                  <c:v>1</c:v>
+                </c:pt>
+                <c:pt idx="4">
+                  <c:v>2</c:v>
+                </c:pt>
+                <c:pt idx="5">
+                  <c:v>3</c:v>
+                </c:pt>
+                <c:pt idx="6">
+                  <c:v>4</c:v>
+                </c:pt>
+              </c:numCache>
+            </c:numRef>
+          </c:val>
+          <c:smooth val="0"/>
+          <c:extLst>
+            <c:ext xmlns:c16="http://schemas.microsoft.com/office/drawing/2014/chart" uri="{C3380CC4-5D6E-409C-BE32-E72D297353CC}">
+              <c16:uniqueId val="{00000002-E237-4200-B0F0-14A3E8047AF5}"/>
+            </c:ext>
+          </c:extLst>
+        </c:ser>
+        <c:dLbls>
+          <c:showLegendKey val="0"/>
+          <c:showVal val="0"/>
+          <c:showCatName val="0"/>
+          <c:showSerName val="0"/>
+          <c:showPercent val="0"/>
+          <c:showBubbleSize val="0"/>
+        </c:dLbls>
+        <c:marker val="1"/>
+        <c:smooth val="0"/>
+        <c:axId val="-732912192"/>
+        <c:axId val="-732912736"/>
+      </c:lineChart>
+      <c:catAx>
+        <c:axId val="-732912192"/>
+        <c:scaling>
+          <c:orientation val="minMax"/>
+        </c:scaling>
+        <c:delete val="0"/>
+        <c:axPos val="b"/>
+        <c:title>
+          <c:tx>
+            <c:rich>
+              <a:bodyPr rot="0" spcFirstLastPara="1" vertOverflow="ellipsis" vert="horz" wrap="square" anchor="ctr" anchorCtr="1"/>
+              <a:lstStyle/>
+              <a:p>
+                <a:pPr>
+                  <a:defRPr sz="2800" b="0" i="0" u="none" strike="noStrike" kern="1200" baseline="0">
+                    <a:solidFill>
+                      <a:schemeClr val="tx1">
+                        <a:lumMod val="65000"/>
+                        <a:lumOff val="35000"/>
+                      </a:schemeClr>
+                    </a:solidFill>
+                    <a:latin typeface="+mn-lt"/>
+                    <a:ea typeface="+mn-ea"/>
+                    <a:cs typeface="+mn-cs"/>
+                  </a:defRPr>
+                </a:pPr>
+                <a:r>
+                  <a:rPr lang="hr-BA"/>
+                  <a:t>Veličina ulazne datoteke [broj znakova]</a:t>
+                </a:r>
+              </a:p>
+            </c:rich>
+          </c:tx>
+          <c:layout/>
+          <c:overlay val="0"/>
+          <c:spPr>
+            <a:noFill/>
+            <a:ln>
+              <a:noFill/>
+            </a:ln>
+            <a:effectLst/>
+          </c:spPr>
+          <c:txPr>
+            <a:bodyPr rot="0" spcFirstLastPara="1" vertOverflow="ellipsis" vert="horz" wrap="square" anchor="ctr" anchorCtr="1"/>
+            <a:lstStyle/>
+            <a:p>
+              <a:pPr>
+                <a:defRPr sz="2800" b="0" i="0" u="none" strike="noStrike" kern="1200" baseline="0">
+                  <a:solidFill>
+                    <a:schemeClr val="tx1">
+                      <a:lumMod val="65000"/>
+                      <a:lumOff val="35000"/>
+                    </a:schemeClr>
+                  </a:solidFill>
+                  <a:latin typeface="+mn-lt"/>
+                  <a:ea typeface="+mn-ea"/>
+                  <a:cs typeface="+mn-cs"/>
+                </a:defRPr>
+              </a:pPr>
+              <a:endParaRPr lang="sr-Latn-RS"/>
+            </a:p>
+          </c:txPr>
+        </c:title>
+        <c:numFmt formatCode="0" sourceLinked="1"/>
+        <c:majorTickMark val="none"/>
+        <c:minorTickMark val="none"/>
+        <c:tickLblPos val="nextTo"/>
+        <c:spPr>
+          <a:noFill/>
+          <a:ln w="9525" cap="flat" cmpd="sng" algn="ctr">
+            <a:solidFill>
+              <a:schemeClr val="tx1">
+                <a:lumMod val="15000"/>
+                <a:lumOff val="85000"/>
+              </a:schemeClr>
+            </a:solidFill>
+            <a:round/>
+          </a:ln>
+          <a:effectLst/>
+        </c:spPr>
+        <c:txPr>
+          <a:bodyPr rot="-60000000" spcFirstLastPara="1" vertOverflow="ellipsis" vert="horz" wrap="square" anchor="ctr" anchorCtr="1"/>
+          <a:lstStyle/>
+          <a:p>
+            <a:pPr>
+              <a:defRPr sz="2800" b="0" i="0" u="none" strike="noStrike" kern="1200" baseline="0">
+                <a:solidFill>
+                  <a:schemeClr val="tx1">
+                    <a:lumMod val="65000"/>
+                    <a:lumOff val="35000"/>
+                  </a:schemeClr>
+                </a:solidFill>
+                <a:latin typeface="+mn-lt"/>
+                <a:ea typeface="+mn-ea"/>
+                <a:cs typeface="+mn-cs"/>
+              </a:defRPr>
+            </a:pPr>
+            <a:endParaRPr lang="sr-Latn-RS"/>
+          </a:p>
+        </c:txPr>
+        <c:crossAx val="-732912736"/>
+        <c:crosses val="autoZero"/>
+        <c:auto val="1"/>
+        <c:lblAlgn val="ctr"/>
+        <c:lblOffset val="100"/>
+        <c:noMultiLvlLbl val="0"/>
+      </c:catAx>
+      <c:valAx>
+        <c:axId val="-732912736"/>
+        <c:scaling>
+          <c:orientation val="minMax"/>
+          <c:max val="1000"/>
+        </c:scaling>
+        <c:delete val="0"/>
+        <c:axPos val="l"/>
+        <c:majorGridlines>
+          <c:spPr>
+            <a:ln w="9525" cap="flat" cmpd="sng" algn="ctr">
+              <a:solidFill>
+                <a:schemeClr val="tx1">
+                  <a:lumMod val="15000"/>
+                  <a:lumOff val="85000"/>
+                </a:schemeClr>
+              </a:solidFill>
+              <a:round/>
+            </a:ln>
+            <a:effectLst/>
+          </c:spPr>
+        </c:majorGridlines>
+        <c:title>
+          <c:tx>
+            <c:rich>
+              <a:bodyPr rot="-5400000" spcFirstLastPara="1" vertOverflow="ellipsis" vert="horz" wrap="square" anchor="ctr" anchorCtr="1"/>
+              <a:lstStyle/>
+              <a:p>
+                <a:pPr>
+                  <a:defRPr sz="2800" b="0" i="0" u="none" strike="noStrike" kern="1200" baseline="0">
+                    <a:solidFill>
+                      <a:schemeClr val="tx1">
+                        <a:lumMod val="65000"/>
+                        <a:lumOff val="35000"/>
+                      </a:schemeClr>
+                    </a:solidFill>
+                    <a:latin typeface="+mn-lt"/>
+                    <a:ea typeface="+mn-ea"/>
+                    <a:cs typeface="+mn-cs"/>
+                  </a:defRPr>
+                </a:pPr>
+                <a:r>
+                  <a:rPr lang="hr-BA"/>
+                  <a:t>Vrijeme [</a:t>
+                </a:r>
+                <a:r>
+                  <a:rPr lang="el-GR"/>
+                  <a:t>μ</a:t>
+                </a:r>
+                <a:r>
+                  <a:rPr lang="hr-BA"/>
+                  <a:t>s]</a:t>
+                </a:r>
+              </a:p>
+            </c:rich>
+          </c:tx>
+          <c:layout/>
+          <c:overlay val="0"/>
+          <c:spPr>
+            <a:noFill/>
+            <a:ln>
+              <a:noFill/>
+            </a:ln>
+            <a:effectLst/>
+          </c:spPr>
+          <c:txPr>
+            <a:bodyPr rot="-5400000" spcFirstLastPara="1" vertOverflow="ellipsis" vert="horz" wrap="square" anchor="ctr" anchorCtr="1"/>
+            <a:lstStyle/>
+            <a:p>
+              <a:pPr>
+                <a:defRPr sz="2800" b="0" i="0" u="none" strike="noStrike" kern="1200" baseline="0">
+                  <a:solidFill>
+                    <a:schemeClr val="tx1">
+                      <a:lumMod val="65000"/>
+                      <a:lumOff val="35000"/>
+                    </a:schemeClr>
+                  </a:solidFill>
+                  <a:latin typeface="+mn-lt"/>
+                  <a:ea typeface="+mn-ea"/>
+                  <a:cs typeface="+mn-cs"/>
+                </a:defRPr>
+              </a:pPr>
+              <a:endParaRPr lang="sr-Latn-RS"/>
+            </a:p>
+          </c:txPr>
+        </c:title>
+        <c:numFmt formatCode="0" sourceLinked="1"/>
+        <c:majorTickMark val="none"/>
+        <c:minorTickMark val="none"/>
+        <c:tickLblPos val="nextTo"/>
+        <c:spPr>
+          <a:noFill/>
+          <a:ln>
+            <a:noFill/>
+          </a:ln>
+          <a:effectLst/>
+        </c:spPr>
+        <c:txPr>
+          <a:bodyPr rot="-60000000" spcFirstLastPara="1" vertOverflow="ellipsis" vert="horz" wrap="square" anchor="ctr" anchorCtr="1"/>
+          <a:lstStyle/>
+          <a:p>
+            <a:pPr>
+              <a:defRPr sz="2800" b="0" i="0" u="none" strike="noStrike" kern="1200" baseline="0">
+                <a:solidFill>
+                  <a:schemeClr val="tx1">
+                    <a:lumMod val="65000"/>
+                    <a:lumOff val="35000"/>
+                  </a:schemeClr>
+                </a:solidFill>
+                <a:latin typeface="+mn-lt"/>
+                <a:ea typeface="+mn-ea"/>
+                <a:cs typeface="+mn-cs"/>
+              </a:defRPr>
+            </a:pPr>
+            <a:endParaRPr lang="sr-Latn-RS"/>
+          </a:p>
+        </c:txPr>
+        <c:crossAx val="-732912192"/>
+        <c:crosses val="autoZero"/>
+        <c:crossBetween val="between"/>
+        <c:majorUnit val="500"/>
+      </c:valAx>
+      <c:spPr>
+        <a:noFill/>
+        <a:ln>
+          <a:noFill/>
+        </a:ln>
+        <a:effectLst/>
+      </c:spPr>
+    </c:plotArea>
+    <c:legend>
+      <c:legendPos val="b"/>
+      <c:layout/>
+      <c:overlay val="0"/>
+      <c:spPr>
+        <a:noFill/>
+        <a:ln>
+          <a:noFill/>
+        </a:ln>
+        <a:effectLst/>
+      </c:spPr>
+      <c:txPr>
+        <a:bodyPr rot="0" spcFirstLastPara="1" vertOverflow="ellipsis" vert="horz" wrap="square" anchor="ctr" anchorCtr="1"/>
+        <a:lstStyle/>
+        <a:p>
+          <a:pPr>
+            <a:defRPr sz="2800" b="0" i="0" u="none" strike="noStrike" kern="1200" baseline="0">
+              <a:solidFill>
+                <a:schemeClr val="tx1">
+                  <a:lumMod val="65000"/>
+                  <a:lumOff val="35000"/>
+                </a:schemeClr>
+              </a:solidFill>
+              <a:latin typeface="+mn-lt"/>
+              <a:ea typeface="+mn-ea"/>
+              <a:cs typeface="+mn-cs"/>
+            </a:defRPr>
+          </a:pPr>
+          <a:endParaRPr lang="sr-Latn-RS"/>
+        </a:p>
+      </c:txPr>
+    </c:legend>
+    <c:plotVisOnly val="1"/>
+    <c:dispBlanksAs val="gap"/>
+    <c:showDLblsOverMax val="0"/>
+  </c:chart>
+  <c:spPr>
+    <a:solidFill>
+      <a:schemeClr val="bg1"/>
+    </a:solidFill>
+    <a:ln>
+      <a:noFill/>
+    </a:ln>
+    <a:effectLst/>
+  </c:spPr>
+  <c:txPr>
+    <a:bodyPr/>
+    <a:lstStyle/>
+    <a:p>
+      <a:pPr>
+        <a:defRPr sz="2800"/>
+      </a:pPr>
+      <a:endParaRPr lang="sr-Latn-RS"/>
+    </a:p>
+  </c:txPr>
+  <c:externalData r:id="rId3">
+    <c:autoUpdate val="0"/>
+  </c:externalData>
+</c:chartSpace>
+</file>
+
+<file path=ppt/charts/chart5.xml><?xml version="1.0" encoding="utf-8"?>
+<c:chartSpace xmlns:c="http://schemas.openxmlformats.org/drawingml/2006/chart" xmlns:a="http://schemas.openxmlformats.org/drawingml/2006/main" xmlns:r="http://schemas.openxmlformats.org/officeDocument/2006/relationships" xmlns:c16r2="http://schemas.microsoft.com/office/drawing/2015/06/chart">
+  <c:date1904 val="0"/>
+  <c:lang val="en-US"/>
+  <c:roundedCorners val="0"/>
+  <mc:AlternateContent xmlns:mc="http://schemas.openxmlformats.org/markup-compatibility/2006">
+    <mc:Choice xmlns:c14="http://schemas.microsoft.com/office/drawing/2007/8/2/chart" Requires="c14">
+      <c14:style val="102"/>
+    </mc:Choice>
+    <mc:Fallback>
+      <c:style val="2"/>
+    </mc:Fallback>
+  </mc:AlternateContent>
+  <c:chart>
+    <c:title>
+      <c:tx>
+        <c:rich>
+          <a:bodyPr rot="0" spcFirstLastPara="1" vertOverflow="ellipsis" vert="horz" wrap="square" anchor="ctr" anchorCtr="1"/>
+          <a:lstStyle/>
+          <a:p>
+            <a:pPr>
+              <a:defRPr sz="3360" b="0" i="0" u="none" strike="noStrike" kern="1200" spc="0" baseline="0">
+                <a:solidFill>
+                  <a:schemeClr val="tx1">
+                    <a:lumMod val="65000"/>
+                    <a:lumOff val="35000"/>
+                  </a:schemeClr>
+                </a:solidFill>
+                <a:latin typeface="+mn-lt"/>
+                <a:ea typeface="+mn-ea"/>
+                <a:cs typeface="+mn-cs"/>
+              </a:defRPr>
+            </a:pPr>
+            <a:r>
+              <a:rPr lang="hr-BA"/>
               <a:t>Vrijeme izvršavanja upita - select</a:t>
             </a:r>
           </a:p>
@@ -1558,7 +3027,7 @@
         <a:lstStyle/>
         <a:p>
           <a:pPr>
-            <a:defRPr sz="1800" b="0" i="0" u="none" strike="noStrike" kern="1200" spc="0" baseline="0">
+            <a:defRPr sz="3360" b="0" i="0" u="none" strike="noStrike" kern="1200" spc="0" baseline="0">
               <a:solidFill>
                 <a:schemeClr val="tx1">
                   <a:lumMod val="65000"/>
@@ -1576,7 +3045,17 @@
     </c:title>
     <c:autoTitleDeleted val="0"/>
     <c:plotArea>
-      <c:layout/>
+      <c:layout>
+        <c:manualLayout>
+          <c:layoutTarget val="inner"/>
+          <c:xMode val="edge"/>
+          <c:yMode val="edge"/>
+          <c:x val="0.11982980643044619"/>
+          <c:y val="0.13352785068533099"/>
+          <c:w val="0.86871186023622049"/>
+          <c:h val="0.44468547681539805"/>
+        </c:manualLayout>
+      </c:layout>
       <c:lineChart>
         <c:grouping val="standard"/>
         <c:varyColors val="0"/>
@@ -1679,6 +3158,11 @@
             </c:numRef>
           </c:val>
           <c:smooth val="0"/>
+          <c:extLst>
+            <c:ext xmlns:c16="http://schemas.microsoft.com/office/drawing/2014/chart" uri="{C3380CC4-5D6E-409C-BE32-E72D297353CC}">
+              <c16:uniqueId val="{00000000-7F6B-4F87-A389-A714F942D5B3}"/>
+            </c:ext>
+          </c:extLst>
         </c:ser>
         <c:ser>
           <c:idx val="1"/>
@@ -1779,6 +3263,11 @@
             </c:numRef>
           </c:val>
           <c:smooth val="0"/>
+          <c:extLst>
+            <c:ext xmlns:c16="http://schemas.microsoft.com/office/drawing/2014/chart" uri="{C3380CC4-5D6E-409C-BE32-E72D297353CC}">
+              <c16:uniqueId val="{00000001-7F6B-4F87-A389-A714F942D5B3}"/>
+            </c:ext>
+          </c:extLst>
         </c:ser>
         <c:ser>
           <c:idx val="2"/>
@@ -1879,6 +3368,11 @@
             </c:numRef>
           </c:val>
           <c:smooth val="0"/>
+          <c:extLst>
+            <c:ext xmlns:c16="http://schemas.microsoft.com/office/drawing/2014/chart" uri="{C3380CC4-5D6E-409C-BE32-E72D297353CC}">
+              <c16:uniqueId val="{00000002-7F6B-4F87-A389-A714F942D5B3}"/>
+            </c:ext>
+          </c:extLst>
         </c:ser>
         <c:dLbls>
           <c:showLegendKey val="0"/>
@@ -1907,7 +3401,7 @@
               <a:lstStyle/>
               <a:p>
                 <a:pPr>
-                  <a:defRPr sz="1400" b="0" i="0" u="none" strike="noStrike" kern="1200" baseline="0">
+                  <a:defRPr sz="2800" b="0" i="0" u="none" strike="noStrike" kern="1200" baseline="0">
                     <a:solidFill>
                       <a:schemeClr val="tx1">
                         <a:lumMod val="65000"/>
@@ -1940,7 +3434,7 @@
             <a:lstStyle/>
             <a:p>
               <a:pPr>
-                <a:defRPr sz="1400" b="0" i="0" u="none" strike="noStrike" kern="1200" baseline="0">
+                <a:defRPr sz="2800" b="0" i="0" u="none" strike="noStrike" kern="1200" baseline="0">
                   <a:solidFill>
                     <a:schemeClr val="tx1">
                       <a:lumMod val="65000"/>
@@ -1978,7 +3472,7 @@
           <a:lstStyle/>
           <a:p>
             <a:pPr>
-              <a:defRPr sz="1400" b="0" i="0" u="none" strike="noStrike" kern="1200" baseline="0">
+              <a:defRPr sz="2800" b="0" i="0" u="none" strike="noStrike" kern="1200" baseline="0">
                 <a:solidFill>
                   <a:schemeClr val="tx1">
                     <a:lumMod val="65000"/>
@@ -2028,7 +3522,7 @@
               <a:lstStyle/>
               <a:p>
                 <a:pPr>
-                  <a:defRPr sz="1400" b="0" i="0" u="none" strike="noStrike" kern="1200" baseline="0">
+                  <a:defRPr sz="2800" b="0" i="0" u="none" strike="noStrike" kern="1200" baseline="0">
                     <a:solidFill>
                       <a:schemeClr val="tx1">
                         <a:lumMod val="65000"/>
@@ -2055,7 +3549,14 @@
               </a:p>
             </c:rich>
           </c:tx>
-          <c:layout/>
+          <c:layout>
+            <c:manualLayout>
+              <c:xMode val="edge"/>
+              <c:yMode val="edge"/>
+              <c:x val="1.2500000000000001E-2"/>
+              <c:y val="0.22054184893554973"/>
+            </c:manualLayout>
+          </c:layout>
           <c:overlay val="0"/>
           <c:spPr>
             <a:noFill/>
@@ -2069,7 +3570,7 @@
             <a:lstStyle/>
             <a:p>
               <a:pPr>
-                <a:defRPr sz="1400" b="0" i="0" u="none" strike="noStrike" kern="1200" baseline="0">
+                <a:defRPr sz="2800" b="0" i="0" u="none" strike="noStrike" kern="1200" baseline="0">
                   <a:solidFill>
                     <a:schemeClr val="tx1">
                       <a:lumMod val="65000"/>
@@ -2101,7 +3602,7 @@
           <a:lstStyle/>
           <a:p>
             <a:pPr>
-              <a:defRPr sz="1400" b="0" i="0" u="none" strike="noStrike" kern="1200" baseline="0">
+              <a:defRPr sz="2800" b="0" i="0" u="none" strike="noStrike" kern="1200" baseline="0">
                 <a:solidFill>
                   <a:schemeClr val="tx1">
                     <a:lumMod val="65000"/>
@@ -2144,7 +3645,7 @@
         <a:lstStyle/>
         <a:p>
           <a:pPr>
-            <a:defRPr sz="1400" b="0" i="0" u="none" strike="noStrike" kern="1200" baseline="0">
+            <a:defRPr sz="2800" b="0" i="0" u="none" strike="noStrike" kern="1200" baseline="0">
               <a:solidFill>
                 <a:schemeClr val="tx1">
                   <a:lumMod val="65000"/>
@@ -2178,694 +3679,7 @@
     <a:lstStyle/>
     <a:p>
       <a:pPr>
-        <a:defRPr sz="1400"/>
-      </a:pPr>
-      <a:endParaRPr lang="sr-Latn-RS"/>
-    </a:p>
-  </c:txPr>
-  <c:externalData r:id="rId3">
-    <c:autoUpdate val="0"/>
-  </c:externalData>
-</c:chartSpace>
-</file>
-
-<file path=ppt/charts/chart4.xml><?xml version="1.0" encoding="utf-8"?>
-<c:chartSpace xmlns:c="http://schemas.openxmlformats.org/drawingml/2006/chart" xmlns:a="http://schemas.openxmlformats.org/drawingml/2006/main" xmlns:r="http://schemas.openxmlformats.org/officeDocument/2006/relationships">
-  <c:date1904 val="0"/>
-  <c:lang val="en-US"/>
-  <c:roundedCorners val="0"/>
-  <mc:AlternateContent xmlns:mc="http://schemas.openxmlformats.org/markup-compatibility/2006">
-    <mc:Choice xmlns:c14="http://schemas.microsoft.com/office/drawing/2007/8/2/chart" Requires="c14">
-      <c14:style val="102"/>
-    </mc:Choice>
-    <mc:Fallback>
-      <c:style val="2"/>
-    </mc:Fallback>
-  </mc:AlternateContent>
-  <c:chart>
-    <c:title>
-      <c:tx>
-        <c:rich>
-          <a:bodyPr rot="0" spcFirstLastPara="1" vertOverflow="ellipsis" vert="horz" wrap="square" anchor="ctr" anchorCtr="1"/>
-          <a:lstStyle/>
-          <a:p>
-            <a:pPr>
-              <a:defRPr sz="1800" b="0" i="0" u="none" strike="noStrike" kern="1200" spc="0" baseline="0">
-                <a:solidFill>
-                  <a:schemeClr val="tx1">
-                    <a:lumMod val="65000"/>
-                    <a:lumOff val="35000"/>
-                  </a:schemeClr>
-                </a:solidFill>
-                <a:latin typeface="+mn-lt"/>
-                <a:ea typeface="+mn-ea"/>
-                <a:cs typeface="+mn-cs"/>
-              </a:defRPr>
-            </a:pPr>
-            <a:r>
-              <a:rPr lang="hr-BA" sz="1800"/>
-              <a:t>Memorijsko zauzeće - cijeli proces</a:t>
-            </a:r>
-          </a:p>
-        </c:rich>
-      </c:tx>
-      <c:layout/>
-      <c:overlay val="0"/>
-      <c:spPr>
-        <a:noFill/>
-        <a:ln>
-          <a:noFill/>
-        </a:ln>
-        <a:effectLst/>
-      </c:spPr>
-      <c:txPr>
-        <a:bodyPr rot="0" spcFirstLastPara="1" vertOverflow="ellipsis" vert="horz" wrap="square" anchor="ctr" anchorCtr="1"/>
-        <a:lstStyle/>
-        <a:p>
-          <a:pPr>
-            <a:defRPr sz="1800" b="0" i="0" u="none" strike="noStrike" kern="1200" spc="0" baseline="0">
-              <a:solidFill>
-                <a:schemeClr val="tx1">
-                  <a:lumMod val="65000"/>
-                  <a:lumOff val="35000"/>
-                </a:schemeClr>
-              </a:solidFill>
-              <a:latin typeface="+mn-lt"/>
-              <a:ea typeface="+mn-ea"/>
-              <a:cs typeface="+mn-cs"/>
-            </a:defRPr>
-          </a:pPr>
-          <a:endParaRPr lang="sr-Latn-RS"/>
-        </a:p>
-      </c:txPr>
-    </c:title>
-    <c:autoTitleDeleted val="0"/>
-    <c:plotArea>
-      <c:layout>
-        <c:manualLayout>
-          <c:layoutTarget val="inner"/>
-          <c:xMode val="edge"/>
-          <c:yMode val="edge"/>
-          <c:x val="0.13310454108248443"/>
-          <c:y val="8.6462781504391351E-2"/>
-          <c:w val="0.85954555608670336"/>
-          <c:h val="0.66936354191237202"/>
-        </c:manualLayout>
-      </c:layout>
-      <c:lineChart>
-        <c:grouping val="standard"/>
-        <c:varyColors val="0"/>
-        <c:ser>
-          <c:idx val="0"/>
-          <c:order val="0"/>
-          <c:tx>
-            <c:strRef>
-              <c:f>Sheet1!$B$60</c:f>
-              <c:strCache>
-                <c:ptCount val="1"/>
-                <c:pt idx="0">
-                  <c:v>4</c:v>
-                </c:pt>
-              </c:strCache>
-            </c:strRef>
-          </c:tx>
-          <c:spPr>
-            <a:ln w="28575" cap="rnd">
-              <a:solidFill>
-                <a:schemeClr val="accent1"/>
-              </a:solidFill>
-              <a:round/>
-            </a:ln>
-            <a:effectLst/>
-          </c:spPr>
-          <c:marker>
-            <c:symbol val="circle"/>
-            <c:size val="5"/>
-            <c:spPr>
-              <a:solidFill>
-                <a:schemeClr val="accent1"/>
-              </a:solidFill>
-              <a:ln w="9525">
-                <a:solidFill>
-                  <a:schemeClr val="accent1"/>
-                </a:solidFill>
-              </a:ln>
-              <a:effectLst/>
-            </c:spPr>
-          </c:marker>
-          <c:cat>
-            <c:numRef>
-              <c:f>Sheet1!$A$61:$A$67</c:f>
-              <c:numCache>
-                <c:formatCode>0</c:formatCode>
-                <c:ptCount val="7"/>
-                <c:pt idx="0">
-                  <c:v>100</c:v>
-                </c:pt>
-                <c:pt idx="1">
-                  <c:v>1000</c:v>
-                </c:pt>
-                <c:pt idx="2">
-                  <c:v>10000</c:v>
-                </c:pt>
-                <c:pt idx="3">
-                  <c:v>100000</c:v>
-                </c:pt>
-                <c:pt idx="4">
-                  <c:v>1000000</c:v>
-                </c:pt>
-                <c:pt idx="5">
-                  <c:v>10000000</c:v>
-                </c:pt>
-                <c:pt idx="6">
-                  <c:v>100000000</c:v>
-                </c:pt>
-              </c:numCache>
-            </c:numRef>
-          </c:cat>
-          <c:val>
-            <c:numRef>
-              <c:f>Sheet1!$B$61:$B$67</c:f>
-              <c:numCache>
-                <c:formatCode>0.00</c:formatCode>
-                <c:ptCount val="7"/>
-                <c:pt idx="0">
-                  <c:v>1.41</c:v>
-                </c:pt>
-                <c:pt idx="1">
-                  <c:v>1.42</c:v>
-                </c:pt>
-                <c:pt idx="2">
-                  <c:v>1.49</c:v>
-                </c:pt>
-                <c:pt idx="3">
-                  <c:v>2</c:v>
-                </c:pt>
-                <c:pt idx="4">
-                  <c:v>6.8</c:v>
-                </c:pt>
-                <c:pt idx="5">
-                  <c:v>59.73</c:v>
-                </c:pt>
-                <c:pt idx="6">
-                  <c:v>145.29</c:v>
-                </c:pt>
-              </c:numCache>
-            </c:numRef>
-          </c:val>
-          <c:smooth val="0"/>
-        </c:ser>
-        <c:ser>
-          <c:idx val="1"/>
-          <c:order val="1"/>
-          <c:tx>
-            <c:strRef>
-              <c:f>Sheet1!$C$60</c:f>
-              <c:strCache>
-                <c:ptCount val="1"/>
-                <c:pt idx="0">
-                  <c:v>16</c:v>
-                </c:pt>
-              </c:strCache>
-            </c:strRef>
-          </c:tx>
-          <c:spPr>
-            <a:ln w="28575" cap="rnd">
-              <a:solidFill>
-                <a:schemeClr val="accent2"/>
-              </a:solidFill>
-              <a:round/>
-            </a:ln>
-            <a:effectLst/>
-          </c:spPr>
-          <c:marker>
-            <c:symbol val="circle"/>
-            <c:size val="5"/>
-            <c:spPr>
-              <a:solidFill>
-                <a:schemeClr val="accent2"/>
-              </a:solidFill>
-              <a:ln w="9525">
-                <a:solidFill>
-                  <a:schemeClr val="accent2"/>
-                </a:solidFill>
-              </a:ln>
-              <a:effectLst/>
-            </c:spPr>
-          </c:marker>
-          <c:cat>
-            <c:numRef>
-              <c:f>Sheet1!$A$61:$A$67</c:f>
-              <c:numCache>
-                <c:formatCode>0</c:formatCode>
-                <c:ptCount val="7"/>
-                <c:pt idx="0">
-                  <c:v>100</c:v>
-                </c:pt>
-                <c:pt idx="1">
-                  <c:v>1000</c:v>
-                </c:pt>
-                <c:pt idx="2">
-                  <c:v>10000</c:v>
-                </c:pt>
-                <c:pt idx="3">
-                  <c:v>100000</c:v>
-                </c:pt>
-                <c:pt idx="4">
-                  <c:v>1000000</c:v>
-                </c:pt>
-                <c:pt idx="5">
-                  <c:v>10000000</c:v>
-                </c:pt>
-                <c:pt idx="6">
-                  <c:v>100000000</c:v>
-                </c:pt>
-              </c:numCache>
-            </c:numRef>
-          </c:cat>
-          <c:val>
-            <c:numRef>
-              <c:f>Sheet1!$C$61:$C$67</c:f>
-              <c:numCache>
-                <c:formatCode>0.00</c:formatCode>
-                <c:ptCount val="7"/>
-                <c:pt idx="0">
-                  <c:v>1.41</c:v>
-                </c:pt>
-                <c:pt idx="1">
-                  <c:v>1.42</c:v>
-                </c:pt>
-                <c:pt idx="2">
-                  <c:v>1.51</c:v>
-                </c:pt>
-                <c:pt idx="3">
-                  <c:v>2.16</c:v>
-                </c:pt>
-                <c:pt idx="4">
-                  <c:v>8.42</c:v>
-                </c:pt>
-                <c:pt idx="5">
-                  <c:v>71.86</c:v>
-                </c:pt>
-                <c:pt idx="6">
-                  <c:v>263.92</c:v>
-                </c:pt>
-              </c:numCache>
-            </c:numRef>
-          </c:val>
-          <c:smooth val="0"/>
-        </c:ser>
-        <c:ser>
-          <c:idx val="2"/>
-          <c:order val="2"/>
-          <c:tx>
-            <c:strRef>
-              <c:f>Sheet1!$D$60</c:f>
-              <c:strCache>
-                <c:ptCount val="1"/>
-                <c:pt idx="0">
-                  <c:v>28</c:v>
-                </c:pt>
-              </c:strCache>
-            </c:strRef>
-          </c:tx>
-          <c:spPr>
-            <a:ln w="28575" cap="rnd">
-              <a:solidFill>
-                <a:schemeClr val="accent3"/>
-              </a:solidFill>
-              <a:round/>
-            </a:ln>
-            <a:effectLst/>
-          </c:spPr>
-          <c:marker>
-            <c:symbol val="circle"/>
-            <c:size val="5"/>
-            <c:spPr>
-              <a:solidFill>
-                <a:schemeClr val="accent3"/>
-              </a:solidFill>
-              <a:ln w="9525">
-                <a:solidFill>
-                  <a:schemeClr val="accent3"/>
-                </a:solidFill>
-              </a:ln>
-              <a:effectLst/>
-            </c:spPr>
-          </c:marker>
-          <c:cat>
-            <c:numRef>
-              <c:f>Sheet1!$A$61:$A$67</c:f>
-              <c:numCache>
-                <c:formatCode>0</c:formatCode>
-                <c:ptCount val="7"/>
-                <c:pt idx="0">
-                  <c:v>100</c:v>
-                </c:pt>
-                <c:pt idx="1">
-                  <c:v>1000</c:v>
-                </c:pt>
-                <c:pt idx="2">
-                  <c:v>10000</c:v>
-                </c:pt>
-                <c:pt idx="3">
-                  <c:v>100000</c:v>
-                </c:pt>
-                <c:pt idx="4">
-                  <c:v>1000000</c:v>
-                </c:pt>
-                <c:pt idx="5">
-                  <c:v>10000000</c:v>
-                </c:pt>
-                <c:pt idx="6">
-                  <c:v>100000000</c:v>
-                </c:pt>
-              </c:numCache>
-            </c:numRef>
-          </c:cat>
-          <c:val>
-            <c:numRef>
-              <c:f>Sheet1!$D$61:$D$67</c:f>
-              <c:numCache>
-                <c:formatCode>0.00</c:formatCode>
-                <c:ptCount val="7"/>
-                <c:pt idx="0">
-                  <c:v>1.41</c:v>
-                </c:pt>
-                <c:pt idx="1">
-                  <c:v>1.43</c:v>
-                </c:pt>
-                <c:pt idx="2">
-                  <c:v>1.51</c:v>
-                </c:pt>
-                <c:pt idx="3">
-                  <c:v>2.19</c:v>
-                </c:pt>
-                <c:pt idx="4">
-                  <c:v>8.68</c:v>
-                </c:pt>
-                <c:pt idx="5">
-                  <c:v>75.680000000000007</c:v>
-                </c:pt>
-                <c:pt idx="6">
-                  <c:v>289.97000000000003</c:v>
-                </c:pt>
-              </c:numCache>
-            </c:numRef>
-          </c:val>
-          <c:smooth val="0"/>
-        </c:ser>
-        <c:dLbls>
-          <c:showLegendKey val="0"/>
-          <c:showVal val="0"/>
-          <c:showCatName val="0"/>
-          <c:showSerName val="0"/>
-          <c:showPercent val="0"/>
-          <c:showBubbleSize val="0"/>
-        </c:dLbls>
-        <c:marker val="1"/>
-        <c:smooth val="0"/>
-        <c:axId val="1220113120"/>
-        <c:axId val="1220101696"/>
-      </c:lineChart>
-      <c:catAx>
-        <c:axId val="1220113120"/>
-        <c:scaling>
-          <c:orientation val="minMax"/>
-        </c:scaling>
-        <c:delete val="0"/>
-        <c:axPos val="b"/>
-        <c:title>
-          <c:tx>
-            <c:rich>
-              <a:bodyPr rot="0" spcFirstLastPara="1" vertOverflow="ellipsis" vert="horz" wrap="square" anchor="ctr" anchorCtr="1"/>
-              <a:lstStyle/>
-              <a:p>
-                <a:pPr>
-                  <a:defRPr sz="1400" b="0" i="0" u="none" strike="noStrike" kern="1200" baseline="0">
-                    <a:solidFill>
-                      <a:schemeClr val="tx1">
-                        <a:lumMod val="65000"/>
-                        <a:lumOff val="35000"/>
-                      </a:schemeClr>
-                    </a:solidFill>
-                    <a:latin typeface="+mn-lt"/>
-                    <a:ea typeface="+mn-ea"/>
-                    <a:cs typeface="+mn-cs"/>
-                  </a:defRPr>
-                </a:pPr>
-                <a:r>
-                  <a:rPr lang="hr-BA"/>
-                  <a:t>Veličina ulazne datoteke [broj znakova]</a:t>
-                </a:r>
-              </a:p>
-            </c:rich>
-          </c:tx>
-          <c:layout/>
-          <c:overlay val="0"/>
-          <c:spPr>
-            <a:noFill/>
-            <a:ln>
-              <a:noFill/>
-            </a:ln>
-            <a:effectLst/>
-          </c:spPr>
-          <c:txPr>
-            <a:bodyPr rot="0" spcFirstLastPara="1" vertOverflow="ellipsis" vert="horz" wrap="square" anchor="ctr" anchorCtr="1"/>
-            <a:lstStyle/>
-            <a:p>
-              <a:pPr>
-                <a:defRPr sz="1400" b="0" i="0" u="none" strike="noStrike" kern="1200" baseline="0">
-                  <a:solidFill>
-                    <a:schemeClr val="tx1">
-                      <a:lumMod val="65000"/>
-                      <a:lumOff val="35000"/>
-                    </a:schemeClr>
-                  </a:solidFill>
-                  <a:latin typeface="+mn-lt"/>
-                  <a:ea typeface="+mn-ea"/>
-                  <a:cs typeface="+mn-cs"/>
-                </a:defRPr>
-              </a:pPr>
-              <a:endParaRPr lang="sr-Latn-RS"/>
-            </a:p>
-          </c:txPr>
-        </c:title>
-        <c:numFmt formatCode="0" sourceLinked="1"/>
-        <c:majorTickMark val="none"/>
-        <c:minorTickMark val="none"/>
-        <c:tickLblPos val="nextTo"/>
-        <c:spPr>
-          <a:noFill/>
-          <a:ln w="9525" cap="flat" cmpd="sng" algn="ctr">
-            <a:solidFill>
-              <a:schemeClr val="tx1">
-                <a:lumMod val="15000"/>
-                <a:lumOff val="85000"/>
-              </a:schemeClr>
-            </a:solidFill>
-            <a:round/>
-          </a:ln>
-          <a:effectLst/>
-        </c:spPr>
-        <c:txPr>
-          <a:bodyPr rot="-60000000" spcFirstLastPara="1" vertOverflow="ellipsis" vert="horz" wrap="square" anchor="ctr" anchorCtr="1"/>
-          <a:lstStyle/>
-          <a:p>
-            <a:pPr>
-              <a:defRPr sz="1400" b="0" i="0" u="none" strike="noStrike" kern="1200" baseline="0">
-                <a:solidFill>
-                  <a:schemeClr val="tx1">
-                    <a:lumMod val="65000"/>
-                    <a:lumOff val="35000"/>
-                  </a:schemeClr>
-                </a:solidFill>
-                <a:latin typeface="+mn-lt"/>
-                <a:ea typeface="+mn-ea"/>
-                <a:cs typeface="+mn-cs"/>
-              </a:defRPr>
-            </a:pPr>
-            <a:endParaRPr lang="sr-Latn-RS"/>
-          </a:p>
-        </c:txPr>
-        <c:crossAx val="1220101696"/>
-        <c:crosses val="autoZero"/>
-        <c:auto val="1"/>
-        <c:lblAlgn val="ctr"/>
-        <c:lblOffset val="100"/>
-        <c:noMultiLvlLbl val="0"/>
-      </c:catAx>
-      <c:valAx>
-        <c:axId val="1220101696"/>
-        <c:scaling>
-          <c:orientation val="minMax"/>
-        </c:scaling>
-        <c:delete val="0"/>
-        <c:axPos val="l"/>
-        <c:majorGridlines>
-          <c:spPr>
-            <a:ln w="9525" cap="flat" cmpd="sng" algn="ctr">
-              <a:solidFill>
-                <a:schemeClr val="tx1">
-                  <a:lumMod val="15000"/>
-                  <a:lumOff val="85000"/>
-                </a:schemeClr>
-              </a:solidFill>
-              <a:round/>
-            </a:ln>
-            <a:effectLst/>
-          </c:spPr>
-        </c:majorGridlines>
-        <c:title>
-          <c:tx>
-            <c:rich>
-              <a:bodyPr rot="-5400000" spcFirstLastPara="1" vertOverflow="ellipsis" vert="horz" wrap="square" anchor="ctr" anchorCtr="1"/>
-              <a:lstStyle/>
-              <a:p>
-                <a:pPr>
-                  <a:defRPr sz="1400" b="0" i="0" u="none" strike="noStrike" kern="1200" baseline="0">
-                    <a:solidFill>
-                      <a:schemeClr val="tx1">
-                        <a:lumMod val="65000"/>
-                        <a:lumOff val="35000"/>
-                      </a:schemeClr>
-                    </a:solidFill>
-                    <a:latin typeface="+mn-lt"/>
-                    <a:ea typeface="+mn-ea"/>
-                    <a:cs typeface="+mn-cs"/>
-                  </a:defRPr>
-                </a:pPr>
-                <a:r>
-                  <a:rPr lang="hr-BA"/>
-                  <a:t>Memorija [MB]</a:t>
-                </a:r>
-              </a:p>
-            </c:rich>
-          </c:tx>
-          <c:layout/>
-          <c:overlay val="0"/>
-          <c:spPr>
-            <a:noFill/>
-            <a:ln>
-              <a:noFill/>
-            </a:ln>
-            <a:effectLst/>
-          </c:spPr>
-          <c:txPr>
-            <a:bodyPr rot="-5400000" spcFirstLastPara="1" vertOverflow="ellipsis" vert="horz" wrap="square" anchor="ctr" anchorCtr="1"/>
-            <a:lstStyle/>
-            <a:p>
-              <a:pPr>
-                <a:defRPr sz="1400" b="0" i="0" u="none" strike="noStrike" kern="1200" baseline="0">
-                  <a:solidFill>
-                    <a:schemeClr val="tx1">
-                      <a:lumMod val="65000"/>
-                      <a:lumOff val="35000"/>
-                    </a:schemeClr>
-                  </a:solidFill>
-                  <a:latin typeface="+mn-lt"/>
-                  <a:ea typeface="+mn-ea"/>
-                  <a:cs typeface="+mn-cs"/>
-                </a:defRPr>
-              </a:pPr>
-              <a:endParaRPr lang="sr-Latn-RS"/>
-            </a:p>
-          </c:txPr>
-        </c:title>
-        <c:numFmt formatCode="0.00" sourceLinked="1"/>
-        <c:majorTickMark val="none"/>
-        <c:minorTickMark val="none"/>
-        <c:tickLblPos val="nextTo"/>
-        <c:spPr>
-          <a:noFill/>
-          <a:ln>
-            <a:noFill/>
-          </a:ln>
-          <a:effectLst/>
-        </c:spPr>
-        <c:txPr>
-          <a:bodyPr rot="-60000000" spcFirstLastPara="1" vertOverflow="ellipsis" vert="horz" wrap="square" anchor="ctr" anchorCtr="1"/>
-          <a:lstStyle/>
-          <a:p>
-            <a:pPr>
-              <a:defRPr sz="1400" b="0" i="0" u="none" strike="noStrike" kern="1200" baseline="0">
-                <a:solidFill>
-                  <a:schemeClr val="tx1">
-                    <a:lumMod val="65000"/>
-                    <a:lumOff val="35000"/>
-                  </a:schemeClr>
-                </a:solidFill>
-                <a:latin typeface="+mn-lt"/>
-                <a:ea typeface="+mn-ea"/>
-                <a:cs typeface="+mn-cs"/>
-              </a:defRPr>
-            </a:pPr>
-            <a:endParaRPr lang="sr-Latn-RS"/>
-          </a:p>
-        </c:txPr>
-        <c:crossAx val="1220113120"/>
-        <c:crosses val="autoZero"/>
-        <c:crossBetween val="between"/>
-      </c:valAx>
-      <c:spPr>
-        <a:noFill/>
-        <a:ln>
-          <a:noFill/>
-        </a:ln>
-        <a:effectLst/>
-      </c:spPr>
-    </c:plotArea>
-    <c:legend>
-      <c:legendPos val="b"/>
-      <c:layout/>
-      <c:overlay val="0"/>
-      <c:spPr>
-        <a:noFill/>
-        <a:ln>
-          <a:noFill/>
-        </a:ln>
-        <a:effectLst/>
-      </c:spPr>
-      <c:txPr>
-        <a:bodyPr rot="0" spcFirstLastPara="1" vertOverflow="ellipsis" vert="horz" wrap="square" anchor="ctr" anchorCtr="1"/>
-        <a:lstStyle/>
-        <a:p>
-          <a:pPr>
-            <a:defRPr sz="1400" b="0" i="0" u="none" strike="noStrike" kern="1200" baseline="0">
-              <a:solidFill>
-                <a:schemeClr val="tx1">
-                  <a:lumMod val="65000"/>
-                  <a:lumOff val="35000"/>
-                </a:schemeClr>
-              </a:solidFill>
-              <a:latin typeface="+mn-lt"/>
-              <a:ea typeface="+mn-ea"/>
-              <a:cs typeface="+mn-cs"/>
-            </a:defRPr>
-          </a:pPr>
-          <a:endParaRPr lang="sr-Latn-RS"/>
-        </a:p>
-      </c:txPr>
-    </c:legend>
-    <c:plotVisOnly val="1"/>
-    <c:dispBlanksAs val="gap"/>
-    <c:showDLblsOverMax val="0"/>
-  </c:chart>
-  <c:spPr>
-    <a:solidFill>
-      <a:schemeClr val="bg1"/>
-    </a:solidFill>
-    <a:ln>
-      <a:noFill/>
-    </a:ln>
-    <a:effectLst/>
-  </c:spPr>
-  <c:txPr>
-    <a:bodyPr/>
-    <a:lstStyle/>
-    <a:p>
-      <a:pPr>
-        <a:defRPr sz="1400"/>
+        <a:defRPr sz="2800"/>
       </a:pPr>
       <a:endParaRPr lang="sr-Latn-RS"/>
     </a:p>
@@ -2997,6 +3811,46 @@
 </file>
 
 <file path=ppt/charts/colors4.xml><?xml version="1.0" encoding="utf-8"?>
+<cs:colorStyle xmlns:cs="http://schemas.microsoft.com/office/drawing/2012/chartStyle" xmlns:a="http://schemas.openxmlformats.org/drawingml/2006/main" meth="cycle" id="10">
+  <a:schemeClr val="accent1"/>
+  <a:schemeClr val="accent2"/>
+  <a:schemeClr val="accent3"/>
+  <a:schemeClr val="accent4"/>
+  <a:schemeClr val="accent5"/>
+  <a:schemeClr val="accent6"/>
+  <cs:variation/>
+  <cs:variation>
+    <a:lumMod val="60000"/>
+  </cs:variation>
+  <cs:variation>
+    <a:lumMod val="80000"/>
+    <a:lumOff val="20000"/>
+  </cs:variation>
+  <cs:variation>
+    <a:lumMod val="80000"/>
+  </cs:variation>
+  <cs:variation>
+    <a:lumMod val="60000"/>
+    <a:lumOff val="40000"/>
+  </cs:variation>
+  <cs:variation>
+    <a:lumMod val="50000"/>
+  </cs:variation>
+  <cs:variation>
+    <a:lumMod val="70000"/>
+    <a:lumOff val="30000"/>
+  </cs:variation>
+  <cs:variation>
+    <a:lumMod val="70000"/>
+  </cs:variation>
+  <cs:variation>
+    <a:lumMod val="50000"/>
+    <a:lumOff val="50000"/>
+  </cs:variation>
+</cs:colorStyle>
+</file>
+
+<file path=ppt/charts/colors5.xml><?xml version="1.0" encoding="utf-8"?>
 <cs:colorStyle xmlns:cs="http://schemas.microsoft.com/office/drawing/2012/chartStyle" xmlns:a="http://schemas.openxmlformats.org/drawingml/2006/main" meth="cycle" id="10">
   <a:schemeClr val="accent1"/>
   <a:schemeClr val="accent2"/>
@@ -4557,6 +5411,509 @@
         <a:lumOff val="35000"/>
       </a:schemeClr>
     </cs:fontRef>
+    <cs:defRPr sz="1330" kern="1200"/>
+  </cs:axisTitle>
+  <cs:categoryAxis>
+    <cs:lnRef idx="0"/>
+    <cs:fillRef idx="0"/>
+    <cs:effectRef idx="0"/>
+    <cs:fontRef idx="minor">
+      <a:schemeClr val="tx1">
+        <a:lumMod val="65000"/>
+        <a:lumOff val="35000"/>
+      </a:schemeClr>
+    </cs:fontRef>
+    <cs:spPr>
+      <a:ln w="9525" cap="flat" cmpd="sng" algn="ctr">
+        <a:solidFill>
+          <a:schemeClr val="tx1">
+            <a:lumMod val="15000"/>
+            <a:lumOff val="85000"/>
+          </a:schemeClr>
+        </a:solidFill>
+        <a:round/>
+      </a:ln>
+    </cs:spPr>
+    <cs:defRPr sz="1197" kern="1200"/>
+  </cs:categoryAxis>
+  <cs:chartArea mods="allowNoFillOverride allowNoLineOverride">
+    <cs:lnRef idx="0"/>
+    <cs:fillRef idx="0"/>
+    <cs:effectRef idx="0"/>
+    <cs:fontRef idx="minor">
+      <a:schemeClr val="tx1"/>
+    </cs:fontRef>
+    <cs:spPr>
+      <a:solidFill>
+        <a:schemeClr val="bg1"/>
+      </a:solidFill>
+      <a:ln w="9525" cap="flat" cmpd="sng" algn="ctr">
+        <a:solidFill>
+          <a:schemeClr val="tx1">
+            <a:lumMod val="15000"/>
+            <a:lumOff val="85000"/>
+          </a:schemeClr>
+        </a:solidFill>
+        <a:round/>
+      </a:ln>
+    </cs:spPr>
+    <cs:defRPr sz="1330" kern="1200"/>
+  </cs:chartArea>
+  <cs:dataLabel>
+    <cs:lnRef idx="0"/>
+    <cs:fillRef idx="0"/>
+    <cs:effectRef idx="0"/>
+    <cs:fontRef idx="minor">
+      <a:schemeClr val="tx1">
+        <a:lumMod val="75000"/>
+        <a:lumOff val="25000"/>
+      </a:schemeClr>
+    </cs:fontRef>
+    <cs:defRPr sz="1197" kern="1200"/>
+  </cs:dataLabel>
+  <cs:dataLabelCallout>
+    <cs:lnRef idx="0"/>
+    <cs:fillRef idx="0"/>
+    <cs:effectRef idx="0"/>
+    <cs:fontRef idx="minor">
+      <a:schemeClr val="dk1">
+        <a:lumMod val="65000"/>
+        <a:lumOff val="35000"/>
+      </a:schemeClr>
+    </cs:fontRef>
+    <cs:spPr>
+      <a:solidFill>
+        <a:schemeClr val="lt1"/>
+      </a:solidFill>
+      <a:ln>
+        <a:solidFill>
+          <a:schemeClr val="dk1">
+            <a:lumMod val="25000"/>
+            <a:lumOff val="75000"/>
+          </a:schemeClr>
+        </a:solidFill>
+      </a:ln>
+    </cs:spPr>
+    <cs:defRPr sz="1197" kern="1200"/>
+    <cs:bodyPr rot="0" spcFirstLastPara="1" vertOverflow="clip" horzOverflow="clip" vert="horz" wrap="square" lIns="36576" tIns="18288" rIns="36576" bIns="18288" anchor="ctr" anchorCtr="1">
+      <a:spAutoFit/>
+    </cs:bodyPr>
+  </cs:dataLabelCallout>
+  <cs:dataPoint>
+    <cs:lnRef idx="0"/>
+    <cs:fillRef idx="1">
+      <cs:styleClr val="auto"/>
+    </cs:fillRef>
+    <cs:effectRef idx="0"/>
+    <cs:fontRef idx="minor">
+      <a:schemeClr val="tx1"/>
+    </cs:fontRef>
+  </cs:dataPoint>
+  <cs:dataPoint3D>
+    <cs:lnRef idx="0"/>
+    <cs:fillRef idx="1">
+      <cs:styleClr val="auto"/>
+    </cs:fillRef>
+    <cs:effectRef idx="0"/>
+    <cs:fontRef idx="minor">
+      <a:schemeClr val="tx1"/>
+    </cs:fontRef>
+  </cs:dataPoint3D>
+  <cs:dataPointLine>
+    <cs:lnRef idx="0">
+      <cs:styleClr val="auto"/>
+    </cs:lnRef>
+    <cs:fillRef idx="1"/>
+    <cs:effectRef idx="0"/>
+    <cs:fontRef idx="minor">
+      <a:schemeClr val="tx1"/>
+    </cs:fontRef>
+    <cs:spPr>
+      <a:ln w="28575" cap="rnd">
+        <a:solidFill>
+          <a:schemeClr val="phClr"/>
+        </a:solidFill>
+        <a:round/>
+      </a:ln>
+    </cs:spPr>
+  </cs:dataPointLine>
+  <cs:dataPointMarker>
+    <cs:lnRef idx="0">
+      <cs:styleClr val="auto"/>
+    </cs:lnRef>
+    <cs:fillRef idx="1">
+      <cs:styleClr val="auto"/>
+    </cs:fillRef>
+    <cs:effectRef idx="0"/>
+    <cs:fontRef idx="minor">
+      <a:schemeClr val="tx1"/>
+    </cs:fontRef>
+    <cs:spPr>
+      <a:ln w="9525">
+        <a:solidFill>
+          <a:schemeClr val="phClr"/>
+        </a:solidFill>
+      </a:ln>
+    </cs:spPr>
+  </cs:dataPointMarker>
+  <cs:dataPointMarkerLayout symbol="circle" size="5"/>
+  <cs:dataPointWireframe>
+    <cs:lnRef idx="0">
+      <cs:styleClr val="auto"/>
+    </cs:lnRef>
+    <cs:fillRef idx="1"/>
+    <cs:effectRef idx="0"/>
+    <cs:fontRef idx="minor">
+      <a:schemeClr val="tx1"/>
+    </cs:fontRef>
+    <cs:spPr>
+      <a:ln w="9525" cap="rnd">
+        <a:solidFill>
+          <a:schemeClr val="phClr"/>
+        </a:solidFill>
+        <a:round/>
+      </a:ln>
+    </cs:spPr>
+  </cs:dataPointWireframe>
+  <cs:dataTable>
+    <cs:lnRef idx="0"/>
+    <cs:fillRef idx="0"/>
+    <cs:effectRef idx="0"/>
+    <cs:fontRef idx="minor">
+      <a:schemeClr val="tx1">
+        <a:lumMod val="65000"/>
+        <a:lumOff val="35000"/>
+      </a:schemeClr>
+    </cs:fontRef>
+    <cs:spPr>
+      <a:noFill/>
+      <a:ln w="9525" cap="flat" cmpd="sng" algn="ctr">
+        <a:solidFill>
+          <a:schemeClr val="tx1">
+            <a:lumMod val="15000"/>
+            <a:lumOff val="85000"/>
+          </a:schemeClr>
+        </a:solidFill>
+        <a:round/>
+      </a:ln>
+    </cs:spPr>
+    <cs:defRPr sz="1197" kern="1200"/>
+  </cs:dataTable>
+  <cs:downBar>
+    <cs:lnRef idx="0"/>
+    <cs:fillRef idx="0"/>
+    <cs:effectRef idx="0"/>
+    <cs:fontRef idx="minor">
+      <a:schemeClr val="dk1"/>
+    </cs:fontRef>
+    <cs:spPr>
+      <a:solidFill>
+        <a:schemeClr val="dk1">
+          <a:lumMod val="65000"/>
+          <a:lumOff val="35000"/>
+        </a:schemeClr>
+      </a:solidFill>
+      <a:ln w="9525">
+        <a:solidFill>
+          <a:schemeClr val="tx1">
+            <a:lumMod val="65000"/>
+            <a:lumOff val="35000"/>
+          </a:schemeClr>
+        </a:solidFill>
+      </a:ln>
+    </cs:spPr>
+  </cs:downBar>
+  <cs:dropLine>
+    <cs:lnRef idx="0"/>
+    <cs:fillRef idx="0"/>
+    <cs:effectRef idx="0"/>
+    <cs:fontRef idx="minor">
+      <a:schemeClr val="tx1"/>
+    </cs:fontRef>
+    <cs:spPr>
+      <a:ln w="9525" cap="flat" cmpd="sng" algn="ctr">
+        <a:solidFill>
+          <a:schemeClr val="tx1">
+            <a:lumMod val="35000"/>
+            <a:lumOff val="65000"/>
+          </a:schemeClr>
+        </a:solidFill>
+        <a:round/>
+      </a:ln>
+    </cs:spPr>
+  </cs:dropLine>
+  <cs:errorBar>
+    <cs:lnRef idx="0"/>
+    <cs:fillRef idx="0"/>
+    <cs:effectRef idx="0"/>
+    <cs:fontRef idx="minor">
+      <a:schemeClr val="tx1"/>
+    </cs:fontRef>
+    <cs:spPr>
+      <a:ln w="9525" cap="flat" cmpd="sng" algn="ctr">
+        <a:solidFill>
+          <a:schemeClr val="tx1">
+            <a:lumMod val="65000"/>
+            <a:lumOff val="35000"/>
+          </a:schemeClr>
+        </a:solidFill>
+        <a:round/>
+      </a:ln>
+    </cs:spPr>
+  </cs:errorBar>
+  <cs:floor>
+    <cs:lnRef idx="0"/>
+    <cs:fillRef idx="0"/>
+    <cs:effectRef idx="0"/>
+    <cs:fontRef idx="minor">
+      <a:schemeClr val="tx1"/>
+    </cs:fontRef>
+    <cs:spPr>
+      <a:noFill/>
+      <a:ln>
+        <a:noFill/>
+      </a:ln>
+    </cs:spPr>
+  </cs:floor>
+  <cs:gridlineMajor>
+    <cs:lnRef idx="0"/>
+    <cs:fillRef idx="0"/>
+    <cs:effectRef idx="0"/>
+    <cs:fontRef idx="minor">
+      <a:schemeClr val="tx1"/>
+    </cs:fontRef>
+    <cs:spPr>
+      <a:ln w="9525" cap="flat" cmpd="sng" algn="ctr">
+        <a:solidFill>
+          <a:schemeClr val="tx1">
+            <a:lumMod val="15000"/>
+            <a:lumOff val="85000"/>
+          </a:schemeClr>
+        </a:solidFill>
+        <a:round/>
+      </a:ln>
+    </cs:spPr>
+  </cs:gridlineMajor>
+  <cs:gridlineMinor>
+    <cs:lnRef idx="0"/>
+    <cs:fillRef idx="0"/>
+    <cs:effectRef idx="0"/>
+    <cs:fontRef idx="minor">
+      <a:schemeClr val="tx1"/>
+    </cs:fontRef>
+    <cs:spPr>
+      <a:ln w="9525" cap="flat" cmpd="sng" algn="ctr">
+        <a:solidFill>
+          <a:schemeClr val="tx1">
+            <a:lumMod val="5000"/>
+            <a:lumOff val="95000"/>
+          </a:schemeClr>
+        </a:solidFill>
+        <a:round/>
+      </a:ln>
+    </cs:spPr>
+  </cs:gridlineMinor>
+  <cs:hiLoLine>
+    <cs:lnRef idx="0"/>
+    <cs:fillRef idx="0"/>
+    <cs:effectRef idx="0"/>
+    <cs:fontRef idx="minor">
+      <a:schemeClr val="tx1"/>
+    </cs:fontRef>
+    <cs:spPr>
+      <a:ln w="9525" cap="flat" cmpd="sng" algn="ctr">
+        <a:solidFill>
+          <a:schemeClr val="tx1">
+            <a:lumMod val="75000"/>
+            <a:lumOff val="25000"/>
+          </a:schemeClr>
+        </a:solidFill>
+        <a:round/>
+      </a:ln>
+    </cs:spPr>
+  </cs:hiLoLine>
+  <cs:leaderLine>
+    <cs:lnRef idx="0"/>
+    <cs:fillRef idx="0"/>
+    <cs:effectRef idx="0"/>
+    <cs:fontRef idx="minor">
+      <a:schemeClr val="tx1"/>
+    </cs:fontRef>
+    <cs:spPr>
+      <a:ln w="9525" cap="flat" cmpd="sng" algn="ctr">
+        <a:solidFill>
+          <a:schemeClr val="tx1">
+            <a:lumMod val="35000"/>
+            <a:lumOff val="65000"/>
+          </a:schemeClr>
+        </a:solidFill>
+        <a:round/>
+      </a:ln>
+    </cs:spPr>
+  </cs:leaderLine>
+  <cs:legend>
+    <cs:lnRef idx="0"/>
+    <cs:fillRef idx="0"/>
+    <cs:effectRef idx="0"/>
+    <cs:fontRef idx="minor">
+      <a:schemeClr val="tx1">
+        <a:lumMod val="65000"/>
+        <a:lumOff val="35000"/>
+      </a:schemeClr>
+    </cs:fontRef>
+    <cs:defRPr sz="1197" kern="1200"/>
+  </cs:legend>
+  <cs:plotArea mods="allowNoFillOverride allowNoLineOverride">
+    <cs:lnRef idx="0"/>
+    <cs:fillRef idx="0"/>
+    <cs:effectRef idx="0"/>
+    <cs:fontRef idx="minor">
+      <a:schemeClr val="tx1"/>
+    </cs:fontRef>
+  </cs:plotArea>
+  <cs:plotArea3D mods="allowNoFillOverride allowNoLineOverride">
+    <cs:lnRef idx="0"/>
+    <cs:fillRef idx="0"/>
+    <cs:effectRef idx="0"/>
+    <cs:fontRef idx="minor">
+      <a:schemeClr val="tx1"/>
+    </cs:fontRef>
+  </cs:plotArea3D>
+  <cs:seriesAxis>
+    <cs:lnRef idx="0"/>
+    <cs:fillRef idx="0"/>
+    <cs:effectRef idx="0"/>
+    <cs:fontRef idx="minor">
+      <a:schemeClr val="tx1">
+        <a:lumMod val="65000"/>
+        <a:lumOff val="35000"/>
+      </a:schemeClr>
+    </cs:fontRef>
+    <cs:defRPr sz="1197" kern="1200"/>
+  </cs:seriesAxis>
+  <cs:seriesLine>
+    <cs:lnRef idx="0"/>
+    <cs:fillRef idx="0"/>
+    <cs:effectRef idx="0"/>
+    <cs:fontRef idx="minor">
+      <a:schemeClr val="tx1"/>
+    </cs:fontRef>
+    <cs:spPr>
+      <a:ln w="9525" cap="flat" cmpd="sng" algn="ctr">
+        <a:solidFill>
+          <a:schemeClr val="tx1">
+            <a:lumMod val="35000"/>
+            <a:lumOff val="65000"/>
+          </a:schemeClr>
+        </a:solidFill>
+        <a:round/>
+      </a:ln>
+    </cs:spPr>
+  </cs:seriesLine>
+  <cs:title>
+    <cs:lnRef idx="0"/>
+    <cs:fillRef idx="0"/>
+    <cs:effectRef idx="0"/>
+    <cs:fontRef idx="minor">
+      <a:schemeClr val="tx1">
+        <a:lumMod val="65000"/>
+        <a:lumOff val="35000"/>
+      </a:schemeClr>
+    </cs:fontRef>
+    <cs:defRPr sz="1862" b="0" kern="1200" spc="0" baseline="0"/>
+  </cs:title>
+  <cs:trendline>
+    <cs:lnRef idx="0">
+      <cs:styleClr val="auto"/>
+    </cs:lnRef>
+    <cs:fillRef idx="0"/>
+    <cs:effectRef idx="0"/>
+    <cs:fontRef idx="minor">
+      <a:schemeClr val="tx1"/>
+    </cs:fontRef>
+    <cs:spPr>
+      <a:ln w="19050" cap="rnd">
+        <a:solidFill>
+          <a:schemeClr val="phClr"/>
+        </a:solidFill>
+        <a:prstDash val="sysDot"/>
+      </a:ln>
+    </cs:spPr>
+  </cs:trendline>
+  <cs:trendlineLabel>
+    <cs:lnRef idx="0"/>
+    <cs:fillRef idx="0"/>
+    <cs:effectRef idx="0"/>
+    <cs:fontRef idx="minor">
+      <a:schemeClr val="tx1">
+        <a:lumMod val="65000"/>
+        <a:lumOff val="35000"/>
+      </a:schemeClr>
+    </cs:fontRef>
+    <cs:defRPr sz="1197" kern="1200"/>
+  </cs:trendlineLabel>
+  <cs:upBar>
+    <cs:lnRef idx="0"/>
+    <cs:fillRef idx="0"/>
+    <cs:effectRef idx="0"/>
+    <cs:fontRef idx="minor">
+      <a:schemeClr val="dk1"/>
+    </cs:fontRef>
+    <cs:spPr>
+      <a:solidFill>
+        <a:schemeClr val="lt1"/>
+      </a:solidFill>
+      <a:ln w="9525">
+        <a:solidFill>
+          <a:schemeClr val="tx1">
+            <a:lumMod val="15000"/>
+            <a:lumOff val="85000"/>
+          </a:schemeClr>
+        </a:solidFill>
+      </a:ln>
+    </cs:spPr>
+  </cs:upBar>
+  <cs:valueAxis>
+    <cs:lnRef idx="0"/>
+    <cs:fillRef idx="0"/>
+    <cs:effectRef idx="0"/>
+    <cs:fontRef idx="minor">
+      <a:schemeClr val="tx1">
+        <a:lumMod val="65000"/>
+        <a:lumOff val="35000"/>
+      </a:schemeClr>
+    </cs:fontRef>
+    <cs:defRPr sz="1197" kern="1200"/>
+  </cs:valueAxis>
+  <cs:wall>
+    <cs:lnRef idx="0"/>
+    <cs:fillRef idx="0"/>
+    <cs:effectRef idx="0"/>
+    <cs:fontRef idx="minor">
+      <a:schemeClr val="tx1"/>
+    </cs:fontRef>
+    <cs:spPr>
+      <a:noFill/>
+      <a:ln>
+        <a:noFill/>
+      </a:ln>
+    </cs:spPr>
+  </cs:wall>
+</cs:chartStyle>
+</file>
+
+<file path=ppt/charts/style5.xml><?xml version="1.0" encoding="utf-8"?>
+<cs:chartStyle xmlns:cs="http://schemas.microsoft.com/office/drawing/2012/chartStyle" xmlns:a="http://schemas.openxmlformats.org/drawingml/2006/main" id="332">
+  <cs:axisTitle>
+    <cs:lnRef idx="0"/>
+    <cs:fillRef idx="0"/>
+    <cs:effectRef idx="0"/>
+    <cs:fontRef idx="minor">
+      <a:schemeClr val="tx1">
+        <a:lumMod val="65000"/>
+        <a:lumOff val="35000"/>
+      </a:schemeClr>
+    </cs:fontRef>
     <cs:defRPr sz="1000" kern="1200"/>
   </cs:axisTitle>
   <cs:categoryAxis>
@@ -5052,12 +6409,12 @@
 <c:userShapes xmlns:c="http://schemas.openxmlformats.org/drawingml/2006/chart">
   <cdr:relSizeAnchor xmlns:cdr="http://schemas.openxmlformats.org/drawingml/2006/chartDrawing">
     <cdr:from>
-      <cdr:x>0.04604</cdr:x>
-      <cdr:y>0.01792</cdr:y>
+      <cdr:x>0.08675</cdr:x>
+      <cdr:y>0.01599</cdr:y>
     </cdr:from>
     <cdr:to>
-      <cdr:x>0.17039</cdr:x>
-      <cdr:y>0.09423</cdr:y>
+      <cdr:x>0.2111</cdr:x>
+      <cdr:y>0.0923</cdr:y>
     </cdr:to>
     <cdr:sp macro="" textlink="">
       <cdr:nvSpPr>
@@ -5066,8 +6423,8 @@
       </cdr:nvSpPr>
       <cdr:spPr>
         <a:xfrm xmlns:a="http://schemas.openxmlformats.org/drawingml/2006/main">
-          <a:off x="397777" y="89521"/>
-          <a:ext cx="1074277" cy="381105"/>
+          <a:off x="1057709" y="107991"/>
+          <a:ext cx="1516075" cy="515494"/>
         </a:xfrm>
         <a:prstGeom xmlns:a="http://schemas.openxmlformats.org/drawingml/2006/main" prst="rect">
           <a:avLst/>
@@ -5078,11 +6435,11 @@
         <a:lstStyle xmlns:a="http://schemas.openxmlformats.org/drawingml/2006/main"/>
         <a:p xmlns:a="http://schemas.openxmlformats.org/drawingml/2006/main">
           <a:r>
-            <a:rPr lang="hr-BA" sz="1400" dirty="0" smtClean="0"/>
+            <a:rPr lang="hr-BA" sz="2400" dirty="0" smtClean="0"/>
             <a:t>(</a:t>
           </a:r>
           <a:r>
-            <a:rPr lang="hr-BA" sz="1400" kern="1200" dirty="0">
+            <a:rPr lang="hr-BA" sz="2400" kern="1200" dirty="0">
               <a:solidFill>
                 <a:schemeClr val="tx1">
                   <a:lumMod val="65000"/>
@@ -5093,10 +6450,10 @@
             <a:t>log skala</a:t>
           </a:r>
           <a:r>
-            <a:rPr lang="hr-BA" sz="1400" dirty="0" smtClean="0"/>
+            <a:rPr lang="hr-BA" sz="2400" dirty="0" smtClean="0"/>
             <a:t>)</a:t>
           </a:r>
-          <a:endParaRPr lang="hr-BA" sz="1400" dirty="0"/>
+          <a:endParaRPr lang="hr-BA" sz="2400" dirty="0"/>
         </a:p>
       </cdr:txBody>
     </cdr:sp>
@@ -5235,7 +6592,7 @@
           <a:p>
             <a:fld id="{2639C8DE-3622-414B-BC07-305EE99D1313}" type="datetimeFigureOut">
               <a:rPr lang="hr-HR" smtClean="0"/>
-              <a:t>14.1.2016.</a:t>
+              <a:t>29.1.2016.</a:t>
             </a:fld>
             <a:endParaRPr lang="hr-HR" dirty="0"/>
           </a:p>
@@ -5405,7 +6762,7 @@
           <a:p>
             <a:fld id="{2639C8DE-3622-414B-BC07-305EE99D1313}" type="datetimeFigureOut">
               <a:rPr lang="hr-HR" smtClean="0"/>
-              <a:t>14.1.2016.</a:t>
+              <a:t>29.1.2016.</a:t>
             </a:fld>
             <a:endParaRPr lang="hr-HR" dirty="0"/>
           </a:p>
@@ -5585,7 +6942,7 @@
           <a:p>
             <a:fld id="{2639C8DE-3622-414B-BC07-305EE99D1313}" type="datetimeFigureOut">
               <a:rPr lang="hr-HR" smtClean="0"/>
-              <a:t>14.1.2016.</a:t>
+              <a:t>29.1.2016.</a:t>
             </a:fld>
             <a:endParaRPr lang="hr-HR" dirty="0"/>
           </a:p>
@@ -5755,7 +7112,7 @@
           <a:p>
             <a:fld id="{2639C8DE-3622-414B-BC07-305EE99D1313}" type="datetimeFigureOut">
               <a:rPr lang="hr-HR" smtClean="0"/>
-              <a:t>14.1.2016.</a:t>
+              <a:t>29.1.2016.</a:t>
             </a:fld>
             <a:endParaRPr lang="hr-HR" dirty="0"/>
           </a:p>
@@ -6001,7 +7358,7 @@
           <a:p>
             <a:fld id="{2639C8DE-3622-414B-BC07-305EE99D1313}" type="datetimeFigureOut">
               <a:rPr lang="hr-HR" smtClean="0"/>
-              <a:t>14.1.2016.</a:t>
+              <a:t>29.1.2016.</a:t>
             </a:fld>
             <a:endParaRPr lang="hr-HR" dirty="0"/>
           </a:p>
@@ -6233,7 +7590,7 @@
           <a:p>
             <a:fld id="{2639C8DE-3622-414B-BC07-305EE99D1313}" type="datetimeFigureOut">
               <a:rPr lang="hr-HR" smtClean="0"/>
-              <a:t>14.1.2016.</a:t>
+              <a:t>29.1.2016.</a:t>
             </a:fld>
             <a:endParaRPr lang="hr-HR" dirty="0"/>
           </a:p>
@@ -6600,7 +7957,7 @@
           <a:p>
             <a:fld id="{2639C8DE-3622-414B-BC07-305EE99D1313}" type="datetimeFigureOut">
               <a:rPr lang="hr-HR" smtClean="0"/>
-              <a:t>14.1.2016.</a:t>
+              <a:t>29.1.2016.</a:t>
             </a:fld>
             <a:endParaRPr lang="hr-HR" dirty="0"/>
           </a:p>
@@ -6718,7 +8075,7 @@
           <a:p>
             <a:fld id="{2639C8DE-3622-414B-BC07-305EE99D1313}" type="datetimeFigureOut">
               <a:rPr lang="hr-HR" smtClean="0"/>
-              <a:t>14.1.2016.</a:t>
+              <a:t>29.1.2016.</a:t>
             </a:fld>
             <a:endParaRPr lang="hr-HR" dirty="0"/>
           </a:p>
@@ -6813,7 +8170,7 @@
           <a:p>
             <a:fld id="{2639C8DE-3622-414B-BC07-305EE99D1313}" type="datetimeFigureOut">
               <a:rPr lang="hr-HR" smtClean="0"/>
-              <a:t>14.1.2016.</a:t>
+              <a:t>29.1.2016.</a:t>
             </a:fld>
             <a:endParaRPr lang="hr-HR" dirty="0"/>
           </a:p>
@@ -7090,7 +8447,7 @@
           <a:p>
             <a:fld id="{2639C8DE-3622-414B-BC07-305EE99D1313}" type="datetimeFigureOut">
               <a:rPr lang="hr-HR" smtClean="0"/>
-              <a:t>14.1.2016.</a:t>
+              <a:t>29.1.2016.</a:t>
             </a:fld>
             <a:endParaRPr lang="hr-HR" dirty="0"/>
           </a:p>
@@ -7343,7 +8700,7 @@
           <a:p>
             <a:fld id="{2639C8DE-3622-414B-BC07-305EE99D1313}" type="datetimeFigureOut">
               <a:rPr lang="hr-HR" smtClean="0"/>
-              <a:t>14.1.2016.</a:t>
+              <a:t>29.1.2016.</a:t>
             </a:fld>
             <a:endParaRPr lang="hr-HR" dirty="0"/>
           </a:p>
@@ -7582,7 +8939,7 @@
           <a:p>
             <a:fld id="{2639C8DE-3622-414B-BC07-305EE99D1313}" type="datetimeFigureOut">
               <a:rPr lang="hr-HR" smtClean="0"/>
-              <a:t>14.1.2016.</a:t>
+              <a:t>29.1.2016.</a:t>
             </a:fld>
             <a:endParaRPr lang="hr-HR" dirty="0"/>
           </a:p>
@@ -8115,31 +9472,7 @@
                 <a:latin typeface="Lucida Bright" panose="02040602050505020304" pitchFamily="18" charset="0"/>
                 <a:cs typeface="Times New Roman" panose="02020603050405020304" pitchFamily="18" charset="0"/>
               </a:rPr>
-              <a:t>Denis </a:t>
-            </a:r>
-            <a:r>
-              <a:rPr lang="en-US" sz="2800" b="1" dirty="0" err="1" smtClean="0">
-                <a:solidFill>
-                  <a:schemeClr val="bg2">
-                    <a:lumMod val="25000"/>
-                  </a:schemeClr>
-                </a:solidFill>
-                <a:latin typeface="Lucida Bright" panose="02040602050505020304" pitchFamily="18" charset="0"/>
-                <a:cs typeface="Times New Roman" panose="02020603050405020304" pitchFamily="18" charset="0"/>
-              </a:rPr>
-              <a:t>Čaušević</a:t>
-            </a:r>
-            <a:r>
-              <a:rPr lang="en-US" sz="2800" b="1" dirty="0" smtClean="0">
-                <a:solidFill>
-                  <a:schemeClr val="bg2">
-                    <a:lumMod val="25000"/>
-                  </a:schemeClr>
-                </a:solidFill>
-                <a:latin typeface="Lucida Bright" panose="02040602050505020304" pitchFamily="18" charset="0"/>
-                <a:cs typeface="Times New Roman" panose="02020603050405020304" pitchFamily="18" charset="0"/>
-              </a:rPr>
-              <a:t>, Hajrudin Ćoralić</a:t>
+              <a:t>Denis Čaušević, Hajrudin Ćoralić</a:t>
             </a:r>
             <a:endParaRPr lang="hr-HR" sz="1200" b="1" dirty="0">
               <a:solidFill>
@@ -8351,6 +9684,4544 @@
     <p:extLst>
       <p:ext uri="{BB962C8B-B14F-4D97-AF65-F5344CB8AC3E}">
         <p14:creationId xmlns:p14="http://schemas.microsoft.com/office/powerpoint/2010/main" val="671744806"/>
+      </p:ext>
+    </p:extLst>
+  </p:cSld>
+  <p:clrMapOvr>
+    <a:masterClrMapping/>
+  </p:clrMapOvr>
+  <mc:AlternateContent xmlns:mc="http://schemas.openxmlformats.org/markup-compatibility/2006" xmlns:p14="http://schemas.microsoft.com/office/powerpoint/2010/main">
+    <mc:Choice Requires="p14">
+      <p:transition p14:dur="0"/>
+    </mc:Choice>
+    <mc:Fallback xmlns="">
+      <p:transition/>
+    </mc:Fallback>
+  </mc:AlternateContent>
+  <p:timing>
+    <p:tnLst>
+      <p:par>
+        <p:cTn id="1" dur="indefinite" restart="never" nodeType="tmRoot"/>
+      </p:par>
+    </p:tnLst>
+  </p:timing>
+</p:sld>
+</file>
+
+<file path=ppt/slides/slide10.xml><?xml version="1.0" encoding="utf-8"?>
+<p:sld xmlns:a="http://schemas.openxmlformats.org/drawingml/2006/main" xmlns:r="http://schemas.openxmlformats.org/officeDocument/2006/relationships" xmlns:p="http://schemas.openxmlformats.org/presentationml/2006/main">
+  <p:cSld>
+    <p:spTree>
+      <p:nvGrpSpPr>
+        <p:cNvPr id="1" name=""/>
+        <p:cNvGrpSpPr/>
+        <p:nvPr/>
+      </p:nvGrpSpPr>
+      <p:grpSpPr>
+        <a:xfrm>
+          <a:off x="0" y="0"/>
+          <a:ext cx="0" cy="0"/>
+          <a:chOff x="0" y="0"/>
+          <a:chExt cx="0" cy="0"/>
+        </a:xfrm>
+      </p:grpSpPr>
+      <p:sp>
+        <p:nvSpPr>
+          <p:cNvPr id="2" name="Title 1"/>
+          <p:cNvSpPr>
+            <a:spLocks noGrp="1"/>
+          </p:cNvSpPr>
+          <p:nvPr>
+            <p:ph type="title"/>
+          </p:nvPr>
+        </p:nvSpPr>
+        <p:spPr/>
+        <p:txBody>
+          <a:bodyPr/>
+          <a:lstStyle/>
+          <a:p>
+            <a:endParaRPr lang="hr-HR"/>
+          </a:p>
+        </p:txBody>
+      </p:sp>
+      <p:sp>
+        <p:nvSpPr>
+          <p:cNvPr id="3" name="Content Placeholder 2"/>
+          <p:cNvSpPr>
+            <a:spLocks noGrp="1"/>
+          </p:cNvSpPr>
+          <p:nvPr>
+            <p:ph idx="1"/>
+          </p:nvPr>
+        </p:nvSpPr>
+        <p:spPr/>
+        <p:txBody>
+          <a:bodyPr/>
+          <a:lstStyle/>
+          <a:p>
+            <a:endParaRPr lang="hr-HR"/>
+          </a:p>
+        </p:txBody>
+      </p:sp>
+      <p:graphicFrame>
+        <p:nvGraphicFramePr>
+          <p:cNvPr id="4" name="Chart 3"/>
+          <p:cNvGraphicFramePr>
+            <a:graphicFrameLocks/>
+          </p:cNvGraphicFramePr>
+          <p:nvPr>
+            <p:extLst>
+              <p:ext uri="{D42A27DB-BD31-4B8C-83A1-F6EECF244321}">
+                <p14:modId xmlns:p14="http://schemas.microsoft.com/office/powerpoint/2010/main" val="1808046908"/>
+              </p:ext>
+            </p:extLst>
+          </p:nvPr>
+        </p:nvGraphicFramePr>
+        <p:xfrm>
+          <a:off x="0" y="-1"/>
+          <a:ext cx="12192000" cy="6858001"/>
+        </p:xfrm>
+        <a:graphic>
+          <a:graphicData uri="http://schemas.openxmlformats.org/drawingml/2006/chart">
+            <c:chart xmlns:c="http://schemas.openxmlformats.org/drawingml/2006/chart" xmlns:r="http://schemas.openxmlformats.org/officeDocument/2006/relationships" r:id="rId2"/>
+          </a:graphicData>
+        </a:graphic>
+      </p:graphicFrame>
+    </p:spTree>
+    <p:extLst>
+      <p:ext uri="{BB962C8B-B14F-4D97-AF65-F5344CB8AC3E}">
+        <p14:creationId xmlns:p14="http://schemas.microsoft.com/office/powerpoint/2010/main" val="617075703"/>
+      </p:ext>
+    </p:extLst>
+  </p:cSld>
+  <p:clrMapOvr>
+    <a:masterClrMapping/>
+  </p:clrMapOvr>
+  <p:timing>
+    <p:tnLst>
+      <p:par>
+        <p:cTn id="1" dur="indefinite" restart="never" nodeType="tmRoot"/>
+      </p:par>
+    </p:tnLst>
+  </p:timing>
+</p:sld>
+</file>
+
+<file path=ppt/slides/slide11.xml><?xml version="1.0" encoding="utf-8"?>
+<p:sld xmlns:a="http://schemas.openxmlformats.org/drawingml/2006/main" xmlns:r="http://schemas.openxmlformats.org/officeDocument/2006/relationships" xmlns:p="http://schemas.openxmlformats.org/presentationml/2006/main">
+  <p:cSld>
+    <p:spTree>
+      <p:nvGrpSpPr>
+        <p:cNvPr id="1" name=""/>
+        <p:cNvGrpSpPr/>
+        <p:nvPr/>
+      </p:nvGrpSpPr>
+      <p:grpSpPr>
+        <a:xfrm>
+          <a:off x="0" y="0"/>
+          <a:ext cx="0" cy="0"/>
+          <a:chOff x="0" y="0"/>
+          <a:chExt cx="0" cy="0"/>
+        </a:xfrm>
+      </p:grpSpPr>
+      <p:sp>
+        <p:nvSpPr>
+          <p:cNvPr id="2" name="Title 1"/>
+          <p:cNvSpPr>
+            <a:spLocks noGrp="1"/>
+          </p:cNvSpPr>
+          <p:nvPr>
+            <p:ph type="title"/>
+          </p:nvPr>
+        </p:nvSpPr>
+        <p:spPr/>
+        <p:txBody>
+          <a:bodyPr/>
+          <a:lstStyle/>
+          <a:p>
+            <a:endParaRPr lang="hr-HR"/>
+          </a:p>
+        </p:txBody>
+      </p:sp>
+      <p:sp>
+        <p:nvSpPr>
+          <p:cNvPr id="3" name="Content Placeholder 2"/>
+          <p:cNvSpPr>
+            <a:spLocks noGrp="1"/>
+          </p:cNvSpPr>
+          <p:nvPr>
+            <p:ph idx="1"/>
+          </p:nvPr>
+        </p:nvSpPr>
+        <p:spPr/>
+        <p:txBody>
+          <a:bodyPr/>
+          <a:lstStyle/>
+          <a:p>
+            <a:endParaRPr lang="hr-HR"/>
+          </a:p>
+        </p:txBody>
+      </p:sp>
+      <p:graphicFrame>
+        <p:nvGraphicFramePr>
+          <p:cNvPr id="4" name="Chart 3"/>
+          <p:cNvGraphicFramePr>
+            <a:graphicFrameLocks/>
+          </p:cNvGraphicFramePr>
+          <p:nvPr>
+            <p:extLst>
+              <p:ext uri="{D42A27DB-BD31-4B8C-83A1-F6EECF244321}">
+                <p14:modId xmlns:p14="http://schemas.microsoft.com/office/powerpoint/2010/main" val="2498175925"/>
+              </p:ext>
+            </p:extLst>
+          </p:nvPr>
+        </p:nvGraphicFramePr>
+        <p:xfrm>
+          <a:off x="0" y="0"/>
+          <a:ext cx="12192000" cy="6858000"/>
+        </p:xfrm>
+        <a:graphic>
+          <a:graphicData uri="http://schemas.openxmlformats.org/drawingml/2006/chart">
+            <c:chart xmlns:c="http://schemas.openxmlformats.org/drawingml/2006/chart" xmlns:r="http://schemas.openxmlformats.org/officeDocument/2006/relationships" r:id="rId2"/>
+          </a:graphicData>
+        </a:graphic>
+      </p:graphicFrame>
+    </p:spTree>
+    <p:extLst>
+      <p:ext uri="{BB962C8B-B14F-4D97-AF65-F5344CB8AC3E}">
+        <p14:creationId xmlns:p14="http://schemas.microsoft.com/office/powerpoint/2010/main" val="856436028"/>
+      </p:ext>
+    </p:extLst>
+  </p:cSld>
+  <p:clrMapOvr>
+    <a:masterClrMapping/>
+  </p:clrMapOvr>
+  <p:timing>
+    <p:tnLst>
+      <p:par>
+        <p:cTn id="1" dur="indefinite" restart="never" nodeType="tmRoot"/>
+      </p:par>
+    </p:tnLst>
+  </p:timing>
+</p:sld>
+</file>
+
+<file path=ppt/slides/slide12.xml><?xml version="1.0" encoding="utf-8"?>
+<p:sld xmlns:a="http://schemas.openxmlformats.org/drawingml/2006/main" xmlns:r="http://schemas.openxmlformats.org/officeDocument/2006/relationships" xmlns:p="http://schemas.openxmlformats.org/presentationml/2006/main">
+  <p:cSld>
+    <p:spTree>
+      <p:nvGrpSpPr>
+        <p:cNvPr id="1" name=""/>
+        <p:cNvGrpSpPr/>
+        <p:nvPr/>
+      </p:nvGrpSpPr>
+      <p:grpSpPr>
+        <a:xfrm>
+          <a:off x="0" y="0"/>
+          <a:ext cx="0" cy="0"/>
+          <a:chOff x="0" y="0"/>
+          <a:chExt cx="0" cy="0"/>
+        </a:xfrm>
+      </p:grpSpPr>
+      <p:sp>
+        <p:nvSpPr>
+          <p:cNvPr id="2" name="Title 1"/>
+          <p:cNvSpPr>
+            <a:spLocks noGrp="1"/>
+          </p:cNvSpPr>
+          <p:nvPr>
+            <p:ph type="title"/>
+          </p:nvPr>
+        </p:nvSpPr>
+        <p:spPr/>
+        <p:txBody>
+          <a:bodyPr/>
+          <a:lstStyle/>
+          <a:p>
+            <a:endParaRPr lang="hr-HR"/>
+          </a:p>
+        </p:txBody>
+      </p:sp>
+      <p:sp>
+        <p:nvSpPr>
+          <p:cNvPr id="3" name="Content Placeholder 2"/>
+          <p:cNvSpPr>
+            <a:spLocks noGrp="1"/>
+          </p:cNvSpPr>
+          <p:nvPr>
+            <p:ph idx="1"/>
+          </p:nvPr>
+        </p:nvSpPr>
+        <p:spPr/>
+        <p:txBody>
+          <a:bodyPr/>
+          <a:lstStyle/>
+          <a:p>
+            <a:endParaRPr lang="hr-HR"/>
+          </a:p>
+        </p:txBody>
+      </p:sp>
+      <p:graphicFrame>
+        <p:nvGraphicFramePr>
+          <p:cNvPr id="4" name="Chart 3"/>
+          <p:cNvGraphicFramePr>
+            <a:graphicFrameLocks/>
+          </p:cNvGraphicFramePr>
+          <p:nvPr>
+            <p:extLst>
+              <p:ext uri="{D42A27DB-BD31-4B8C-83A1-F6EECF244321}">
+                <p14:modId xmlns:p14="http://schemas.microsoft.com/office/powerpoint/2010/main" val="4255251834"/>
+              </p:ext>
+            </p:extLst>
+          </p:nvPr>
+        </p:nvGraphicFramePr>
+        <p:xfrm>
+          <a:off x="0" y="0"/>
+          <a:ext cx="12192000" cy="6858000"/>
+        </p:xfrm>
+        <a:graphic>
+          <a:graphicData uri="http://schemas.openxmlformats.org/drawingml/2006/chart">
+            <c:chart xmlns:c="http://schemas.openxmlformats.org/drawingml/2006/chart" xmlns:r="http://schemas.openxmlformats.org/officeDocument/2006/relationships" r:id="rId2"/>
+          </a:graphicData>
+        </a:graphic>
+      </p:graphicFrame>
+    </p:spTree>
+    <p:extLst>
+      <p:ext uri="{BB962C8B-B14F-4D97-AF65-F5344CB8AC3E}">
+        <p14:creationId xmlns:p14="http://schemas.microsoft.com/office/powerpoint/2010/main" val="2712953695"/>
+      </p:ext>
+    </p:extLst>
+  </p:cSld>
+  <p:clrMapOvr>
+    <a:masterClrMapping/>
+  </p:clrMapOvr>
+  <p:timing>
+    <p:tnLst>
+      <p:par>
+        <p:cTn id="1" dur="indefinite" restart="never" nodeType="tmRoot"/>
+      </p:par>
+    </p:tnLst>
+  </p:timing>
+</p:sld>
+</file>
+
+<file path=ppt/slides/slide13.xml><?xml version="1.0" encoding="utf-8"?>
+<p:sld xmlns:a="http://schemas.openxmlformats.org/drawingml/2006/main" xmlns:r="http://schemas.openxmlformats.org/officeDocument/2006/relationships" xmlns:p="http://schemas.openxmlformats.org/presentationml/2006/main">
+  <p:cSld>
+    <p:spTree>
+      <p:nvGrpSpPr>
+        <p:cNvPr id="1" name=""/>
+        <p:cNvGrpSpPr/>
+        <p:nvPr/>
+      </p:nvGrpSpPr>
+      <p:grpSpPr>
+        <a:xfrm>
+          <a:off x="0" y="0"/>
+          <a:ext cx="0" cy="0"/>
+          <a:chOff x="0" y="0"/>
+          <a:chExt cx="0" cy="0"/>
+        </a:xfrm>
+      </p:grpSpPr>
+      <mc:AlternateContent xmlns:mc="http://schemas.openxmlformats.org/markup-compatibility/2006">
+        <mc:Choice xmlns:a14="http://schemas.microsoft.com/office/drawing/2010/main" Requires="a14">
+          <p:graphicFrame>
+            <p:nvGraphicFramePr>
+              <p:cNvPr id="4" name="Table 3"/>
+              <p:cNvGraphicFramePr>
+                <a:graphicFrameLocks noGrp="1"/>
+              </p:cNvGraphicFramePr>
+              <p:nvPr>
+                <p:extLst>
+                  <p:ext uri="{D42A27DB-BD31-4B8C-83A1-F6EECF244321}">
+                    <p14:modId xmlns:p14="http://schemas.microsoft.com/office/powerpoint/2010/main" val="2394753377"/>
+                  </p:ext>
+                </p:extLst>
+              </p:nvPr>
+            </p:nvGraphicFramePr>
+            <p:xfrm>
+              <a:off x="0" y="0"/>
+              <a:ext cx="12192000" cy="6858004"/>
+            </p:xfrm>
+            <a:graphic>
+              <a:graphicData uri="http://schemas.openxmlformats.org/drawingml/2006/table">
+                <a:tbl>
+                  <a:tblPr firstRow="1" firstCol="1" bandRow="1">
+                    <a:tableStyleId>{74C1A8A3-306A-4EB7-A6B1-4F7E0EB9C5D6}</a:tableStyleId>
+                  </a:tblPr>
+                  <a:tblGrid>
+                    <a:gridCol w="2103120">
+                      <a:extLst>
+                        <a:ext uri="{9D8B030D-6E8A-4147-A177-3AD203B41FA5}">
+                          <a16:colId xmlns:a16="http://schemas.microsoft.com/office/drawing/2014/main" val="3762630635"/>
+                        </a:ext>
+                      </a:extLst>
+                    </a:gridCol>
+                    <a:gridCol w="2383148">
+                      <a:extLst>
+                        <a:ext uri="{9D8B030D-6E8A-4147-A177-3AD203B41FA5}">
+                          <a16:colId xmlns:a16="http://schemas.microsoft.com/office/drawing/2014/main" val="3602407681"/>
+                        </a:ext>
+                      </a:extLst>
+                    </a:gridCol>
+                    <a:gridCol w="1496521">
+                      <a:extLst>
+                        <a:ext uri="{9D8B030D-6E8A-4147-A177-3AD203B41FA5}">
+                          <a16:colId xmlns:a16="http://schemas.microsoft.com/office/drawing/2014/main" val="3680833113"/>
+                        </a:ext>
+                      </a:extLst>
+                    </a:gridCol>
+                    <a:gridCol w="2069737">
+                      <a:extLst>
+                        <a:ext uri="{9D8B030D-6E8A-4147-A177-3AD203B41FA5}">
+                          <a16:colId xmlns:a16="http://schemas.microsoft.com/office/drawing/2014/main" val="1012969924"/>
+                        </a:ext>
+                      </a:extLst>
+                    </a:gridCol>
+                    <a:gridCol w="2069737">
+                      <a:extLst>
+                        <a:ext uri="{9D8B030D-6E8A-4147-A177-3AD203B41FA5}">
+                          <a16:colId xmlns:a16="http://schemas.microsoft.com/office/drawing/2014/main" val="2598347762"/>
+                        </a:ext>
+                      </a:extLst>
+                    </a:gridCol>
+                    <a:gridCol w="2069737">
+                      <a:extLst>
+                        <a:ext uri="{9D8B030D-6E8A-4147-A177-3AD203B41FA5}">
+                          <a16:colId xmlns:a16="http://schemas.microsoft.com/office/drawing/2014/main" val="302040586"/>
+                        </a:ext>
+                      </a:extLst>
+                    </a:gridCol>
+                  </a:tblGrid>
+                  <a:tr h="1246909">
+                    <a:tc>
+                      <a:txBody>
+                        <a:bodyPr/>
+                        <a:lstStyle/>
+                        <a:p>
+                          <a:pPr algn="ctr">
+                            <a:spcBef>
+                              <a:spcPts val="600"/>
+                            </a:spcBef>
+                            <a:spcAft>
+                              <a:spcPts val="600"/>
+                            </a:spcAft>
+                          </a:pPr>
+                          <a:r>
+                            <a:rPr lang="hr-HR" sz="2800" dirty="0">
+                              <a:effectLst/>
+                            </a:rPr>
+                            <a:t>Ulazna datoteka</a:t>
+                          </a:r>
+                          <a:endParaRPr lang="hr-HR" sz="2800" dirty="0">
+                            <a:effectLst/>
+                            <a:latin typeface="Arial" panose="020B0604020202020204" pitchFamily="34" charset="0"/>
+                            <a:ea typeface="Times New Roman" panose="02020603050405020304" pitchFamily="18" charset="0"/>
+                            <a:cs typeface="Times New Roman" panose="02020603050405020304" pitchFamily="18" charset="0"/>
+                          </a:endParaRPr>
+                        </a:p>
+                      </a:txBody>
+                      <a:tcPr marL="68580" marR="68580" marT="0" marB="0" anchor="ctr"/>
+                    </a:tc>
+                    <a:tc>
+                      <a:txBody>
+                        <a:bodyPr/>
+                        <a:lstStyle/>
+                        <a:p>
+                          <a:pPr algn="ctr">
+                            <a:spcBef>
+                              <a:spcPts val="600"/>
+                            </a:spcBef>
+                            <a:spcAft>
+                              <a:spcPts val="600"/>
+                            </a:spcAft>
+                          </a:pPr>
+                          <a:r>
+                            <a:rPr lang="hr-HR" sz="2800" dirty="0">
+                              <a:effectLst/>
+                            </a:rPr>
+                            <a:t>Broj znakova</a:t>
+                          </a:r>
+                          <a:endParaRPr lang="hr-HR" sz="2800" dirty="0">
+                            <a:effectLst/>
+                            <a:latin typeface="Arial" panose="020B0604020202020204" pitchFamily="34" charset="0"/>
+                            <a:ea typeface="Times New Roman" panose="02020603050405020304" pitchFamily="18" charset="0"/>
+                            <a:cs typeface="Times New Roman" panose="02020603050405020304" pitchFamily="18" charset="0"/>
+                          </a:endParaRPr>
+                        </a:p>
+                      </a:txBody>
+                      <a:tcPr marL="68580" marR="68580" marT="0" marB="0" anchor="ctr"/>
+                    </a:tc>
+                    <a:tc>
+                      <a:txBody>
+                        <a:bodyPr/>
+                        <a:lstStyle/>
+                        <a:p>
+                          <a:pPr algn="ctr">
+                            <a:spcBef>
+                              <a:spcPts val="600"/>
+                            </a:spcBef>
+                            <a:spcAft>
+                              <a:spcPts val="600"/>
+                            </a:spcAft>
+                          </a:pPr>
+                          <a:r>
+                            <a:rPr lang="hr-HR" sz="2800" dirty="0">
+                              <a:effectLst/>
+                            </a:rPr>
+                            <a:t>Veličina abecede</a:t>
+                          </a:r>
+                          <a:endParaRPr lang="hr-HR" sz="2800" dirty="0">
+                            <a:effectLst/>
+                            <a:latin typeface="Arial" panose="020B0604020202020204" pitchFamily="34" charset="0"/>
+                            <a:ea typeface="Times New Roman" panose="02020603050405020304" pitchFamily="18" charset="0"/>
+                            <a:cs typeface="Times New Roman" panose="02020603050405020304" pitchFamily="18" charset="0"/>
+                          </a:endParaRPr>
+                        </a:p>
+                      </a:txBody>
+                      <a:tcPr marL="68580" marR="68580" marT="0" marB="0" anchor="ctr"/>
+                    </a:tc>
+                    <a:tc>
+                      <a:txBody>
+                        <a:bodyPr/>
+                        <a:lstStyle/>
+                        <a:p>
+                          <a:pPr algn="ctr">
+                            <a:spcBef>
+                              <a:spcPts val="600"/>
+                            </a:spcBef>
+                            <a:spcAft>
+                              <a:spcPts val="600"/>
+                            </a:spcAft>
+                          </a:pPr>
+                          <a14:m>
+                            <m:oMathPara xmlns:m="http://schemas.openxmlformats.org/officeDocument/2006/math">
+                              <m:oMathParaPr>
+                                <m:jc m:val="centerGroup"/>
+                              </m:oMathParaPr>
+                              <m:oMath xmlns:m="http://schemas.openxmlformats.org/officeDocument/2006/math">
+                                <m:r>
+                                  <a:rPr lang="hr-HR" sz="2800">
+                                    <a:effectLst/>
+                                  </a:rPr>
+                                  <m:t>𝑟𝑎𝑛𝑘</m:t>
+                                </m:r>
+                                <m:r>
+                                  <a:rPr lang="hr-HR" sz="2800">
+                                    <a:effectLst/>
+                                  </a:rPr>
+                                  <m:t> (</m:t>
+                                </m:r>
+                                <m:r>
+                                  <a:rPr lang="hr-HR" sz="2800">
+                                    <a:effectLst/>
+                                  </a:rPr>
+                                  <m:t>𝜇</m:t>
+                                </m:r>
+                                <m:r>
+                                  <a:rPr lang="hr-HR" sz="2800">
+                                    <a:effectLst/>
+                                  </a:rPr>
+                                  <m:t>𝑠</m:t>
+                                </m:r>
+                                <m:r>
+                                  <a:rPr lang="hr-HR" sz="2800">
+                                    <a:effectLst/>
+                                  </a:rPr>
+                                  <m:t>)</m:t>
+                                </m:r>
+                              </m:oMath>
+                            </m:oMathPara>
+                          </a14:m>
+                          <a:endParaRPr lang="hr-HR" sz="2800" dirty="0">
+                            <a:effectLst/>
+                            <a:latin typeface="Arial" panose="020B0604020202020204" pitchFamily="34" charset="0"/>
+                            <a:ea typeface="Times New Roman" panose="02020603050405020304" pitchFamily="18" charset="0"/>
+                            <a:cs typeface="Times New Roman" panose="02020603050405020304" pitchFamily="18" charset="0"/>
+                          </a:endParaRPr>
+                        </a:p>
+                      </a:txBody>
+                      <a:tcPr marL="68580" marR="68580" marT="0" marB="0" anchor="ctr"/>
+                    </a:tc>
+                    <a:tc>
+                      <a:txBody>
+                        <a:bodyPr/>
+                        <a:lstStyle/>
+                        <a:p>
+                          <a:pPr algn="ctr">
+                            <a:spcBef>
+                              <a:spcPts val="600"/>
+                            </a:spcBef>
+                            <a:spcAft>
+                              <a:spcPts val="600"/>
+                            </a:spcAft>
+                          </a:pPr>
+                          <a14:m>
+                            <m:oMathPara xmlns:m="http://schemas.openxmlformats.org/officeDocument/2006/math">
+                              <m:oMathParaPr>
+                                <m:jc m:val="centerGroup"/>
+                              </m:oMathParaPr>
+                              <m:oMath xmlns:m="http://schemas.openxmlformats.org/officeDocument/2006/math">
+                                <m:r>
+                                  <a:rPr lang="hr-HR" sz="2800">
+                                    <a:effectLst/>
+                                  </a:rPr>
+                                  <m:t>𝑠𝑒𝑙𝑒𝑐𝑡</m:t>
+                                </m:r>
+                                <m:r>
+                                  <a:rPr lang="hr-HR" sz="2800">
+                                    <a:effectLst/>
+                                  </a:rPr>
+                                  <m:t>  (</m:t>
+                                </m:r>
+                                <m:r>
+                                  <a:rPr lang="hr-HR" sz="2800">
+                                    <a:effectLst/>
+                                  </a:rPr>
+                                  <m:t>𝜇</m:t>
+                                </m:r>
+                                <m:r>
+                                  <a:rPr lang="hr-HR" sz="2800">
+                                    <a:effectLst/>
+                                  </a:rPr>
+                                  <m:t>𝑠</m:t>
+                                </m:r>
+                                <m:r>
+                                  <a:rPr lang="hr-HR" sz="2800">
+                                    <a:effectLst/>
+                                  </a:rPr>
+                                  <m:t>)</m:t>
+                                </m:r>
+                              </m:oMath>
+                            </m:oMathPara>
+                          </a14:m>
+                          <a:endParaRPr lang="hr-HR" sz="2800" dirty="0">
+                            <a:effectLst/>
+                            <a:latin typeface="Arial" panose="020B0604020202020204" pitchFamily="34" charset="0"/>
+                            <a:ea typeface="Times New Roman" panose="02020603050405020304" pitchFamily="18" charset="0"/>
+                            <a:cs typeface="Times New Roman" panose="02020603050405020304" pitchFamily="18" charset="0"/>
+                          </a:endParaRPr>
+                        </a:p>
+                      </a:txBody>
+                      <a:tcPr marL="68580" marR="68580" marT="0" marB="0" anchor="ctr"/>
+                    </a:tc>
+                    <a:tc>
+                      <a:txBody>
+                        <a:bodyPr/>
+                        <a:lstStyle/>
+                        <a:p>
+                          <a:pPr algn="ctr">
+                            <a:spcBef>
+                              <a:spcPts val="600"/>
+                            </a:spcBef>
+                            <a:spcAft>
+                              <a:spcPts val="600"/>
+                            </a:spcAft>
+                          </a:pPr>
+                          <a14:m>
+                            <m:oMathPara xmlns:m="http://schemas.openxmlformats.org/officeDocument/2006/math">
+                              <m:oMathParaPr>
+                                <m:jc m:val="centerGroup"/>
+                              </m:oMathParaPr>
+                              <m:oMath xmlns:m="http://schemas.openxmlformats.org/officeDocument/2006/math">
+                                <m:r>
+                                  <a:rPr lang="hr-HR" sz="2800">
+                                    <a:effectLst/>
+                                  </a:rPr>
+                                  <m:t>𝑎𝑐𝑐𝑒𝑠𝑠</m:t>
+                                </m:r>
+                                <m:r>
+                                  <a:rPr lang="hr-HR" sz="2800">
+                                    <a:effectLst/>
+                                  </a:rPr>
+                                  <m:t>  (</m:t>
+                                </m:r>
+                                <m:r>
+                                  <a:rPr lang="hr-HR" sz="2800">
+                                    <a:effectLst/>
+                                  </a:rPr>
+                                  <m:t>𝜇</m:t>
+                                </m:r>
+                                <m:r>
+                                  <a:rPr lang="hr-HR" sz="2800">
+                                    <a:effectLst/>
+                                  </a:rPr>
+                                  <m:t>𝑠</m:t>
+                                </m:r>
+                                <m:r>
+                                  <a:rPr lang="hr-HR" sz="2800">
+                                    <a:effectLst/>
+                                  </a:rPr>
+                                  <m:t>)</m:t>
+                                </m:r>
+                              </m:oMath>
+                            </m:oMathPara>
+                          </a14:m>
+                          <a:endParaRPr lang="hr-HR" sz="2800" dirty="0">
+                            <a:effectLst/>
+                            <a:latin typeface="Arial" panose="020B0604020202020204" pitchFamily="34" charset="0"/>
+                            <a:ea typeface="Times New Roman" panose="02020603050405020304" pitchFamily="18" charset="0"/>
+                            <a:cs typeface="Times New Roman" panose="02020603050405020304" pitchFamily="18" charset="0"/>
+                          </a:endParaRPr>
+                        </a:p>
+                      </a:txBody>
+                      <a:tcPr marL="68580" marR="68580" marT="0" marB="0" anchor="ctr"/>
+                    </a:tc>
+                    <a:extLst>
+                      <a:ext uri="{0D108BD9-81ED-4DB2-BD59-A6C34878D82A}">
+                        <a16:rowId xmlns:a16="http://schemas.microsoft.com/office/drawing/2014/main" val="4065882861"/>
+                      </a:ext>
+                    </a:extLst>
+                  </a:tr>
+                  <a:tr h="623455">
+                    <a:tc>
+                      <a:txBody>
+                        <a:bodyPr/>
+                        <a:lstStyle/>
+                        <a:p>
+                          <a:pPr algn="ctr">
+                            <a:spcBef>
+                              <a:spcPts val="600"/>
+                            </a:spcBef>
+                            <a:spcAft>
+                              <a:spcPts val="600"/>
+                            </a:spcAft>
+                          </a:pPr>
+                          <a:r>
+                            <a:rPr lang="hr-HR" sz="2800" dirty="0">
+                              <a:effectLst/>
+                            </a:rPr>
+                            <a:t>HIV</a:t>
+                          </a:r>
+                          <a:endParaRPr lang="hr-HR" sz="2800" dirty="0">
+                            <a:effectLst/>
+                            <a:latin typeface="Arial" panose="020B0604020202020204" pitchFamily="34" charset="0"/>
+                            <a:ea typeface="Times New Roman" panose="02020603050405020304" pitchFamily="18" charset="0"/>
+                            <a:cs typeface="Times New Roman" panose="02020603050405020304" pitchFamily="18" charset="0"/>
+                          </a:endParaRPr>
+                        </a:p>
+                      </a:txBody>
+                      <a:tcPr marL="68580" marR="68580" marT="0" marB="0" anchor="ctr"/>
+                    </a:tc>
+                    <a:tc>
+                      <a:txBody>
+                        <a:bodyPr/>
+                        <a:lstStyle/>
+                        <a:p>
+                          <a:pPr algn="r">
+                            <a:spcBef>
+                              <a:spcPts val="600"/>
+                            </a:spcBef>
+                            <a:spcAft>
+                              <a:spcPts val="600"/>
+                            </a:spcAft>
+                          </a:pPr>
+                          <a:r>
+                            <a:rPr lang="hr-HR" sz="3200" dirty="0">
+                              <a:effectLst/>
+                            </a:rPr>
+                            <a:t>999</a:t>
+                          </a:r>
+                          <a:endParaRPr lang="hr-HR" sz="3200" dirty="0">
+                            <a:effectLst/>
+                            <a:latin typeface="Arial" panose="020B0604020202020204" pitchFamily="34" charset="0"/>
+                            <a:ea typeface="Times New Roman" panose="02020603050405020304" pitchFamily="18" charset="0"/>
+                            <a:cs typeface="Times New Roman" panose="02020603050405020304" pitchFamily="18" charset="0"/>
+                          </a:endParaRPr>
+                        </a:p>
+                      </a:txBody>
+                      <a:tcPr marL="68580" marR="68580" marT="0" marB="0" anchor="ctr"/>
+                    </a:tc>
+                    <a:tc>
+                      <a:txBody>
+                        <a:bodyPr/>
+                        <a:lstStyle/>
+                        <a:p>
+                          <a:pPr algn="r">
+                            <a:spcBef>
+                              <a:spcPts val="600"/>
+                            </a:spcBef>
+                            <a:spcAft>
+                              <a:spcPts val="600"/>
+                            </a:spcAft>
+                          </a:pPr>
+                          <a:r>
+                            <a:rPr lang="hr-HR" sz="3600" dirty="0">
+                              <a:effectLst/>
+                            </a:rPr>
+                            <a:t>5</a:t>
+                          </a:r>
+                          <a:endParaRPr lang="hr-HR" sz="3600" dirty="0">
+                            <a:effectLst/>
+                            <a:latin typeface="Arial" panose="020B0604020202020204" pitchFamily="34" charset="0"/>
+                            <a:ea typeface="Times New Roman" panose="02020603050405020304" pitchFamily="18" charset="0"/>
+                            <a:cs typeface="Times New Roman" panose="02020603050405020304" pitchFamily="18" charset="0"/>
+                          </a:endParaRPr>
+                        </a:p>
+                      </a:txBody>
+                      <a:tcPr marL="68580" marR="68580" marT="0" marB="0" anchor="ctr"/>
+                    </a:tc>
+                    <a:tc>
+                      <a:txBody>
+                        <a:bodyPr/>
+                        <a:lstStyle/>
+                        <a:p>
+                          <a:pPr algn="r">
+                            <a:spcBef>
+                              <a:spcPts val="600"/>
+                            </a:spcBef>
+                            <a:spcAft>
+                              <a:spcPts val="600"/>
+                            </a:spcAft>
+                          </a:pPr>
+                          <a:r>
+                            <a:rPr lang="hr-HR" sz="3600" dirty="0">
+                              <a:effectLst/>
+                            </a:rPr>
+                            <a:t>&lt; 1</a:t>
+                          </a:r>
+                          <a:endParaRPr lang="hr-HR" sz="3600" dirty="0">
+                            <a:effectLst/>
+                            <a:latin typeface="Arial" panose="020B0604020202020204" pitchFamily="34" charset="0"/>
+                            <a:ea typeface="Times New Roman" panose="02020603050405020304" pitchFamily="18" charset="0"/>
+                            <a:cs typeface="Times New Roman" panose="02020603050405020304" pitchFamily="18" charset="0"/>
+                          </a:endParaRPr>
+                        </a:p>
+                      </a:txBody>
+                      <a:tcPr marL="68580" marR="68580" marT="0" marB="0" anchor="ctr"/>
+                    </a:tc>
+                    <a:tc>
+                      <a:txBody>
+                        <a:bodyPr/>
+                        <a:lstStyle/>
+                        <a:p>
+                          <a:pPr algn="r">
+                            <a:spcBef>
+                              <a:spcPts val="600"/>
+                            </a:spcBef>
+                            <a:spcAft>
+                              <a:spcPts val="600"/>
+                            </a:spcAft>
+                          </a:pPr>
+                          <a:r>
+                            <a:rPr lang="hr-HR" sz="3600" dirty="0">
+                              <a:effectLst/>
+                            </a:rPr>
+                            <a:t>2</a:t>
+                          </a:r>
+                          <a:endParaRPr lang="hr-HR" sz="3600" dirty="0">
+                            <a:effectLst/>
+                            <a:latin typeface="Arial" panose="020B0604020202020204" pitchFamily="34" charset="0"/>
+                            <a:ea typeface="Times New Roman" panose="02020603050405020304" pitchFamily="18" charset="0"/>
+                            <a:cs typeface="Times New Roman" panose="02020603050405020304" pitchFamily="18" charset="0"/>
+                          </a:endParaRPr>
+                        </a:p>
+                      </a:txBody>
+                      <a:tcPr marL="68580" marR="68580" marT="0" marB="0" anchor="ctr"/>
+                    </a:tc>
+                    <a:tc>
+                      <a:txBody>
+                        <a:bodyPr/>
+                        <a:lstStyle/>
+                        <a:p>
+                          <a:pPr algn="r">
+                            <a:spcBef>
+                              <a:spcPts val="600"/>
+                            </a:spcBef>
+                            <a:spcAft>
+                              <a:spcPts val="600"/>
+                            </a:spcAft>
+                          </a:pPr>
+                          <a:r>
+                            <a:rPr lang="hr-HR" sz="3600">
+                              <a:effectLst/>
+                            </a:rPr>
+                            <a:t>2</a:t>
+                          </a:r>
+                          <a:endParaRPr lang="hr-HR" sz="3600">
+                            <a:effectLst/>
+                            <a:latin typeface="Arial" panose="020B0604020202020204" pitchFamily="34" charset="0"/>
+                            <a:ea typeface="Times New Roman" panose="02020603050405020304" pitchFamily="18" charset="0"/>
+                            <a:cs typeface="Times New Roman" panose="02020603050405020304" pitchFamily="18" charset="0"/>
+                          </a:endParaRPr>
+                        </a:p>
+                      </a:txBody>
+                      <a:tcPr marL="68580" marR="68580" marT="0" marB="0" anchor="ctr"/>
+                    </a:tc>
+                    <a:extLst>
+                      <a:ext uri="{0D108BD9-81ED-4DB2-BD59-A6C34878D82A}">
+                        <a16:rowId xmlns:a16="http://schemas.microsoft.com/office/drawing/2014/main" val="2287375763"/>
+                      </a:ext>
+                    </a:extLst>
+                  </a:tr>
+                  <a:tr h="623455">
+                    <a:tc>
+                      <a:txBody>
+                        <a:bodyPr/>
+                        <a:lstStyle/>
+                        <a:p>
+                          <a:pPr algn="ctr">
+                            <a:spcBef>
+                              <a:spcPts val="600"/>
+                            </a:spcBef>
+                            <a:spcAft>
+                              <a:spcPts val="600"/>
+                            </a:spcAft>
+                          </a:pPr>
+                          <a:r>
+                            <a:rPr lang="hr-HR" sz="2800" dirty="0">
+                              <a:effectLst/>
+                            </a:rPr>
+                            <a:t>Coli</a:t>
+                          </a:r>
+                          <a:endParaRPr lang="hr-HR" sz="2800" dirty="0">
+                            <a:effectLst/>
+                            <a:latin typeface="Arial" panose="020B0604020202020204" pitchFamily="34" charset="0"/>
+                            <a:ea typeface="Times New Roman" panose="02020603050405020304" pitchFamily="18" charset="0"/>
+                            <a:cs typeface="Times New Roman" panose="02020603050405020304" pitchFamily="18" charset="0"/>
+                          </a:endParaRPr>
+                        </a:p>
+                      </a:txBody>
+                      <a:tcPr marL="68580" marR="68580" marT="0" marB="0" anchor="ctr"/>
+                    </a:tc>
+                    <a:tc>
+                      <a:txBody>
+                        <a:bodyPr/>
+                        <a:lstStyle/>
+                        <a:p>
+                          <a:pPr algn="r">
+                            <a:spcBef>
+                              <a:spcPts val="600"/>
+                            </a:spcBef>
+                            <a:spcAft>
+                              <a:spcPts val="600"/>
+                            </a:spcAft>
+                          </a:pPr>
+                          <a:r>
+                            <a:rPr lang="hr-HR" sz="3200" dirty="0">
+                              <a:effectLst/>
+                            </a:rPr>
+                            <a:t>3.657</a:t>
+                          </a:r>
+                          <a:endParaRPr lang="hr-HR" sz="3200" dirty="0">
+                            <a:effectLst/>
+                            <a:latin typeface="Arial" panose="020B0604020202020204" pitchFamily="34" charset="0"/>
+                            <a:ea typeface="Times New Roman" panose="02020603050405020304" pitchFamily="18" charset="0"/>
+                            <a:cs typeface="Times New Roman" panose="02020603050405020304" pitchFamily="18" charset="0"/>
+                          </a:endParaRPr>
+                        </a:p>
+                      </a:txBody>
+                      <a:tcPr marL="68580" marR="68580" marT="0" marB="0" anchor="ctr"/>
+                    </a:tc>
+                    <a:tc>
+                      <a:txBody>
+                        <a:bodyPr/>
+                        <a:lstStyle/>
+                        <a:p>
+                          <a:pPr algn="r">
+                            <a:spcBef>
+                              <a:spcPts val="600"/>
+                            </a:spcBef>
+                            <a:spcAft>
+                              <a:spcPts val="600"/>
+                            </a:spcAft>
+                          </a:pPr>
+                          <a:r>
+                            <a:rPr lang="hr-HR" sz="3600" dirty="0">
+                              <a:effectLst/>
+                            </a:rPr>
+                            <a:t>4</a:t>
+                          </a:r>
+                          <a:endParaRPr lang="hr-HR" sz="3600" dirty="0">
+                            <a:effectLst/>
+                            <a:latin typeface="Arial" panose="020B0604020202020204" pitchFamily="34" charset="0"/>
+                            <a:ea typeface="Times New Roman" panose="02020603050405020304" pitchFamily="18" charset="0"/>
+                            <a:cs typeface="Times New Roman" panose="02020603050405020304" pitchFamily="18" charset="0"/>
+                          </a:endParaRPr>
+                        </a:p>
+                      </a:txBody>
+                      <a:tcPr marL="68580" marR="68580" marT="0" marB="0" anchor="ctr"/>
+                    </a:tc>
+                    <a:tc>
+                      <a:txBody>
+                        <a:bodyPr/>
+                        <a:lstStyle/>
+                        <a:p>
+                          <a:pPr algn="r">
+                            <a:spcBef>
+                              <a:spcPts val="600"/>
+                            </a:spcBef>
+                            <a:spcAft>
+                              <a:spcPts val="600"/>
+                            </a:spcAft>
+                          </a:pPr>
+                          <a:r>
+                            <a:rPr lang="hr-HR" sz="3600" dirty="0">
+                              <a:effectLst/>
+                            </a:rPr>
+                            <a:t>&lt; 1</a:t>
+                          </a:r>
+                          <a:endParaRPr lang="hr-HR" sz="3600" dirty="0">
+                            <a:effectLst/>
+                            <a:latin typeface="Arial" panose="020B0604020202020204" pitchFamily="34" charset="0"/>
+                            <a:ea typeface="Times New Roman" panose="02020603050405020304" pitchFamily="18" charset="0"/>
+                            <a:cs typeface="Times New Roman" panose="02020603050405020304" pitchFamily="18" charset="0"/>
+                          </a:endParaRPr>
+                        </a:p>
+                      </a:txBody>
+                      <a:tcPr marL="68580" marR="68580" marT="0" marB="0" anchor="ctr"/>
+                    </a:tc>
+                    <a:tc>
+                      <a:txBody>
+                        <a:bodyPr/>
+                        <a:lstStyle/>
+                        <a:p>
+                          <a:pPr algn="r">
+                            <a:spcBef>
+                              <a:spcPts val="600"/>
+                            </a:spcBef>
+                            <a:spcAft>
+                              <a:spcPts val="600"/>
+                            </a:spcAft>
+                          </a:pPr>
+                          <a:r>
+                            <a:rPr lang="hr-HR" sz="3600" dirty="0">
+                              <a:effectLst/>
+                            </a:rPr>
+                            <a:t>2</a:t>
+                          </a:r>
+                          <a:endParaRPr lang="hr-HR" sz="3600" dirty="0">
+                            <a:effectLst/>
+                            <a:latin typeface="Arial" panose="020B0604020202020204" pitchFamily="34" charset="0"/>
+                            <a:ea typeface="Times New Roman" panose="02020603050405020304" pitchFamily="18" charset="0"/>
+                            <a:cs typeface="Times New Roman" panose="02020603050405020304" pitchFamily="18" charset="0"/>
+                          </a:endParaRPr>
+                        </a:p>
+                      </a:txBody>
+                      <a:tcPr marL="68580" marR="68580" marT="0" marB="0" anchor="ctr"/>
+                    </a:tc>
+                    <a:tc>
+                      <a:txBody>
+                        <a:bodyPr/>
+                        <a:lstStyle/>
+                        <a:p>
+                          <a:pPr algn="r">
+                            <a:spcBef>
+                              <a:spcPts val="600"/>
+                            </a:spcBef>
+                            <a:spcAft>
+                              <a:spcPts val="600"/>
+                            </a:spcAft>
+                          </a:pPr>
+                          <a:r>
+                            <a:rPr lang="hr-HR" sz="3600" dirty="0">
+                              <a:effectLst/>
+                            </a:rPr>
+                            <a:t>1</a:t>
+                          </a:r>
+                          <a:endParaRPr lang="hr-HR" sz="3600" dirty="0">
+                            <a:effectLst/>
+                            <a:latin typeface="Arial" panose="020B0604020202020204" pitchFamily="34" charset="0"/>
+                            <a:ea typeface="Times New Roman" panose="02020603050405020304" pitchFamily="18" charset="0"/>
+                            <a:cs typeface="Times New Roman" panose="02020603050405020304" pitchFamily="18" charset="0"/>
+                          </a:endParaRPr>
+                        </a:p>
+                      </a:txBody>
+                      <a:tcPr marL="68580" marR="68580" marT="0" marB="0" anchor="ctr"/>
+                    </a:tc>
+                    <a:extLst>
+                      <a:ext uri="{0D108BD9-81ED-4DB2-BD59-A6C34878D82A}">
+                        <a16:rowId xmlns:a16="http://schemas.microsoft.com/office/drawing/2014/main" val="1296988268"/>
+                      </a:ext>
+                    </a:extLst>
+                  </a:tr>
+                  <a:tr h="623455">
+                    <a:tc>
+                      <a:txBody>
+                        <a:bodyPr/>
+                        <a:lstStyle/>
+                        <a:p>
+                          <a:pPr algn="ctr">
+                            <a:spcBef>
+                              <a:spcPts val="600"/>
+                            </a:spcBef>
+                            <a:spcAft>
+                              <a:spcPts val="600"/>
+                            </a:spcAft>
+                          </a:pPr>
+                          <a:r>
+                            <a:rPr lang="hr-HR" sz="2800" dirty="0" err="1">
+                              <a:effectLst/>
+                            </a:rPr>
+                            <a:t>Flu</a:t>
+                          </a:r>
+                          <a:endParaRPr lang="hr-HR" sz="2800" dirty="0">
+                            <a:effectLst/>
+                            <a:latin typeface="Arial" panose="020B0604020202020204" pitchFamily="34" charset="0"/>
+                            <a:ea typeface="Times New Roman" panose="02020603050405020304" pitchFamily="18" charset="0"/>
+                            <a:cs typeface="Times New Roman" panose="02020603050405020304" pitchFamily="18" charset="0"/>
+                          </a:endParaRPr>
+                        </a:p>
+                      </a:txBody>
+                      <a:tcPr marL="68580" marR="68580" marT="0" marB="0" anchor="ctr"/>
+                    </a:tc>
+                    <a:tc>
+                      <a:txBody>
+                        <a:bodyPr/>
+                        <a:lstStyle/>
+                        <a:p>
+                          <a:pPr algn="r">
+                            <a:spcBef>
+                              <a:spcPts val="600"/>
+                            </a:spcBef>
+                            <a:spcAft>
+                              <a:spcPts val="600"/>
+                            </a:spcAft>
+                          </a:pPr>
+                          <a:r>
+                            <a:rPr lang="hr-HR" sz="3200">
+                              <a:effectLst/>
+                            </a:rPr>
+                            <a:t>3.990</a:t>
+                          </a:r>
+                          <a:endParaRPr lang="hr-HR" sz="3200">
+                            <a:effectLst/>
+                            <a:latin typeface="Arial" panose="020B0604020202020204" pitchFamily="34" charset="0"/>
+                            <a:ea typeface="Times New Roman" panose="02020603050405020304" pitchFamily="18" charset="0"/>
+                            <a:cs typeface="Times New Roman" panose="02020603050405020304" pitchFamily="18" charset="0"/>
+                          </a:endParaRPr>
+                        </a:p>
+                      </a:txBody>
+                      <a:tcPr marL="68580" marR="68580" marT="0" marB="0" anchor="ctr"/>
+                    </a:tc>
+                    <a:tc>
+                      <a:txBody>
+                        <a:bodyPr/>
+                        <a:lstStyle/>
+                        <a:p>
+                          <a:pPr algn="r">
+                            <a:spcBef>
+                              <a:spcPts val="600"/>
+                            </a:spcBef>
+                            <a:spcAft>
+                              <a:spcPts val="600"/>
+                            </a:spcAft>
+                          </a:pPr>
+                          <a:r>
+                            <a:rPr lang="hr-HR" sz="3600" dirty="0">
+                              <a:effectLst/>
+                            </a:rPr>
+                            <a:t>4</a:t>
+                          </a:r>
+                          <a:endParaRPr lang="hr-HR" sz="3600" dirty="0">
+                            <a:effectLst/>
+                            <a:latin typeface="Arial" panose="020B0604020202020204" pitchFamily="34" charset="0"/>
+                            <a:ea typeface="Times New Roman" panose="02020603050405020304" pitchFamily="18" charset="0"/>
+                            <a:cs typeface="Times New Roman" panose="02020603050405020304" pitchFamily="18" charset="0"/>
+                          </a:endParaRPr>
+                        </a:p>
+                      </a:txBody>
+                      <a:tcPr marL="68580" marR="68580" marT="0" marB="0" anchor="ctr"/>
+                    </a:tc>
+                    <a:tc>
+                      <a:txBody>
+                        <a:bodyPr/>
+                        <a:lstStyle/>
+                        <a:p>
+                          <a:pPr algn="r">
+                            <a:spcBef>
+                              <a:spcPts val="600"/>
+                            </a:spcBef>
+                            <a:spcAft>
+                              <a:spcPts val="600"/>
+                            </a:spcAft>
+                          </a:pPr>
+                          <a:r>
+                            <a:rPr lang="hr-HR" sz="3600" dirty="0">
+                              <a:effectLst/>
+                            </a:rPr>
+                            <a:t>&lt; 1</a:t>
+                          </a:r>
+                          <a:endParaRPr lang="hr-HR" sz="3600" dirty="0">
+                            <a:effectLst/>
+                            <a:latin typeface="Arial" panose="020B0604020202020204" pitchFamily="34" charset="0"/>
+                            <a:ea typeface="Times New Roman" panose="02020603050405020304" pitchFamily="18" charset="0"/>
+                            <a:cs typeface="Times New Roman" panose="02020603050405020304" pitchFamily="18" charset="0"/>
+                          </a:endParaRPr>
+                        </a:p>
+                      </a:txBody>
+                      <a:tcPr marL="68580" marR="68580" marT="0" marB="0" anchor="ctr"/>
+                    </a:tc>
+                    <a:tc>
+                      <a:txBody>
+                        <a:bodyPr/>
+                        <a:lstStyle/>
+                        <a:p>
+                          <a:pPr algn="r">
+                            <a:spcBef>
+                              <a:spcPts val="600"/>
+                            </a:spcBef>
+                            <a:spcAft>
+                              <a:spcPts val="600"/>
+                            </a:spcAft>
+                          </a:pPr>
+                          <a:r>
+                            <a:rPr lang="hr-HR" sz="3600">
+                              <a:effectLst/>
+                            </a:rPr>
+                            <a:t>1</a:t>
+                          </a:r>
+                          <a:endParaRPr lang="hr-HR" sz="3600">
+                            <a:effectLst/>
+                            <a:latin typeface="Arial" panose="020B0604020202020204" pitchFamily="34" charset="0"/>
+                            <a:ea typeface="Times New Roman" panose="02020603050405020304" pitchFamily="18" charset="0"/>
+                            <a:cs typeface="Times New Roman" panose="02020603050405020304" pitchFamily="18" charset="0"/>
+                          </a:endParaRPr>
+                        </a:p>
+                      </a:txBody>
+                      <a:tcPr marL="68580" marR="68580" marT="0" marB="0" anchor="ctr"/>
+                    </a:tc>
+                    <a:tc>
+                      <a:txBody>
+                        <a:bodyPr/>
+                        <a:lstStyle/>
+                        <a:p>
+                          <a:pPr algn="r">
+                            <a:spcBef>
+                              <a:spcPts val="600"/>
+                            </a:spcBef>
+                            <a:spcAft>
+                              <a:spcPts val="600"/>
+                            </a:spcAft>
+                          </a:pPr>
+                          <a:r>
+                            <a:rPr lang="hr-HR" sz="3600" dirty="0">
+                              <a:effectLst/>
+                            </a:rPr>
+                            <a:t>1</a:t>
+                          </a:r>
+                          <a:endParaRPr lang="hr-HR" sz="3600" dirty="0">
+                            <a:effectLst/>
+                            <a:latin typeface="Arial" panose="020B0604020202020204" pitchFamily="34" charset="0"/>
+                            <a:ea typeface="Times New Roman" panose="02020603050405020304" pitchFamily="18" charset="0"/>
+                            <a:cs typeface="Times New Roman" panose="02020603050405020304" pitchFamily="18" charset="0"/>
+                          </a:endParaRPr>
+                        </a:p>
+                      </a:txBody>
+                      <a:tcPr marL="68580" marR="68580" marT="0" marB="0" anchor="ctr"/>
+                    </a:tc>
+                    <a:extLst>
+                      <a:ext uri="{0D108BD9-81ED-4DB2-BD59-A6C34878D82A}">
+                        <a16:rowId xmlns:a16="http://schemas.microsoft.com/office/drawing/2014/main" val="69609695"/>
+                      </a:ext>
+                    </a:extLst>
+                  </a:tr>
+                  <a:tr h="623455">
+                    <a:tc>
+                      <a:txBody>
+                        <a:bodyPr/>
+                        <a:lstStyle/>
+                        <a:p>
+                          <a:pPr algn="ctr">
+                            <a:spcBef>
+                              <a:spcPts val="600"/>
+                            </a:spcBef>
+                            <a:spcAft>
+                              <a:spcPts val="600"/>
+                            </a:spcAft>
+                          </a:pPr>
+                          <a:r>
+                            <a:rPr lang="hr-HR" sz="2800" dirty="0" err="1">
+                              <a:effectLst/>
+                            </a:rPr>
+                            <a:t>Camelpox</a:t>
+                          </a:r>
+                          <a:endParaRPr lang="hr-HR" sz="2800" dirty="0">
+                            <a:effectLst/>
+                            <a:latin typeface="Arial" panose="020B0604020202020204" pitchFamily="34" charset="0"/>
+                            <a:ea typeface="Times New Roman" panose="02020603050405020304" pitchFamily="18" charset="0"/>
+                            <a:cs typeface="Times New Roman" panose="02020603050405020304" pitchFamily="18" charset="0"/>
+                          </a:endParaRPr>
+                        </a:p>
+                      </a:txBody>
+                      <a:tcPr marL="68580" marR="68580" marT="0" marB="0" anchor="ctr"/>
+                    </a:tc>
+                    <a:tc>
+                      <a:txBody>
+                        <a:bodyPr/>
+                        <a:lstStyle/>
+                        <a:p>
+                          <a:pPr algn="r">
+                            <a:spcBef>
+                              <a:spcPts val="600"/>
+                            </a:spcBef>
+                            <a:spcAft>
+                              <a:spcPts val="600"/>
+                            </a:spcAft>
+                          </a:pPr>
+                          <a:r>
+                            <a:rPr lang="hr-HR" sz="3200">
+                              <a:effectLst/>
+                            </a:rPr>
+                            <a:t>205.719</a:t>
+                          </a:r>
+                          <a:endParaRPr lang="hr-HR" sz="3200">
+                            <a:effectLst/>
+                            <a:latin typeface="Arial" panose="020B0604020202020204" pitchFamily="34" charset="0"/>
+                            <a:ea typeface="Times New Roman" panose="02020603050405020304" pitchFamily="18" charset="0"/>
+                            <a:cs typeface="Times New Roman" panose="02020603050405020304" pitchFamily="18" charset="0"/>
+                          </a:endParaRPr>
+                        </a:p>
+                      </a:txBody>
+                      <a:tcPr marL="68580" marR="68580" marT="0" marB="0" anchor="ctr"/>
+                    </a:tc>
+                    <a:tc>
+                      <a:txBody>
+                        <a:bodyPr/>
+                        <a:lstStyle/>
+                        <a:p>
+                          <a:pPr algn="r">
+                            <a:spcBef>
+                              <a:spcPts val="600"/>
+                            </a:spcBef>
+                            <a:spcAft>
+                              <a:spcPts val="600"/>
+                            </a:spcAft>
+                          </a:pPr>
+                          <a:r>
+                            <a:rPr lang="hr-HR" sz="3600" dirty="0">
+                              <a:effectLst/>
+                            </a:rPr>
+                            <a:t>4</a:t>
+                          </a:r>
+                          <a:endParaRPr lang="hr-HR" sz="3600" dirty="0">
+                            <a:effectLst/>
+                            <a:latin typeface="Arial" panose="020B0604020202020204" pitchFamily="34" charset="0"/>
+                            <a:ea typeface="Times New Roman" panose="02020603050405020304" pitchFamily="18" charset="0"/>
+                            <a:cs typeface="Times New Roman" panose="02020603050405020304" pitchFamily="18" charset="0"/>
+                          </a:endParaRPr>
+                        </a:p>
+                      </a:txBody>
+                      <a:tcPr marL="68580" marR="68580" marT="0" marB="0" anchor="ctr"/>
+                    </a:tc>
+                    <a:tc>
+                      <a:txBody>
+                        <a:bodyPr/>
+                        <a:lstStyle/>
+                        <a:p>
+                          <a:pPr algn="r">
+                            <a:spcBef>
+                              <a:spcPts val="600"/>
+                            </a:spcBef>
+                            <a:spcAft>
+                              <a:spcPts val="600"/>
+                            </a:spcAft>
+                          </a:pPr>
+                          <a:r>
+                            <a:rPr lang="hr-HR" sz="3600" dirty="0">
+                              <a:effectLst/>
+                            </a:rPr>
+                            <a:t>&lt; 1</a:t>
+                          </a:r>
+                          <a:endParaRPr lang="hr-HR" sz="3600" dirty="0">
+                            <a:effectLst/>
+                            <a:latin typeface="Arial" panose="020B0604020202020204" pitchFamily="34" charset="0"/>
+                            <a:ea typeface="Times New Roman" panose="02020603050405020304" pitchFamily="18" charset="0"/>
+                            <a:cs typeface="Times New Roman" panose="02020603050405020304" pitchFamily="18" charset="0"/>
+                          </a:endParaRPr>
+                        </a:p>
+                      </a:txBody>
+                      <a:tcPr marL="68580" marR="68580" marT="0" marB="0" anchor="ctr"/>
+                    </a:tc>
+                    <a:tc>
+                      <a:txBody>
+                        <a:bodyPr/>
+                        <a:lstStyle/>
+                        <a:p>
+                          <a:pPr algn="r">
+                            <a:spcBef>
+                              <a:spcPts val="600"/>
+                            </a:spcBef>
+                            <a:spcAft>
+                              <a:spcPts val="600"/>
+                            </a:spcAft>
+                          </a:pPr>
+                          <a:r>
+                            <a:rPr lang="hr-HR" sz="3600" dirty="0">
+                              <a:effectLst/>
+                            </a:rPr>
+                            <a:t>2</a:t>
+                          </a:r>
+                          <a:endParaRPr lang="hr-HR" sz="3600" dirty="0">
+                            <a:effectLst/>
+                            <a:latin typeface="Arial" panose="020B0604020202020204" pitchFamily="34" charset="0"/>
+                            <a:ea typeface="Times New Roman" panose="02020603050405020304" pitchFamily="18" charset="0"/>
+                            <a:cs typeface="Times New Roman" panose="02020603050405020304" pitchFamily="18" charset="0"/>
+                          </a:endParaRPr>
+                        </a:p>
+                      </a:txBody>
+                      <a:tcPr marL="68580" marR="68580" marT="0" marB="0" anchor="ctr"/>
+                    </a:tc>
+                    <a:tc>
+                      <a:txBody>
+                        <a:bodyPr/>
+                        <a:lstStyle/>
+                        <a:p>
+                          <a:pPr algn="r">
+                            <a:spcBef>
+                              <a:spcPts val="600"/>
+                            </a:spcBef>
+                            <a:spcAft>
+                              <a:spcPts val="600"/>
+                            </a:spcAft>
+                          </a:pPr>
+                          <a:r>
+                            <a:rPr lang="hr-HR" sz="3600" dirty="0">
+                              <a:effectLst/>
+                            </a:rPr>
+                            <a:t>2</a:t>
+                          </a:r>
+                          <a:endParaRPr lang="hr-HR" sz="3600" dirty="0">
+                            <a:effectLst/>
+                            <a:latin typeface="Arial" panose="020B0604020202020204" pitchFamily="34" charset="0"/>
+                            <a:ea typeface="Times New Roman" panose="02020603050405020304" pitchFamily="18" charset="0"/>
+                            <a:cs typeface="Times New Roman" panose="02020603050405020304" pitchFamily="18" charset="0"/>
+                          </a:endParaRPr>
+                        </a:p>
+                      </a:txBody>
+                      <a:tcPr marL="68580" marR="68580" marT="0" marB="0" anchor="ctr"/>
+                    </a:tc>
+                    <a:extLst>
+                      <a:ext uri="{0D108BD9-81ED-4DB2-BD59-A6C34878D82A}">
+                        <a16:rowId xmlns:a16="http://schemas.microsoft.com/office/drawing/2014/main" val="3267630011"/>
+                      </a:ext>
+                    </a:extLst>
+                  </a:tr>
+                  <a:tr h="623455">
+                    <a:tc>
+                      <a:txBody>
+                        <a:bodyPr/>
+                        <a:lstStyle/>
+                        <a:p>
+                          <a:pPr algn="ctr">
+                            <a:spcBef>
+                              <a:spcPts val="600"/>
+                            </a:spcBef>
+                            <a:spcAft>
+                              <a:spcPts val="600"/>
+                            </a:spcAft>
+                          </a:pPr>
+                          <a:r>
+                            <a:rPr lang="hr-HR" sz="2800" dirty="0">
+                              <a:effectLst/>
+                            </a:rPr>
+                            <a:t>Bact1</a:t>
+                          </a:r>
+                          <a:endParaRPr lang="hr-HR" sz="2800" dirty="0">
+                            <a:effectLst/>
+                            <a:latin typeface="Arial" panose="020B0604020202020204" pitchFamily="34" charset="0"/>
+                            <a:ea typeface="Times New Roman" panose="02020603050405020304" pitchFamily="18" charset="0"/>
+                            <a:cs typeface="Times New Roman" panose="02020603050405020304" pitchFamily="18" charset="0"/>
+                          </a:endParaRPr>
+                        </a:p>
+                      </a:txBody>
+                      <a:tcPr marL="68580" marR="68580" marT="0" marB="0" anchor="ctr"/>
+                    </a:tc>
+                    <a:tc>
+                      <a:txBody>
+                        <a:bodyPr/>
+                        <a:lstStyle/>
+                        <a:p>
+                          <a:pPr algn="r">
+                            <a:spcBef>
+                              <a:spcPts val="600"/>
+                            </a:spcBef>
+                            <a:spcAft>
+                              <a:spcPts val="600"/>
+                            </a:spcAft>
+                          </a:pPr>
+                          <a:r>
+                            <a:rPr lang="hr-HR" sz="3200">
+                              <a:effectLst/>
+                            </a:rPr>
+                            <a:t>1.587.120</a:t>
+                          </a:r>
+                          <a:endParaRPr lang="hr-HR" sz="3200">
+                            <a:effectLst/>
+                            <a:latin typeface="Arial" panose="020B0604020202020204" pitchFamily="34" charset="0"/>
+                            <a:ea typeface="Times New Roman" panose="02020603050405020304" pitchFamily="18" charset="0"/>
+                            <a:cs typeface="Times New Roman" panose="02020603050405020304" pitchFamily="18" charset="0"/>
+                          </a:endParaRPr>
+                        </a:p>
+                      </a:txBody>
+                      <a:tcPr marL="68580" marR="68580" marT="0" marB="0" anchor="ctr"/>
+                    </a:tc>
+                    <a:tc>
+                      <a:txBody>
+                        <a:bodyPr/>
+                        <a:lstStyle/>
+                        <a:p>
+                          <a:pPr algn="r">
+                            <a:spcBef>
+                              <a:spcPts val="600"/>
+                            </a:spcBef>
+                            <a:spcAft>
+                              <a:spcPts val="600"/>
+                            </a:spcAft>
+                          </a:pPr>
+                          <a:r>
+                            <a:rPr lang="hr-HR" sz="3600">
+                              <a:effectLst/>
+                            </a:rPr>
+                            <a:t>4</a:t>
+                          </a:r>
+                          <a:endParaRPr lang="hr-HR" sz="3600">
+                            <a:effectLst/>
+                            <a:latin typeface="Arial" panose="020B0604020202020204" pitchFamily="34" charset="0"/>
+                            <a:ea typeface="Times New Roman" panose="02020603050405020304" pitchFamily="18" charset="0"/>
+                            <a:cs typeface="Times New Roman" panose="02020603050405020304" pitchFamily="18" charset="0"/>
+                          </a:endParaRPr>
+                        </a:p>
+                      </a:txBody>
+                      <a:tcPr marL="68580" marR="68580" marT="0" marB="0" anchor="ctr"/>
+                    </a:tc>
+                    <a:tc>
+                      <a:txBody>
+                        <a:bodyPr/>
+                        <a:lstStyle/>
+                        <a:p>
+                          <a:pPr algn="r">
+                            <a:spcBef>
+                              <a:spcPts val="600"/>
+                            </a:spcBef>
+                            <a:spcAft>
+                              <a:spcPts val="600"/>
+                            </a:spcAft>
+                          </a:pPr>
+                          <a:r>
+                            <a:rPr lang="hr-HR" sz="3600" dirty="0">
+                              <a:effectLst/>
+                            </a:rPr>
+                            <a:t>1</a:t>
+                          </a:r>
+                          <a:endParaRPr lang="hr-HR" sz="3600" dirty="0">
+                            <a:effectLst/>
+                            <a:latin typeface="Arial" panose="020B0604020202020204" pitchFamily="34" charset="0"/>
+                            <a:ea typeface="Times New Roman" panose="02020603050405020304" pitchFamily="18" charset="0"/>
+                            <a:cs typeface="Times New Roman" panose="02020603050405020304" pitchFamily="18" charset="0"/>
+                          </a:endParaRPr>
+                        </a:p>
+                      </a:txBody>
+                      <a:tcPr marL="68580" marR="68580" marT="0" marB="0" anchor="ctr"/>
+                    </a:tc>
+                    <a:tc>
+                      <a:txBody>
+                        <a:bodyPr/>
+                        <a:lstStyle/>
+                        <a:p>
+                          <a:pPr algn="r">
+                            <a:spcBef>
+                              <a:spcPts val="600"/>
+                            </a:spcBef>
+                            <a:spcAft>
+                              <a:spcPts val="600"/>
+                            </a:spcAft>
+                          </a:pPr>
+                          <a:r>
+                            <a:rPr lang="hr-HR" sz="3600" dirty="0">
+                              <a:effectLst/>
+                            </a:rPr>
+                            <a:t>3</a:t>
+                          </a:r>
+                          <a:endParaRPr lang="hr-HR" sz="3600" dirty="0">
+                            <a:effectLst/>
+                            <a:latin typeface="Arial" panose="020B0604020202020204" pitchFamily="34" charset="0"/>
+                            <a:ea typeface="Times New Roman" panose="02020603050405020304" pitchFamily="18" charset="0"/>
+                            <a:cs typeface="Times New Roman" panose="02020603050405020304" pitchFamily="18" charset="0"/>
+                          </a:endParaRPr>
+                        </a:p>
+                      </a:txBody>
+                      <a:tcPr marL="68580" marR="68580" marT="0" marB="0" anchor="ctr"/>
+                    </a:tc>
+                    <a:tc>
+                      <a:txBody>
+                        <a:bodyPr/>
+                        <a:lstStyle/>
+                        <a:p>
+                          <a:pPr algn="r">
+                            <a:spcBef>
+                              <a:spcPts val="600"/>
+                            </a:spcBef>
+                            <a:spcAft>
+                              <a:spcPts val="600"/>
+                            </a:spcAft>
+                          </a:pPr>
+                          <a:r>
+                            <a:rPr lang="hr-HR" sz="3600" dirty="0">
+                              <a:effectLst/>
+                            </a:rPr>
+                            <a:t>3</a:t>
+                          </a:r>
+                          <a:endParaRPr lang="hr-HR" sz="3600" dirty="0">
+                            <a:effectLst/>
+                            <a:latin typeface="Arial" panose="020B0604020202020204" pitchFamily="34" charset="0"/>
+                            <a:ea typeface="Times New Roman" panose="02020603050405020304" pitchFamily="18" charset="0"/>
+                            <a:cs typeface="Times New Roman" panose="02020603050405020304" pitchFamily="18" charset="0"/>
+                          </a:endParaRPr>
+                        </a:p>
+                      </a:txBody>
+                      <a:tcPr marL="68580" marR="68580" marT="0" marB="0" anchor="ctr"/>
+                    </a:tc>
+                    <a:extLst>
+                      <a:ext uri="{0D108BD9-81ED-4DB2-BD59-A6C34878D82A}">
+                        <a16:rowId xmlns:a16="http://schemas.microsoft.com/office/drawing/2014/main" val="1366957895"/>
+                      </a:ext>
+                    </a:extLst>
+                  </a:tr>
+                  <a:tr h="623455">
+                    <a:tc>
+                      <a:txBody>
+                        <a:bodyPr/>
+                        <a:lstStyle/>
+                        <a:p>
+                          <a:pPr algn="ctr">
+                            <a:spcBef>
+                              <a:spcPts val="600"/>
+                            </a:spcBef>
+                            <a:spcAft>
+                              <a:spcPts val="600"/>
+                            </a:spcAft>
+                          </a:pPr>
+                          <a:r>
+                            <a:rPr lang="hr-HR" sz="2800" dirty="0" err="1">
+                              <a:effectLst/>
+                            </a:rPr>
+                            <a:t>Pig</a:t>
+                          </a:r>
+                          <a:endParaRPr lang="hr-HR" sz="2800" dirty="0">
+                            <a:effectLst/>
+                            <a:latin typeface="Arial" panose="020B0604020202020204" pitchFamily="34" charset="0"/>
+                            <a:ea typeface="Times New Roman" panose="02020603050405020304" pitchFamily="18" charset="0"/>
+                            <a:cs typeface="Times New Roman" panose="02020603050405020304" pitchFamily="18" charset="0"/>
+                          </a:endParaRPr>
+                        </a:p>
+                      </a:txBody>
+                      <a:tcPr marL="68580" marR="68580" marT="0" marB="0" anchor="ctr"/>
+                    </a:tc>
+                    <a:tc>
+                      <a:txBody>
+                        <a:bodyPr/>
+                        <a:lstStyle/>
+                        <a:p>
+                          <a:pPr algn="r">
+                            <a:spcBef>
+                              <a:spcPts val="600"/>
+                            </a:spcBef>
+                            <a:spcAft>
+                              <a:spcPts val="600"/>
+                            </a:spcAft>
+                          </a:pPr>
+                          <a:r>
+                            <a:rPr lang="hr-HR" sz="3200" dirty="0">
+                              <a:effectLst/>
+                            </a:rPr>
+                            <a:t>1.637.716</a:t>
+                          </a:r>
+                          <a:endParaRPr lang="hr-HR" sz="3200" dirty="0">
+                            <a:effectLst/>
+                            <a:latin typeface="Arial" panose="020B0604020202020204" pitchFamily="34" charset="0"/>
+                            <a:ea typeface="Times New Roman" panose="02020603050405020304" pitchFamily="18" charset="0"/>
+                            <a:cs typeface="Times New Roman" panose="02020603050405020304" pitchFamily="18" charset="0"/>
+                          </a:endParaRPr>
+                        </a:p>
+                      </a:txBody>
+                      <a:tcPr marL="68580" marR="68580" marT="0" marB="0" anchor="ctr"/>
+                    </a:tc>
+                    <a:tc>
+                      <a:txBody>
+                        <a:bodyPr/>
+                        <a:lstStyle/>
+                        <a:p>
+                          <a:pPr algn="r">
+                            <a:spcBef>
+                              <a:spcPts val="600"/>
+                            </a:spcBef>
+                            <a:spcAft>
+                              <a:spcPts val="600"/>
+                            </a:spcAft>
+                          </a:pPr>
+                          <a:r>
+                            <a:rPr lang="hr-HR" sz="3600" dirty="0">
+                              <a:effectLst/>
+                            </a:rPr>
+                            <a:t>5</a:t>
+                          </a:r>
+                          <a:endParaRPr lang="hr-HR" sz="3600" dirty="0">
+                            <a:effectLst/>
+                            <a:latin typeface="Arial" panose="020B0604020202020204" pitchFamily="34" charset="0"/>
+                            <a:ea typeface="Times New Roman" panose="02020603050405020304" pitchFamily="18" charset="0"/>
+                            <a:cs typeface="Times New Roman" panose="02020603050405020304" pitchFamily="18" charset="0"/>
+                          </a:endParaRPr>
+                        </a:p>
+                      </a:txBody>
+                      <a:tcPr marL="68580" marR="68580" marT="0" marB="0" anchor="ctr"/>
+                    </a:tc>
+                    <a:tc>
+                      <a:txBody>
+                        <a:bodyPr/>
+                        <a:lstStyle/>
+                        <a:p>
+                          <a:pPr algn="r">
+                            <a:spcBef>
+                              <a:spcPts val="600"/>
+                            </a:spcBef>
+                            <a:spcAft>
+                              <a:spcPts val="600"/>
+                            </a:spcAft>
+                          </a:pPr>
+                          <a:r>
+                            <a:rPr lang="hr-HR" sz="3600" dirty="0">
+                              <a:effectLst/>
+                            </a:rPr>
+                            <a:t>1</a:t>
+                          </a:r>
+                          <a:endParaRPr lang="hr-HR" sz="3600" dirty="0">
+                            <a:effectLst/>
+                            <a:latin typeface="Arial" panose="020B0604020202020204" pitchFamily="34" charset="0"/>
+                            <a:ea typeface="Times New Roman" panose="02020603050405020304" pitchFamily="18" charset="0"/>
+                            <a:cs typeface="Times New Roman" panose="02020603050405020304" pitchFamily="18" charset="0"/>
+                          </a:endParaRPr>
+                        </a:p>
+                      </a:txBody>
+                      <a:tcPr marL="68580" marR="68580" marT="0" marB="0" anchor="ctr"/>
+                    </a:tc>
+                    <a:tc>
+                      <a:txBody>
+                        <a:bodyPr/>
+                        <a:lstStyle/>
+                        <a:p>
+                          <a:pPr algn="r">
+                            <a:spcBef>
+                              <a:spcPts val="600"/>
+                            </a:spcBef>
+                            <a:spcAft>
+                              <a:spcPts val="600"/>
+                            </a:spcAft>
+                          </a:pPr>
+                          <a:r>
+                            <a:rPr lang="hr-HR" sz="3600" dirty="0">
+                              <a:effectLst/>
+                            </a:rPr>
+                            <a:t>4</a:t>
+                          </a:r>
+                          <a:endParaRPr lang="hr-HR" sz="3600" dirty="0">
+                            <a:effectLst/>
+                            <a:latin typeface="Arial" panose="020B0604020202020204" pitchFamily="34" charset="0"/>
+                            <a:ea typeface="Times New Roman" panose="02020603050405020304" pitchFamily="18" charset="0"/>
+                            <a:cs typeface="Times New Roman" panose="02020603050405020304" pitchFamily="18" charset="0"/>
+                          </a:endParaRPr>
+                        </a:p>
+                      </a:txBody>
+                      <a:tcPr marL="68580" marR="68580" marT="0" marB="0" anchor="ctr"/>
+                    </a:tc>
+                    <a:tc>
+                      <a:txBody>
+                        <a:bodyPr/>
+                        <a:lstStyle/>
+                        <a:p>
+                          <a:pPr algn="r">
+                            <a:spcBef>
+                              <a:spcPts val="600"/>
+                            </a:spcBef>
+                            <a:spcAft>
+                              <a:spcPts val="600"/>
+                            </a:spcAft>
+                          </a:pPr>
+                          <a:r>
+                            <a:rPr lang="hr-HR" sz="3600" dirty="0">
+                              <a:effectLst/>
+                            </a:rPr>
+                            <a:t>3</a:t>
+                          </a:r>
+                          <a:endParaRPr lang="hr-HR" sz="3600" dirty="0">
+                            <a:effectLst/>
+                            <a:latin typeface="Arial" panose="020B0604020202020204" pitchFamily="34" charset="0"/>
+                            <a:ea typeface="Times New Roman" panose="02020603050405020304" pitchFamily="18" charset="0"/>
+                            <a:cs typeface="Times New Roman" panose="02020603050405020304" pitchFamily="18" charset="0"/>
+                          </a:endParaRPr>
+                        </a:p>
+                      </a:txBody>
+                      <a:tcPr marL="68580" marR="68580" marT="0" marB="0" anchor="ctr"/>
+                    </a:tc>
+                    <a:extLst>
+                      <a:ext uri="{0D108BD9-81ED-4DB2-BD59-A6C34878D82A}">
+                        <a16:rowId xmlns:a16="http://schemas.microsoft.com/office/drawing/2014/main" val="3064496087"/>
+                      </a:ext>
+                    </a:extLst>
+                  </a:tr>
+                  <a:tr h="623455">
+                    <a:tc>
+                      <a:txBody>
+                        <a:bodyPr/>
+                        <a:lstStyle/>
+                        <a:p>
+                          <a:pPr algn="ctr">
+                            <a:spcBef>
+                              <a:spcPts val="600"/>
+                            </a:spcBef>
+                            <a:spcAft>
+                              <a:spcPts val="600"/>
+                            </a:spcAft>
+                          </a:pPr>
+                          <a:r>
+                            <a:rPr lang="hr-HR" sz="2800">
+                              <a:effectLst/>
+                            </a:rPr>
+                            <a:t>Bact2</a:t>
+                          </a:r>
+                          <a:endParaRPr lang="hr-HR" sz="2800">
+                            <a:effectLst/>
+                            <a:latin typeface="Arial" panose="020B0604020202020204" pitchFamily="34" charset="0"/>
+                            <a:ea typeface="Times New Roman" panose="02020603050405020304" pitchFamily="18" charset="0"/>
+                            <a:cs typeface="Times New Roman" panose="02020603050405020304" pitchFamily="18" charset="0"/>
+                          </a:endParaRPr>
+                        </a:p>
+                      </a:txBody>
+                      <a:tcPr marL="68580" marR="68580" marT="0" marB="0" anchor="ctr"/>
+                    </a:tc>
+                    <a:tc>
+                      <a:txBody>
+                        <a:bodyPr/>
+                        <a:lstStyle/>
+                        <a:p>
+                          <a:pPr algn="r">
+                            <a:spcBef>
+                              <a:spcPts val="600"/>
+                            </a:spcBef>
+                            <a:spcAft>
+                              <a:spcPts val="600"/>
+                            </a:spcAft>
+                          </a:pPr>
+                          <a:r>
+                            <a:rPr lang="hr-HR" sz="3200">
+                              <a:effectLst/>
+                            </a:rPr>
+                            <a:t>3.018.312</a:t>
+                          </a:r>
+                          <a:endParaRPr lang="hr-HR" sz="3200">
+                            <a:effectLst/>
+                            <a:latin typeface="Arial" panose="020B0604020202020204" pitchFamily="34" charset="0"/>
+                            <a:ea typeface="Times New Roman" panose="02020603050405020304" pitchFamily="18" charset="0"/>
+                            <a:cs typeface="Times New Roman" panose="02020603050405020304" pitchFamily="18" charset="0"/>
+                          </a:endParaRPr>
+                        </a:p>
+                      </a:txBody>
+                      <a:tcPr marL="68580" marR="68580" marT="0" marB="0" anchor="ctr"/>
+                    </a:tc>
+                    <a:tc>
+                      <a:txBody>
+                        <a:bodyPr/>
+                        <a:lstStyle/>
+                        <a:p>
+                          <a:pPr algn="r">
+                            <a:spcBef>
+                              <a:spcPts val="600"/>
+                            </a:spcBef>
+                            <a:spcAft>
+                              <a:spcPts val="600"/>
+                            </a:spcAft>
+                          </a:pPr>
+                          <a:r>
+                            <a:rPr lang="hr-HR" sz="3600">
+                              <a:effectLst/>
+                            </a:rPr>
+                            <a:t>4</a:t>
+                          </a:r>
+                          <a:endParaRPr lang="hr-HR" sz="3600">
+                            <a:effectLst/>
+                            <a:latin typeface="Arial" panose="020B0604020202020204" pitchFamily="34" charset="0"/>
+                            <a:ea typeface="Times New Roman" panose="02020603050405020304" pitchFamily="18" charset="0"/>
+                            <a:cs typeface="Times New Roman" panose="02020603050405020304" pitchFamily="18" charset="0"/>
+                          </a:endParaRPr>
+                        </a:p>
+                      </a:txBody>
+                      <a:tcPr marL="68580" marR="68580" marT="0" marB="0" anchor="ctr"/>
+                    </a:tc>
+                    <a:tc>
+                      <a:txBody>
+                        <a:bodyPr/>
+                        <a:lstStyle/>
+                        <a:p>
+                          <a:pPr algn="r">
+                            <a:spcBef>
+                              <a:spcPts val="600"/>
+                            </a:spcBef>
+                            <a:spcAft>
+                              <a:spcPts val="600"/>
+                            </a:spcAft>
+                          </a:pPr>
+                          <a:r>
+                            <a:rPr lang="hr-HR" sz="3600">
+                              <a:effectLst/>
+                            </a:rPr>
+                            <a:t>1</a:t>
+                          </a:r>
+                          <a:endParaRPr lang="hr-HR" sz="3600">
+                            <a:effectLst/>
+                            <a:latin typeface="Arial" panose="020B0604020202020204" pitchFamily="34" charset="0"/>
+                            <a:ea typeface="Times New Roman" panose="02020603050405020304" pitchFamily="18" charset="0"/>
+                            <a:cs typeface="Times New Roman" panose="02020603050405020304" pitchFamily="18" charset="0"/>
+                          </a:endParaRPr>
+                        </a:p>
+                      </a:txBody>
+                      <a:tcPr marL="68580" marR="68580" marT="0" marB="0" anchor="ctr"/>
+                    </a:tc>
+                    <a:tc>
+                      <a:txBody>
+                        <a:bodyPr/>
+                        <a:lstStyle/>
+                        <a:p>
+                          <a:pPr algn="r">
+                            <a:spcBef>
+                              <a:spcPts val="600"/>
+                            </a:spcBef>
+                            <a:spcAft>
+                              <a:spcPts val="600"/>
+                            </a:spcAft>
+                          </a:pPr>
+                          <a:r>
+                            <a:rPr lang="hr-HR" sz="3600" dirty="0">
+                              <a:effectLst/>
+                            </a:rPr>
+                            <a:t>3</a:t>
+                          </a:r>
+                          <a:endParaRPr lang="hr-HR" sz="3600" dirty="0">
+                            <a:effectLst/>
+                            <a:latin typeface="Arial" panose="020B0604020202020204" pitchFamily="34" charset="0"/>
+                            <a:ea typeface="Times New Roman" panose="02020603050405020304" pitchFamily="18" charset="0"/>
+                            <a:cs typeface="Times New Roman" panose="02020603050405020304" pitchFamily="18" charset="0"/>
+                          </a:endParaRPr>
+                        </a:p>
+                      </a:txBody>
+                      <a:tcPr marL="68580" marR="68580" marT="0" marB="0" anchor="ctr"/>
+                    </a:tc>
+                    <a:tc>
+                      <a:txBody>
+                        <a:bodyPr/>
+                        <a:lstStyle/>
+                        <a:p>
+                          <a:pPr algn="r">
+                            <a:spcBef>
+                              <a:spcPts val="600"/>
+                            </a:spcBef>
+                            <a:spcAft>
+                              <a:spcPts val="600"/>
+                            </a:spcAft>
+                          </a:pPr>
+                          <a:r>
+                            <a:rPr lang="hr-HR" sz="3600" dirty="0">
+                              <a:effectLst/>
+                            </a:rPr>
+                            <a:t>3</a:t>
+                          </a:r>
+                          <a:endParaRPr lang="hr-HR" sz="3600" dirty="0">
+                            <a:effectLst/>
+                            <a:latin typeface="Arial" panose="020B0604020202020204" pitchFamily="34" charset="0"/>
+                            <a:ea typeface="Times New Roman" panose="02020603050405020304" pitchFamily="18" charset="0"/>
+                            <a:cs typeface="Times New Roman" panose="02020603050405020304" pitchFamily="18" charset="0"/>
+                          </a:endParaRPr>
+                        </a:p>
+                      </a:txBody>
+                      <a:tcPr marL="68580" marR="68580" marT="0" marB="0" anchor="ctr"/>
+                    </a:tc>
+                    <a:extLst>
+                      <a:ext uri="{0D108BD9-81ED-4DB2-BD59-A6C34878D82A}">
+                        <a16:rowId xmlns:a16="http://schemas.microsoft.com/office/drawing/2014/main" val="438851395"/>
+                      </a:ext>
+                    </a:extLst>
+                  </a:tr>
+                  <a:tr h="623455">
+                    <a:tc>
+                      <a:txBody>
+                        <a:bodyPr/>
+                        <a:lstStyle/>
+                        <a:p>
+                          <a:pPr algn="ctr">
+                            <a:spcBef>
+                              <a:spcPts val="600"/>
+                            </a:spcBef>
+                            <a:spcAft>
+                              <a:spcPts val="600"/>
+                            </a:spcAft>
+                          </a:pPr>
+                          <a:r>
+                            <a:rPr lang="hr-HR" sz="2800">
+                              <a:effectLst/>
+                            </a:rPr>
+                            <a:t>HumanDNA</a:t>
+                          </a:r>
+                          <a:endParaRPr lang="hr-HR" sz="2800">
+                            <a:effectLst/>
+                            <a:latin typeface="Arial" panose="020B0604020202020204" pitchFamily="34" charset="0"/>
+                            <a:ea typeface="Times New Roman" panose="02020603050405020304" pitchFamily="18" charset="0"/>
+                            <a:cs typeface="Times New Roman" panose="02020603050405020304" pitchFamily="18" charset="0"/>
+                          </a:endParaRPr>
+                        </a:p>
+                      </a:txBody>
+                      <a:tcPr marL="68580" marR="68580" marT="0" marB="0" anchor="ctr"/>
+                    </a:tc>
+                    <a:tc>
+                      <a:txBody>
+                        <a:bodyPr/>
+                        <a:lstStyle/>
+                        <a:p>
+                          <a:pPr algn="r">
+                            <a:spcBef>
+                              <a:spcPts val="600"/>
+                            </a:spcBef>
+                            <a:spcAft>
+                              <a:spcPts val="600"/>
+                            </a:spcAft>
+                          </a:pPr>
+                          <a:r>
+                            <a:rPr lang="hr-HR" sz="3200">
+                              <a:effectLst/>
+                            </a:rPr>
+                            <a:t>33.543.332</a:t>
+                          </a:r>
+                          <a:endParaRPr lang="hr-HR" sz="3200">
+                            <a:effectLst/>
+                            <a:latin typeface="Arial" panose="020B0604020202020204" pitchFamily="34" charset="0"/>
+                            <a:ea typeface="Times New Roman" panose="02020603050405020304" pitchFamily="18" charset="0"/>
+                            <a:cs typeface="Times New Roman" panose="02020603050405020304" pitchFamily="18" charset="0"/>
+                          </a:endParaRPr>
+                        </a:p>
+                      </a:txBody>
+                      <a:tcPr marL="68580" marR="68580" marT="0" marB="0" anchor="ctr"/>
+                    </a:tc>
+                    <a:tc>
+                      <a:txBody>
+                        <a:bodyPr/>
+                        <a:lstStyle/>
+                        <a:p>
+                          <a:pPr algn="r">
+                            <a:spcBef>
+                              <a:spcPts val="600"/>
+                            </a:spcBef>
+                            <a:spcAft>
+                              <a:spcPts val="600"/>
+                            </a:spcAft>
+                          </a:pPr>
+                          <a:r>
+                            <a:rPr lang="hr-HR" sz="3600">
+                              <a:effectLst/>
+                            </a:rPr>
+                            <a:t>5</a:t>
+                          </a:r>
+                          <a:endParaRPr lang="hr-HR" sz="3600">
+                            <a:effectLst/>
+                            <a:latin typeface="Arial" panose="020B0604020202020204" pitchFamily="34" charset="0"/>
+                            <a:ea typeface="Times New Roman" panose="02020603050405020304" pitchFamily="18" charset="0"/>
+                            <a:cs typeface="Times New Roman" panose="02020603050405020304" pitchFamily="18" charset="0"/>
+                          </a:endParaRPr>
+                        </a:p>
+                      </a:txBody>
+                      <a:tcPr marL="68580" marR="68580" marT="0" marB="0" anchor="ctr"/>
+                    </a:tc>
+                    <a:tc>
+                      <a:txBody>
+                        <a:bodyPr/>
+                        <a:lstStyle/>
+                        <a:p>
+                          <a:pPr algn="r">
+                            <a:spcBef>
+                              <a:spcPts val="600"/>
+                            </a:spcBef>
+                            <a:spcAft>
+                              <a:spcPts val="600"/>
+                            </a:spcAft>
+                          </a:pPr>
+                          <a:r>
+                            <a:rPr lang="hr-HR" sz="3600">
+                              <a:effectLst/>
+                            </a:rPr>
+                            <a:t>2</a:t>
+                          </a:r>
+                          <a:endParaRPr lang="hr-HR" sz="3600">
+                            <a:effectLst/>
+                            <a:latin typeface="Arial" panose="020B0604020202020204" pitchFamily="34" charset="0"/>
+                            <a:ea typeface="Times New Roman" panose="02020603050405020304" pitchFamily="18" charset="0"/>
+                            <a:cs typeface="Times New Roman" panose="02020603050405020304" pitchFamily="18" charset="0"/>
+                          </a:endParaRPr>
+                        </a:p>
+                      </a:txBody>
+                      <a:tcPr marL="68580" marR="68580" marT="0" marB="0" anchor="ctr"/>
+                    </a:tc>
+                    <a:tc>
+                      <a:txBody>
+                        <a:bodyPr/>
+                        <a:lstStyle/>
+                        <a:p>
+                          <a:pPr algn="r">
+                            <a:spcBef>
+                              <a:spcPts val="600"/>
+                            </a:spcBef>
+                            <a:spcAft>
+                              <a:spcPts val="600"/>
+                            </a:spcAft>
+                          </a:pPr>
+                          <a:r>
+                            <a:rPr lang="hr-HR" sz="3600" dirty="0">
+                              <a:effectLst/>
+                            </a:rPr>
+                            <a:t>5</a:t>
+                          </a:r>
+                          <a:endParaRPr lang="hr-HR" sz="3600" dirty="0">
+                            <a:effectLst/>
+                            <a:latin typeface="Arial" panose="020B0604020202020204" pitchFamily="34" charset="0"/>
+                            <a:ea typeface="Times New Roman" panose="02020603050405020304" pitchFamily="18" charset="0"/>
+                            <a:cs typeface="Times New Roman" panose="02020603050405020304" pitchFamily="18" charset="0"/>
+                          </a:endParaRPr>
+                        </a:p>
+                      </a:txBody>
+                      <a:tcPr marL="68580" marR="68580" marT="0" marB="0" anchor="ctr"/>
+                    </a:tc>
+                    <a:tc>
+                      <a:txBody>
+                        <a:bodyPr/>
+                        <a:lstStyle/>
+                        <a:p>
+                          <a:pPr algn="r">
+                            <a:spcBef>
+                              <a:spcPts val="600"/>
+                            </a:spcBef>
+                            <a:spcAft>
+                              <a:spcPts val="600"/>
+                            </a:spcAft>
+                          </a:pPr>
+                          <a:r>
+                            <a:rPr lang="hr-HR" sz="3600" dirty="0">
+                              <a:effectLst/>
+                            </a:rPr>
+                            <a:t>5</a:t>
+                          </a:r>
+                          <a:endParaRPr lang="hr-HR" sz="3600" dirty="0">
+                            <a:effectLst/>
+                            <a:latin typeface="Arial" panose="020B0604020202020204" pitchFamily="34" charset="0"/>
+                            <a:ea typeface="Times New Roman" panose="02020603050405020304" pitchFamily="18" charset="0"/>
+                            <a:cs typeface="Times New Roman" panose="02020603050405020304" pitchFamily="18" charset="0"/>
+                          </a:endParaRPr>
+                        </a:p>
+                      </a:txBody>
+                      <a:tcPr marL="68580" marR="68580" marT="0" marB="0" anchor="ctr"/>
+                    </a:tc>
+                    <a:extLst>
+                      <a:ext uri="{0D108BD9-81ED-4DB2-BD59-A6C34878D82A}">
+                        <a16:rowId xmlns:a16="http://schemas.microsoft.com/office/drawing/2014/main" val="181928458"/>
+                      </a:ext>
+                    </a:extLst>
+                  </a:tr>
+                  <a:tr h="623455">
+                    <a:tc>
+                      <a:txBody>
+                        <a:bodyPr/>
+                        <a:lstStyle/>
+                        <a:p>
+                          <a:pPr algn="ctr">
+                            <a:spcBef>
+                              <a:spcPts val="600"/>
+                            </a:spcBef>
+                            <a:spcAft>
+                              <a:spcPts val="600"/>
+                            </a:spcAft>
+                          </a:pPr>
+                          <a:r>
+                            <a:rPr lang="hr-HR" sz="2800">
+                              <a:effectLst/>
+                            </a:rPr>
+                            <a:t>Human200</a:t>
+                          </a:r>
+                          <a:endParaRPr lang="hr-HR" sz="2800">
+                            <a:effectLst/>
+                            <a:latin typeface="Arial" panose="020B0604020202020204" pitchFamily="34" charset="0"/>
+                            <a:ea typeface="Times New Roman" panose="02020603050405020304" pitchFamily="18" charset="0"/>
+                            <a:cs typeface="Times New Roman" panose="02020603050405020304" pitchFamily="18" charset="0"/>
+                          </a:endParaRPr>
+                        </a:p>
+                      </a:txBody>
+                      <a:tcPr marL="68580" marR="68580" marT="0" marB="0" anchor="ctr"/>
+                    </a:tc>
+                    <a:tc>
+                      <a:txBody>
+                        <a:bodyPr/>
+                        <a:lstStyle/>
+                        <a:p>
+                          <a:pPr algn="r">
+                            <a:spcBef>
+                              <a:spcPts val="600"/>
+                            </a:spcBef>
+                            <a:spcAft>
+                              <a:spcPts val="600"/>
+                            </a:spcAft>
+                          </a:pPr>
+                          <a:r>
+                            <a:rPr lang="hr-HR" sz="3200" dirty="0">
+                              <a:effectLst/>
+                            </a:rPr>
+                            <a:t>198.295.559</a:t>
+                          </a:r>
+                          <a:endParaRPr lang="hr-HR" sz="3200" dirty="0">
+                            <a:effectLst/>
+                            <a:latin typeface="Arial" panose="020B0604020202020204" pitchFamily="34" charset="0"/>
+                            <a:ea typeface="Times New Roman" panose="02020603050405020304" pitchFamily="18" charset="0"/>
+                            <a:cs typeface="Times New Roman" panose="02020603050405020304" pitchFamily="18" charset="0"/>
+                          </a:endParaRPr>
+                        </a:p>
+                      </a:txBody>
+                      <a:tcPr marL="68580" marR="68580" marT="0" marB="0" anchor="ctr"/>
+                    </a:tc>
+                    <a:tc>
+                      <a:txBody>
+                        <a:bodyPr/>
+                        <a:lstStyle/>
+                        <a:p>
+                          <a:pPr algn="r">
+                            <a:spcBef>
+                              <a:spcPts val="600"/>
+                            </a:spcBef>
+                            <a:spcAft>
+                              <a:spcPts val="600"/>
+                            </a:spcAft>
+                          </a:pPr>
+                          <a:r>
+                            <a:rPr lang="hr-HR" sz="3600">
+                              <a:effectLst/>
+                            </a:rPr>
+                            <a:t>9</a:t>
+                          </a:r>
+                          <a:endParaRPr lang="hr-HR" sz="3600">
+                            <a:effectLst/>
+                            <a:latin typeface="Arial" panose="020B0604020202020204" pitchFamily="34" charset="0"/>
+                            <a:ea typeface="Times New Roman" panose="02020603050405020304" pitchFamily="18" charset="0"/>
+                            <a:cs typeface="Times New Roman" panose="02020603050405020304" pitchFamily="18" charset="0"/>
+                          </a:endParaRPr>
+                        </a:p>
+                      </a:txBody>
+                      <a:tcPr marL="68580" marR="68580" marT="0" marB="0" anchor="ctr"/>
+                    </a:tc>
+                    <a:tc>
+                      <a:txBody>
+                        <a:bodyPr/>
+                        <a:lstStyle/>
+                        <a:p>
+                          <a:pPr algn="r">
+                            <a:spcBef>
+                              <a:spcPts val="600"/>
+                            </a:spcBef>
+                            <a:spcAft>
+                              <a:spcPts val="600"/>
+                            </a:spcAft>
+                          </a:pPr>
+                          <a:r>
+                            <a:rPr lang="hr-HR" sz="3600">
+                              <a:effectLst/>
+                            </a:rPr>
+                            <a:t>3</a:t>
+                          </a:r>
+                          <a:endParaRPr lang="hr-HR" sz="3600">
+                            <a:effectLst/>
+                            <a:latin typeface="Arial" panose="020B0604020202020204" pitchFamily="34" charset="0"/>
+                            <a:ea typeface="Times New Roman" panose="02020603050405020304" pitchFamily="18" charset="0"/>
+                            <a:cs typeface="Times New Roman" panose="02020603050405020304" pitchFamily="18" charset="0"/>
+                          </a:endParaRPr>
+                        </a:p>
+                      </a:txBody>
+                      <a:tcPr marL="68580" marR="68580" marT="0" marB="0" anchor="ctr"/>
+                    </a:tc>
+                    <a:tc>
+                      <a:txBody>
+                        <a:bodyPr/>
+                        <a:lstStyle/>
+                        <a:p>
+                          <a:pPr algn="r">
+                            <a:spcBef>
+                              <a:spcPts val="600"/>
+                            </a:spcBef>
+                            <a:spcAft>
+                              <a:spcPts val="600"/>
+                            </a:spcAft>
+                          </a:pPr>
+                          <a:r>
+                            <a:rPr lang="hr-HR" sz="3600">
+                              <a:effectLst/>
+                            </a:rPr>
+                            <a:t>12</a:t>
+                          </a:r>
+                          <a:endParaRPr lang="hr-HR" sz="3600">
+                            <a:effectLst/>
+                            <a:latin typeface="Arial" panose="020B0604020202020204" pitchFamily="34" charset="0"/>
+                            <a:ea typeface="Times New Roman" panose="02020603050405020304" pitchFamily="18" charset="0"/>
+                            <a:cs typeface="Times New Roman" panose="02020603050405020304" pitchFamily="18" charset="0"/>
+                          </a:endParaRPr>
+                        </a:p>
+                      </a:txBody>
+                      <a:tcPr marL="68580" marR="68580" marT="0" marB="0" anchor="ctr"/>
+                    </a:tc>
+                    <a:tc>
+                      <a:txBody>
+                        <a:bodyPr/>
+                        <a:lstStyle/>
+                        <a:p>
+                          <a:pPr algn="r">
+                            <a:spcBef>
+                              <a:spcPts val="600"/>
+                            </a:spcBef>
+                            <a:spcAft>
+                              <a:spcPts val="600"/>
+                            </a:spcAft>
+                          </a:pPr>
+                          <a:r>
+                            <a:rPr lang="hr-HR" sz="3600" dirty="0">
+                              <a:effectLst/>
+                            </a:rPr>
+                            <a:t>8</a:t>
+                          </a:r>
+                          <a:endParaRPr lang="hr-HR" sz="3600" dirty="0">
+                            <a:effectLst/>
+                            <a:latin typeface="Arial" panose="020B0604020202020204" pitchFamily="34" charset="0"/>
+                            <a:ea typeface="Times New Roman" panose="02020603050405020304" pitchFamily="18" charset="0"/>
+                            <a:cs typeface="Times New Roman" panose="02020603050405020304" pitchFamily="18" charset="0"/>
+                          </a:endParaRPr>
+                        </a:p>
+                      </a:txBody>
+                      <a:tcPr marL="68580" marR="68580" marT="0" marB="0" anchor="ctr"/>
+                    </a:tc>
+                    <a:extLst>
+                      <a:ext uri="{0D108BD9-81ED-4DB2-BD59-A6C34878D82A}">
+                        <a16:rowId xmlns:a16="http://schemas.microsoft.com/office/drawing/2014/main" val="2149916249"/>
+                      </a:ext>
+                    </a:extLst>
+                  </a:tr>
+                </a:tbl>
+              </a:graphicData>
+            </a:graphic>
+          </p:graphicFrame>
+        </mc:Choice>
+        <mc:Fallback>
+          <p:graphicFrame>
+            <p:nvGraphicFramePr>
+              <p:cNvPr id="4" name="Table 3"/>
+              <p:cNvGraphicFramePr>
+                <a:graphicFrameLocks noGrp="1"/>
+              </p:cNvGraphicFramePr>
+              <p:nvPr>
+                <p:extLst>
+                  <p:ext uri="{D42A27DB-BD31-4B8C-83A1-F6EECF244321}">
+                    <p14:modId xmlns:p14="http://schemas.microsoft.com/office/powerpoint/2010/main" val="2394753377"/>
+                  </p:ext>
+                </p:extLst>
+              </p:nvPr>
+            </p:nvGraphicFramePr>
+            <p:xfrm>
+              <a:off x="0" y="0"/>
+              <a:ext cx="12192000" cy="6858004"/>
+            </p:xfrm>
+            <a:graphic>
+              <a:graphicData uri="http://schemas.openxmlformats.org/drawingml/2006/table">
+                <a:tbl>
+                  <a:tblPr firstRow="1" firstCol="1" bandRow="1">
+                    <a:tableStyleId>{74C1A8A3-306A-4EB7-A6B1-4F7E0EB9C5D6}</a:tableStyleId>
+                  </a:tblPr>
+                  <a:tblGrid>
+                    <a:gridCol w="2103120">
+                      <a:extLst>
+                        <a:ext uri="{9D8B030D-6E8A-4147-A177-3AD203B41FA5}">
+                          <a16:colId xmlns:a16="http://schemas.microsoft.com/office/drawing/2014/main" val="3762630635"/>
+                        </a:ext>
+                      </a:extLst>
+                    </a:gridCol>
+                    <a:gridCol w="2383148">
+                      <a:extLst>
+                        <a:ext uri="{9D8B030D-6E8A-4147-A177-3AD203B41FA5}">
+                          <a16:colId xmlns:a16="http://schemas.microsoft.com/office/drawing/2014/main" val="3602407681"/>
+                        </a:ext>
+                      </a:extLst>
+                    </a:gridCol>
+                    <a:gridCol w="1496521">
+                      <a:extLst>
+                        <a:ext uri="{9D8B030D-6E8A-4147-A177-3AD203B41FA5}">
+                          <a16:colId xmlns:a16="http://schemas.microsoft.com/office/drawing/2014/main" val="3680833113"/>
+                        </a:ext>
+                      </a:extLst>
+                    </a:gridCol>
+                    <a:gridCol w="2069737">
+                      <a:extLst>
+                        <a:ext uri="{9D8B030D-6E8A-4147-A177-3AD203B41FA5}">
+                          <a16:colId xmlns:a16="http://schemas.microsoft.com/office/drawing/2014/main" val="1012969924"/>
+                        </a:ext>
+                      </a:extLst>
+                    </a:gridCol>
+                    <a:gridCol w="2069737">
+                      <a:extLst>
+                        <a:ext uri="{9D8B030D-6E8A-4147-A177-3AD203B41FA5}">
+                          <a16:colId xmlns:a16="http://schemas.microsoft.com/office/drawing/2014/main" val="2598347762"/>
+                        </a:ext>
+                      </a:extLst>
+                    </a:gridCol>
+                    <a:gridCol w="2069737">
+                      <a:extLst>
+                        <a:ext uri="{9D8B030D-6E8A-4147-A177-3AD203B41FA5}">
+                          <a16:colId xmlns:a16="http://schemas.microsoft.com/office/drawing/2014/main" val="302040586"/>
+                        </a:ext>
+                      </a:extLst>
+                    </a:gridCol>
+                  </a:tblGrid>
+                  <a:tr h="1246909">
+                    <a:tc>
+                      <a:txBody>
+                        <a:bodyPr/>
+                        <a:lstStyle/>
+                        <a:p>
+                          <a:pPr algn="ctr">
+                            <a:spcBef>
+                              <a:spcPts val="600"/>
+                            </a:spcBef>
+                            <a:spcAft>
+                              <a:spcPts val="600"/>
+                            </a:spcAft>
+                          </a:pPr>
+                          <a:r>
+                            <a:rPr lang="hr-HR" sz="2800" dirty="0">
+                              <a:effectLst/>
+                            </a:rPr>
+                            <a:t>Ulazna datoteka</a:t>
+                          </a:r>
+                          <a:endParaRPr lang="hr-HR" sz="2800" dirty="0">
+                            <a:effectLst/>
+                            <a:latin typeface="Arial" panose="020B0604020202020204" pitchFamily="34" charset="0"/>
+                            <a:ea typeface="Times New Roman" panose="02020603050405020304" pitchFamily="18" charset="0"/>
+                            <a:cs typeface="Times New Roman" panose="02020603050405020304" pitchFamily="18" charset="0"/>
+                          </a:endParaRPr>
+                        </a:p>
+                      </a:txBody>
+                      <a:tcPr marL="68580" marR="68580" marT="0" marB="0" anchor="ctr"/>
+                    </a:tc>
+                    <a:tc>
+                      <a:txBody>
+                        <a:bodyPr/>
+                        <a:lstStyle/>
+                        <a:p>
+                          <a:pPr algn="ctr">
+                            <a:spcBef>
+                              <a:spcPts val="600"/>
+                            </a:spcBef>
+                            <a:spcAft>
+                              <a:spcPts val="600"/>
+                            </a:spcAft>
+                          </a:pPr>
+                          <a:r>
+                            <a:rPr lang="hr-HR" sz="2800" dirty="0">
+                              <a:effectLst/>
+                            </a:rPr>
+                            <a:t>Broj znakova</a:t>
+                          </a:r>
+                          <a:endParaRPr lang="hr-HR" sz="2800" dirty="0">
+                            <a:effectLst/>
+                            <a:latin typeface="Arial" panose="020B0604020202020204" pitchFamily="34" charset="0"/>
+                            <a:ea typeface="Times New Roman" panose="02020603050405020304" pitchFamily="18" charset="0"/>
+                            <a:cs typeface="Times New Roman" panose="02020603050405020304" pitchFamily="18" charset="0"/>
+                          </a:endParaRPr>
+                        </a:p>
+                      </a:txBody>
+                      <a:tcPr marL="68580" marR="68580" marT="0" marB="0" anchor="ctr"/>
+                    </a:tc>
+                    <a:tc>
+                      <a:txBody>
+                        <a:bodyPr/>
+                        <a:lstStyle/>
+                        <a:p>
+                          <a:pPr algn="ctr">
+                            <a:spcBef>
+                              <a:spcPts val="600"/>
+                            </a:spcBef>
+                            <a:spcAft>
+                              <a:spcPts val="600"/>
+                            </a:spcAft>
+                          </a:pPr>
+                          <a:r>
+                            <a:rPr lang="hr-HR" sz="2800" dirty="0">
+                              <a:effectLst/>
+                            </a:rPr>
+                            <a:t>Veličina abecede</a:t>
+                          </a:r>
+                          <a:endParaRPr lang="hr-HR" sz="2800" dirty="0">
+                            <a:effectLst/>
+                            <a:latin typeface="Arial" panose="020B0604020202020204" pitchFamily="34" charset="0"/>
+                            <a:ea typeface="Times New Roman" panose="02020603050405020304" pitchFamily="18" charset="0"/>
+                            <a:cs typeface="Times New Roman" panose="02020603050405020304" pitchFamily="18" charset="0"/>
+                          </a:endParaRPr>
+                        </a:p>
+                      </a:txBody>
+                      <a:tcPr marL="68580" marR="68580" marT="0" marB="0" anchor="ctr"/>
+                    </a:tc>
+                    <a:tc>
+                      <a:txBody>
+                        <a:bodyPr/>
+                        <a:lstStyle/>
+                        <a:p>
+                          <a:endParaRPr lang="sr-Latn-RS"/>
+                        </a:p>
+                      </a:txBody>
+                      <a:tcPr marL="68580" marR="68580" marT="0" marB="0" anchor="ctr">
+                        <a:blipFill>
+                          <a:blip r:embed="rId2"/>
+                          <a:stretch>
+                            <a:fillRect l="-288529" t="-1463" r="-200588" b="-468293"/>
+                          </a:stretch>
+                        </a:blipFill>
+                      </a:tcPr>
+                    </a:tc>
+                    <a:tc>
+                      <a:txBody>
+                        <a:bodyPr/>
+                        <a:lstStyle/>
+                        <a:p>
+                          <a:endParaRPr lang="sr-Latn-RS"/>
+                        </a:p>
+                      </a:txBody>
+                      <a:tcPr marL="68580" marR="68580" marT="0" marB="0" anchor="ctr">
+                        <a:blipFill>
+                          <a:blip r:embed="rId2"/>
+                          <a:stretch>
+                            <a:fillRect l="-389676" t="-1463" r="-101180" b="-468293"/>
+                          </a:stretch>
+                        </a:blipFill>
+                      </a:tcPr>
+                    </a:tc>
+                    <a:tc>
+                      <a:txBody>
+                        <a:bodyPr/>
+                        <a:lstStyle/>
+                        <a:p>
+                          <a:endParaRPr lang="sr-Latn-RS"/>
+                        </a:p>
+                      </a:txBody>
+                      <a:tcPr marL="68580" marR="68580" marT="0" marB="0" anchor="ctr">
+                        <a:blipFill>
+                          <a:blip r:embed="rId2"/>
+                          <a:stretch>
+                            <a:fillRect l="-488235" t="-1463" r="-882" b="-468293"/>
+                          </a:stretch>
+                        </a:blipFill>
+                      </a:tcPr>
+                    </a:tc>
+                    <a:extLst>
+                      <a:ext uri="{0D108BD9-81ED-4DB2-BD59-A6C34878D82A}">
+                        <a16:rowId xmlns:a16="http://schemas.microsoft.com/office/drawing/2014/main" val="4065882861"/>
+                      </a:ext>
+                    </a:extLst>
+                  </a:tr>
+                  <a:tr h="623455">
+                    <a:tc>
+                      <a:txBody>
+                        <a:bodyPr/>
+                        <a:lstStyle/>
+                        <a:p>
+                          <a:pPr algn="ctr">
+                            <a:spcBef>
+                              <a:spcPts val="600"/>
+                            </a:spcBef>
+                            <a:spcAft>
+                              <a:spcPts val="600"/>
+                            </a:spcAft>
+                          </a:pPr>
+                          <a:r>
+                            <a:rPr lang="hr-HR" sz="2800" dirty="0">
+                              <a:effectLst/>
+                            </a:rPr>
+                            <a:t>HIV</a:t>
+                          </a:r>
+                          <a:endParaRPr lang="hr-HR" sz="2800" dirty="0">
+                            <a:effectLst/>
+                            <a:latin typeface="Arial" panose="020B0604020202020204" pitchFamily="34" charset="0"/>
+                            <a:ea typeface="Times New Roman" panose="02020603050405020304" pitchFamily="18" charset="0"/>
+                            <a:cs typeface="Times New Roman" panose="02020603050405020304" pitchFamily="18" charset="0"/>
+                          </a:endParaRPr>
+                        </a:p>
+                      </a:txBody>
+                      <a:tcPr marL="68580" marR="68580" marT="0" marB="0" anchor="ctr"/>
+                    </a:tc>
+                    <a:tc>
+                      <a:txBody>
+                        <a:bodyPr/>
+                        <a:lstStyle/>
+                        <a:p>
+                          <a:pPr algn="r">
+                            <a:spcBef>
+                              <a:spcPts val="600"/>
+                            </a:spcBef>
+                            <a:spcAft>
+                              <a:spcPts val="600"/>
+                            </a:spcAft>
+                          </a:pPr>
+                          <a:r>
+                            <a:rPr lang="hr-HR" sz="3200" dirty="0">
+                              <a:effectLst/>
+                            </a:rPr>
+                            <a:t>999</a:t>
+                          </a:r>
+                          <a:endParaRPr lang="hr-HR" sz="3200" dirty="0">
+                            <a:effectLst/>
+                            <a:latin typeface="Arial" panose="020B0604020202020204" pitchFamily="34" charset="0"/>
+                            <a:ea typeface="Times New Roman" panose="02020603050405020304" pitchFamily="18" charset="0"/>
+                            <a:cs typeface="Times New Roman" panose="02020603050405020304" pitchFamily="18" charset="0"/>
+                          </a:endParaRPr>
+                        </a:p>
+                      </a:txBody>
+                      <a:tcPr marL="68580" marR="68580" marT="0" marB="0" anchor="ctr"/>
+                    </a:tc>
+                    <a:tc>
+                      <a:txBody>
+                        <a:bodyPr/>
+                        <a:lstStyle/>
+                        <a:p>
+                          <a:pPr algn="r">
+                            <a:spcBef>
+                              <a:spcPts val="600"/>
+                            </a:spcBef>
+                            <a:spcAft>
+                              <a:spcPts val="600"/>
+                            </a:spcAft>
+                          </a:pPr>
+                          <a:r>
+                            <a:rPr lang="hr-HR" sz="3600" dirty="0">
+                              <a:effectLst/>
+                            </a:rPr>
+                            <a:t>5</a:t>
+                          </a:r>
+                          <a:endParaRPr lang="hr-HR" sz="3600" dirty="0">
+                            <a:effectLst/>
+                            <a:latin typeface="Arial" panose="020B0604020202020204" pitchFamily="34" charset="0"/>
+                            <a:ea typeface="Times New Roman" panose="02020603050405020304" pitchFamily="18" charset="0"/>
+                            <a:cs typeface="Times New Roman" panose="02020603050405020304" pitchFamily="18" charset="0"/>
+                          </a:endParaRPr>
+                        </a:p>
+                      </a:txBody>
+                      <a:tcPr marL="68580" marR="68580" marT="0" marB="0" anchor="ctr"/>
+                    </a:tc>
+                    <a:tc>
+                      <a:txBody>
+                        <a:bodyPr/>
+                        <a:lstStyle/>
+                        <a:p>
+                          <a:pPr algn="r">
+                            <a:spcBef>
+                              <a:spcPts val="600"/>
+                            </a:spcBef>
+                            <a:spcAft>
+                              <a:spcPts val="600"/>
+                            </a:spcAft>
+                          </a:pPr>
+                          <a:r>
+                            <a:rPr lang="hr-HR" sz="3600" dirty="0">
+                              <a:effectLst/>
+                            </a:rPr>
+                            <a:t>&lt; 1</a:t>
+                          </a:r>
+                          <a:endParaRPr lang="hr-HR" sz="3600" dirty="0">
+                            <a:effectLst/>
+                            <a:latin typeface="Arial" panose="020B0604020202020204" pitchFamily="34" charset="0"/>
+                            <a:ea typeface="Times New Roman" panose="02020603050405020304" pitchFamily="18" charset="0"/>
+                            <a:cs typeface="Times New Roman" panose="02020603050405020304" pitchFamily="18" charset="0"/>
+                          </a:endParaRPr>
+                        </a:p>
+                      </a:txBody>
+                      <a:tcPr marL="68580" marR="68580" marT="0" marB="0" anchor="ctr"/>
+                    </a:tc>
+                    <a:tc>
+                      <a:txBody>
+                        <a:bodyPr/>
+                        <a:lstStyle/>
+                        <a:p>
+                          <a:pPr algn="r">
+                            <a:spcBef>
+                              <a:spcPts val="600"/>
+                            </a:spcBef>
+                            <a:spcAft>
+                              <a:spcPts val="600"/>
+                            </a:spcAft>
+                          </a:pPr>
+                          <a:r>
+                            <a:rPr lang="hr-HR" sz="3600" dirty="0">
+                              <a:effectLst/>
+                            </a:rPr>
+                            <a:t>2</a:t>
+                          </a:r>
+                          <a:endParaRPr lang="hr-HR" sz="3600" dirty="0">
+                            <a:effectLst/>
+                            <a:latin typeface="Arial" panose="020B0604020202020204" pitchFamily="34" charset="0"/>
+                            <a:ea typeface="Times New Roman" panose="02020603050405020304" pitchFamily="18" charset="0"/>
+                            <a:cs typeface="Times New Roman" panose="02020603050405020304" pitchFamily="18" charset="0"/>
+                          </a:endParaRPr>
+                        </a:p>
+                      </a:txBody>
+                      <a:tcPr marL="68580" marR="68580" marT="0" marB="0" anchor="ctr"/>
+                    </a:tc>
+                    <a:tc>
+                      <a:txBody>
+                        <a:bodyPr/>
+                        <a:lstStyle/>
+                        <a:p>
+                          <a:pPr algn="r">
+                            <a:spcBef>
+                              <a:spcPts val="600"/>
+                            </a:spcBef>
+                            <a:spcAft>
+                              <a:spcPts val="600"/>
+                            </a:spcAft>
+                          </a:pPr>
+                          <a:r>
+                            <a:rPr lang="hr-HR" sz="3600">
+                              <a:effectLst/>
+                            </a:rPr>
+                            <a:t>2</a:t>
+                          </a:r>
+                          <a:endParaRPr lang="hr-HR" sz="3600">
+                            <a:effectLst/>
+                            <a:latin typeface="Arial" panose="020B0604020202020204" pitchFamily="34" charset="0"/>
+                            <a:ea typeface="Times New Roman" panose="02020603050405020304" pitchFamily="18" charset="0"/>
+                            <a:cs typeface="Times New Roman" panose="02020603050405020304" pitchFamily="18" charset="0"/>
+                          </a:endParaRPr>
+                        </a:p>
+                      </a:txBody>
+                      <a:tcPr marL="68580" marR="68580" marT="0" marB="0" anchor="ctr"/>
+                    </a:tc>
+                    <a:extLst>
+                      <a:ext uri="{0D108BD9-81ED-4DB2-BD59-A6C34878D82A}">
+                        <a16:rowId xmlns:a16="http://schemas.microsoft.com/office/drawing/2014/main" val="2287375763"/>
+                      </a:ext>
+                    </a:extLst>
+                  </a:tr>
+                  <a:tr h="623455">
+                    <a:tc>
+                      <a:txBody>
+                        <a:bodyPr/>
+                        <a:lstStyle/>
+                        <a:p>
+                          <a:pPr algn="ctr">
+                            <a:spcBef>
+                              <a:spcPts val="600"/>
+                            </a:spcBef>
+                            <a:spcAft>
+                              <a:spcPts val="600"/>
+                            </a:spcAft>
+                          </a:pPr>
+                          <a:r>
+                            <a:rPr lang="hr-HR" sz="2800" dirty="0">
+                              <a:effectLst/>
+                            </a:rPr>
+                            <a:t>Coli</a:t>
+                          </a:r>
+                          <a:endParaRPr lang="hr-HR" sz="2800" dirty="0">
+                            <a:effectLst/>
+                            <a:latin typeface="Arial" panose="020B0604020202020204" pitchFamily="34" charset="0"/>
+                            <a:ea typeface="Times New Roman" panose="02020603050405020304" pitchFamily="18" charset="0"/>
+                            <a:cs typeface="Times New Roman" panose="02020603050405020304" pitchFamily="18" charset="0"/>
+                          </a:endParaRPr>
+                        </a:p>
+                      </a:txBody>
+                      <a:tcPr marL="68580" marR="68580" marT="0" marB="0" anchor="ctr"/>
+                    </a:tc>
+                    <a:tc>
+                      <a:txBody>
+                        <a:bodyPr/>
+                        <a:lstStyle/>
+                        <a:p>
+                          <a:pPr algn="r">
+                            <a:spcBef>
+                              <a:spcPts val="600"/>
+                            </a:spcBef>
+                            <a:spcAft>
+                              <a:spcPts val="600"/>
+                            </a:spcAft>
+                          </a:pPr>
+                          <a:r>
+                            <a:rPr lang="hr-HR" sz="3200" dirty="0">
+                              <a:effectLst/>
+                            </a:rPr>
+                            <a:t>3.657</a:t>
+                          </a:r>
+                          <a:endParaRPr lang="hr-HR" sz="3200" dirty="0">
+                            <a:effectLst/>
+                            <a:latin typeface="Arial" panose="020B0604020202020204" pitchFamily="34" charset="0"/>
+                            <a:ea typeface="Times New Roman" panose="02020603050405020304" pitchFamily="18" charset="0"/>
+                            <a:cs typeface="Times New Roman" panose="02020603050405020304" pitchFamily="18" charset="0"/>
+                          </a:endParaRPr>
+                        </a:p>
+                      </a:txBody>
+                      <a:tcPr marL="68580" marR="68580" marT="0" marB="0" anchor="ctr"/>
+                    </a:tc>
+                    <a:tc>
+                      <a:txBody>
+                        <a:bodyPr/>
+                        <a:lstStyle/>
+                        <a:p>
+                          <a:pPr algn="r">
+                            <a:spcBef>
+                              <a:spcPts val="600"/>
+                            </a:spcBef>
+                            <a:spcAft>
+                              <a:spcPts val="600"/>
+                            </a:spcAft>
+                          </a:pPr>
+                          <a:r>
+                            <a:rPr lang="hr-HR" sz="3600" dirty="0">
+                              <a:effectLst/>
+                            </a:rPr>
+                            <a:t>4</a:t>
+                          </a:r>
+                          <a:endParaRPr lang="hr-HR" sz="3600" dirty="0">
+                            <a:effectLst/>
+                            <a:latin typeface="Arial" panose="020B0604020202020204" pitchFamily="34" charset="0"/>
+                            <a:ea typeface="Times New Roman" panose="02020603050405020304" pitchFamily="18" charset="0"/>
+                            <a:cs typeface="Times New Roman" panose="02020603050405020304" pitchFamily="18" charset="0"/>
+                          </a:endParaRPr>
+                        </a:p>
+                      </a:txBody>
+                      <a:tcPr marL="68580" marR="68580" marT="0" marB="0" anchor="ctr"/>
+                    </a:tc>
+                    <a:tc>
+                      <a:txBody>
+                        <a:bodyPr/>
+                        <a:lstStyle/>
+                        <a:p>
+                          <a:pPr algn="r">
+                            <a:spcBef>
+                              <a:spcPts val="600"/>
+                            </a:spcBef>
+                            <a:spcAft>
+                              <a:spcPts val="600"/>
+                            </a:spcAft>
+                          </a:pPr>
+                          <a:r>
+                            <a:rPr lang="hr-HR" sz="3600" dirty="0">
+                              <a:effectLst/>
+                            </a:rPr>
+                            <a:t>&lt; 1</a:t>
+                          </a:r>
+                          <a:endParaRPr lang="hr-HR" sz="3600" dirty="0">
+                            <a:effectLst/>
+                            <a:latin typeface="Arial" panose="020B0604020202020204" pitchFamily="34" charset="0"/>
+                            <a:ea typeface="Times New Roman" panose="02020603050405020304" pitchFamily="18" charset="0"/>
+                            <a:cs typeface="Times New Roman" panose="02020603050405020304" pitchFamily="18" charset="0"/>
+                          </a:endParaRPr>
+                        </a:p>
+                      </a:txBody>
+                      <a:tcPr marL="68580" marR="68580" marT="0" marB="0" anchor="ctr"/>
+                    </a:tc>
+                    <a:tc>
+                      <a:txBody>
+                        <a:bodyPr/>
+                        <a:lstStyle/>
+                        <a:p>
+                          <a:pPr algn="r">
+                            <a:spcBef>
+                              <a:spcPts val="600"/>
+                            </a:spcBef>
+                            <a:spcAft>
+                              <a:spcPts val="600"/>
+                            </a:spcAft>
+                          </a:pPr>
+                          <a:r>
+                            <a:rPr lang="hr-HR" sz="3600" dirty="0">
+                              <a:effectLst/>
+                            </a:rPr>
+                            <a:t>2</a:t>
+                          </a:r>
+                          <a:endParaRPr lang="hr-HR" sz="3600" dirty="0">
+                            <a:effectLst/>
+                            <a:latin typeface="Arial" panose="020B0604020202020204" pitchFamily="34" charset="0"/>
+                            <a:ea typeface="Times New Roman" panose="02020603050405020304" pitchFamily="18" charset="0"/>
+                            <a:cs typeface="Times New Roman" panose="02020603050405020304" pitchFamily="18" charset="0"/>
+                          </a:endParaRPr>
+                        </a:p>
+                      </a:txBody>
+                      <a:tcPr marL="68580" marR="68580" marT="0" marB="0" anchor="ctr"/>
+                    </a:tc>
+                    <a:tc>
+                      <a:txBody>
+                        <a:bodyPr/>
+                        <a:lstStyle/>
+                        <a:p>
+                          <a:pPr algn="r">
+                            <a:spcBef>
+                              <a:spcPts val="600"/>
+                            </a:spcBef>
+                            <a:spcAft>
+                              <a:spcPts val="600"/>
+                            </a:spcAft>
+                          </a:pPr>
+                          <a:r>
+                            <a:rPr lang="hr-HR" sz="3600" dirty="0">
+                              <a:effectLst/>
+                            </a:rPr>
+                            <a:t>1</a:t>
+                          </a:r>
+                          <a:endParaRPr lang="hr-HR" sz="3600" dirty="0">
+                            <a:effectLst/>
+                            <a:latin typeface="Arial" panose="020B0604020202020204" pitchFamily="34" charset="0"/>
+                            <a:ea typeface="Times New Roman" panose="02020603050405020304" pitchFamily="18" charset="0"/>
+                            <a:cs typeface="Times New Roman" panose="02020603050405020304" pitchFamily="18" charset="0"/>
+                          </a:endParaRPr>
+                        </a:p>
+                      </a:txBody>
+                      <a:tcPr marL="68580" marR="68580" marT="0" marB="0" anchor="ctr"/>
+                    </a:tc>
+                    <a:extLst>
+                      <a:ext uri="{0D108BD9-81ED-4DB2-BD59-A6C34878D82A}">
+                        <a16:rowId xmlns:a16="http://schemas.microsoft.com/office/drawing/2014/main" val="1296988268"/>
+                      </a:ext>
+                    </a:extLst>
+                  </a:tr>
+                  <a:tr h="623455">
+                    <a:tc>
+                      <a:txBody>
+                        <a:bodyPr/>
+                        <a:lstStyle/>
+                        <a:p>
+                          <a:pPr algn="ctr">
+                            <a:spcBef>
+                              <a:spcPts val="600"/>
+                            </a:spcBef>
+                            <a:spcAft>
+                              <a:spcPts val="600"/>
+                            </a:spcAft>
+                          </a:pPr>
+                          <a:r>
+                            <a:rPr lang="hr-HR" sz="2800" dirty="0" err="1">
+                              <a:effectLst/>
+                            </a:rPr>
+                            <a:t>Flu</a:t>
+                          </a:r>
+                          <a:endParaRPr lang="hr-HR" sz="2800" dirty="0">
+                            <a:effectLst/>
+                            <a:latin typeface="Arial" panose="020B0604020202020204" pitchFamily="34" charset="0"/>
+                            <a:ea typeface="Times New Roman" panose="02020603050405020304" pitchFamily="18" charset="0"/>
+                            <a:cs typeface="Times New Roman" panose="02020603050405020304" pitchFamily="18" charset="0"/>
+                          </a:endParaRPr>
+                        </a:p>
+                      </a:txBody>
+                      <a:tcPr marL="68580" marR="68580" marT="0" marB="0" anchor="ctr"/>
+                    </a:tc>
+                    <a:tc>
+                      <a:txBody>
+                        <a:bodyPr/>
+                        <a:lstStyle/>
+                        <a:p>
+                          <a:pPr algn="r">
+                            <a:spcBef>
+                              <a:spcPts val="600"/>
+                            </a:spcBef>
+                            <a:spcAft>
+                              <a:spcPts val="600"/>
+                            </a:spcAft>
+                          </a:pPr>
+                          <a:r>
+                            <a:rPr lang="hr-HR" sz="3200">
+                              <a:effectLst/>
+                            </a:rPr>
+                            <a:t>3.990</a:t>
+                          </a:r>
+                          <a:endParaRPr lang="hr-HR" sz="3200">
+                            <a:effectLst/>
+                            <a:latin typeface="Arial" panose="020B0604020202020204" pitchFamily="34" charset="0"/>
+                            <a:ea typeface="Times New Roman" panose="02020603050405020304" pitchFamily="18" charset="0"/>
+                            <a:cs typeface="Times New Roman" panose="02020603050405020304" pitchFamily="18" charset="0"/>
+                          </a:endParaRPr>
+                        </a:p>
+                      </a:txBody>
+                      <a:tcPr marL="68580" marR="68580" marT="0" marB="0" anchor="ctr"/>
+                    </a:tc>
+                    <a:tc>
+                      <a:txBody>
+                        <a:bodyPr/>
+                        <a:lstStyle/>
+                        <a:p>
+                          <a:pPr algn="r">
+                            <a:spcBef>
+                              <a:spcPts val="600"/>
+                            </a:spcBef>
+                            <a:spcAft>
+                              <a:spcPts val="600"/>
+                            </a:spcAft>
+                          </a:pPr>
+                          <a:r>
+                            <a:rPr lang="hr-HR" sz="3600" dirty="0">
+                              <a:effectLst/>
+                            </a:rPr>
+                            <a:t>4</a:t>
+                          </a:r>
+                          <a:endParaRPr lang="hr-HR" sz="3600" dirty="0">
+                            <a:effectLst/>
+                            <a:latin typeface="Arial" panose="020B0604020202020204" pitchFamily="34" charset="0"/>
+                            <a:ea typeface="Times New Roman" panose="02020603050405020304" pitchFamily="18" charset="0"/>
+                            <a:cs typeface="Times New Roman" panose="02020603050405020304" pitchFamily="18" charset="0"/>
+                          </a:endParaRPr>
+                        </a:p>
+                      </a:txBody>
+                      <a:tcPr marL="68580" marR="68580" marT="0" marB="0" anchor="ctr"/>
+                    </a:tc>
+                    <a:tc>
+                      <a:txBody>
+                        <a:bodyPr/>
+                        <a:lstStyle/>
+                        <a:p>
+                          <a:pPr algn="r">
+                            <a:spcBef>
+                              <a:spcPts val="600"/>
+                            </a:spcBef>
+                            <a:spcAft>
+                              <a:spcPts val="600"/>
+                            </a:spcAft>
+                          </a:pPr>
+                          <a:r>
+                            <a:rPr lang="hr-HR" sz="3600" dirty="0">
+                              <a:effectLst/>
+                            </a:rPr>
+                            <a:t>&lt; 1</a:t>
+                          </a:r>
+                          <a:endParaRPr lang="hr-HR" sz="3600" dirty="0">
+                            <a:effectLst/>
+                            <a:latin typeface="Arial" panose="020B0604020202020204" pitchFamily="34" charset="0"/>
+                            <a:ea typeface="Times New Roman" panose="02020603050405020304" pitchFamily="18" charset="0"/>
+                            <a:cs typeface="Times New Roman" panose="02020603050405020304" pitchFamily="18" charset="0"/>
+                          </a:endParaRPr>
+                        </a:p>
+                      </a:txBody>
+                      <a:tcPr marL="68580" marR="68580" marT="0" marB="0" anchor="ctr"/>
+                    </a:tc>
+                    <a:tc>
+                      <a:txBody>
+                        <a:bodyPr/>
+                        <a:lstStyle/>
+                        <a:p>
+                          <a:pPr algn="r">
+                            <a:spcBef>
+                              <a:spcPts val="600"/>
+                            </a:spcBef>
+                            <a:spcAft>
+                              <a:spcPts val="600"/>
+                            </a:spcAft>
+                          </a:pPr>
+                          <a:r>
+                            <a:rPr lang="hr-HR" sz="3600">
+                              <a:effectLst/>
+                            </a:rPr>
+                            <a:t>1</a:t>
+                          </a:r>
+                          <a:endParaRPr lang="hr-HR" sz="3600">
+                            <a:effectLst/>
+                            <a:latin typeface="Arial" panose="020B0604020202020204" pitchFamily="34" charset="0"/>
+                            <a:ea typeface="Times New Roman" panose="02020603050405020304" pitchFamily="18" charset="0"/>
+                            <a:cs typeface="Times New Roman" panose="02020603050405020304" pitchFamily="18" charset="0"/>
+                          </a:endParaRPr>
+                        </a:p>
+                      </a:txBody>
+                      <a:tcPr marL="68580" marR="68580" marT="0" marB="0" anchor="ctr"/>
+                    </a:tc>
+                    <a:tc>
+                      <a:txBody>
+                        <a:bodyPr/>
+                        <a:lstStyle/>
+                        <a:p>
+                          <a:pPr algn="r">
+                            <a:spcBef>
+                              <a:spcPts val="600"/>
+                            </a:spcBef>
+                            <a:spcAft>
+                              <a:spcPts val="600"/>
+                            </a:spcAft>
+                          </a:pPr>
+                          <a:r>
+                            <a:rPr lang="hr-HR" sz="3600" dirty="0">
+                              <a:effectLst/>
+                            </a:rPr>
+                            <a:t>1</a:t>
+                          </a:r>
+                          <a:endParaRPr lang="hr-HR" sz="3600" dirty="0">
+                            <a:effectLst/>
+                            <a:latin typeface="Arial" panose="020B0604020202020204" pitchFamily="34" charset="0"/>
+                            <a:ea typeface="Times New Roman" panose="02020603050405020304" pitchFamily="18" charset="0"/>
+                            <a:cs typeface="Times New Roman" panose="02020603050405020304" pitchFamily="18" charset="0"/>
+                          </a:endParaRPr>
+                        </a:p>
+                      </a:txBody>
+                      <a:tcPr marL="68580" marR="68580" marT="0" marB="0" anchor="ctr"/>
+                    </a:tc>
+                    <a:extLst>
+                      <a:ext uri="{0D108BD9-81ED-4DB2-BD59-A6C34878D82A}">
+                        <a16:rowId xmlns:a16="http://schemas.microsoft.com/office/drawing/2014/main" val="69609695"/>
+                      </a:ext>
+                    </a:extLst>
+                  </a:tr>
+                  <a:tr h="623455">
+                    <a:tc>
+                      <a:txBody>
+                        <a:bodyPr/>
+                        <a:lstStyle/>
+                        <a:p>
+                          <a:pPr algn="ctr">
+                            <a:spcBef>
+                              <a:spcPts val="600"/>
+                            </a:spcBef>
+                            <a:spcAft>
+                              <a:spcPts val="600"/>
+                            </a:spcAft>
+                          </a:pPr>
+                          <a:r>
+                            <a:rPr lang="hr-HR" sz="2800" dirty="0" err="1">
+                              <a:effectLst/>
+                            </a:rPr>
+                            <a:t>Camelpox</a:t>
+                          </a:r>
+                          <a:endParaRPr lang="hr-HR" sz="2800" dirty="0">
+                            <a:effectLst/>
+                            <a:latin typeface="Arial" panose="020B0604020202020204" pitchFamily="34" charset="0"/>
+                            <a:ea typeface="Times New Roman" panose="02020603050405020304" pitchFamily="18" charset="0"/>
+                            <a:cs typeface="Times New Roman" panose="02020603050405020304" pitchFamily="18" charset="0"/>
+                          </a:endParaRPr>
+                        </a:p>
+                      </a:txBody>
+                      <a:tcPr marL="68580" marR="68580" marT="0" marB="0" anchor="ctr"/>
+                    </a:tc>
+                    <a:tc>
+                      <a:txBody>
+                        <a:bodyPr/>
+                        <a:lstStyle/>
+                        <a:p>
+                          <a:pPr algn="r">
+                            <a:spcBef>
+                              <a:spcPts val="600"/>
+                            </a:spcBef>
+                            <a:spcAft>
+                              <a:spcPts val="600"/>
+                            </a:spcAft>
+                          </a:pPr>
+                          <a:r>
+                            <a:rPr lang="hr-HR" sz="3200">
+                              <a:effectLst/>
+                            </a:rPr>
+                            <a:t>205.719</a:t>
+                          </a:r>
+                          <a:endParaRPr lang="hr-HR" sz="3200">
+                            <a:effectLst/>
+                            <a:latin typeface="Arial" panose="020B0604020202020204" pitchFamily="34" charset="0"/>
+                            <a:ea typeface="Times New Roman" panose="02020603050405020304" pitchFamily="18" charset="0"/>
+                            <a:cs typeface="Times New Roman" panose="02020603050405020304" pitchFamily="18" charset="0"/>
+                          </a:endParaRPr>
+                        </a:p>
+                      </a:txBody>
+                      <a:tcPr marL="68580" marR="68580" marT="0" marB="0" anchor="ctr"/>
+                    </a:tc>
+                    <a:tc>
+                      <a:txBody>
+                        <a:bodyPr/>
+                        <a:lstStyle/>
+                        <a:p>
+                          <a:pPr algn="r">
+                            <a:spcBef>
+                              <a:spcPts val="600"/>
+                            </a:spcBef>
+                            <a:spcAft>
+                              <a:spcPts val="600"/>
+                            </a:spcAft>
+                          </a:pPr>
+                          <a:r>
+                            <a:rPr lang="hr-HR" sz="3600" dirty="0">
+                              <a:effectLst/>
+                            </a:rPr>
+                            <a:t>4</a:t>
+                          </a:r>
+                          <a:endParaRPr lang="hr-HR" sz="3600" dirty="0">
+                            <a:effectLst/>
+                            <a:latin typeface="Arial" panose="020B0604020202020204" pitchFamily="34" charset="0"/>
+                            <a:ea typeface="Times New Roman" panose="02020603050405020304" pitchFamily="18" charset="0"/>
+                            <a:cs typeface="Times New Roman" panose="02020603050405020304" pitchFamily="18" charset="0"/>
+                          </a:endParaRPr>
+                        </a:p>
+                      </a:txBody>
+                      <a:tcPr marL="68580" marR="68580" marT="0" marB="0" anchor="ctr"/>
+                    </a:tc>
+                    <a:tc>
+                      <a:txBody>
+                        <a:bodyPr/>
+                        <a:lstStyle/>
+                        <a:p>
+                          <a:pPr algn="r">
+                            <a:spcBef>
+                              <a:spcPts val="600"/>
+                            </a:spcBef>
+                            <a:spcAft>
+                              <a:spcPts val="600"/>
+                            </a:spcAft>
+                          </a:pPr>
+                          <a:r>
+                            <a:rPr lang="hr-HR" sz="3600" dirty="0">
+                              <a:effectLst/>
+                            </a:rPr>
+                            <a:t>&lt; 1</a:t>
+                          </a:r>
+                          <a:endParaRPr lang="hr-HR" sz="3600" dirty="0">
+                            <a:effectLst/>
+                            <a:latin typeface="Arial" panose="020B0604020202020204" pitchFamily="34" charset="0"/>
+                            <a:ea typeface="Times New Roman" panose="02020603050405020304" pitchFamily="18" charset="0"/>
+                            <a:cs typeface="Times New Roman" panose="02020603050405020304" pitchFamily="18" charset="0"/>
+                          </a:endParaRPr>
+                        </a:p>
+                      </a:txBody>
+                      <a:tcPr marL="68580" marR="68580" marT="0" marB="0" anchor="ctr"/>
+                    </a:tc>
+                    <a:tc>
+                      <a:txBody>
+                        <a:bodyPr/>
+                        <a:lstStyle/>
+                        <a:p>
+                          <a:pPr algn="r">
+                            <a:spcBef>
+                              <a:spcPts val="600"/>
+                            </a:spcBef>
+                            <a:spcAft>
+                              <a:spcPts val="600"/>
+                            </a:spcAft>
+                          </a:pPr>
+                          <a:r>
+                            <a:rPr lang="hr-HR" sz="3600" dirty="0">
+                              <a:effectLst/>
+                            </a:rPr>
+                            <a:t>2</a:t>
+                          </a:r>
+                          <a:endParaRPr lang="hr-HR" sz="3600" dirty="0">
+                            <a:effectLst/>
+                            <a:latin typeface="Arial" panose="020B0604020202020204" pitchFamily="34" charset="0"/>
+                            <a:ea typeface="Times New Roman" panose="02020603050405020304" pitchFamily="18" charset="0"/>
+                            <a:cs typeface="Times New Roman" panose="02020603050405020304" pitchFamily="18" charset="0"/>
+                          </a:endParaRPr>
+                        </a:p>
+                      </a:txBody>
+                      <a:tcPr marL="68580" marR="68580" marT="0" marB="0" anchor="ctr"/>
+                    </a:tc>
+                    <a:tc>
+                      <a:txBody>
+                        <a:bodyPr/>
+                        <a:lstStyle/>
+                        <a:p>
+                          <a:pPr algn="r">
+                            <a:spcBef>
+                              <a:spcPts val="600"/>
+                            </a:spcBef>
+                            <a:spcAft>
+                              <a:spcPts val="600"/>
+                            </a:spcAft>
+                          </a:pPr>
+                          <a:r>
+                            <a:rPr lang="hr-HR" sz="3600" dirty="0">
+                              <a:effectLst/>
+                            </a:rPr>
+                            <a:t>2</a:t>
+                          </a:r>
+                          <a:endParaRPr lang="hr-HR" sz="3600" dirty="0">
+                            <a:effectLst/>
+                            <a:latin typeface="Arial" panose="020B0604020202020204" pitchFamily="34" charset="0"/>
+                            <a:ea typeface="Times New Roman" panose="02020603050405020304" pitchFamily="18" charset="0"/>
+                            <a:cs typeface="Times New Roman" panose="02020603050405020304" pitchFamily="18" charset="0"/>
+                          </a:endParaRPr>
+                        </a:p>
+                      </a:txBody>
+                      <a:tcPr marL="68580" marR="68580" marT="0" marB="0" anchor="ctr"/>
+                    </a:tc>
+                    <a:extLst>
+                      <a:ext uri="{0D108BD9-81ED-4DB2-BD59-A6C34878D82A}">
+                        <a16:rowId xmlns:a16="http://schemas.microsoft.com/office/drawing/2014/main" val="3267630011"/>
+                      </a:ext>
+                    </a:extLst>
+                  </a:tr>
+                  <a:tr h="623455">
+                    <a:tc>
+                      <a:txBody>
+                        <a:bodyPr/>
+                        <a:lstStyle/>
+                        <a:p>
+                          <a:pPr algn="ctr">
+                            <a:spcBef>
+                              <a:spcPts val="600"/>
+                            </a:spcBef>
+                            <a:spcAft>
+                              <a:spcPts val="600"/>
+                            </a:spcAft>
+                          </a:pPr>
+                          <a:r>
+                            <a:rPr lang="hr-HR" sz="2800" dirty="0">
+                              <a:effectLst/>
+                            </a:rPr>
+                            <a:t>Bact1</a:t>
+                          </a:r>
+                          <a:endParaRPr lang="hr-HR" sz="2800" dirty="0">
+                            <a:effectLst/>
+                            <a:latin typeface="Arial" panose="020B0604020202020204" pitchFamily="34" charset="0"/>
+                            <a:ea typeface="Times New Roman" panose="02020603050405020304" pitchFamily="18" charset="0"/>
+                            <a:cs typeface="Times New Roman" panose="02020603050405020304" pitchFamily="18" charset="0"/>
+                          </a:endParaRPr>
+                        </a:p>
+                      </a:txBody>
+                      <a:tcPr marL="68580" marR="68580" marT="0" marB="0" anchor="ctr"/>
+                    </a:tc>
+                    <a:tc>
+                      <a:txBody>
+                        <a:bodyPr/>
+                        <a:lstStyle/>
+                        <a:p>
+                          <a:pPr algn="r">
+                            <a:spcBef>
+                              <a:spcPts val="600"/>
+                            </a:spcBef>
+                            <a:spcAft>
+                              <a:spcPts val="600"/>
+                            </a:spcAft>
+                          </a:pPr>
+                          <a:r>
+                            <a:rPr lang="hr-HR" sz="3200">
+                              <a:effectLst/>
+                            </a:rPr>
+                            <a:t>1.587.120</a:t>
+                          </a:r>
+                          <a:endParaRPr lang="hr-HR" sz="3200">
+                            <a:effectLst/>
+                            <a:latin typeface="Arial" panose="020B0604020202020204" pitchFamily="34" charset="0"/>
+                            <a:ea typeface="Times New Roman" panose="02020603050405020304" pitchFamily="18" charset="0"/>
+                            <a:cs typeface="Times New Roman" panose="02020603050405020304" pitchFamily="18" charset="0"/>
+                          </a:endParaRPr>
+                        </a:p>
+                      </a:txBody>
+                      <a:tcPr marL="68580" marR="68580" marT="0" marB="0" anchor="ctr"/>
+                    </a:tc>
+                    <a:tc>
+                      <a:txBody>
+                        <a:bodyPr/>
+                        <a:lstStyle/>
+                        <a:p>
+                          <a:pPr algn="r">
+                            <a:spcBef>
+                              <a:spcPts val="600"/>
+                            </a:spcBef>
+                            <a:spcAft>
+                              <a:spcPts val="600"/>
+                            </a:spcAft>
+                          </a:pPr>
+                          <a:r>
+                            <a:rPr lang="hr-HR" sz="3600">
+                              <a:effectLst/>
+                            </a:rPr>
+                            <a:t>4</a:t>
+                          </a:r>
+                          <a:endParaRPr lang="hr-HR" sz="3600">
+                            <a:effectLst/>
+                            <a:latin typeface="Arial" panose="020B0604020202020204" pitchFamily="34" charset="0"/>
+                            <a:ea typeface="Times New Roman" panose="02020603050405020304" pitchFamily="18" charset="0"/>
+                            <a:cs typeface="Times New Roman" panose="02020603050405020304" pitchFamily="18" charset="0"/>
+                          </a:endParaRPr>
+                        </a:p>
+                      </a:txBody>
+                      <a:tcPr marL="68580" marR="68580" marT="0" marB="0" anchor="ctr"/>
+                    </a:tc>
+                    <a:tc>
+                      <a:txBody>
+                        <a:bodyPr/>
+                        <a:lstStyle/>
+                        <a:p>
+                          <a:pPr algn="r">
+                            <a:spcBef>
+                              <a:spcPts val="600"/>
+                            </a:spcBef>
+                            <a:spcAft>
+                              <a:spcPts val="600"/>
+                            </a:spcAft>
+                          </a:pPr>
+                          <a:r>
+                            <a:rPr lang="hr-HR" sz="3600" dirty="0">
+                              <a:effectLst/>
+                            </a:rPr>
+                            <a:t>1</a:t>
+                          </a:r>
+                          <a:endParaRPr lang="hr-HR" sz="3600" dirty="0">
+                            <a:effectLst/>
+                            <a:latin typeface="Arial" panose="020B0604020202020204" pitchFamily="34" charset="0"/>
+                            <a:ea typeface="Times New Roman" panose="02020603050405020304" pitchFamily="18" charset="0"/>
+                            <a:cs typeface="Times New Roman" panose="02020603050405020304" pitchFamily="18" charset="0"/>
+                          </a:endParaRPr>
+                        </a:p>
+                      </a:txBody>
+                      <a:tcPr marL="68580" marR="68580" marT="0" marB="0" anchor="ctr"/>
+                    </a:tc>
+                    <a:tc>
+                      <a:txBody>
+                        <a:bodyPr/>
+                        <a:lstStyle/>
+                        <a:p>
+                          <a:pPr algn="r">
+                            <a:spcBef>
+                              <a:spcPts val="600"/>
+                            </a:spcBef>
+                            <a:spcAft>
+                              <a:spcPts val="600"/>
+                            </a:spcAft>
+                          </a:pPr>
+                          <a:r>
+                            <a:rPr lang="hr-HR" sz="3600" dirty="0">
+                              <a:effectLst/>
+                            </a:rPr>
+                            <a:t>3</a:t>
+                          </a:r>
+                          <a:endParaRPr lang="hr-HR" sz="3600" dirty="0">
+                            <a:effectLst/>
+                            <a:latin typeface="Arial" panose="020B0604020202020204" pitchFamily="34" charset="0"/>
+                            <a:ea typeface="Times New Roman" panose="02020603050405020304" pitchFamily="18" charset="0"/>
+                            <a:cs typeface="Times New Roman" panose="02020603050405020304" pitchFamily="18" charset="0"/>
+                          </a:endParaRPr>
+                        </a:p>
+                      </a:txBody>
+                      <a:tcPr marL="68580" marR="68580" marT="0" marB="0" anchor="ctr"/>
+                    </a:tc>
+                    <a:tc>
+                      <a:txBody>
+                        <a:bodyPr/>
+                        <a:lstStyle/>
+                        <a:p>
+                          <a:pPr algn="r">
+                            <a:spcBef>
+                              <a:spcPts val="600"/>
+                            </a:spcBef>
+                            <a:spcAft>
+                              <a:spcPts val="600"/>
+                            </a:spcAft>
+                          </a:pPr>
+                          <a:r>
+                            <a:rPr lang="hr-HR" sz="3600" dirty="0">
+                              <a:effectLst/>
+                            </a:rPr>
+                            <a:t>3</a:t>
+                          </a:r>
+                          <a:endParaRPr lang="hr-HR" sz="3600" dirty="0">
+                            <a:effectLst/>
+                            <a:latin typeface="Arial" panose="020B0604020202020204" pitchFamily="34" charset="0"/>
+                            <a:ea typeface="Times New Roman" panose="02020603050405020304" pitchFamily="18" charset="0"/>
+                            <a:cs typeface="Times New Roman" panose="02020603050405020304" pitchFamily="18" charset="0"/>
+                          </a:endParaRPr>
+                        </a:p>
+                      </a:txBody>
+                      <a:tcPr marL="68580" marR="68580" marT="0" marB="0" anchor="ctr"/>
+                    </a:tc>
+                    <a:extLst>
+                      <a:ext uri="{0D108BD9-81ED-4DB2-BD59-A6C34878D82A}">
+                        <a16:rowId xmlns:a16="http://schemas.microsoft.com/office/drawing/2014/main" val="1366957895"/>
+                      </a:ext>
+                    </a:extLst>
+                  </a:tr>
+                  <a:tr h="623455">
+                    <a:tc>
+                      <a:txBody>
+                        <a:bodyPr/>
+                        <a:lstStyle/>
+                        <a:p>
+                          <a:pPr algn="ctr">
+                            <a:spcBef>
+                              <a:spcPts val="600"/>
+                            </a:spcBef>
+                            <a:spcAft>
+                              <a:spcPts val="600"/>
+                            </a:spcAft>
+                          </a:pPr>
+                          <a:r>
+                            <a:rPr lang="hr-HR" sz="2800" dirty="0" err="1">
+                              <a:effectLst/>
+                            </a:rPr>
+                            <a:t>Pig</a:t>
+                          </a:r>
+                          <a:endParaRPr lang="hr-HR" sz="2800" dirty="0">
+                            <a:effectLst/>
+                            <a:latin typeface="Arial" panose="020B0604020202020204" pitchFamily="34" charset="0"/>
+                            <a:ea typeface="Times New Roman" panose="02020603050405020304" pitchFamily="18" charset="0"/>
+                            <a:cs typeface="Times New Roman" panose="02020603050405020304" pitchFamily="18" charset="0"/>
+                          </a:endParaRPr>
+                        </a:p>
+                      </a:txBody>
+                      <a:tcPr marL="68580" marR="68580" marT="0" marB="0" anchor="ctr"/>
+                    </a:tc>
+                    <a:tc>
+                      <a:txBody>
+                        <a:bodyPr/>
+                        <a:lstStyle/>
+                        <a:p>
+                          <a:pPr algn="r">
+                            <a:spcBef>
+                              <a:spcPts val="600"/>
+                            </a:spcBef>
+                            <a:spcAft>
+                              <a:spcPts val="600"/>
+                            </a:spcAft>
+                          </a:pPr>
+                          <a:r>
+                            <a:rPr lang="hr-HR" sz="3200" dirty="0">
+                              <a:effectLst/>
+                            </a:rPr>
+                            <a:t>1.637.716</a:t>
+                          </a:r>
+                          <a:endParaRPr lang="hr-HR" sz="3200" dirty="0">
+                            <a:effectLst/>
+                            <a:latin typeface="Arial" panose="020B0604020202020204" pitchFamily="34" charset="0"/>
+                            <a:ea typeface="Times New Roman" panose="02020603050405020304" pitchFamily="18" charset="0"/>
+                            <a:cs typeface="Times New Roman" panose="02020603050405020304" pitchFamily="18" charset="0"/>
+                          </a:endParaRPr>
+                        </a:p>
+                      </a:txBody>
+                      <a:tcPr marL="68580" marR="68580" marT="0" marB="0" anchor="ctr"/>
+                    </a:tc>
+                    <a:tc>
+                      <a:txBody>
+                        <a:bodyPr/>
+                        <a:lstStyle/>
+                        <a:p>
+                          <a:pPr algn="r">
+                            <a:spcBef>
+                              <a:spcPts val="600"/>
+                            </a:spcBef>
+                            <a:spcAft>
+                              <a:spcPts val="600"/>
+                            </a:spcAft>
+                          </a:pPr>
+                          <a:r>
+                            <a:rPr lang="hr-HR" sz="3600" dirty="0">
+                              <a:effectLst/>
+                            </a:rPr>
+                            <a:t>5</a:t>
+                          </a:r>
+                          <a:endParaRPr lang="hr-HR" sz="3600" dirty="0">
+                            <a:effectLst/>
+                            <a:latin typeface="Arial" panose="020B0604020202020204" pitchFamily="34" charset="0"/>
+                            <a:ea typeface="Times New Roman" panose="02020603050405020304" pitchFamily="18" charset="0"/>
+                            <a:cs typeface="Times New Roman" panose="02020603050405020304" pitchFamily="18" charset="0"/>
+                          </a:endParaRPr>
+                        </a:p>
+                      </a:txBody>
+                      <a:tcPr marL="68580" marR="68580" marT="0" marB="0" anchor="ctr"/>
+                    </a:tc>
+                    <a:tc>
+                      <a:txBody>
+                        <a:bodyPr/>
+                        <a:lstStyle/>
+                        <a:p>
+                          <a:pPr algn="r">
+                            <a:spcBef>
+                              <a:spcPts val="600"/>
+                            </a:spcBef>
+                            <a:spcAft>
+                              <a:spcPts val="600"/>
+                            </a:spcAft>
+                          </a:pPr>
+                          <a:r>
+                            <a:rPr lang="hr-HR" sz="3600" dirty="0">
+                              <a:effectLst/>
+                            </a:rPr>
+                            <a:t>1</a:t>
+                          </a:r>
+                          <a:endParaRPr lang="hr-HR" sz="3600" dirty="0">
+                            <a:effectLst/>
+                            <a:latin typeface="Arial" panose="020B0604020202020204" pitchFamily="34" charset="0"/>
+                            <a:ea typeface="Times New Roman" panose="02020603050405020304" pitchFamily="18" charset="0"/>
+                            <a:cs typeface="Times New Roman" panose="02020603050405020304" pitchFamily="18" charset="0"/>
+                          </a:endParaRPr>
+                        </a:p>
+                      </a:txBody>
+                      <a:tcPr marL="68580" marR="68580" marT="0" marB="0" anchor="ctr"/>
+                    </a:tc>
+                    <a:tc>
+                      <a:txBody>
+                        <a:bodyPr/>
+                        <a:lstStyle/>
+                        <a:p>
+                          <a:pPr algn="r">
+                            <a:spcBef>
+                              <a:spcPts val="600"/>
+                            </a:spcBef>
+                            <a:spcAft>
+                              <a:spcPts val="600"/>
+                            </a:spcAft>
+                          </a:pPr>
+                          <a:r>
+                            <a:rPr lang="hr-HR" sz="3600" dirty="0">
+                              <a:effectLst/>
+                            </a:rPr>
+                            <a:t>4</a:t>
+                          </a:r>
+                          <a:endParaRPr lang="hr-HR" sz="3600" dirty="0">
+                            <a:effectLst/>
+                            <a:latin typeface="Arial" panose="020B0604020202020204" pitchFamily="34" charset="0"/>
+                            <a:ea typeface="Times New Roman" panose="02020603050405020304" pitchFamily="18" charset="0"/>
+                            <a:cs typeface="Times New Roman" panose="02020603050405020304" pitchFamily="18" charset="0"/>
+                          </a:endParaRPr>
+                        </a:p>
+                      </a:txBody>
+                      <a:tcPr marL="68580" marR="68580" marT="0" marB="0" anchor="ctr"/>
+                    </a:tc>
+                    <a:tc>
+                      <a:txBody>
+                        <a:bodyPr/>
+                        <a:lstStyle/>
+                        <a:p>
+                          <a:pPr algn="r">
+                            <a:spcBef>
+                              <a:spcPts val="600"/>
+                            </a:spcBef>
+                            <a:spcAft>
+                              <a:spcPts val="600"/>
+                            </a:spcAft>
+                          </a:pPr>
+                          <a:r>
+                            <a:rPr lang="hr-HR" sz="3600" dirty="0">
+                              <a:effectLst/>
+                            </a:rPr>
+                            <a:t>3</a:t>
+                          </a:r>
+                          <a:endParaRPr lang="hr-HR" sz="3600" dirty="0">
+                            <a:effectLst/>
+                            <a:latin typeface="Arial" panose="020B0604020202020204" pitchFamily="34" charset="0"/>
+                            <a:ea typeface="Times New Roman" panose="02020603050405020304" pitchFamily="18" charset="0"/>
+                            <a:cs typeface="Times New Roman" panose="02020603050405020304" pitchFamily="18" charset="0"/>
+                          </a:endParaRPr>
+                        </a:p>
+                      </a:txBody>
+                      <a:tcPr marL="68580" marR="68580" marT="0" marB="0" anchor="ctr"/>
+                    </a:tc>
+                    <a:extLst>
+                      <a:ext uri="{0D108BD9-81ED-4DB2-BD59-A6C34878D82A}">
+                        <a16:rowId xmlns:a16="http://schemas.microsoft.com/office/drawing/2014/main" val="3064496087"/>
+                      </a:ext>
+                    </a:extLst>
+                  </a:tr>
+                  <a:tr h="623455">
+                    <a:tc>
+                      <a:txBody>
+                        <a:bodyPr/>
+                        <a:lstStyle/>
+                        <a:p>
+                          <a:pPr algn="ctr">
+                            <a:spcBef>
+                              <a:spcPts val="600"/>
+                            </a:spcBef>
+                            <a:spcAft>
+                              <a:spcPts val="600"/>
+                            </a:spcAft>
+                          </a:pPr>
+                          <a:r>
+                            <a:rPr lang="hr-HR" sz="2800">
+                              <a:effectLst/>
+                            </a:rPr>
+                            <a:t>Bact2</a:t>
+                          </a:r>
+                          <a:endParaRPr lang="hr-HR" sz="2800">
+                            <a:effectLst/>
+                            <a:latin typeface="Arial" panose="020B0604020202020204" pitchFamily="34" charset="0"/>
+                            <a:ea typeface="Times New Roman" panose="02020603050405020304" pitchFamily="18" charset="0"/>
+                            <a:cs typeface="Times New Roman" panose="02020603050405020304" pitchFamily="18" charset="0"/>
+                          </a:endParaRPr>
+                        </a:p>
+                      </a:txBody>
+                      <a:tcPr marL="68580" marR="68580" marT="0" marB="0" anchor="ctr"/>
+                    </a:tc>
+                    <a:tc>
+                      <a:txBody>
+                        <a:bodyPr/>
+                        <a:lstStyle/>
+                        <a:p>
+                          <a:pPr algn="r">
+                            <a:spcBef>
+                              <a:spcPts val="600"/>
+                            </a:spcBef>
+                            <a:spcAft>
+                              <a:spcPts val="600"/>
+                            </a:spcAft>
+                          </a:pPr>
+                          <a:r>
+                            <a:rPr lang="hr-HR" sz="3200">
+                              <a:effectLst/>
+                            </a:rPr>
+                            <a:t>3.018.312</a:t>
+                          </a:r>
+                          <a:endParaRPr lang="hr-HR" sz="3200">
+                            <a:effectLst/>
+                            <a:latin typeface="Arial" panose="020B0604020202020204" pitchFamily="34" charset="0"/>
+                            <a:ea typeface="Times New Roman" panose="02020603050405020304" pitchFamily="18" charset="0"/>
+                            <a:cs typeface="Times New Roman" panose="02020603050405020304" pitchFamily="18" charset="0"/>
+                          </a:endParaRPr>
+                        </a:p>
+                      </a:txBody>
+                      <a:tcPr marL="68580" marR="68580" marT="0" marB="0" anchor="ctr"/>
+                    </a:tc>
+                    <a:tc>
+                      <a:txBody>
+                        <a:bodyPr/>
+                        <a:lstStyle/>
+                        <a:p>
+                          <a:pPr algn="r">
+                            <a:spcBef>
+                              <a:spcPts val="600"/>
+                            </a:spcBef>
+                            <a:spcAft>
+                              <a:spcPts val="600"/>
+                            </a:spcAft>
+                          </a:pPr>
+                          <a:r>
+                            <a:rPr lang="hr-HR" sz="3600">
+                              <a:effectLst/>
+                            </a:rPr>
+                            <a:t>4</a:t>
+                          </a:r>
+                          <a:endParaRPr lang="hr-HR" sz="3600">
+                            <a:effectLst/>
+                            <a:latin typeface="Arial" panose="020B0604020202020204" pitchFamily="34" charset="0"/>
+                            <a:ea typeface="Times New Roman" panose="02020603050405020304" pitchFamily="18" charset="0"/>
+                            <a:cs typeface="Times New Roman" panose="02020603050405020304" pitchFamily="18" charset="0"/>
+                          </a:endParaRPr>
+                        </a:p>
+                      </a:txBody>
+                      <a:tcPr marL="68580" marR="68580" marT="0" marB="0" anchor="ctr"/>
+                    </a:tc>
+                    <a:tc>
+                      <a:txBody>
+                        <a:bodyPr/>
+                        <a:lstStyle/>
+                        <a:p>
+                          <a:pPr algn="r">
+                            <a:spcBef>
+                              <a:spcPts val="600"/>
+                            </a:spcBef>
+                            <a:spcAft>
+                              <a:spcPts val="600"/>
+                            </a:spcAft>
+                          </a:pPr>
+                          <a:r>
+                            <a:rPr lang="hr-HR" sz="3600">
+                              <a:effectLst/>
+                            </a:rPr>
+                            <a:t>1</a:t>
+                          </a:r>
+                          <a:endParaRPr lang="hr-HR" sz="3600">
+                            <a:effectLst/>
+                            <a:latin typeface="Arial" panose="020B0604020202020204" pitchFamily="34" charset="0"/>
+                            <a:ea typeface="Times New Roman" panose="02020603050405020304" pitchFamily="18" charset="0"/>
+                            <a:cs typeface="Times New Roman" panose="02020603050405020304" pitchFamily="18" charset="0"/>
+                          </a:endParaRPr>
+                        </a:p>
+                      </a:txBody>
+                      <a:tcPr marL="68580" marR="68580" marT="0" marB="0" anchor="ctr"/>
+                    </a:tc>
+                    <a:tc>
+                      <a:txBody>
+                        <a:bodyPr/>
+                        <a:lstStyle/>
+                        <a:p>
+                          <a:pPr algn="r">
+                            <a:spcBef>
+                              <a:spcPts val="600"/>
+                            </a:spcBef>
+                            <a:spcAft>
+                              <a:spcPts val="600"/>
+                            </a:spcAft>
+                          </a:pPr>
+                          <a:r>
+                            <a:rPr lang="hr-HR" sz="3600" dirty="0">
+                              <a:effectLst/>
+                            </a:rPr>
+                            <a:t>3</a:t>
+                          </a:r>
+                          <a:endParaRPr lang="hr-HR" sz="3600" dirty="0">
+                            <a:effectLst/>
+                            <a:latin typeface="Arial" panose="020B0604020202020204" pitchFamily="34" charset="0"/>
+                            <a:ea typeface="Times New Roman" panose="02020603050405020304" pitchFamily="18" charset="0"/>
+                            <a:cs typeface="Times New Roman" panose="02020603050405020304" pitchFamily="18" charset="0"/>
+                          </a:endParaRPr>
+                        </a:p>
+                      </a:txBody>
+                      <a:tcPr marL="68580" marR="68580" marT="0" marB="0" anchor="ctr"/>
+                    </a:tc>
+                    <a:tc>
+                      <a:txBody>
+                        <a:bodyPr/>
+                        <a:lstStyle/>
+                        <a:p>
+                          <a:pPr algn="r">
+                            <a:spcBef>
+                              <a:spcPts val="600"/>
+                            </a:spcBef>
+                            <a:spcAft>
+                              <a:spcPts val="600"/>
+                            </a:spcAft>
+                          </a:pPr>
+                          <a:r>
+                            <a:rPr lang="hr-HR" sz="3600" dirty="0">
+                              <a:effectLst/>
+                            </a:rPr>
+                            <a:t>3</a:t>
+                          </a:r>
+                          <a:endParaRPr lang="hr-HR" sz="3600" dirty="0">
+                            <a:effectLst/>
+                            <a:latin typeface="Arial" panose="020B0604020202020204" pitchFamily="34" charset="0"/>
+                            <a:ea typeface="Times New Roman" panose="02020603050405020304" pitchFamily="18" charset="0"/>
+                            <a:cs typeface="Times New Roman" panose="02020603050405020304" pitchFamily="18" charset="0"/>
+                          </a:endParaRPr>
+                        </a:p>
+                      </a:txBody>
+                      <a:tcPr marL="68580" marR="68580" marT="0" marB="0" anchor="ctr"/>
+                    </a:tc>
+                    <a:extLst>
+                      <a:ext uri="{0D108BD9-81ED-4DB2-BD59-A6C34878D82A}">
+                        <a16:rowId xmlns:a16="http://schemas.microsoft.com/office/drawing/2014/main" val="438851395"/>
+                      </a:ext>
+                    </a:extLst>
+                  </a:tr>
+                  <a:tr h="623455">
+                    <a:tc>
+                      <a:txBody>
+                        <a:bodyPr/>
+                        <a:lstStyle/>
+                        <a:p>
+                          <a:pPr algn="ctr">
+                            <a:spcBef>
+                              <a:spcPts val="600"/>
+                            </a:spcBef>
+                            <a:spcAft>
+                              <a:spcPts val="600"/>
+                            </a:spcAft>
+                          </a:pPr>
+                          <a:r>
+                            <a:rPr lang="hr-HR" sz="2800">
+                              <a:effectLst/>
+                            </a:rPr>
+                            <a:t>HumanDNA</a:t>
+                          </a:r>
+                          <a:endParaRPr lang="hr-HR" sz="2800">
+                            <a:effectLst/>
+                            <a:latin typeface="Arial" panose="020B0604020202020204" pitchFamily="34" charset="0"/>
+                            <a:ea typeface="Times New Roman" panose="02020603050405020304" pitchFamily="18" charset="0"/>
+                            <a:cs typeface="Times New Roman" panose="02020603050405020304" pitchFamily="18" charset="0"/>
+                          </a:endParaRPr>
+                        </a:p>
+                      </a:txBody>
+                      <a:tcPr marL="68580" marR="68580" marT="0" marB="0" anchor="ctr"/>
+                    </a:tc>
+                    <a:tc>
+                      <a:txBody>
+                        <a:bodyPr/>
+                        <a:lstStyle/>
+                        <a:p>
+                          <a:pPr algn="r">
+                            <a:spcBef>
+                              <a:spcPts val="600"/>
+                            </a:spcBef>
+                            <a:spcAft>
+                              <a:spcPts val="600"/>
+                            </a:spcAft>
+                          </a:pPr>
+                          <a:r>
+                            <a:rPr lang="hr-HR" sz="3200">
+                              <a:effectLst/>
+                            </a:rPr>
+                            <a:t>33.543.332</a:t>
+                          </a:r>
+                          <a:endParaRPr lang="hr-HR" sz="3200">
+                            <a:effectLst/>
+                            <a:latin typeface="Arial" panose="020B0604020202020204" pitchFamily="34" charset="0"/>
+                            <a:ea typeface="Times New Roman" panose="02020603050405020304" pitchFamily="18" charset="0"/>
+                            <a:cs typeface="Times New Roman" panose="02020603050405020304" pitchFamily="18" charset="0"/>
+                          </a:endParaRPr>
+                        </a:p>
+                      </a:txBody>
+                      <a:tcPr marL="68580" marR="68580" marT="0" marB="0" anchor="ctr"/>
+                    </a:tc>
+                    <a:tc>
+                      <a:txBody>
+                        <a:bodyPr/>
+                        <a:lstStyle/>
+                        <a:p>
+                          <a:pPr algn="r">
+                            <a:spcBef>
+                              <a:spcPts val="600"/>
+                            </a:spcBef>
+                            <a:spcAft>
+                              <a:spcPts val="600"/>
+                            </a:spcAft>
+                          </a:pPr>
+                          <a:r>
+                            <a:rPr lang="hr-HR" sz="3600">
+                              <a:effectLst/>
+                            </a:rPr>
+                            <a:t>5</a:t>
+                          </a:r>
+                          <a:endParaRPr lang="hr-HR" sz="3600">
+                            <a:effectLst/>
+                            <a:latin typeface="Arial" panose="020B0604020202020204" pitchFamily="34" charset="0"/>
+                            <a:ea typeface="Times New Roman" panose="02020603050405020304" pitchFamily="18" charset="0"/>
+                            <a:cs typeface="Times New Roman" panose="02020603050405020304" pitchFamily="18" charset="0"/>
+                          </a:endParaRPr>
+                        </a:p>
+                      </a:txBody>
+                      <a:tcPr marL="68580" marR="68580" marT="0" marB="0" anchor="ctr"/>
+                    </a:tc>
+                    <a:tc>
+                      <a:txBody>
+                        <a:bodyPr/>
+                        <a:lstStyle/>
+                        <a:p>
+                          <a:pPr algn="r">
+                            <a:spcBef>
+                              <a:spcPts val="600"/>
+                            </a:spcBef>
+                            <a:spcAft>
+                              <a:spcPts val="600"/>
+                            </a:spcAft>
+                          </a:pPr>
+                          <a:r>
+                            <a:rPr lang="hr-HR" sz="3600">
+                              <a:effectLst/>
+                            </a:rPr>
+                            <a:t>2</a:t>
+                          </a:r>
+                          <a:endParaRPr lang="hr-HR" sz="3600">
+                            <a:effectLst/>
+                            <a:latin typeface="Arial" panose="020B0604020202020204" pitchFamily="34" charset="0"/>
+                            <a:ea typeface="Times New Roman" panose="02020603050405020304" pitchFamily="18" charset="0"/>
+                            <a:cs typeface="Times New Roman" panose="02020603050405020304" pitchFamily="18" charset="0"/>
+                          </a:endParaRPr>
+                        </a:p>
+                      </a:txBody>
+                      <a:tcPr marL="68580" marR="68580" marT="0" marB="0" anchor="ctr"/>
+                    </a:tc>
+                    <a:tc>
+                      <a:txBody>
+                        <a:bodyPr/>
+                        <a:lstStyle/>
+                        <a:p>
+                          <a:pPr algn="r">
+                            <a:spcBef>
+                              <a:spcPts val="600"/>
+                            </a:spcBef>
+                            <a:spcAft>
+                              <a:spcPts val="600"/>
+                            </a:spcAft>
+                          </a:pPr>
+                          <a:r>
+                            <a:rPr lang="hr-HR" sz="3600" dirty="0">
+                              <a:effectLst/>
+                            </a:rPr>
+                            <a:t>5</a:t>
+                          </a:r>
+                          <a:endParaRPr lang="hr-HR" sz="3600" dirty="0">
+                            <a:effectLst/>
+                            <a:latin typeface="Arial" panose="020B0604020202020204" pitchFamily="34" charset="0"/>
+                            <a:ea typeface="Times New Roman" panose="02020603050405020304" pitchFamily="18" charset="0"/>
+                            <a:cs typeface="Times New Roman" panose="02020603050405020304" pitchFamily="18" charset="0"/>
+                          </a:endParaRPr>
+                        </a:p>
+                      </a:txBody>
+                      <a:tcPr marL="68580" marR="68580" marT="0" marB="0" anchor="ctr"/>
+                    </a:tc>
+                    <a:tc>
+                      <a:txBody>
+                        <a:bodyPr/>
+                        <a:lstStyle/>
+                        <a:p>
+                          <a:pPr algn="r">
+                            <a:spcBef>
+                              <a:spcPts val="600"/>
+                            </a:spcBef>
+                            <a:spcAft>
+                              <a:spcPts val="600"/>
+                            </a:spcAft>
+                          </a:pPr>
+                          <a:r>
+                            <a:rPr lang="hr-HR" sz="3600" dirty="0">
+                              <a:effectLst/>
+                            </a:rPr>
+                            <a:t>5</a:t>
+                          </a:r>
+                          <a:endParaRPr lang="hr-HR" sz="3600" dirty="0">
+                            <a:effectLst/>
+                            <a:latin typeface="Arial" panose="020B0604020202020204" pitchFamily="34" charset="0"/>
+                            <a:ea typeface="Times New Roman" panose="02020603050405020304" pitchFamily="18" charset="0"/>
+                            <a:cs typeface="Times New Roman" panose="02020603050405020304" pitchFamily="18" charset="0"/>
+                          </a:endParaRPr>
+                        </a:p>
+                      </a:txBody>
+                      <a:tcPr marL="68580" marR="68580" marT="0" marB="0" anchor="ctr"/>
+                    </a:tc>
+                    <a:extLst>
+                      <a:ext uri="{0D108BD9-81ED-4DB2-BD59-A6C34878D82A}">
+                        <a16:rowId xmlns:a16="http://schemas.microsoft.com/office/drawing/2014/main" val="181928458"/>
+                      </a:ext>
+                    </a:extLst>
+                  </a:tr>
+                  <a:tr h="623455">
+                    <a:tc>
+                      <a:txBody>
+                        <a:bodyPr/>
+                        <a:lstStyle/>
+                        <a:p>
+                          <a:pPr algn="ctr">
+                            <a:spcBef>
+                              <a:spcPts val="600"/>
+                            </a:spcBef>
+                            <a:spcAft>
+                              <a:spcPts val="600"/>
+                            </a:spcAft>
+                          </a:pPr>
+                          <a:r>
+                            <a:rPr lang="hr-HR" sz="2800">
+                              <a:effectLst/>
+                            </a:rPr>
+                            <a:t>Human200</a:t>
+                          </a:r>
+                          <a:endParaRPr lang="hr-HR" sz="2800">
+                            <a:effectLst/>
+                            <a:latin typeface="Arial" panose="020B0604020202020204" pitchFamily="34" charset="0"/>
+                            <a:ea typeface="Times New Roman" panose="02020603050405020304" pitchFamily="18" charset="0"/>
+                            <a:cs typeface="Times New Roman" panose="02020603050405020304" pitchFamily="18" charset="0"/>
+                          </a:endParaRPr>
+                        </a:p>
+                      </a:txBody>
+                      <a:tcPr marL="68580" marR="68580" marT="0" marB="0" anchor="ctr"/>
+                    </a:tc>
+                    <a:tc>
+                      <a:txBody>
+                        <a:bodyPr/>
+                        <a:lstStyle/>
+                        <a:p>
+                          <a:pPr algn="r">
+                            <a:spcBef>
+                              <a:spcPts val="600"/>
+                            </a:spcBef>
+                            <a:spcAft>
+                              <a:spcPts val="600"/>
+                            </a:spcAft>
+                          </a:pPr>
+                          <a:r>
+                            <a:rPr lang="hr-HR" sz="3200" dirty="0">
+                              <a:effectLst/>
+                            </a:rPr>
+                            <a:t>198.295.559</a:t>
+                          </a:r>
+                          <a:endParaRPr lang="hr-HR" sz="3200" dirty="0">
+                            <a:effectLst/>
+                            <a:latin typeface="Arial" panose="020B0604020202020204" pitchFamily="34" charset="0"/>
+                            <a:ea typeface="Times New Roman" panose="02020603050405020304" pitchFamily="18" charset="0"/>
+                            <a:cs typeface="Times New Roman" panose="02020603050405020304" pitchFamily="18" charset="0"/>
+                          </a:endParaRPr>
+                        </a:p>
+                      </a:txBody>
+                      <a:tcPr marL="68580" marR="68580" marT="0" marB="0" anchor="ctr"/>
+                    </a:tc>
+                    <a:tc>
+                      <a:txBody>
+                        <a:bodyPr/>
+                        <a:lstStyle/>
+                        <a:p>
+                          <a:pPr algn="r">
+                            <a:spcBef>
+                              <a:spcPts val="600"/>
+                            </a:spcBef>
+                            <a:spcAft>
+                              <a:spcPts val="600"/>
+                            </a:spcAft>
+                          </a:pPr>
+                          <a:r>
+                            <a:rPr lang="hr-HR" sz="3600">
+                              <a:effectLst/>
+                            </a:rPr>
+                            <a:t>9</a:t>
+                          </a:r>
+                          <a:endParaRPr lang="hr-HR" sz="3600">
+                            <a:effectLst/>
+                            <a:latin typeface="Arial" panose="020B0604020202020204" pitchFamily="34" charset="0"/>
+                            <a:ea typeface="Times New Roman" panose="02020603050405020304" pitchFamily="18" charset="0"/>
+                            <a:cs typeface="Times New Roman" panose="02020603050405020304" pitchFamily="18" charset="0"/>
+                          </a:endParaRPr>
+                        </a:p>
+                      </a:txBody>
+                      <a:tcPr marL="68580" marR="68580" marT="0" marB="0" anchor="ctr"/>
+                    </a:tc>
+                    <a:tc>
+                      <a:txBody>
+                        <a:bodyPr/>
+                        <a:lstStyle/>
+                        <a:p>
+                          <a:pPr algn="r">
+                            <a:spcBef>
+                              <a:spcPts val="600"/>
+                            </a:spcBef>
+                            <a:spcAft>
+                              <a:spcPts val="600"/>
+                            </a:spcAft>
+                          </a:pPr>
+                          <a:r>
+                            <a:rPr lang="hr-HR" sz="3600">
+                              <a:effectLst/>
+                            </a:rPr>
+                            <a:t>3</a:t>
+                          </a:r>
+                          <a:endParaRPr lang="hr-HR" sz="3600">
+                            <a:effectLst/>
+                            <a:latin typeface="Arial" panose="020B0604020202020204" pitchFamily="34" charset="0"/>
+                            <a:ea typeface="Times New Roman" panose="02020603050405020304" pitchFamily="18" charset="0"/>
+                            <a:cs typeface="Times New Roman" panose="02020603050405020304" pitchFamily="18" charset="0"/>
+                          </a:endParaRPr>
+                        </a:p>
+                      </a:txBody>
+                      <a:tcPr marL="68580" marR="68580" marT="0" marB="0" anchor="ctr"/>
+                    </a:tc>
+                    <a:tc>
+                      <a:txBody>
+                        <a:bodyPr/>
+                        <a:lstStyle/>
+                        <a:p>
+                          <a:pPr algn="r">
+                            <a:spcBef>
+                              <a:spcPts val="600"/>
+                            </a:spcBef>
+                            <a:spcAft>
+                              <a:spcPts val="600"/>
+                            </a:spcAft>
+                          </a:pPr>
+                          <a:r>
+                            <a:rPr lang="hr-HR" sz="3600">
+                              <a:effectLst/>
+                            </a:rPr>
+                            <a:t>12</a:t>
+                          </a:r>
+                          <a:endParaRPr lang="hr-HR" sz="3600">
+                            <a:effectLst/>
+                            <a:latin typeface="Arial" panose="020B0604020202020204" pitchFamily="34" charset="0"/>
+                            <a:ea typeface="Times New Roman" panose="02020603050405020304" pitchFamily="18" charset="0"/>
+                            <a:cs typeface="Times New Roman" panose="02020603050405020304" pitchFamily="18" charset="0"/>
+                          </a:endParaRPr>
+                        </a:p>
+                      </a:txBody>
+                      <a:tcPr marL="68580" marR="68580" marT="0" marB="0" anchor="ctr"/>
+                    </a:tc>
+                    <a:tc>
+                      <a:txBody>
+                        <a:bodyPr/>
+                        <a:lstStyle/>
+                        <a:p>
+                          <a:pPr algn="r">
+                            <a:spcBef>
+                              <a:spcPts val="600"/>
+                            </a:spcBef>
+                            <a:spcAft>
+                              <a:spcPts val="600"/>
+                            </a:spcAft>
+                          </a:pPr>
+                          <a:r>
+                            <a:rPr lang="hr-HR" sz="3600" dirty="0">
+                              <a:effectLst/>
+                            </a:rPr>
+                            <a:t>8</a:t>
+                          </a:r>
+                          <a:endParaRPr lang="hr-HR" sz="3600" dirty="0">
+                            <a:effectLst/>
+                            <a:latin typeface="Arial" panose="020B0604020202020204" pitchFamily="34" charset="0"/>
+                            <a:ea typeface="Times New Roman" panose="02020603050405020304" pitchFamily="18" charset="0"/>
+                            <a:cs typeface="Times New Roman" panose="02020603050405020304" pitchFamily="18" charset="0"/>
+                          </a:endParaRPr>
+                        </a:p>
+                      </a:txBody>
+                      <a:tcPr marL="68580" marR="68580" marT="0" marB="0" anchor="ctr"/>
+                    </a:tc>
+                    <a:extLst>
+                      <a:ext uri="{0D108BD9-81ED-4DB2-BD59-A6C34878D82A}">
+                        <a16:rowId xmlns:a16="http://schemas.microsoft.com/office/drawing/2014/main" val="2149916249"/>
+                      </a:ext>
+                    </a:extLst>
+                  </a:tr>
+                </a:tbl>
+              </a:graphicData>
+            </a:graphic>
+          </p:graphicFrame>
+        </mc:Fallback>
+      </mc:AlternateContent>
+    </p:spTree>
+    <p:extLst>
+      <p:ext uri="{BB962C8B-B14F-4D97-AF65-F5344CB8AC3E}">
+        <p14:creationId xmlns:p14="http://schemas.microsoft.com/office/powerpoint/2010/main" val="323040605"/>
+      </p:ext>
+    </p:extLst>
+  </p:cSld>
+  <p:clrMapOvr>
+    <a:masterClrMapping/>
+  </p:clrMapOvr>
+  <p:timing>
+    <p:tnLst>
+      <p:par>
+        <p:cTn id="1" dur="indefinite" restart="never" nodeType="tmRoot"/>
+      </p:par>
+    </p:tnLst>
+  </p:timing>
+</p:sld>
+</file>
+
+<file path=ppt/slides/slide14.xml><?xml version="1.0" encoding="utf-8"?>
+<p:sld xmlns:a="http://schemas.openxmlformats.org/drawingml/2006/main" xmlns:r="http://schemas.openxmlformats.org/officeDocument/2006/relationships" xmlns:p="http://schemas.openxmlformats.org/presentationml/2006/main">
+  <p:cSld>
+    <p:bg>
+      <p:bgPr>
+        <a:gradFill flip="none" rotWithShape="1">
+          <a:gsLst>
+            <a:gs pos="0">
+              <a:schemeClr val="bg1">
+                <a:lumMod val="95000"/>
+              </a:schemeClr>
+            </a:gs>
+            <a:gs pos="63000">
+              <a:schemeClr val="bg1">
+                <a:lumMod val="95000"/>
+              </a:schemeClr>
+            </a:gs>
+            <a:gs pos="63000">
+              <a:schemeClr val="bg1">
+                <a:lumMod val="85000"/>
+              </a:schemeClr>
+            </a:gs>
+            <a:gs pos="100000">
+              <a:schemeClr val="bg1">
+                <a:lumMod val="75000"/>
+              </a:schemeClr>
+            </a:gs>
+          </a:gsLst>
+          <a:lin ang="5400000" scaled="1"/>
+          <a:tileRect/>
+        </a:gradFill>
+        <a:effectLst/>
+      </p:bgPr>
+    </p:bg>
+    <p:spTree>
+      <p:nvGrpSpPr>
+        <p:cNvPr id="1" name=""/>
+        <p:cNvGrpSpPr/>
+        <p:nvPr/>
+      </p:nvGrpSpPr>
+      <p:grpSpPr>
+        <a:xfrm>
+          <a:off x="0" y="0"/>
+          <a:ext cx="0" cy="0"/>
+          <a:chOff x="0" y="0"/>
+          <a:chExt cx="0" cy="0"/>
+        </a:xfrm>
+      </p:grpSpPr>
+      <p:sp>
+        <p:nvSpPr>
+          <p:cNvPr id="12" name="Rectangle 11"/>
+          <p:cNvSpPr/>
+          <p:nvPr/>
+        </p:nvSpPr>
+        <p:spPr>
+          <a:xfrm>
+            <a:off x="2873887" y="5212066"/>
+            <a:ext cx="6444227" cy="841443"/>
+          </a:xfrm>
+          <a:prstGeom prst="rect">
+            <a:avLst/>
+          </a:prstGeom>
+          <a:noFill/>
+          <a:ln>
+            <a:noFill/>
+          </a:ln>
+        </p:spPr>
+        <p:style>
+          <a:lnRef idx="2">
+            <a:schemeClr val="accent1">
+              <a:shade val="50000"/>
+            </a:schemeClr>
+          </a:lnRef>
+          <a:fillRef idx="1">
+            <a:schemeClr val="accent1"/>
+          </a:fillRef>
+          <a:effectRef idx="0">
+            <a:schemeClr val="accent1"/>
+          </a:effectRef>
+          <a:fontRef idx="minor">
+            <a:schemeClr val="lt1"/>
+          </a:fontRef>
+        </p:style>
+        <p:txBody>
+          <a:bodyPr rtlCol="0" anchor="ctr"/>
+          <a:lstStyle/>
+          <a:p>
+            <a:pPr algn="ctr"/>
+            <a:r>
+              <a:rPr lang="en-US" sz="2800" b="1" dirty="0" smtClean="0">
+                <a:solidFill>
+                  <a:schemeClr val="bg2">
+                    <a:lumMod val="25000"/>
+                  </a:schemeClr>
+                </a:solidFill>
+                <a:latin typeface="Lucida Bright" panose="02040602050505020304" pitchFamily="18" charset="0"/>
+                <a:cs typeface="Times New Roman" panose="02020603050405020304" pitchFamily="18" charset="0"/>
+              </a:rPr>
+              <a:t>Denis Čaušević, Hajrudin Ćoralić</a:t>
+            </a:r>
+            <a:endParaRPr lang="hr-HR" sz="1200" b="1" dirty="0">
+              <a:solidFill>
+                <a:schemeClr val="bg2">
+                  <a:lumMod val="25000"/>
+                </a:schemeClr>
+              </a:solidFill>
+              <a:latin typeface="Lucida Bright" panose="02040602050505020304" pitchFamily="18" charset="0"/>
+              <a:cs typeface="Times New Roman" panose="02020603050405020304" pitchFamily="18" charset="0"/>
+            </a:endParaRPr>
+          </a:p>
+        </p:txBody>
+      </p:sp>
+      <p:sp>
+        <p:nvSpPr>
+          <p:cNvPr id="13" name="Rectangle 12"/>
+          <p:cNvSpPr/>
+          <p:nvPr/>
+        </p:nvSpPr>
+        <p:spPr>
+          <a:xfrm>
+            <a:off x="2973188" y="6021977"/>
+            <a:ext cx="6245624" cy="535577"/>
+          </a:xfrm>
+          <a:prstGeom prst="rect">
+            <a:avLst/>
+          </a:prstGeom>
+          <a:noFill/>
+          <a:ln>
+            <a:noFill/>
+          </a:ln>
+        </p:spPr>
+        <p:style>
+          <a:lnRef idx="2">
+            <a:schemeClr val="accent1">
+              <a:shade val="50000"/>
+            </a:schemeClr>
+          </a:lnRef>
+          <a:fillRef idx="1">
+            <a:schemeClr val="accent1"/>
+          </a:fillRef>
+          <a:effectRef idx="0">
+            <a:schemeClr val="accent1"/>
+          </a:effectRef>
+          <a:fontRef idx="minor">
+            <a:schemeClr val="lt1"/>
+          </a:fontRef>
+        </p:style>
+        <p:txBody>
+          <a:bodyPr rtlCol="0" anchor="ctr"/>
+          <a:lstStyle/>
+          <a:p>
+            <a:pPr algn="ctr"/>
+            <a:r>
+              <a:rPr lang="en-US" sz="2000" dirty="0" err="1">
+                <a:solidFill>
+                  <a:schemeClr val="bg2">
+                    <a:lumMod val="25000"/>
+                  </a:schemeClr>
+                </a:solidFill>
+                <a:latin typeface="Lucida Bright" panose="02040602050505020304" pitchFamily="18" charset="0"/>
+                <a:cs typeface="Times New Roman" panose="02020603050405020304" pitchFamily="18" charset="0"/>
+              </a:rPr>
+              <a:t>s</a:t>
+            </a:r>
+            <a:r>
+              <a:rPr lang="en-US" sz="2000" dirty="0" err="1" smtClean="0">
+                <a:solidFill>
+                  <a:schemeClr val="bg2">
+                    <a:lumMod val="25000"/>
+                  </a:schemeClr>
+                </a:solidFill>
+                <a:latin typeface="Lucida Bright" panose="02040602050505020304" pitchFamily="18" charset="0"/>
+                <a:cs typeface="Times New Roman" panose="02020603050405020304" pitchFamily="18" charset="0"/>
+              </a:rPr>
+              <a:t>iječanj</a:t>
+            </a:r>
+            <a:r>
+              <a:rPr lang="en-US" sz="2000" dirty="0" smtClean="0">
+                <a:solidFill>
+                  <a:schemeClr val="bg2">
+                    <a:lumMod val="25000"/>
+                  </a:schemeClr>
+                </a:solidFill>
+                <a:latin typeface="Lucida Bright" panose="02040602050505020304" pitchFamily="18" charset="0"/>
+                <a:cs typeface="Times New Roman" panose="02020603050405020304" pitchFamily="18" charset="0"/>
+              </a:rPr>
+              <a:t> 2016.</a:t>
+            </a:r>
+            <a:endParaRPr lang="hr-HR" sz="2000" dirty="0">
+              <a:solidFill>
+                <a:schemeClr val="bg2">
+                  <a:lumMod val="25000"/>
+                </a:schemeClr>
+              </a:solidFill>
+              <a:latin typeface="Lucida Bright" panose="02040602050505020304" pitchFamily="18" charset="0"/>
+              <a:cs typeface="Times New Roman" panose="02020603050405020304" pitchFamily="18" charset="0"/>
+            </a:endParaRPr>
+          </a:p>
+        </p:txBody>
+      </p:sp>
+      <p:sp>
+        <p:nvSpPr>
+          <p:cNvPr id="14" name="Rectangle 13"/>
+          <p:cNvSpPr/>
+          <p:nvPr/>
+        </p:nvSpPr>
+        <p:spPr>
+          <a:xfrm>
+            <a:off x="3475091" y="1587478"/>
+            <a:ext cx="8309029" cy="2468678"/>
+          </a:xfrm>
+          <a:prstGeom prst="rect">
+            <a:avLst/>
+          </a:prstGeom>
+          <a:noFill/>
+          <a:ln>
+            <a:noFill/>
+          </a:ln>
+        </p:spPr>
+        <p:style>
+          <a:lnRef idx="2">
+            <a:schemeClr val="accent1">
+              <a:shade val="50000"/>
+            </a:schemeClr>
+          </a:lnRef>
+          <a:fillRef idx="1">
+            <a:schemeClr val="accent1"/>
+          </a:fillRef>
+          <a:effectRef idx="0">
+            <a:schemeClr val="accent1"/>
+          </a:effectRef>
+          <a:fontRef idx="minor">
+            <a:schemeClr val="lt1"/>
+          </a:fontRef>
+        </p:style>
+        <p:txBody>
+          <a:bodyPr rtlCol="0" anchor="ctr"/>
+          <a:lstStyle/>
+          <a:p>
+            <a:r>
+              <a:rPr lang="hr-HR" sz="4400" b="1" dirty="0">
+                <a:solidFill>
+                  <a:schemeClr val="bg2">
+                    <a:lumMod val="25000"/>
+                  </a:schemeClr>
+                </a:solidFill>
+                <a:latin typeface="Lucida Bright" panose="02040602050505020304" pitchFamily="18" charset="0"/>
+                <a:cs typeface="Times New Roman" panose="02020603050405020304" pitchFamily="18" charset="0"/>
+              </a:rPr>
+              <a:t>Izgradnja binarnog stabla </a:t>
+            </a:r>
+            <a:r>
+              <a:rPr lang="hr-HR" sz="4400" b="1" dirty="0" smtClean="0">
+                <a:solidFill>
+                  <a:schemeClr val="bg2">
+                    <a:lumMod val="25000"/>
+                  </a:schemeClr>
+                </a:solidFill>
+                <a:latin typeface="Lucida Bright" panose="02040602050505020304" pitchFamily="18" charset="0"/>
+                <a:cs typeface="Times New Roman" panose="02020603050405020304" pitchFamily="18" charset="0"/>
+              </a:rPr>
+              <a:t>valića </a:t>
+            </a:r>
+            <a:r>
+              <a:rPr lang="hr-HR" sz="4400" b="1" dirty="0">
+                <a:solidFill>
+                  <a:schemeClr val="bg2">
+                    <a:lumMod val="25000"/>
+                  </a:schemeClr>
+                </a:solidFill>
+                <a:latin typeface="Lucida Bright" panose="02040602050505020304" pitchFamily="18" charset="0"/>
+                <a:cs typeface="Times New Roman" panose="02020603050405020304" pitchFamily="18" charset="0"/>
+              </a:rPr>
+              <a:t>kao RRR strukture</a:t>
+            </a:r>
+          </a:p>
+        </p:txBody>
+      </p:sp>
+      <p:sp>
+        <p:nvSpPr>
+          <p:cNvPr id="15" name="Rectangle 14"/>
+          <p:cNvSpPr/>
+          <p:nvPr/>
+        </p:nvSpPr>
+        <p:spPr>
+          <a:xfrm>
+            <a:off x="3475091" y="1027952"/>
+            <a:ext cx="6245624" cy="1119052"/>
+          </a:xfrm>
+          <a:prstGeom prst="rect">
+            <a:avLst/>
+          </a:prstGeom>
+          <a:noFill/>
+          <a:ln>
+            <a:noFill/>
+          </a:ln>
+        </p:spPr>
+        <p:style>
+          <a:lnRef idx="2">
+            <a:schemeClr val="accent1">
+              <a:shade val="50000"/>
+            </a:schemeClr>
+          </a:lnRef>
+          <a:fillRef idx="1">
+            <a:schemeClr val="accent1"/>
+          </a:fillRef>
+          <a:effectRef idx="0">
+            <a:schemeClr val="accent1"/>
+          </a:effectRef>
+          <a:fontRef idx="minor">
+            <a:schemeClr val="lt1"/>
+          </a:fontRef>
+        </p:style>
+        <p:txBody>
+          <a:bodyPr rtlCol="0" anchor="ctr"/>
+          <a:lstStyle/>
+          <a:p>
+            <a:r>
+              <a:rPr lang="en-US" sz="3200" b="1" dirty="0" smtClean="0">
+                <a:solidFill>
+                  <a:schemeClr val="tx1">
+                    <a:lumMod val="65000"/>
+                    <a:lumOff val="35000"/>
+                  </a:schemeClr>
+                </a:solidFill>
+                <a:latin typeface="Lucida Bright" panose="02040602050505020304" pitchFamily="18" charset="0"/>
+                <a:cs typeface="Times New Roman" panose="02020603050405020304" pitchFamily="18" charset="0"/>
+              </a:rPr>
+              <a:t>ZAKLJUČAK</a:t>
+            </a:r>
+            <a:endParaRPr lang="hr-HR" sz="3200" b="1" dirty="0">
+              <a:solidFill>
+                <a:schemeClr val="tx1">
+                  <a:lumMod val="65000"/>
+                  <a:lumOff val="35000"/>
+                </a:schemeClr>
+              </a:solidFill>
+              <a:latin typeface="Lucida Bright" panose="02040602050505020304" pitchFamily="18" charset="0"/>
+              <a:cs typeface="Times New Roman" panose="02020603050405020304" pitchFamily="18" charset="0"/>
+            </a:endParaRPr>
+          </a:p>
+        </p:txBody>
+      </p:sp>
+    </p:spTree>
+    <p:extLst>
+      <p:ext uri="{BB962C8B-B14F-4D97-AF65-F5344CB8AC3E}">
+        <p14:creationId xmlns:p14="http://schemas.microsoft.com/office/powerpoint/2010/main" val="1690430611"/>
       </p:ext>
     </p:extLst>
   </p:cSld>
@@ -13504,48 +19375,285 @@
           <a:chExt cx="0" cy="0"/>
         </a:xfrm>
       </p:grpSpPr>
-      <p:sp>
-        <p:nvSpPr>
-          <p:cNvPr id="2" name="Title 1"/>
-          <p:cNvSpPr>
-            <a:spLocks noGrp="1"/>
-          </p:cNvSpPr>
-          <p:nvPr>
-            <p:ph type="title"/>
-          </p:nvPr>
-        </p:nvSpPr>
-        <p:spPr>
-          <a:xfrm>
-            <a:off x="437744" y="26367"/>
-            <a:ext cx="10077855" cy="1325563"/>
-          </a:xfrm>
-        </p:spPr>
-        <p:txBody>
-          <a:bodyPr/>
-          <a:lstStyle/>
-          <a:p>
-            <a:r>
-              <a:rPr lang="en-US" b="1" dirty="0" smtClean="0">
-                <a:solidFill>
-                  <a:schemeClr val="bg2">
-                    <a:lumMod val="25000"/>
-                  </a:schemeClr>
-                </a:solidFill>
-                <a:latin typeface="Lucida Bright" panose="02040602050505020304" pitchFamily="18" charset="0"/>
-              </a:rPr>
-              <a:t>rank</a:t>
-            </a:r>
-            <a:endParaRPr lang="hr-HR" b="1" dirty="0">
-              <a:solidFill>
-                <a:schemeClr val="bg2">
-                  <a:lumMod val="25000"/>
-                </a:schemeClr>
-              </a:solidFill>
-              <a:latin typeface="Lucida Bright" panose="02040602050505020304" pitchFamily="18" charset="0"/>
-            </a:endParaRPr>
-          </a:p>
-        </p:txBody>
-      </p:sp>
+      <mc:AlternateContent xmlns:mc="http://schemas.openxmlformats.org/markup-compatibility/2006">
+        <mc:Choice xmlns:a14="http://schemas.microsoft.com/office/drawing/2010/main" Requires="a14">
+          <p:sp>
+            <p:nvSpPr>
+              <p:cNvPr id="2" name="Title 1"/>
+              <p:cNvSpPr>
+                <a:spLocks noGrp="1"/>
+              </p:cNvSpPr>
+              <p:nvPr>
+                <p:ph type="title"/>
+              </p:nvPr>
+            </p:nvSpPr>
+            <p:spPr>
+              <a:xfrm>
+                <a:off x="2867435" y="153225"/>
+                <a:ext cx="3333402" cy="3263967"/>
+              </a:xfrm>
+            </p:spPr>
+            <p:txBody>
+              <a:bodyPr/>
+              <a:lstStyle/>
+              <a:p>
+                <a14:m>
+                  <m:oMathPara xmlns:m="http://schemas.openxmlformats.org/officeDocument/2006/math">
+                    <m:oMathParaPr>
+                      <m:jc m:val="centerGroup"/>
+                    </m:oMathParaPr>
+                    <m:oMath xmlns:m="http://schemas.openxmlformats.org/officeDocument/2006/math">
+                      <m:r>
+                        <a:rPr lang="en-US" b="1" i="1" smtClean="0">
+                          <a:solidFill>
+                            <a:schemeClr val="bg2">
+                              <a:lumMod val="25000"/>
+                            </a:schemeClr>
+                          </a:solidFill>
+                          <a:latin typeface="Cambria Math" panose="02040503050406030204" pitchFamily="18" charset="0"/>
+                        </a:rPr>
+                        <m:t>𝒓𝒂𝒏</m:t>
+                      </m:r>
+                      <m:sSub>
+                        <m:sSubPr>
+                          <m:ctrlPr>
+                            <a:rPr lang="en-US" b="1" i="1">
+                              <a:solidFill>
+                                <a:schemeClr val="bg2">
+                                  <a:lumMod val="25000"/>
+                                </a:schemeClr>
+                              </a:solidFill>
+                              <a:latin typeface="Cambria Math" panose="02040503050406030204" pitchFamily="18" charset="0"/>
+                            </a:rPr>
+                          </m:ctrlPr>
+                        </m:sSubPr>
+                        <m:e>
+                          <m:r>
+                            <a:rPr lang="en-US" b="1" i="1">
+                              <a:solidFill>
+                                <a:schemeClr val="bg2">
+                                  <a:lumMod val="25000"/>
+                                </a:schemeClr>
+                              </a:solidFill>
+                              <a:latin typeface="Cambria Math" panose="02040503050406030204" pitchFamily="18" charset="0"/>
+                            </a:rPr>
+                            <m:t>𝒌</m:t>
+                          </m:r>
+                        </m:e>
+                        <m:sub>
+                          <m:r>
+                            <a:rPr lang="en-US" b="1" i="1">
+                              <a:solidFill>
+                                <a:schemeClr val="bg2">
+                                  <a:lumMod val="25000"/>
+                                </a:schemeClr>
+                              </a:solidFill>
+                              <a:latin typeface="Cambria Math" panose="02040503050406030204" pitchFamily="18" charset="0"/>
+                            </a:rPr>
+                            <m:t>𝟏</m:t>
+                          </m:r>
+                        </m:sub>
+                      </m:sSub>
+                      <m:d>
+                        <m:dPr>
+                          <m:ctrlPr>
+                            <a:rPr lang="en-US" b="1" i="1">
+                              <a:solidFill>
+                                <a:schemeClr val="bg2">
+                                  <a:lumMod val="25000"/>
+                                </a:schemeClr>
+                              </a:solidFill>
+                              <a:latin typeface="Cambria Math" panose="02040503050406030204" pitchFamily="18" charset="0"/>
+                            </a:rPr>
+                          </m:ctrlPr>
+                        </m:dPr>
+                        <m:e>
+                          <m:r>
+                            <a:rPr lang="en-US" b="1" i="1" smtClean="0">
+                              <a:solidFill>
+                                <a:schemeClr val="bg2">
+                                  <a:lumMod val="25000"/>
+                                </a:schemeClr>
+                              </a:solidFill>
+                              <a:latin typeface="Cambria Math" panose="02040503050406030204" pitchFamily="18" charset="0"/>
+                            </a:rPr>
+                            <m:t>𝒏</m:t>
+                          </m:r>
+                        </m:e>
+                      </m:d>
+                    </m:oMath>
+                    <m:oMath xmlns:m="http://schemas.openxmlformats.org/officeDocument/2006/math">
+                      <m:r>
+                        <a:rPr lang="en-US" b="1" i="1" smtClean="0">
+                          <a:solidFill>
+                            <a:schemeClr val="bg2">
+                              <a:lumMod val="25000"/>
+                            </a:schemeClr>
+                          </a:solidFill>
+                          <a:latin typeface="Cambria Math" panose="02040503050406030204" pitchFamily="18" charset="0"/>
+                        </a:rPr>
+                        <m:t>𝒔𝒆𝒍𝒆𝒄</m:t>
+                      </m:r>
+                      <m:sSub>
+                        <m:sSubPr>
+                          <m:ctrlPr>
+                            <a:rPr lang="en-US" b="1" i="1" smtClean="0">
+                              <a:solidFill>
+                                <a:schemeClr val="bg2">
+                                  <a:lumMod val="25000"/>
+                                </a:schemeClr>
+                              </a:solidFill>
+                              <a:latin typeface="Cambria Math" panose="02040503050406030204" pitchFamily="18" charset="0"/>
+                            </a:rPr>
+                          </m:ctrlPr>
+                        </m:sSubPr>
+                        <m:e>
+                          <m:r>
+                            <a:rPr lang="en-US" b="1" i="1" smtClean="0">
+                              <a:solidFill>
+                                <a:schemeClr val="bg2">
+                                  <a:lumMod val="25000"/>
+                                </a:schemeClr>
+                              </a:solidFill>
+                              <a:latin typeface="Cambria Math" panose="02040503050406030204" pitchFamily="18" charset="0"/>
+                            </a:rPr>
+                            <m:t>𝒕</m:t>
+                          </m:r>
+                        </m:e>
+                        <m:sub>
+                          <m:r>
+                            <a:rPr lang="en-US" b="1" i="1">
+                              <a:solidFill>
+                                <a:schemeClr val="bg2">
+                                  <a:lumMod val="25000"/>
+                                </a:schemeClr>
+                              </a:solidFill>
+                              <a:latin typeface="Cambria Math" panose="02040503050406030204" pitchFamily="18" charset="0"/>
+                            </a:rPr>
+                            <m:t>𝟏</m:t>
+                          </m:r>
+                        </m:sub>
+                      </m:sSub>
+                      <m:d>
+                        <m:dPr>
+                          <m:ctrlPr>
+                            <a:rPr lang="en-US" b="1" i="1">
+                              <a:solidFill>
+                                <a:schemeClr val="bg2">
+                                  <a:lumMod val="25000"/>
+                                </a:schemeClr>
+                              </a:solidFill>
+                              <a:latin typeface="Cambria Math" panose="02040503050406030204" pitchFamily="18" charset="0"/>
+                            </a:rPr>
+                          </m:ctrlPr>
+                        </m:dPr>
+                        <m:e>
+                          <m:r>
+                            <a:rPr lang="en-US" b="1" i="1" smtClean="0">
+                              <a:solidFill>
+                                <a:schemeClr val="bg2">
+                                  <a:lumMod val="25000"/>
+                                </a:schemeClr>
+                              </a:solidFill>
+                              <a:latin typeface="Cambria Math" panose="02040503050406030204" pitchFamily="18" charset="0"/>
+                            </a:rPr>
+                            <m:t>𝒏</m:t>
+                          </m:r>
+                        </m:e>
+                      </m:d>
+                    </m:oMath>
+                    <m:oMath xmlns:m="http://schemas.openxmlformats.org/officeDocument/2006/math">
+                      <m:r>
+                        <a:rPr lang="en-US" b="1" i="1" smtClean="0">
+                          <a:solidFill>
+                            <a:schemeClr val="bg2">
+                              <a:lumMod val="25000"/>
+                            </a:schemeClr>
+                          </a:solidFill>
+                          <a:latin typeface="Cambria Math" panose="02040503050406030204" pitchFamily="18" charset="0"/>
+                        </a:rPr>
+                        <m:t>𝒂𝒄𝒄𝒆𝒔𝒔</m:t>
+                      </m:r>
+                      <m:d>
+                        <m:dPr>
+                          <m:ctrlPr>
+                            <a:rPr lang="en-US" b="1" i="1">
+                              <a:solidFill>
+                                <a:schemeClr val="bg2">
+                                  <a:lumMod val="25000"/>
+                                </a:schemeClr>
+                              </a:solidFill>
+                              <a:latin typeface="Cambria Math" panose="02040503050406030204" pitchFamily="18" charset="0"/>
+                            </a:rPr>
+                          </m:ctrlPr>
+                        </m:dPr>
+                        <m:e>
+                          <m:r>
+                            <a:rPr lang="en-US" b="1" i="1" smtClean="0">
+                              <a:solidFill>
+                                <a:schemeClr val="bg2">
+                                  <a:lumMod val="25000"/>
+                                </a:schemeClr>
+                              </a:solidFill>
+                              <a:latin typeface="Cambria Math" panose="02040503050406030204" pitchFamily="18" charset="0"/>
+                            </a:rPr>
+                            <m:t>𝒏</m:t>
+                          </m:r>
+                        </m:e>
+                      </m:d>
+                    </m:oMath>
+                  </m:oMathPara>
+                </a14:m>
+                <a:endParaRPr lang="hr-HR" b="1" dirty="0">
+                  <a:solidFill>
+                    <a:schemeClr val="bg2">
+                      <a:lumMod val="25000"/>
+                    </a:schemeClr>
+                  </a:solidFill>
+                  <a:latin typeface="Lucida Bright" panose="02040602050505020304" pitchFamily="18" charset="0"/>
+                </a:endParaRPr>
+              </a:p>
+            </p:txBody>
+          </p:sp>
+        </mc:Choice>
+        <mc:Fallback>
+          <p:sp>
+            <p:nvSpPr>
+              <p:cNvPr id="2" name="Title 1"/>
+              <p:cNvSpPr>
+                <a:spLocks noGrp="1" noRot="1" noChangeAspect="1" noMove="1" noResize="1" noEditPoints="1" noAdjustHandles="1" noChangeArrowheads="1" noChangeShapeType="1" noTextEdit="1"/>
+              </p:cNvSpPr>
+              <p:nvPr>
+                <p:ph type="title"/>
+              </p:nvPr>
+            </p:nvSpPr>
+            <p:spPr>
+              <a:xfrm>
+                <a:off x="2867435" y="153225"/>
+                <a:ext cx="3333402" cy="3263967"/>
+              </a:xfrm>
+              <a:blipFill>
+                <a:blip r:embed="rId2"/>
+                <a:stretch>
+                  <a:fillRect/>
+                </a:stretch>
+              </a:blipFill>
+            </p:spPr>
+            <p:txBody>
+              <a:bodyPr/>
+              <a:lstStyle/>
+              <a:p>
+                <a:r>
+                  <a:rPr lang="hr-HR">
+                    <a:noFill/>
+                  </a:rPr>
+                  <a:t> </a:t>
+                </a:r>
+              </a:p>
+            </p:txBody>
+          </p:sp>
+        </mc:Fallback>
+      </mc:AlternateContent>
       <p:sp>
         <p:nvSpPr>
           <p:cNvPr id="5" name="Rectangle 4"/>
@@ -13554,7 +19662,7 @@
         </p:nvSpPr>
         <p:spPr>
           <a:xfrm>
-            <a:off x="2961249" y="1830233"/>
+            <a:off x="2961249" y="3672094"/>
             <a:ext cx="809897" cy="809897"/>
           </a:xfrm>
           <a:prstGeom prst="rect">
@@ -13626,7 +19734,7 @@
         </p:nvSpPr>
         <p:spPr>
           <a:xfrm>
-            <a:off x="3771146" y="1830232"/>
+            <a:off x="3771146" y="3672093"/>
             <a:ext cx="809897" cy="809897"/>
           </a:xfrm>
           <a:prstGeom prst="rect">
@@ -13698,7 +19806,7 @@
         </p:nvSpPr>
         <p:spPr>
           <a:xfrm>
-            <a:off x="4581043" y="1830232"/>
+            <a:off x="4581043" y="3672093"/>
             <a:ext cx="809897" cy="809897"/>
           </a:xfrm>
           <a:prstGeom prst="rect">
@@ -13770,7 +19878,7 @@
         </p:nvSpPr>
         <p:spPr>
           <a:xfrm>
-            <a:off x="5390940" y="1830232"/>
+            <a:off x="5390940" y="3672093"/>
             <a:ext cx="809897" cy="809897"/>
           </a:xfrm>
           <a:prstGeom prst="rect">
@@ -13842,7 +19950,7 @@
         </p:nvSpPr>
         <p:spPr>
           <a:xfrm>
-            <a:off x="6200837" y="1830231"/>
+            <a:off x="6200837" y="3672092"/>
             <a:ext cx="809897" cy="809897"/>
           </a:xfrm>
           <a:prstGeom prst="rect">
@@ -13914,7 +20022,7 @@
         </p:nvSpPr>
         <p:spPr>
           <a:xfrm>
-            <a:off x="7010734" y="1830230"/>
+            <a:off x="7010734" y="3672091"/>
             <a:ext cx="809897" cy="809897"/>
           </a:xfrm>
           <a:prstGeom prst="rect">
@@ -13986,7 +20094,7 @@
         </p:nvSpPr>
         <p:spPr>
           <a:xfrm>
-            <a:off x="7820631" y="1830230"/>
+            <a:off x="7820631" y="3672091"/>
             <a:ext cx="809897" cy="809897"/>
           </a:xfrm>
           <a:prstGeom prst="rect">
@@ -14058,7 +20166,7 @@
         </p:nvSpPr>
         <p:spPr>
           <a:xfrm>
-            <a:off x="8630528" y="1830230"/>
+            <a:off x="8630528" y="3672091"/>
             <a:ext cx="809897" cy="809897"/>
           </a:xfrm>
           <a:prstGeom prst="rect">
@@ -14130,7 +20238,7 @@
         </p:nvSpPr>
         <p:spPr>
           <a:xfrm>
-            <a:off x="2961249" y="2713479"/>
+            <a:off x="2961249" y="4555340"/>
             <a:ext cx="809897" cy="404951"/>
           </a:xfrm>
           <a:prstGeom prst="rect">
@@ -14194,7 +20302,7 @@
         </p:nvSpPr>
         <p:spPr>
           <a:xfrm>
-            <a:off x="3771146" y="2713478"/>
+            <a:off x="3771146" y="4555339"/>
             <a:ext cx="809897" cy="404951"/>
           </a:xfrm>
           <a:prstGeom prst="rect">
@@ -14258,7 +20366,7 @@
         </p:nvSpPr>
         <p:spPr>
           <a:xfrm>
-            <a:off x="4581043" y="2713478"/>
+            <a:off x="4581043" y="4555339"/>
             <a:ext cx="809897" cy="404951"/>
           </a:xfrm>
           <a:prstGeom prst="rect">
@@ -14322,7 +20430,7 @@
         </p:nvSpPr>
         <p:spPr>
           <a:xfrm>
-            <a:off x="5390940" y="2713478"/>
+            <a:off x="5390940" y="4555339"/>
             <a:ext cx="809897" cy="404951"/>
           </a:xfrm>
           <a:prstGeom prst="rect">
@@ -14386,7 +20494,7 @@
         </p:nvSpPr>
         <p:spPr>
           <a:xfrm>
-            <a:off x="6200837" y="2713477"/>
+            <a:off x="6200837" y="4555338"/>
             <a:ext cx="809897" cy="404951"/>
           </a:xfrm>
           <a:prstGeom prst="rect">
@@ -14450,7 +20558,7 @@
         </p:nvSpPr>
         <p:spPr>
           <a:xfrm>
-            <a:off x="7010734" y="2713476"/>
+            <a:off x="7010734" y="4555337"/>
             <a:ext cx="809897" cy="404951"/>
           </a:xfrm>
           <a:prstGeom prst="rect">
@@ -14514,7 +20622,7 @@
         </p:nvSpPr>
         <p:spPr>
           <a:xfrm>
-            <a:off x="7820631" y="2713476"/>
+            <a:off x="7820631" y="4555337"/>
             <a:ext cx="809897" cy="404951"/>
           </a:xfrm>
           <a:prstGeom prst="rect">
@@ -14578,7 +20686,7 @@
         </p:nvSpPr>
         <p:spPr>
           <a:xfrm>
-            <a:off x="8630528" y="2713476"/>
+            <a:off x="8630528" y="4555337"/>
             <a:ext cx="809897" cy="404951"/>
           </a:xfrm>
           <a:prstGeom prst="rect">
@@ -14634,8 +20742,8 @@
           </a:p>
         </p:txBody>
       </p:sp>
-      <mc:AlternateContent xmlns:mc="http://schemas.openxmlformats.org/markup-compatibility/2006" xmlns:a14="http://schemas.microsoft.com/office/drawing/2010/main">
-        <mc:Choice Requires="a14">
+      <mc:AlternateContent xmlns:mc="http://schemas.openxmlformats.org/markup-compatibility/2006">
+        <mc:Choice xmlns:a14="http://schemas.microsoft.com/office/drawing/2010/main" Requires="a14">
           <p:sp>
             <p:nvSpPr>
               <p:cNvPr id="53" name="Title 1"/>
@@ -14646,7 +20754,7 @@
             </p:nvSpPr>
             <p:spPr>
               <a:xfrm>
-                <a:off x="2961249" y="3724072"/>
+                <a:off x="2961249" y="4899728"/>
                 <a:ext cx="4229031" cy="1325563"/>
               </a:xfrm>
               <a:prstGeom prst="rect">
@@ -14799,7 +20907,7 @@
             </p:txBody>
           </p:sp>
         </mc:Choice>
-        <mc:Fallback xmlns="">
+        <mc:Fallback>
           <p:sp>
             <p:nvSpPr>
               <p:cNvPr id="53" name="Title 1"/>
@@ -14810,341 +20918,8 @@
             </p:nvSpPr>
             <p:spPr>
               <a:xfrm>
-                <a:off x="2961249" y="3724072"/>
+                <a:off x="2961249" y="4899728"/>
                 <a:ext cx="4229031" cy="1325563"/>
-              </a:xfrm>
-              <a:prstGeom prst="rect">
-                <a:avLst/>
-              </a:prstGeom>
-              <a:blipFill>
-                <a:blip r:embed="rId2"/>
-                <a:stretch>
-                  <a:fillRect/>
-                </a:stretch>
-              </a:blipFill>
-            </p:spPr>
-            <p:txBody>
-              <a:bodyPr/>
-              <a:lstStyle/>
-              <a:p>
-                <a:r>
-                  <a:rPr lang="hr-HR">
-                    <a:noFill/>
-                  </a:rPr>
-                  <a:t> </a:t>
-                </a:r>
-              </a:p>
-            </p:txBody>
-          </p:sp>
-        </mc:Fallback>
-      </mc:AlternateContent>
-      <mc:AlternateContent xmlns:mc="http://schemas.openxmlformats.org/markup-compatibility/2006" xmlns:a14="http://schemas.microsoft.com/office/drawing/2010/main">
-        <mc:Choice Requires="a14">
-          <p:sp>
-            <p:nvSpPr>
-              <p:cNvPr id="54" name="Rectangle 53"/>
-              <p:cNvSpPr/>
-              <p:nvPr/>
-            </p:nvSpPr>
-            <p:spPr>
-              <a:xfrm>
-                <a:off x="1235242" y="5510899"/>
-                <a:ext cx="10218822" cy="841443"/>
-              </a:xfrm>
-              <a:prstGeom prst="rect">
-                <a:avLst/>
-              </a:prstGeom>
-              <a:noFill/>
-              <a:ln>
-                <a:noFill/>
-              </a:ln>
-            </p:spPr>
-            <p:style>
-              <a:lnRef idx="2">
-                <a:schemeClr val="accent1">
-                  <a:shade val="50000"/>
-                </a:schemeClr>
-              </a:lnRef>
-              <a:fillRef idx="1">
-                <a:schemeClr val="accent1"/>
-              </a:fillRef>
-              <a:effectRef idx="0">
-                <a:schemeClr val="accent1"/>
-              </a:effectRef>
-              <a:fontRef idx="minor">
-                <a:schemeClr val="lt1"/>
-              </a:fontRef>
-            </p:style>
-            <p:txBody>
-              <a:bodyPr rtlCol="0" anchor="ctr"/>
-              <a:lstStyle/>
-              <a:p>
-                <a:pPr algn="ctr"/>
-                <a:r>
-                  <a:rPr lang="en-US" sz="2800" b="1" dirty="0" smtClean="0">
-                    <a:solidFill>
-                      <a:schemeClr val="bg2">
-                        <a:lumMod val="25000"/>
-                      </a:schemeClr>
-                    </a:solidFill>
-                    <a:latin typeface="Lucida Bright" panose="02040602050505020304" pitchFamily="18" charset="0"/>
-                    <a:cs typeface="Times New Roman" panose="02020603050405020304" pitchFamily="18" charset="0"/>
-                  </a:rPr>
-                  <a:t>Problem? </a:t>
-                </a:r>
-                <a:r>
-                  <a:rPr lang="en-US" sz="2800" dirty="0" err="1" smtClean="0">
-                    <a:solidFill>
-                      <a:schemeClr val="bg2">
-                        <a:lumMod val="25000"/>
-                      </a:schemeClr>
-                    </a:solidFill>
-                    <a:latin typeface="Lucida Bright" panose="02040602050505020304" pitchFamily="18" charset="0"/>
-                    <a:cs typeface="Times New Roman" panose="02020603050405020304" pitchFamily="18" charset="0"/>
-                  </a:rPr>
-                  <a:t>Što</a:t>
-                </a:r>
-                <a:r>
-                  <a:rPr lang="en-US" sz="2800" dirty="0" smtClean="0">
-                    <a:solidFill>
-                      <a:schemeClr val="bg2">
-                        <a:lumMod val="25000"/>
-                      </a:schemeClr>
-                    </a:solidFill>
-                    <a:latin typeface="Lucida Bright" panose="02040602050505020304" pitchFamily="18" charset="0"/>
-                    <a:cs typeface="Times New Roman" panose="02020603050405020304" pitchFamily="18" charset="0"/>
-                  </a:rPr>
-                  <a:t> </a:t>
-                </a:r>
-                <a:r>
-                  <a:rPr lang="en-US" sz="2800" dirty="0" err="1" smtClean="0">
-                    <a:solidFill>
-                      <a:schemeClr val="bg2">
-                        <a:lumMod val="25000"/>
-                      </a:schemeClr>
-                    </a:solidFill>
-                    <a:latin typeface="Lucida Bright" panose="02040602050505020304" pitchFamily="18" charset="0"/>
-                    <a:cs typeface="Times New Roman" panose="02020603050405020304" pitchFamily="18" charset="0"/>
-                  </a:rPr>
-                  <a:t>ako</a:t>
-                </a:r>
-                <a:r>
-                  <a:rPr lang="en-US" sz="2800" dirty="0" smtClean="0">
-                    <a:solidFill>
-                      <a:schemeClr val="bg2">
-                        <a:lumMod val="25000"/>
-                      </a:schemeClr>
-                    </a:solidFill>
-                    <a:latin typeface="Lucida Bright" panose="02040602050505020304" pitchFamily="18" charset="0"/>
-                    <a:cs typeface="Times New Roman" panose="02020603050405020304" pitchFamily="18" charset="0"/>
-                  </a:rPr>
-                  <a:t> </a:t>
-                </a:r>
-                <a:r>
-                  <a:rPr lang="en-US" sz="2800" dirty="0" err="1" smtClean="0">
-                    <a:solidFill>
-                      <a:schemeClr val="bg2">
-                        <a:lumMod val="25000"/>
-                      </a:schemeClr>
-                    </a:solidFill>
-                    <a:latin typeface="Lucida Bright" panose="02040602050505020304" pitchFamily="18" charset="0"/>
-                    <a:cs typeface="Times New Roman" panose="02020603050405020304" pitchFamily="18" charset="0"/>
-                  </a:rPr>
-                  <a:t>ulazni</a:t>
-                </a:r>
-                <a:r>
-                  <a:rPr lang="en-US" sz="2800" dirty="0" smtClean="0">
-                    <a:solidFill>
-                      <a:schemeClr val="bg2">
-                        <a:lumMod val="25000"/>
-                      </a:schemeClr>
-                    </a:solidFill>
-                    <a:latin typeface="Lucida Bright" panose="02040602050505020304" pitchFamily="18" charset="0"/>
-                    <a:cs typeface="Times New Roman" panose="02020603050405020304" pitchFamily="18" charset="0"/>
-                  </a:rPr>
-                  <a:t> </a:t>
-                </a:r>
-                <a:r>
-                  <a:rPr lang="en-US" sz="2800" dirty="0" err="1" smtClean="0">
-                    <a:solidFill>
-                      <a:schemeClr val="bg2">
-                        <a:lumMod val="25000"/>
-                      </a:schemeClr>
-                    </a:solidFill>
-                    <a:latin typeface="Lucida Bright" panose="02040602050505020304" pitchFamily="18" charset="0"/>
-                    <a:cs typeface="Times New Roman" panose="02020603050405020304" pitchFamily="18" charset="0"/>
-                  </a:rPr>
-                  <a:t>niz</a:t>
-                </a:r>
-                <a:r>
-                  <a:rPr lang="en-US" sz="2800" dirty="0" smtClean="0">
-                    <a:solidFill>
-                      <a:schemeClr val="bg2">
-                        <a:lumMod val="25000"/>
-                      </a:schemeClr>
-                    </a:solidFill>
-                    <a:latin typeface="Lucida Bright" panose="02040602050505020304" pitchFamily="18" charset="0"/>
-                    <a:cs typeface="Times New Roman" panose="02020603050405020304" pitchFamily="18" charset="0"/>
-                  </a:rPr>
-                  <a:t> </a:t>
-                </a:r>
-                <a:r>
-                  <a:rPr lang="en-US" sz="2800" dirty="0" err="1" smtClean="0">
-                    <a:solidFill>
-                      <a:schemeClr val="bg2">
-                        <a:lumMod val="25000"/>
-                      </a:schemeClr>
-                    </a:solidFill>
-                    <a:latin typeface="Lucida Bright" panose="02040602050505020304" pitchFamily="18" charset="0"/>
-                    <a:cs typeface="Times New Roman" panose="02020603050405020304" pitchFamily="18" charset="0"/>
-                  </a:rPr>
-                  <a:t>ima</a:t>
-                </a:r>
-                <a:r>
-                  <a:rPr lang="en-US" sz="2800" dirty="0" smtClean="0">
-                    <a:solidFill>
-                      <a:schemeClr val="bg2">
-                        <a:lumMod val="25000"/>
-                      </a:schemeClr>
-                    </a:solidFill>
-                    <a:latin typeface="Lucida Bright" panose="02040602050505020304" pitchFamily="18" charset="0"/>
-                    <a:cs typeface="Times New Roman" panose="02020603050405020304" pitchFamily="18" charset="0"/>
-                  </a:rPr>
-                  <a:t> </a:t>
-                </a:r>
-                <a14:m>
-                  <m:oMath xmlns:m="http://schemas.openxmlformats.org/officeDocument/2006/math">
-                    <m:r>
-                      <a:rPr lang="en-US" sz="4400" b="1" i="1" smtClean="0">
-                        <a:solidFill>
-                          <a:srgbClr val="FF0000"/>
-                        </a:solidFill>
-                        <a:latin typeface="Cambria Math" panose="02040503050406030204" pitchFamily="18" charset="0"/>
-                        <a:cs typeface="Times New Roman" panose="02020603050405020304" pitchFamily="18" charset="0"/>
-                      </a:rPr>
-                      <m:t>𝟐</m:t>
-                    </m:r>
-                    <m:r>
-                      <a:rPr lang="en-US" sz="4400" b="1" i="1" smtClean="0">
-                        <a:solidFill>
-                          <a:srgbClr val="FF0000"/>
-                        </a:solidFill>
-                        <a:latin typeface="Cambria Math" panose="02040503050406030204" pitchFamily="18" charset="0"/>
-                        <a:cs typeface="Times New Roman" panose="02020603050405020304" pitchFamily="18" charset="0"/>
-                      </a:rPr>
-                      <m:t>∗</m:t>
-                    </m:r>
-                    <m:r>
-                      <a:rPr lang="en-US" sz="4400" b="1" i="1" smtClean="0">
-                        <a:solidFill>
-                          <a:srgbClr val="FF0000"/>
-                        </a:solidFill>
-                        <a:latin typeface="Cambria Math" panose="02040503050406030204" pitchFamily="18" charset="0"/>
-                        <a:cs typeface="Times New Roman" panose="02020603050405020304" pitchFamily="18" charset="0"/>
-                      </a:rPr>
-                      <m:t>𝟏</m:t>
-                    </m:r>
-                    <m:sSup>
-                      <m:sSupPr>
-                        <m:ctrlPr>
-                          <a:rPr lang="en-US" sz="4400" b="1" i="1" smtClean="0">
-                            <a:solidFill>
-                              <a:srgbClr val="FF0000"/>
-                            </a:solidFill>
-                            <a:latin typeface="Cambria Math" panose="02040503050406030204" pitchFamily="18" charset="0"/>
-                            <a:cs typeface="Times New Roman" panose="02020603050405020304" pitchFamily="18" charset="0"/>
-                          </a:rPr>
-                        </m:ctrlPr>
-                      </m:sSupPr>
-                      <m:e>
-                        <m:r>
-                          <a:rPr lang="en-US" sz="4400" b="1" i="1" smtClean="0">
-                            <a:solidFill>
-                              <a:srgbClr val="FF0000"/>
-                            </a:solidFill>
-                            <a:latin typeface="Cambria Math" panose="02040503050406030204" pitchFamily="18" charset="0"/>
-                            <a:cs typeface="Times New Roman" panose="02020603050405020304" pitchFamily="18" charset="0"/>
-                          </a:rPr>
-                          <m:t>𝟎</m:t>
-                        </m:r>
-                      </m:e>
-                      <m:sup>
-                        <m:r>
-                          <a:rPr lang="en-US" sz="4400" b="1" i="1" smtClean="0">
-                            <a:solidFill>
-                              <a:srgbClr val="FF0000"/>
-                            </a:solidFill>
-                            <a:latin typeface="Cambria Math" panose="02040503050406030204" pitchFamily="18" charset="0"/>
-                            <a:cs typeface="Times New Roman" panose="02020603050405020304" pitchFamily="18" charset="0"/>
-                          </a:rPr>
-                          <m:t>𝟖</m:t>
-                        </m:r>
-                      </m:sup>
-                    </m:sSup>
-                  </m:oMath>
-                </a14:m>
-                <a:r>
-                  <a:rPr lang="en-US" sz="2800" b="1" dirty="0" smtClean="0">
-                    <a:solidFill>
-                      <a:schemeClr val="bg2">
-                        <a:lumMod val="25000"/>
-                      </a:schemeClr>
-                    </a:solidFill>
-                    <a:latin typeface="Lucida Bright" panose="02040602050505020304" pitchFamily="18" charset="0"/>
-                    <a:cs typeface="Times New Roman" panose="02020603050405020304" pitchFamily="18" charset="0"/>
-                  </a:rPr>
-                  <a:t> </a:t>
-                </a:r>
-                <a:r>
-                  <a:rPr lang="en-US" sz="2800" dirty="0" smtClean="0">
-                    <a:solidFill>
-                      <a:schemeClr val="bg2">
-                        <a:lumMod val="25000"/>
-                      </a:schemeClr>
-                    </a:solidFill>
-                    <a:latin typeface="Lucida Bright" panose="02040602050505020304" pitchFamily="18" charset="0"/>
-                    <a:cs typeface="Times New Roman" panose="02020603050405020304" pitchFamily="18" charset="0"/>
-                  </a:rPr>
-                  <a:t>znakova</a:t>
-                </a:r>
-                <a:r>
-                  <a:rPr lang="en-US" sz="2800" b="1" dirty="0" smtClean="0">
-                    <a:solidFill>
-                      <a:schemeClr val="bg2">
-                        <a:lumMod val="25000"/>
-                      </a:schemeClr>
-                    </a:solidFill>
-                    <a:latin typeface="Lucida Bright" panose="02040602050505020304" pitchFamily="18" charset="0"/>
-                    <a:cs typeface="Times New Roman" panose="02020603050405020304" pitchFamily="18" charset="0"/>
-                  </a:rPr>
-                  <a:t>!</a:t>
-                </a:r>
-                <a:endParaRPr lang="hr-HR" sz="1200" b="1" dirty="0">
-                  <a:solidFill>
-                    <a:schemeClr val="bg2">
-                      <a:lumMod val="25000"/>
-                    </a:schemeClr>
-                  </a:solidFill>
-                  <a:latin typeface="Lucida Bright" panose="02040602050505020304" pitchFamily="18" charset="0"/>
-                  <a:cs typeface="Times New Roman" panose="02020603050405020304" pitchFamily="18" charset="0"/>
-                </a:endParaRPr>
-              </a:p>
-            </p:txBody>
-          </p:sp>
-        </mc:Choice>
-        <mc:Fallback xmlns="">
-          <p:sp>
-            <p:nvSpPr>
-              <p:cNvPr id="54" name="Rectangle 53"/>
-              <p:cNvSpPr>
-                <a:spLocks noRot="1" noChangeAspect="1" noMove="1" noResize="1" noEditPoints="1" noAdjustHandles="1" noChangeArrowheads="1" noChangeShapeType="1" noTextEdit="1"/>
-              </p:cNvSpPr>
-              <p:nvPr/>
-            </p:nvSpPr>
-            <p:spPr>
-              <a:xfrm>
-                <a:off x="1235242" y="5510899"/>
-                <a:ext cx="10218822" cy="841443"/>
               </a:xfrm>
               <a:prstGeom prst="rect">
                 <a:avLst/>
@@ -15152,12 +20927,9 @@
               <a:blipFill>
                 <a:blip r:embed="rId3"/>
                 <a:stretch>
-                  <a:fillRect b="-10870"/>
+                  <a:fillRect/>
                 </a:stretch>
               </a:blipFill>
-              <a:ln>
-                <a:noFill/>
-              </a:ln>
             </p:spPr>
             <p:txBody>
               <a:bodyPr/>
@@ -15638,51 +21410,6 @@
                       </p:childTnLst>
                     </p:cTn>
                   </p:par>
-                  <p:par>
-                    <p:cTn id="39" fill="hold">
-                      <p:stCondLst>
-                        <p:cond delay="indefinite"/>
-                      </p:stCondLst>
-                      <p:childTnLst>
-                        <p:par>
-                          <p:cTn id="40" fill="hold">
-                            <p:stCondLst>
-                              <p:cond delay="0"/>
-                            </p:stCondLst>
-                            <p:childTnLst>
-                              <p:par>
-                                <p:cTn id="41" presetID="1" presetClass="entr" presetSubtype="0" fill="hold" grpId="0" nodeType="clickEffect">
-                                  <p:stCondLst>
-                                    <p:cond delay="0"/>
-                                  </p:stCondLst>
-                                  <p:childTnLst>
-                                    <p:set>
-                                      <p:cBhvr>
-                                        <p:cTn id="42" dur="1" fill="hold">
-                                          <p:stCondLst>
-                                            <p:cond delay="0"/>
-                                          </p:stCondLst>
-                                        </p:cTn>
-                                        <p:tgtEl>
-                                          <p:spTgt spid="54"/>
-                                        </p:tgtEl>
-                                        <p:attrNameLst>
-                                          <p:attrName>style.visibility</p:attrName>
-                                        </p:attrNameLst>
-                                      </p:cBhvr>
-                                      <p:to>
-                                        <p:strVal val="visible"/>
-                                      </p:to>
-                                    </p:set>
-                                  </p:childTnLst>
-                                </p:cTn>
-                              </p:par>
-                            </p:childTnLst>
-                          </p:cTn>
-                        </p:par>
-                      </p:childTnLst>
-                    </p:cTn>
-                  </p:par>
                 </p:childTnLst>
               </p:cTn>
               <p:prevCondLst>
@@ -15706,7 +21433,6 @@
     </p:tnLst>
     <p:bldLst>
       <p:bldP spid="53" grpId="0"/>
-      <p:bldP spid="54" grpId="0"/>
     </p:bldLst>
   </p:timing>
 </p:sld>
@@ -24116,132 +29842,18 @@
           <p:nvPr>
             <p:extLst>
               <p:ext uri="{D42A27DB-BD31-4B8C-83A1-F6EECF244321}">
-                <p14:modId xmlns:p14="http://schemas.microsoft.com/office/powerpoint/2010/main" val="3993890721"/>
+                <p14:modId xmlns:p14="http://schemas.microsoft.com/office/powerpoint/2010/main" val="338805857"/>
               </p:ext>
             </p:extLst>
           </p:nvPr>
         </p:nvGraphicFramePr>
         <p:xfrm>
-          <a:off x="1956421" y="1351930"/>
-          <a:ext cx="8639570" cy="4994478"/>
+          <a:off x="0" y="1"/>
+          <a:ext cx="12192000" cy="6858000"/>
         </p:xfrm>
         <a:graphic>
           <a:graphicData uri="http://schemas.openxmlformats.org/drawingml/2006/chart">
             <c:chart xmlns:c="http://schemas.openxmlformats.org/drawingml/2006/chart" xmlns:r="http://schemas.openxmlformats.org/officeDocument/2006/relationships" r:id="rId2"/>
-          </a:graphicData>
-        </a:graphic>
-      </p:graphicFrame>
-      <p:sp>
-        <p:nvSpPr>
-          <p:cNvPr id="2" name="Title 1"/>
-          <p:cNvSpPr>
-            <a:spLocks noGrp="1"/>
-          </p:cNvSpPr>
-          <p:nvPr>
-            <p:ph type="title"/>
-          </p:nvPr>
-        </p:nvSpPr>
-        <p:spPr>
-          <a:xfrm>
-            <a:off x="437745" y="26367"/>
-            <a:ext cx="2892052" cy="1325563"/>
-          </a:xfrm>
-        </p:spPr>
-        <p:txBody>
-          <a:bodyPr/>
-          <a:lstStyle/>
-          <a:p>
-            <a:r>
-              <a:rPr lang="hr-BA" b="1" dirty="0" smtClean="0">
-                <a:solidFill>
-                  <a:schemeClr val="bg2">
-                    <a:lumMod val="25000"/>
-                  </a:schemeClr>
-                </a:solidFill>
-                <a:latin typeface="Lucida Bright" panose="02040602050505020304" pitchFamily="18" charset="0"/>
-              </a:rPr>
-              <a:t>Rezultati</a:t>
-            </a:r>
-            <a:endParaRPr lang="hr-HR" b="1" dirty="0">
-              <a:solidFill>
-                <a:schemeClr val="bg2">
-                  <a:lumMod val="25000"/>
-                </a:schemeClr>
-              </a:solidFill>
-              <a:latin typeface="Lucida Bright" panose="02040602050505020304" pitchFamily="18" charset="0"/>
-            </a:endParaRPr>
-          </a:p>
-        </p:txBody>
-      </p:sp>
-      <p:graphicFrame>
-        <p:nvGraphicFramePr>
-          <p:cNvPr id="24" name="Chart 23"/>
-          <p:cNvGraphicFramePr>
-            <a:graphicFrameLocks/>
-          </p:cNvGraphicFramePr>
-          <p:nvPr>
-            <p:extLst>
-              <p:ext uri="{D42A27DB-BD31-4B8C-83A1-F6EECF244321}">
-                <p14:modId xmlns:p14="http://schemas.microsoft.com/office/powerpoint/2010/main" val="396235171"/>
-              </p:ext>
-            </p:extLst>
-          </p:nvPr>
-        </p:nvGraphicFramePr>
-        <p:xfrm>
-          <a:off x="1956421" y="1351930"/>
-          <a:ext cx="8639570" cy="4994478"/>
-        </p:xfrm>
-        <a:graphic>
-          <a:graphicData uri="http://schemas.openxmlformats.org/drawingml/2006/chart">
-            <c:chart xmlns:c="http://schemas.openxmlformats.org/drawingml/2006/chart" xmlns:r="http://schemas.openxmlformats.org/officeDocument/2006/relationships" r:id="rId3"/>
-          </a:graphicData>
-        </a:graphic>
-      </p:graphicFrame>
-      <p:graphicFrame>
-        <p:nvGraphicFramePr>
-          <p:cNvPr id="25" name="Chart 24"/>
-          <p:cNvGraphicFramePr>
-            <a:graphicFrameLocks/>
-          </p:cNvGraphicFramePr>
-          <p:nvPr>
-            <p:extLst>
-              <p:ext uri="{D42A27DB-BD31-4B8C-83A1-F6EECF244321}">
-                <p14:modId xmlns:p14="http://schemas.microsoft.com/office/powerpoint/2010/main" val="2549280078"/>
-              </p:ext>
-            </p:extLst>
-          </p:nvPr>
-        </p:nvGraphicFramePr>
-        <p:xfrm>
-          <a:off x="1956421" y="1351930"/>
-          <a:ext cx="8639570" cy="5070436"/>
-        </p:xfrm>
-        <a:graphic>
-          <a:graphicData uri="http://schemas.openxmlformats.org/drawingml/2006/chart">
-            <c:chart xmlns:c="http://schemas.openxmlformats.org/drawingml/2006/chart" xmlns:r="http://schemas.openxmlformats.org/officeDocument/2006/relationships" r:id="rId4"/>
-          </a:graphicData>
-        </a:graphic>
-      </p:graphicFrame>
-      <p:graphicFrame>
-        <p:nvGraphicFramePr>
-          <p:cNvPr id="29" name="Chart 28"/>
-          <p:cNvGraphicFramePr>
-            <a:graphicFrameLocks/>
-          </p:cNvGraphicFramePr>
-          <p:nvPr>
-            <p:extLst>
-              <p:ext uri="{D42A27DB-BD31-4B8C-83A1-F6EECF244321}">
-                <p14:modId xmlns:p14="http://schemas.microsoft.com/office/powerpoint/2010/main" val="2208872551"/>
-              </p:ext>
-            </p:extLst>
-          </p:nvPr>
-        </p:nvGraphicFramePr>
-        <p:xfrm>
-          <a:off x="1956421" y="1351930"/>
-          <a:ext cx="8639570" cy="5070436"/>
-        </p:xfrm>
-        <a:graphic>
-          <a:graphicData uri="http://schemas.openxmlformats.org/drawingml/2006/chart">
-            <c:chart xmlns:c="http://schemas.openxmlformats.org/drawingml/2006/chart" xmlns:r="http://schemas.openxmlformats.org/officeDocument/2006/relationships" r:id="rId5"/>
           </a:graphicData>
         </a:graphic>
       </p:graphicFrame>
@@ -24255,189 +29867,20 @@
   <p:clrMapOvr>
     <a:masterClrMapping/>
   </p:clrMapOvr>
-  <mc:AlternateContent xmlns:mc="http://schemas.openxmlformats.org/markup-compatibility/2006">
-    <mc:Choice xmlns:p14="http://schemas.microsoft.com/office/powerpoint/2010/main" Requires="p14">
+  <mc:AlternateContent xmlns:mc="http://schemas.openxmlformats.org/markup-compatibility/2006" xmlns:p14="http://schemas.microsoft.com/office/powerpoint/2010/main">
+    <mc:Choice Requires="p14">
       <p:transition p14:dur="10"/>
     </mc:Choice>
-    <mc:Fallback>
+    <mc:Fallback xmlns="">
       <p:transition/>
     </mc:Fallback>
   </mc:AlternateContent>
   <p:timing>
     <p:tnLst>
       <p:par>
-        <p:cTn id="1" dur="indefinite" restart="never" nodeType="tmRoot">
-          <p:childTnLst>
-            <p:seq concurrent="1" nextAc="seek">
-              <p:cTn id="2" dur="indefinite" nodeType="mainSeq">
-                <p:childTnLst>
-                  <p:par>
-                    <p:cTn id="3" fill="hold">
-                      <p:stCondLst>
-                        <p:cond delay="indefinite"/>
-                      </p:stCondLst>
-                      <p:childTnLst>
-                        <p:par>
-                          <p:cTn id="4" fill="hold">
-                            <p:stCondLst>
-                              <p:cond delay="0"/>
-                            </p:stCondLst>
-                            <p:childTnLst>
-                              <p:par>
-                                <p:cTn id="5" presetID="1" presetClass="entr" presetSubtype="0" fill="hold" grpId="0" nodeType="clickEffect">
-                                  <p:stCondLst>
-                                    <p:cond delay="0"/>
-                                  </p:stCondLst>
-                                  <p:childTnLst>
-                                    <p:set>
-                                      <p:cBhvr>
-                                        <p:cTn id="6" dur="1" fill="hold">
-                                          <p:stCondLst>
-                                            <p:cond delay="0"/>
-                                          </p:stCondLst>
-                                        </p:cTn>
-                                        <p:tgtEl>
-                                          <p:spTgt spid="24"/>
-                                        </p:tgtEl>
-                                        <p:attrNameLst>
-                                          <p:attrName>style.visibility</p:attrName>
-                                        </p:attrNameLst>
-                                      </p:cBhvr>
-                                      <p:to>
-                                        <p:strVal val="visible"/>
-                                      </p:to>
-                                    </p:set>
-                                  </p:childTnLst>
-                                </p:cTn>
-                              </p:par>
-                            </p:childTnLst>
-                          </p:cTn>
-                        </p:par>
-                      </p:childTnLst>
-                    </p:cTn>
-                  </p:par>
-                  <p:par>
-                    <p:cTn id="7" fill="hold">
-                      <p:stCondLst>
-                        <p:cond delay="indefinite"/>
-                      </p:stCondLst>
-                      <p:childTnLst>
-                        <p:par>
-                          <p:cTn id="8" fill="hold">
-                            <p:stCondLst>
-                              <p:cond delay="0"/>
-                            </p:stCondLst>
-                            <p:childTnLst>
-                              <p:par>
-                                <p:cTn id="9" presetID="1" presetClass="entr" presetSubtype="0" fill="hold" grpId="0" nodeType="clickEffect">
-                                  <p:stCondLst>
-                                    <p:cond delay="0"/>
-                                  </p:stCondLst>
-                                  <p:childTnLst>
-                                    <p:set>
-                                      <p:cBhvr>
-                                        <p:cTn id="10" dur="1" fill="hold">
-                                          <p:stCondLst>
-                                            <p:cond delay="0"/>
-                                          </p:stCondLst>
-                                        </p:cTn>
-                                        <p:tgtEl>
-                                          <p:spTgt spid="25"/>
-                                        </p:tgtEl>
-                                        <p:attrNameLst>
-                                          <p:attrName>style.visibility</p:attrName>
-                                        </p:attrNameLst>
-                                      </p:cBhvr>
-                                      <p:to>
-                                        <p:strVal val="visible"/>
-                                      </p:to>
-                                    </p:set>
-                                  </p:childTnLst>
-                                </p:cTn>
-                              </p:par>
-                            </p:childTnLst>
-                          </p:cTn>
-                        </p:par>
-                      </p:childTnLst>
-                    </p:cTn>
-                  </p:par>
-                  <p:par>
-                    <p:cTn id="11" fill="hold">
-                      <p:stCondLst>
-                        <p:cond delay="indefinite"/>
-                      </p:stCondLst>
-                      <p:childTnLst>
-                        <p:par>
-                          <p:cTn id="12" fill="hold">
-                            <p:stCondLst>
-                              <p:cond delay="0"/>
-                            </p:stCondLst>
-                            <p:childTnLst>
-                              <p:par>
-                                <p:cTn id="13" presetID="1" presetClass="entr" presetSubtype="0" fill="hold" grpId="0" nodeType="clickEffect">
-                                  <p:stCondLst>
-                                    <p:cond delay="0"/>
-                                  </p:stCondLst>
-                                  <p:childTnLst>
-                                    <p:set>
-                                      <p:cBhvr>
-                                        <p:cTn id="14" dur="1" fill="hold">
-                                          <p:stCondLst>
-                                            <p:cond delay="0"/>
-                                          </p:stCondLst>
-                                        </p:cTn>
-                                        <p:tgtEl>
-                                          <p:spTgt spid="29"/>
-                                        </p:tgtEl>
-                                        <p:attrNameLst>
-                                          <p:attrName>style.visibility</p:attrName>
-                                        </p:attrNameLst>
-                                      </p:cBhvr>
-                                      <p:to>
-                                        <p:strVal val="visible"/>
-                                      </p:to>
-                                    </p:set>
-                                  </p:childTnLst>
-                                </p:cTn>
-                              </p:par>
-                            </p:childTnLst>
-                          </p:cTn>
-                        </p:par>
-                      </p:childTnLst>
-                    </p:cTn>
-                  </p:par>
-                </p:childTnLst>
-              </p:cTn>
-              <p:prevCondLst>
-                <p:cond evt="onPrev" delay="0">
-                  <p:tgtEl>
-                    <p:sldTgt/>
-                  </p:tgtEl>
-                </p:cond>
-              </p:prevCondLst>
-              <p:nextCondLst>
-                <p:cond evt="onNext" delay="0">
-                  <p:tgtEl>
-                    <p:sldTgt/>
-                  </p:tgtEl>
-                </p:cond>
-              </p:nextCondLst>
-            </p:seq>
-          </p:childTnLst>
-        </p:cTn>
+        <p:cTn id="1" dur="indefinite" restart="never" nodeType="tmRoot"/>
       </p:par>
     </p:tnLst>
-    <p:bldLst>
-      <p:bldGraphic spid="24" grpId="0">
-        <p:bldAsOne/>
-      </p:bldGraphic>
-      <p:bldGraphic spid="25" grpId="0">
-        <p:bldAsOne/>
-      </p:bldGraphic>
-      <p:bldGraphic spid="29" grpId="0">
-        <p:bldAsOne/>
-      </p:bldGraphic>
-    </p:bldLst>
   </p:timing>
 </p:sld>
 </file>
@@ -24445,37 +29888,6 @@
 <file path=ppt/slides/slide9.xml><?xml version="1.0" encoding="utf-8"?>
 <p:sld xmlns:a="http://schemas.openxmlformats.org/drawingml/2006/main" xmlns:r="http://schemas.openxmlformats.org/officeDocument/2006/relationships" xmlns:p="http://schemas.openxmlformats.org/presentationml/2006/main">
   <p:cSld>
-    <p:bg>
-      <p:bgPr>
-        <a:gradFill flip="none" rotWithShape="1">
-          <a:gsLst>
-            <a:gs pos="0">
-              <a:schemeClr val="bg1">
-                <a:lumMod val="95000"/>
-              </a:schemeClr>
-            </a:gs>
-            <a:gs pos="63000">
-              <a:schemeClr val="bg1">
-                <a:lumMod val="95000"/>
-              </a:schemeClr>
-            </a:gs>
-            <a:gs pos="63000">
-              <a:schemeClr val="bg1">
-                <a:lumMod val="85000"/>
-              </a:schemeClr>
-            </a:gs>
-            <a:gs pos="100000">
-              <a:schemeClr val="bg1">
-                <a:lumMod val="75000"/>
-              </a:schemeClr>
-            </a:gs>
-          </a:gsLst>
-          <a:lin ang="5400000" scaled="1"/>
-          <a:tileRect/>
-        </a:gradFill>
-        <a:effectLst/>
-      </p:bgPr>
-    </p:bg>
     <p:spTree>
       <p:nvGrpSpPr>
         <p:cNvPr id="1" name=""/>
@@ -24492,341 +29904,76 @@
       </p:grpSpPr>
       <p:sp>
         <p:nvSpPr>
-          <p:cNvPr id="12" name="Rectangle 11"/>
-          <p:cNvSpPr/>
-          <p:nvPr/>
+          <p:cNvPr id="2" name="Title 1"/>
+          <p:cNvSpPr>
+            <a:spLocks noGrp="1"/>
+          </p:cNvSpPr>
+          <p:nvPr>
+            <p:ph type="title"/>
+          </p:nvPr>
         </p:nvSpPr>
-        <p:spPr>
-          <a:xfrm>
-            <a:off x="2873887" y="5212066"/>
-            <a:ext cx="6444227" cy="841443"/>
-          </a:xfrm>
-          <a:prstGeom prst="rect">
-            <a:avLst/>
-          </a:prstGeom>
-          <a:noFill/>
-          <a:ln>
-            <a:noFill/>
-          </a:ln>
-        </p:spPr>
-        <p:style>
-          <a:lnRef idx="2">
-            <a:schemeClr val="accent1">
-              <a:shade val="50000"/>
-            </a:schemeClr>
-          </a:lnRef>
-          <a:fillRef idx="1">
-            <a:schemeClr val="accent1"/>
-          </a:fillRef>
-          <a:effectRef idx="0">
-            <a:schemeClr val="accent1"/>
-          </a:effectRef>
-          <a:fontRef idx="minor">
-            <a:schemeClr val="lt1"/>
-          </a:fontRef>
-        </p:style>
+        <p:spPr/>
         <p:txBody>
-          <a:bodyPr rtlCol="0" anchor="ctr"/>
+          <a:bodyPr/>
           <a:lstStyle/>
           <a:p>
-            <a:pPr algn="ctr"/>
-            <a:r>
-              <a:rPr lang="en-US" sz="2800" b="1" dirty="0" smtClean="0">
-                <a:solidFill>
-                  <a:schemeClr val="bg2">
-                    <a:lumMod val="25000"/>
-                  </a:schemeClr>
-                </a:solidFill>
-                <a:latin typeface="Lucida Bright" panose="02040602050505020304" pitchFamily="18" charset="0"/>
-                <a:cs typeface="Times New Roman" panose="02020603050405020304" pitchFamily="18" charset="0"/>
-              </a:rPr>
-              <a:t>Denis </a:t>
-            </a:r>
-            <a:r>
-              <a:rPr lang="en-US" sz="2800" b="1" dirty="0" err="1" smtClean="0">
-                <a:solidFill>
-                  <a:schemeClr val="bg2">
-                    <a:lumMod val="25000"/>
-                  </a:schemeClr>
-                </a:solidFill>
-                <a:latin typeface="Lucida Bright" panose="02040602050505020304" pitchFamily="18" charset="0"/>
-                <a:cs typeface="Times New Roman" panose="02020603050405020304" pitchFamily="18" charset="0"/>
-              </a:rPr>
-              <a:t>Čaušević</a:t>
-            </a:r>
-            <a:r>
-              <a:rPr lang="en-US" sz="2800" b="1" dirty="0" smtClean="0">
-                <a:solidFill>
-                  <a:schemeClr val="bg2">
-                    <a:lumMod val="25000"/>
-                  </a:schemeClr>
-                </a:solidFill>
-                <a:latin typeface="Lucida Bright" panose="02040602050505020304" pitchFamily="18" charset="0"/>
-                <a:cs typeface="Times New Roman" panose="02020603050405020304" pitchFamily="18" charset="0"/>
-              </a:rPr>
-              <a:t>, Hajrudin Ćoralić</a:t>
-            </a:r>
-            <a:endParaRPr lang="hr-HR" sz="1200" b="1" dirty="0">
-              <a:solidFill>
-                <a:schemeClr val="bg2">
-                  <a:lumMod val="25000"/>
-                </a:schemeClr>
-              </a:solidFill>
-              <a:latin typeface="Lucida Bright" panose="02040602050505020304" pitchFamily="18" charset="0"/>
-              <a:cs typeface="Times New Roman" panose="02020603050405020304" pitchFamily="18" charset="0"/>
-            </a:endParaRPr>
+            <a:endParaRPr lang="hr-HR"/>
           </a:p>
         </p:txBody>
       </p:sp>
       <p:sp>
         <p:nvSpPr>
-          <p:cNvPr id="13" name="Rectangle 12"/>
-          <p:cNvSpPr/>
-          <p:nvPr/>
+          <p:cNvPr id="3" name="Content Placeholder 2"/>
+          <p:cNvSpPr>
+            <a:spLocks noGrp="1"/>
+          </p:cNvSpPr>
+          <p:nvPr>
+            <p:ph idx="1"/>
+          </p:nvPr>
         </p:nvSpPr>
-        <p:spPr>
-          <a:xfrm>
-            <a:off x="2973188" y="6021977"/>
-            <a:ext cx="6245624" cy="535577"/>
-          </a:xfrm>
-          <a:prstGeom prst="rect">
-            <a:avLst/>
-          </a:prstGeom>
-          <a:noFill/>
-          <a:ln>
-            <a:noFill/>
-          </a:ln>
-        </p:spPr>
-        <p:style>
-          <a:lnRef idx="2">
-            <a:schemeClr val="accent1">
-              <a:shade val="50000"/>
-            </a:schemeClr>
-          </a:lnRef>
-          <a:fillRef idx="1">
-            <a:schemeClr val="accent1"/>
-          </a:fillRef>
-          <a:effectRef idx="0">
-            <a:schemeClr val="accent1"/>
-          </a:effectRef>
-          <a:fontRef idx="minor">
-            <a:schemeClr val="lt1"/>
-          </a:fontRef>
-        </p:style>
+        <p:spPr/>
         <p:txBody>
-          <a:bodyPr rtlCol="0" anchor="ctr"/>
+          <a:bodyPr/>
           <a:lstStyle/>
           <a:p>
-            <a:pPr algn="ctr"/>
-            <a:r>
-              <a:rPr lang="en-US" sz="2000" dirty="0" err="1">
-                <a:solidFill>
-                  <a:schemeClr val="bg2">
-                    <a:lumMod val="25000"/>
-                  </a:schemeClr>
-                </a:solidFill>
-                <a:latin typeface="Lucida Bright" panose="02040602050505020304" pitchFamily="18" charset="0"/>
-                <a:cs typeface="Times New Roman" panose="02020603050405020304" pitchFamily="18" charset="0"/>
-              </a:rPr>
-              <a:t>s</a:t>
-            </a:r>
-            <a:r>
-              <a:rPr lang="en-US" sz="2000" dirty="0" err="1" smtClean="0">
-                <a:solidFill>
-                  <a:schemeClr val="bg2">
-                    <a:lumMod val="25000"/>
-                  </a:schemeClr>
-                </a:solidFill>
-                <a:latin typeface="Lucida Bright" panose="02040602050505020304" pitchFamily="18" charset="0"/>
-                <a:cs typeface="Times New Roman" panose="02020603050405020304" pitchFamily="18" charset="0"/>
-              </a:rPr>
-              <a:t>iječanj</a:t>
-            </a:r>
-            <a:r>
-              <a:rPr lang="en-US" sz="2000" dirty="0" smtClean="0">
-                <a:solidFill>
-                  <a:schemeClr val="bg2">
-                    <a:lumMod val="25000"/>
-                  </a:schemeClr>
-                </a:solidFill>
-                <a:latin typeface="Lucida Bright" panose="02040602050505020304" pitchFamily="18" charset="0"/>
-                <a:cs typeface="Times New Roman" panose="02020603050405020304" pitchFamily="18" charset="0"/>
-              </a:rPr>
-              <a:t> 2016.</a:t>
-            </a:r>
-            <a:endParaRPr lang="hr-HR" sz="2000" dirty="0">
-              <a:solidFill>
-                <a:schemeClr val="bg2">
-                  <a:lumMod val="25000"/>
-                </a:schemeClr>
-              </a:solidFill>
-              <a:latin typeface="Lucida Bright" panose="02040602050505020304" pitchFamily="18" charset="0"/>
-              <a:cs typeface="Times New Roman" panose="02020603050405020304" pitchFamily="18" charset="0"/>
-            </a:endParaRPr>
+            <a:endParaRPr lang="hr-HR"/>
           </a:p>
         </p:txBody>
       </p:sp>
-      <p:sp>
-        <p:nvSpPr>
-          <p:cNvPr id="14" name="Rectangle 13"/>
-          <p:cNvSpPr/>
-          <p:nvPr/>
-        </p:nvSpPr>
-        <p:spPr>
-          <a:xfrm>
-            <a:off x="3475091" y="1587478"/>
-            <a:ext cx="8309029" cy="2468678"/>
-          </a:xfrm>
-          <a:prstGeom prst="rect">
-            <a:avLst/>
-          </a:prstGeom>
-          <a:noFill/>
-          <a:ln>
-            <a:noFill/>
-          </a:ln>
-        </p:spPr>
-        <p:style>
-          <a:lnRef idx="2">
-            <a:schemeClr val="accent1">
-              <a:shade val="50000"/>
-            </a:schemeClr>
-          </a:lnRef>
-          <a:fillRef idx="1">
-            <a:schemeClr val="accent1"/>
-          </a:fillRef>
-          <a:effectRef idx="0">
-            <a:schemeClr val="accent1"/>
-          </a:effectRef>
-          <a:fontRef idx="minor">
-            <a:schemeClr val="lt1"/>
-          </a:fontRef>
-        </p:style>
-        <p:txBody>
-          <a:bodyPr rtlCol="0" anchor="ctr"/>
-          <a:lstStyle/>
-          <a:p>
-            <a:r>
-              <a:rPr lang="hr-HR" sz="4400" b="1" dirty="0">
-                <a:solidFill>
-                  <a:schemeClr val="bg2">
-                    <a:lumMod val="25000"/>
-                  </a:schemeClr>
-                </a:solidFill>
-                <a:latin typeface="Lucida Bright" panose="02040602050505020304" pitchFamily="18" charset="0"/>
-                <a:cs typeface="Times New Roman" panose="02020603050405020304" pitchFamily="18" charset="0"/>
-              </a:rPr>
-              <a:t>Izgradnja binarnog stabla </a:t>
-            </a:r>
-            <a:r>
-              <a:rPr lang="hr-HR" sz="4400" b="1" dirty="0" smtClean="0">
-                <a:solidFill>
-                  <a:schemeClr val="bg2">
-                    <a:lumMod val="25000"/>
-                  </a:schemeClr>
-                </a:solidFill>
-                <a:latin typeface="Lucida Bright" panose="02040602050505020304" pitchFamily="18" charset="0"/>
-                <a:cs typeface="Times New Roman" panose="02020603050405020304" pitchFamily="18" charset="0"/>
-              </a:rPr>
-              <a:t>valića </a:t>
-            </a:r>
-            <a:r>
-              <a:rPr lang="hr-HR" sz="4400" b="1" dirty="0">
-                <a:solidFill>
-                  <a:schemeClr val="bg2">
-                    <a:lumMod val="25000"/>
-                  </a:schemeClr>
-                </a:solidFill>
-                <a:latin typeface="Lucida Bright" panose="02040602050505020304" pitchFamily="18" charset="0"/>
-                <a:cs typeface="Times New Roman" panose="02020603050405020304" pitchFamily="18" charset="0"/>
-              </a:rPr>
-              <a:t>kao RRR strukture</a:t>
-            </a:r>
-          </a:p>
-        </p:txBody>
-      </p:sp>
-      <p:sp>
-        <p:nvSpPr>
-          <p:cNvPr id="15" name="Rectangle 14"/>
-          <p:cNvSpPr/>
-          <p:nvPr/>
-        </p:nvSpPr>
-        <p:spPr>
-          <a:xfrm>
-            <a:off x="3475091" y="1027952"/>
-            <a:ext cx="6245624" cy="1119052"/>
-          </a:xfrm>
-          <a:prstGeom prst="rect">
-            <a:avLst/>
-          </a:prstGeom>
-          <a:noFill/>
-          <a:ln>
-            <a:noFill/>
-          </a:ln>
-        </p:spPr>
-        <p:style>
-          <a:lnRef idx="2">
-            <a:schemeClr val="accent1">
-              <a:shade val="50000"/>
-            </a:schemeClr>
-          </a:lnRef>
-          <a:fillRef idx="1">
-            <a:schemeClr val="accent1"/>
-          </a:fillRef>
-          <a:effectRef idx="0">
-            <a:schemeClr val="accent1"/>
-          </a:effectRef>
-          <a:fontRef idx="minor">
-            <a:schemeClr val="lt1"/>
-          </a:fontRef>
-        </p:style>
-        <p:txBody>
-          <a:bodyPr rtlCol="0" anchor="ctr"/>
-          <a:lstStyle/>
-          <a:p>
-            <a:r>
-              <a:rPr lang="en-US" sz="3200" b="1" dirty="0" smtClean="0">
-                <a:solidFill>
-                  <a:schemeClr val="tx1">
-                    <a:lumMod val="65000"/>
-                    <a:lumOff val="35000"/>
-                  </a:schemeClr>
-                </a:solidFill>
-                <a:latin typeface="Lucida Bright" panose="02040602050505020304" pitchFamily="18" charset="0"/>
-                <a:cs typeface="Times New Roman" panose="02020603050405020304" pitchFamily="18" charset="0"/>
-              </a:rPr>
-              <a:t>ZAKLJUČAK</a:t>
-            </a:r>
-            <a:endParaRPr lang="hr-HR" sz="3200" b="1" dirty="0">
-              <a:solidFill>
-                <a:schemeClr val="tx1">
-                  <a:lumMod val="65000"/>
-                  <a:lumOff val="35000"/>
-                </a:schemeClr>
-              </a:solidFill>
-              <a:latin typeface="Lucida Bright" panose="02040602050505020304" pitchFamily="18" charset="0"/>
-              <a:cs typeface="Times New Roman" panose="02020603050405020304" pitchFamily="18" charset="0"/>
-            </a:endParaRPr>
-          </a:p>
-        </p:txBody>
-      </p:sp>
+      <p:graphicFrame>
+        <p:nvGraphicFramePr>
+          <p:cNvPr id="4" name="Chart 3"/>
+          <p:cNvGraphicFramePr>
+            <a:graphicFrameLocks/>
+          </p:cNvGraphicFramePr>
+          <p:nvPr>
+            <p:extLst>
+              <p:ext uri="{D42A27DB-BD31-4B8C-83A1-F6EECF244321}">
+                <p14:modId xmlns:p14="http://schemas.microsoft.com/office/powerpoint/2010/main" val="1892672409"/>
+              </p:ext>
+            </p:extLst>
+          </p:nvPr>
+        </p:nvGraphicFramePr>
+        <p:xfrm>
+          <a:off x="0" y="0"/>
+          <a:ext cx="12192000" cy="6858000"/>
+        </p:xfrm>
+        <a:graphic>
+          <a:graphicData uri="http://schemas.openxmlformats.org/drawingml/2006/chart">
+            <c:chart xmlns:c="http://schemas.openxmlformats.org/drawingml/2006/chart" xmlns:r="http://schemas.openxmlformats.org/officeDocument/2006/relationships" r:id="rId2"/>
+          </a:graphicData>
+        </a:graphic>
+      </p:graphicFrame>
     </p:spTree>
     <p:extLst>
       <p:ext uri="{BB962C8B-B14F-4D97-AF65-F5344CB8AC3E}">
-        <p14:creationId xmlns:p14="http://schemas.microsoft.com/office/powerpoint/2010/main" val="1690430611"/>
+        <p14:creationId xmlns:p14="http://schemas.microsoft.com/office/powerpoint/2010/main" val="3494233767"/>
       </p:ext>
     </p:extLst>
   </p:cSld>
   <p:clrMapOvr>
     <a:masterClrMapping/>
   </p:clrMapOvr>
-  <mc:AlternateContent xmlns:mc="http://schemas.openxmlformats.org/markup-compatibility/2006" xmlns:p14="http://schemas.microsoft.com/office/powerpoint/2010/main">
-    <mc:Choice Requires="p14">
-      <p:transition p14:dur="0"/>
-    </mc:Choice>
-    <mc:Fallback xmlns="">
-      <p:transition/>
-    </mc:Fallback>
-  </mc:AlternateContent>
   <p:timing>
     <p:tnLst>
       <p:par>
